--- a/illustrations/gan.pptx
+++ b/illustrations/gan.pptx
@@ -4,8 +4,12 @@
   <p:sldMasterIdLst>
     <p:sldMasterId id="2147483648" r:id="rId1"/>
   </p:sldMasterIdLst>
+  <p:notesMasterIdLst>
+    <p:notesMasterId r:id="rId4"/>
+  </p:notesMasterIdLst>
   <p:sldIdLst>
     <p:sldId id="256" r:id="rId2"/>
+    <p:sldId id="257" r:id="rId3"/>
   </p:sldIdLst>
   <p:sldSz cx="12192000" cy="6858000"/>
   <p:notesSz cx="6858000" cy="9144000"/>
@@ -104,7 +108,446 @@
       </a:defRPr>
     </a:lvl9pPr>
   </p:defaultTextStyle>
+  <p:extLst>
+    <p:ext uri="{EFAFB233-063F-42B5-8137-9DF3F51BA10A}">
+      <p15:sldGuideLst xmlns:p15="http://schemas.microsoft.com/office/powerpoint/2012/main"/>
+    </p:ext>
+  </p:extLst>
 </p:presentation>
+</file>
+
+<file path=ppt/notesMasters/notesMaster1.xml><?xml version="1.0" encoding="utf-8"?>
+<p:notesMaster xmlns:a="http://schemas.openxmlformats.org/drawingml/2006/main" xmlns:r="http://schemas.openxmlformats.org/officeDocument/2006/relationships" xmlns:p="http://schemas.openxmlformats.org/presentationml/2006/main">
+  <p:cSld>
+    <p:bg>
+      <p:bgRef idx="1001">
+        <a:schemeClr val="bg1"/>
+      </p:bgRef>
+    </p:bg>
+    <p:spTree>
+      <p:nvGrpSpPr>
+        <p:cNvPr id="1" name=""/>
+        <p:cNvGrpSpPr/>
+        <p:nvPr/>
+      </p:nvGrpSpPr>
+      <p:grpSpPr>
+        <a:xfrm>
+          <a:off x="0" y="0"/>
+          <a:ext cx="0" cy="0"/>
+          <a:chOff x="0" y="0"/>
+          <a:chExt cx="0" cy="0"/>
+        </a:xfrm>
+      </p:grpSpPr>
+      <p:sp>
+        <p:nvSpPr>
+          <p:cNvPr id="2" name="Espace réservé de l'en-tête 1"/>
+          <p:cNvSpPr>
+            <a:spLocks noGrp="1"/>
+          </p:cNvSpPr>
+          <p:nvPr>
+            <p:ph type="hdr" sz="quarter"/>
+          </p:nvPr>
+        </p:nvSpPr>
+        <p:spPr>
+          <a:xfrm>
+            <a:off x="0" y="0"/>
+            <a:ext cx="2971800" cy="458788"/>
+          </a:xfrm>
+          <a:prstGeom prst="rect">
+            <a:avLst/>
+          </a:prstGeom>
+        </p:spPr>
+        <p:txBody>
+          <a:bodyPr vert="horz" lIns="91440" tIns="45720" rIns="91440" bIns="45720" rtlCol="0"/>
+          <a:lstStyle>
+            <a:lvl1pPr algn="l">
+              <a:defRPr sz="1200"/>
+            </a:lvl1pPr>
+          </a:lstStyle>
+          <a:p>
+            <a:endParaRPr lang="fr-FR" dirty="0"/>
+          </a:p>
+        </p:txBody>
+      </p:sp>
+      <p:sp>
+        <p:nvSpPr>
+          <p:cNvPr id="3" name="Espace réservé de la date 2"/>
+          <p:cNvSpPr>
+            <a:spLocks noGrp="1"/>
+          </p:cNvSpPr>
+          <p:nvPr>
+            <p:ph type="dt" idx="1"/>
+          </p:nvPr>
+        </p:nvSpPr>
+        <p:spPr>
+          <a:xfrm>
+            <a:off x="3884613" y="0"/>
+            <a:ext cx="2971800" cy="458788"/>
+          </a:xfrm>
+          <a:prstGeom prst="rect">
+            <a:avLst/>
+          </a:prstGeom>
+        </p:spPr>
+        <p:txBody>
+          <a:bodyPr vert="horz" lIns="91440" tIns="45720" rIns="91440" bIns="45720" rtlCol="0"/>
+          <a:lstStyle>
+            <a:lvl1pPr algn="r">
+              <a:defRPr sz="1200"/>
+            </a:lvl1pPr>
+          </a:lstStyle>
+          <a:p>
+            <a:fld id="{B97BDFD7-5B93-4961-A767-CDB41E21344E}" type="datetimeFigureOut">
+              <a:rPr lang="fr-FR" smtClean="0"/>
+              <a:t>27/04/2021</a:t>
+            </a:fld>
+            <a:endParaRPr lang="fr-FR" dirty="0"/>
+          </a:p>
+        </p:txBody>
+      </p:sp>
+      <p:sp>
+        <p:nvSpPr>
+          <p:cNvPr id="4" name="Espace réservé de l'image des diapositives 3"/>
+          <p:cNvSpPr>
+            <a:spLocks noGrp="1" noRot="1" noChangeAspect="1"/>
+          </p:cNvSpPr>
+          <p:nvPr>
+            <p:ph type="sldImg" idx="2"/>
+          </p:nvPr>
+        </p:nvSpPr>
+        <p:spPr>
+          <a:xfrm>
+            <a:off x="685800" y="1143000"/>
+            <a:ext cx="5486400" cy="3086100"/>
+          </a:xfrm>
+          <a:prstGeom prst="rect">
+            <a:avLst/>
+          </a:prstGeom>
+          <a:noFill/>
+          <a:ln w="12700">
+            <a:solidFill>
+              <a:prstClr val="black"/>
+            </a:solidFill>
+          </a:ln>
+        </p:spPr>
+        <p:txBody>
+          <a:bodyPr vert="horz" lIns="91440" tIns="45720" rIns="91440" bIns="45720" rtlCol="0" anchor="ctr"/>
+          <a:lstStyle/>
+          <a:p>
+            <a:endParaRPr lang="fr-FR" dirty="0"/>
+          </a:p>
+        </p:txBody>
+      </p:sp>
+      <p:sp>
+        <p:nvSpPr>
+          <p:cNvPr id="5" name="Espace réservé des notes 4"/>
+          <p:cNvSpPr>
+            <a:spLocks noGrp="1"/>
+          </p:cNvSpPr>
+          <p:nvPr>
+            <p:ph type="body" sz="quarter" idx="3"/>
+          </p:nvPr>
+        </p:nvSpPr>
+        <p:spPr>
+          <a:xfrm>
+            <a:off x="685800" y="4400550"/>
+            <a:ext cx="5486400" cy="3600450"/>
+          </a:xfrm>
+          <a:prstGeom prst="rect">
+            <a:avLst/>
+          </a:prstGeom>
+        </p:spPr>
+        <p:txBody>
+          <a:bodyPr vert="horz" lIns="91440" tIns="45720" rIns="91440" bIns="45720" rtlCol="0"/>
+          <a:lstStyle/>
+          <a:p>
+            <a:pPr lvl="0"/>
+            <a:r>
+              <a:rPr lang="fr-FR" smtClean="0"/>
+              <a:t>Modifier les styles du texte du masque</a:t>
+            </a:r>
+          </a:p>
+          <a:p>
+            <a:pPr lvl="1"/>
+            <a:r>
+              <a:rPr lang="fr-FR" smtClean="0"/>
+              <a:t>Deuxième niveau</a:t>
+            </a:r>
+          </a:p>
+          <a:p>
+            <a:pPr lvl="2"/>
+            <a:r>
+              <a:rPr lang="fr-FR" smtClean="0"/>
+              <a:t>Troisième niveau</a:t>
+            </a:r>
+          </a:p>
+          <a:p>
+            <a:pPr lvl="3"/>
+            <a:r>
+              <a:rPr lang="fr-FR" smtClean="0"/>
+              <a:t>Quatrième niveau</a:t>
+            </a:r>
+          </a:p>
+          <a:p>
+            <a:pPr lvl="4"/>
+            <a:r>
+              <a:rPr lang="fr-FR" smtClean="0"/>
+              <a:t>Cinquième niveau</a:t>
+            </a:r>
+            <a:endParaRPr lang="fr-FR"/>
+          </a:p>
+        </p:txBody>
+      </p:sp>
+      <p:sp>
+        <p:nvSpPr>
+          <p:cNvPr id="6" name="Espace réservé du pied de page 5"/>
+          <p:cNvSpPr>
+            <a:spLocks noGrp="1"/>
+          </p:cNvSpPr>
+          <p:nvPr>
+            <p:ph type="ftr" sz="quarter" idx="4"/>
+          </p:nvPr>
+        </p:nvSpPr>
+        <p:spPr>
+          <a:xfrm>
+            <a:off x="0" y="8685213"/>
+            <a:ext cx="2971800" cy="458787"/>
+          </a:xfrm>
+          <a:prstGeom prst="rect">
+            <a:avLst/>
+          </a:prstGeom>
+        </p:spPr>
+        <p:txBody>
+          <a:bodyPr vert="horz" lIns="91440" tIns="45720" rIns="91440" bIns="45720" rtlCol="0" anchor="b"/>
+          <a:lstStyle>
+            <a:lvl1pPr algn="l">
+              <a:defRPr sz="1200"/>
+            </a:lvl1pPr>
+          </a:lstStyle>
+          <a:p>
+            <a:endParaRPr lang="fr-FR" dirty="0"/>
+          </a:p>
+        </p:txBody>
+      </p:sp>
+      <p:sp>
+        <p:nvSpPr>
+          <p:cNvPr id="7" name="Espace réservé du numéro de diapositive 6"/>
+          <p:cNvSpPr>
+            <a:spLocks noGrp="1"/>
+          </p:cNvSpPr>
+          <p:nvPr>
+            <p:ph type="sldNum" sz="quarter" idx="5"/>
+          </p:nvPr>
+        </p:nvSpPr>
+        <p:spPr>
+          <a:xfrm>
+            <a:off x="3884613" y="8685213"/>
+            <a:ext cx="2971800" cy="458787"/>
+          </a:xfrm>
+          <a:prstGeom prst="rect">
+            <a:avLst/>
+          </a:prstGeom>
+        </p:spPr>
+        <p:txBody>
+          <a:bodyPr vert="horz" lIns="91440" tIns="45720" rIns="91440" bIns="45720" rtlCol="0" anchor="b"/>
+          <a:lstStyle>
+            <a:lvl1pPr algn="r">
+              <a:defRPr sz="1200"/>
+            </a:lvl1pPr>
+          </a:lstStyle>
+          <a:p>
+            <a:fld id="{FE11ED0F-5992-4269-BEC5-7D073F4D50D7}" type="slidenum">
+              <a:rPr lang="fr-FR" smtClean="0"/>
+              <a:t>‹N°›</a:t>
+            </a:fld>
+            <a:endParaRPr lang="fr-FR" dirty="0"/>
+          </a:p>
+        </p:txBody>
+      </p:sp>
+    </p:spTree>
+    <p:extLst>
+      <p:ext uri="{BB962C8B-B14F-4D97-AF65-F5344CB8AC3E}">
+        <p14:creationId xmlns:p14="http://schemas.microsoft.com/office/powerpoint/2010/main" val="2380106877"/>
+      </p:ext>
+    </p:extLst>
+  </p:cSld>
+  <p:clrMap bg1="lt1" tx1="dk1" bg2="lt2" tx2="dk2" accent1="accent1" accent2="accent2" accent3="accent3" accent4="accent4" accent5="accent5" accent6="accent6" hlink="hlink" folHlink="folHlink"/>
+  <p:notesStyle>
+    <a:lvl1pPr marL="0" algn="l" defTabSz="914400" rtl="0" eaLnBrk="1" latinLnBrk="0" hangingPunct="1">
+      <a:defRPr sz="1200" kern="1200">
+        <a:solidFill>
+          <a:schemeClr val="tx1"/>
+        </a:solidFill>
+        <a:latin typeface="+mn-lt"/>
+        <a:ea typeface="+mn-ea"/>
+        <a:cs typeface="+mn-cs"/>
+      </a:defRPr>
+    </a:lvl1pPr>
+    <a:lvl2pPr marL="457200" algn="l" defTabSz="914400" rtl="0" eaLnBrk="1" latinLnBrk="0" hangingPunct="1">
+      <a:defRPr sz="1200" kern="1200">
+        <a:solidFill>
+          <a:schemeClr val="tx1"/>
+        </a:solidFill>
+        <a:latin typeface="+mn-lt"/>
+        <a:ea typeface="+mn-ea"/>
+        <a:cs typeface="+mn-cs"/>
+      </a:defRPr>
+    </a:lvl2pPr>
+    <a:lvl3pPr marL="914400" algn="l" defTabSz="914400" rtl="0" eaLnBrk="1" latinLnBrk="0" hangingPunct="1">
+      <a:defRPr sz="1200" kern="1200">
+        <a:solidFill>
+          <a:schemeClr val="tx1"/>
+        </a:solidFill>
+        <a:latin typeface="+mn-lt"/>
+        <a:ea typeface="+mn-ea"/>
+        <a:cs typeface="+mn-cs"/>
+      </a:defRPr>
+    </a:lvl3pPr>
+    <a:lvl4pPr marL="1371600" algn="l" defTabSz="914400" rtl="0" eaLnBrk="1" latinLnBrk="0" hangingPunct="1">
+      <a:defRPr sz="1200" kern="1200">
+        <a:solidFill>
+          <a:schemeClr val="tx1"/>
+        </a:solidFill>
+        <a:latin typeface="+mn-lt"/>
+        <a:ea typeface="+mn-ea"/>
+        <a:cs typeface="+mn-cs"/>
+      </a:defRPr>
+    </a:lvl4pPr>
+    <a:lvl5pPr marL="1828800" algn="l" defTabSz="914400" rtl="0" eaLnBrk="1" latinLnBrk="0" hangingPunct="1">
+      <a:defRPr sz="1200" kern="1200">
+        <a:solidFill>
+          <a:schemeClr val="tx1"/>
+        </a:solidFill>
+        <a:latin typeface="+mn-lt"/>
+        <a:ea typeface="+mn-ea"/>
+        <a:cs typeface="+mn-cs"/>
+      </a:defRPr>
+    </a:lvl5pPr>
+    <a:lvl6pPr marL="2286000" algn="l" defTabSz="914400" rtl="0" eaLnBrk="1" latinLnBrk="0" hangingPunct="1">
+      <a:defRPr sz="1200" kern="1200">
+        <a:solidFill>
+          <a:schemeClr val="tx1"/>
+        </a:solidFill>
+        <a:latin typeface="+mn-lt"/>
+        <a:ea typeface="+mn-ea"/>
+        <a:cs typeface="+mn-cs"/>
+      </a:defRPr>
+    </a:lvl6pPr>
+    <a:lvl7pPr marL="2743200" algn="l" defTabSz="914400" rtl="0" eaLnBrk="1" latinLnBrk="0" hangingPunct="1">
+      <a:defRPr sz="1200" kern="1200">
+        <a:solidFill>
+          <a:schemeClr val="tx1"/>
+        </a:solidFill>
+        <a:latin typeface="+mn-lt"/>
+        <a:ea typeface="+mn-ea"/>
+        <a:cs typeface="+mn-cs"/>
+      </a:defRPr>
+    </a:lvl7pPr>
+    <a:lvl8pPr marL="3200400" algn="l" defTabSz="914400" rtl="0" eaLnBrk="1" latinLnBrk="0" hangingPunct="1">
+      <a:defRPr sz="1200" kern="1200">
+        <a:solidFill>
+          <a:schemeClr val="tx1"/>
+        </a:solidFill>
+        <a:latin typeface="+mn-lt"/>
+        <a:ea typeface="+mn-ea"/>
+        <a:cs typeface="+mn-cs"/>
+      </a:defRPr>
+    </a:lvl8pPr>
+    <a:lvl9pPr marL="3657600" algn="l" defTabSz="914400" rtl="0" eaLnBrk="1" latinLnBrk="0" hangingPunct="1">
+      <a:defRPr sz="1200" kern="1200">
+        <a:solidFill>
+          <a:schemeClr val="tx1"/>
+        </a:solidFill>
+        <a:latin typeface="+mn-lt"/>
+        <a:ea typeface="+mn-ea"/>
+        <a:cs typeface="+mn-cs"/>
+      </a:defRPr>
+    </a:lvl9pPr>
+  </p:notesStyle>
+</p:notesMaster>
+</file>
+
+<file path=ppt/notesSlides/notesSlide1.xml><?xml version="1.0" encoding="utf-8"?>
+<p:notes xmlns:a="http://schemas.openxmlformats.org/drawingml/2006/main" xmlns:r="http://schemas.openxmlformats.org/officeDocument/2006/relationships" xmlns:p="http://schemas.openxmlformats.org/presentationml/2006/main">
+  <p:cSld>
+    <p:spTree>
+      <p:nvGrpSpPr>
+        <p:cNvPr id="1" name=""/>
+        <p:cNvGrpSpPr/>
+        <p:nvPr/>
+      </p:nvGrpSpPr>
+      <p:grpSpPr>
+        <a:xfrm>
+          <a:off x="0" y="0"/>
+          <a:ext cx="0" cy="0"/>
+          <a:chOff x="0" y="0"/>
+          <a:chExt cx="0" cy="0"/>
+        </a:xfrm>
+      </p:grpSpPr>
+      <p:sp>
+        <p:nvSpPr>
+          <p:cNvPr id="2" name="Espace réservé de l'image des diapositives 1"/>
+          <p:cNvSpPr>
+            <a:spLocks noGrp="1" noRot="1" noChangeAspect="1"/>
+          </p:cNvSpPr>
+          <p:nvPr>
+            <p:ph type="sldImg"/>
+          </p:nvPr>
+        </p:nvSpPr>
+        <p:spPr/>
+      </p:sp>
+      <p:sp>
+        <p:nvSpPr>
+          <p:cNvPr id="3" name="Espace réservé des notes 2"/>
+          <p:cNvSpPr>
+            <a:spLocks noGrp="1"/>
+          </p:cNvSpPr>
+          <p:nvPr>
+            <p:ph type="body" idx="1"/>
+          </p:nvPr>
+        </p:nvSpPr>
+        <p:spPr/>
+        <p:txBody>
+          <a:bodyPr/>
+          <a:lstStyle/>
+          <a:p>
+            <a:endParaRPr lang="fr-FR" dirty="0"/>
+          </a:p>
+        </p:txBody>
+      </p:sp>
+      <p:sp>
+        <p:nvSpPr>
+          <p:cNvPr id="4" name="Espace réservé du numéro de diapositive 3"/>
+          <p:cNvSpPr>
+            <a:spLocks noGrp="1"/>
+          </p:cNvSpPr>
+          <p:nvPr>
+            <p:ph type="sldNum" sz="quarter" idx="10"/>
+          </p:nvPr>
+        </p:nvSpPr>
+        <p:spPr/>
+        <p:txBody>
+          <a:bodyPr/>
+          <a:lstStyle/>
+          <a:p>
+            <a:fld id="{FE11ED0F-5992-4269-BEC5-7D073F4D50D7}" type="slidenum">
+              <a:rPr lang="fr-FR" smtClean="0"/>
+              <a:t>2</a:t>
+            </a:fld>
+            <a:endParaRPr lang="fr-FR" dirty="0"/>
+          </a:p>
+        </p:txBody>
+      </p:sp>
+    </p:spTree>
+    <p:extLst>
+      <p:ext uri="{BB962C8B-B14F-4D97-AF65-F5344CB8AC3E}">
+        <p14:creationId xmlns:p14="http://schemas.microsoft.com/office/powerpoint/2010/main" val="264908008"/>
+      </p:ext>
+    </p:extLst>
+  </p:cSld>
+  <p:clrMapOvr>
+    <a:masterClrMapping/>
+  </p:clrMapOvr>
+</p:notes>
 </file>
 
 <file path=ppt/slideLayouts/slideLayout1.xml><?xml version="1.0" encoding="utf-8"?>
@@ -238,9 +681,9 @@
           <a:p>
             <a:fld id="{708DA0F0-33E7-4D32-85CA-597673ED4A98}" type="datetimeFigureOut">
               <a:rPr lang="fr-FR" smtClean="0"/>
-              <a:t>26/04/2021</a:t>
+              <a:t>27/04/2021</a:t>
             </a:fld>
-            <a:endParaRPr lang="fr-FR"/>
+            <a:endParaRPr lang="fr-FR" dirty="0"/>
           </a:p>
         </p:txBody>
       </p:sp>
@@ -259,7 +702,7 @@
           <a:bodyPr/>
           <a:lstStyle/>
           <a:p>
-            <a:endParaRPr lang="fr-FR"/>
+            <a:endParaRPr lang="fr-FR" dirty="0"/>
           </a:p>
         </p:txBody>
       </p:sp>
@@ -280,9 +723,9 @@
           <a:p>
             <a:fld id="{A3B53A16-1E7B-47C5-9522-06DDB1454998}" type="slidenum">
               <a:rPr lang="fr-FR" smtClean="0"/>
-              <a:t>‹#›</a:t>
+              <a:t>‹N°›</a:t>
             </a:fld>
-            <a:endParaRPr lang="fr-FR"/>
+            <a:endParaRPr lang="fr-FR" dirty="0"/>
           </a:p>
         </p:txBody>
       </p:sp>
@@ -408,9 +851,9 @@
           <a:p>
             <a:fld id="{708DA0F0-33E7-4D32-85CA-597673ED4A98}" type="datetimeFigureOut">
               <a:rPr lang="fr-FR" smtClean="0"/>
-              <a:t>26/04/2021</a:t>
+              <a:t>27/04/2021</a:t>
             </a:fld>
-            <a:endParaRPr lang="fr-FR"/>
+            <a:endParaRPr lang="fr-FR" dirty="0"/>
           </a:p>
         </p:txBody>
       </p:sp>
@@ -429,7 +872,7 @@
           <a:bodyPr/>
           <a:lstStyle/>
           <a:p>
-            <a:endParaRPr lang="fr-FR"/>
+            <a:endParaRPr lang="fr-FR" dirty="0"/>
           </a:p>
         </p:txBody>
       </p:sp>
@@ -450,9 +893,9 @@
           <a:p>
             <a:fld id="{A3B53A16-1E7B-47C5-9522-06DDB1454998}" type="slidenum">
               <a:rPr lang="fr-FR" smtClean="0"/>
-              <a:t>‹#›</a:t>
+              <a:t>‹N°›</a:t>
             </a:fld>
-            <a:endParaRPr lang="fr-FR"/>
+            <a:endParaRPr lang="fr-FR" dirty="0"/>
           </a:p>
         </p:txBody>
       </p:sp>
@@ -588,9 +1031,9 @@
           <a:p>
             <a:fld id="{708DA0F0-33E7-4D32-85CA-597673ED4A98}" type="datetimeFigureOut">
               <a:rPr lang="fr-FR" smtClean="0"/>
-              <a:t>26/04/2021</a:t>
+              <a:t>27/04/2021</a:t>
             </a:fld>
-            <a:endParaRPr lang="fr-FR"/>
+            <a:endParaRPr lang="fr-FR" dirty="0"/>
           </a:p>
         </p:txBody>
       </p:sp>
@@ -609,7 +1052,7 @@
           <a:bodyPr/>
           <a:lstStyle/>
           <a:p>
-            <a:endParaRPr lang="fr-FR"/>
+            <a:endParaRPr lang="fr-FR" dirty="0"/>
           </a:p>
         </p:txBody>
       </p:sp>
@@ -630,9 +1073,9 @@
           <a:p>
             <a:fld id="{A3B53A16-1E7B-47C5-9522-06DDB1454998}" type="slidenum">
               <a:rPr lang="fr-FR" smtClean="0"/>
-              <a:t>‹#›</a:t>
+              <a:t>‹N°›</a:t>
             </a:fld>
-            <a:endParaRPr lang="fr-FR"/>
+            <a:endParaRPr lang="fr-FR" dirty="0"/>
           </a:p>
         </p:txBody>
       </p:sp>
@@ -758,9 +1201,9 @@
           <a:p>
             <a:fld id="{708DA0F0-33E7-4D32-85CA-597673ED4A98}" type="datetimeFigureOut">
               <a:rPr lang="fr-FR" smtClean="0"/>
-              <a:t>26/04/2021</a:t>
+              <a:t>27/04/2021</a:t>
             </a:fld>
-            <a:endParaRPr lang="fr-FR"/>
+            <a:endParaRPr lang="fr-FR" dirty="0"/>
           </a:p>
         </p:txBody>
       </p:sp>
@@ -779,7 +1222,7 @@
           <a:bodyPr/>
           <a:lstStyle/>
           <a:p>
-            <a:endParaRPr lang="fr-FR"/>
+            <a:endParaRPr lang="fr-FR" dirty="0"/>
           </a:p>
         </p:txBody>
       </p:sp>
@@ -800,9 +1243,9 @@
           <a:p>
             <a:fld id="{A3B53A16-1E7B-47C5-9522-06DDB1454998}" type="slidenum">
               <a:rPr lang="fr-FR" smtClean="0"/>
-              <a:t>‹#›</a:t>
+              <a:t>‹N°›</a:t>
             </a:fld>
-            <a:endParaRPr lang="fr-FR"/>
+            <a:endParaRPr lang="fr-FR" dirty="0"/>
           </a:p>
         </p:txBody>
       </p:sp>
@@ -1004,9 +1447,9 @@
           <a:p>
             <a:fld id="{708DA0F0-33E7-4D32-85CA-597673ED4A98}" type="datetimeFigureOut">
               <a:rPr lang="fr-FR" smtClean="0"/>
-              <a:t>26/04/2021</a:t>
+              <a:t>27/04/2021</a:t>
             </a:fld>
-            <a:endParaRPr lang="fr-FR"/>
+            <a:endParaRPr lang="fr-FR" dirty="0"/>
           </a:p>
         </p:txBody>
       </p:sp>
@@ -1025,7 +1468,7 @@
           <a:bodyPr/>
           <a:lstStyle/>
           <a:p>
-            <a:endParaRPr lang="fr-FR"/>
+            <a:endParaRPr lang="fr-FR" dirty="0"/>
           </a:p>
         </p:txBody>
       </p:sp>
@@ -1046,9 +1489,9 @@
           <a:p>
             <a:fld id="{A3B53A16-1E7B-47C5-9522-06DDB1454998}" type="slidenum">
               <a:rPr lang="fr-FR" smtClean="0"/>
-              <a:t>‹#›</a:t>
+              <a:t>‹N°›</a:t>
             </a:fld>
-            <a:endParaRPr lang="fr-FR"/>
+            <a:endParaRPr lang="fr-FR" dirty="0"/>
           </a:p>
         </p:txBody>
       </p:sp>
@@ -1236,9 +1679,9 @@
           <a:p>
             <a:fld id="{708DA0F0-33E7-4D32-85CA-597673ED4A98}" type="datetimeFigureOut">
               <a:rPr lang="fr-FR" smtClean="0"/>
-              <a:t>26/04/2021</a:t>
+              <a:t>27/04/2021</a:t>
             </a:fld>
-            <a:endParaRPr lang="fr-FR"/>
+            <a:endParaRPr lang="fr-FR" dirty="0"/>
           </a:p>
         </p:txBody>
       </p:sp>
@@ -1257,7 +1700,7 @@
           <a:bodyPr/>
           <a:lstStyle/>
           <a:p>
-            <a:endParaRPr lang="fr-FR"/>
+            <a:endParaRPr lang="fr-FR" dirty="0"/>
           </a:p>
         </p:txBody>
       </p:sp>
@@ -1278,9 +1721,9 @@
           <a:p>
             <a:fld id="{A3B53A16-1E7B-47C5-9522-06DDB1454998}" type="slidenum">
               <a:rPr lang="fr-FR" smtClean="0"/>
-              <a:t>‹#›</a:t>
+              <a:t>‹N°›</a:t>
             </a:fld>
-            <a:endParaRPr lang="fr-FR"/>
+            <a:endParaRPr lang="fr-FR" dirty="0"/>
           </a:p>
         </p:txBody>
       </p:sp>
@@ -1603,9 +2046,9 @@
           <a:p>
             <a:fld id="{708DA0F0-33E7-4D32-85CA-597673ED4A98}" type="datetimeFigureOut">
               <a:rPr lang="fr-FR" smtClean="0"/>
-              <a:t>26/04/2021</a:t>
+              <a:t>27/04/2021</a:t>
             </a:fld>
-            <a:endParaRPr lang="fr-FR"/>
+            <a:endParaRPr lang="fr-FR" dirty="0"/>
           </a:p>
         </p:txBody>
       </p:sp>
@@ -1624,7 +2067,7 @@
           <a:bodyPr/>
           <a:lstStyle/>
           <a:p>
-            <a:endParaRPr lang="fr-FR"/>
+            <a:endParaRPr lang="fr-FR" dirty="0"/>
           </a:p>
         </p:txBody>
       </p:sp>
@@ -1645,9 +2088,9 @@
           <a:p>
             <a:fld id="{A3B53A16-1E7B-47C5-9522-06DDB1454998}" type="slidenum">
               <a:rPr lang="fr-FR" smtClean="0"/>
-              <a:t>‹#›</a:t>
+              <a:t>‹N°›</a:t>
             </a:fld>
-            <a:endParaRPr lang="fr-FR"/>
+            <a:endParaRPr lang="fr-FR" dirty="0"/>
           </a:p>
         </p:txBody>
       </p:sp>
@@ -1721,9 +2164,9 @@
           <a:p>
             <a:fld id="{708DA0F0-33E7-4D32-85CA-597673ED4A98}" type="datetimeFigureOut">
               <a:rPr lang="fr-FR" smtClean="0"/>
-              <a:t>26/04/2021</a:t>
+              <a:t>27/04/2021</a:t>
             </a:fld>
-            <a:endParaRPr lang="fr-FR"/>
+            <a:endParaRPr lang="fr-FR" dirty="0"/>
           </a:p>
         </p:txBody>
       </p:sp>
@@ -1742,7 +2185,7 @@
           <a:bodyPr/>
           <a:lstStyle/>
           <a:p>
-            <a:endParaRPr lang="fr-FR"/>
+            <a:endParaRPr lang="fr-FR" dirty="0"/>
           </a:p>
         </p:txBody>
       </p:sp>
@@ -1763,9 +2206,9 @@
           <a:p>
             <a:fld id="{A3B53A16-1E7B-47C5-9522-06DDB1454998}" type="slidenum">
               <a:rPr lang="fr-FR" smtClean="0"/>
-              <a:t>‹#›</a:t>
+              <a:t>‹N°›</a:t>
             </a:fld>
-            <a:endParaRPr lang="fr-FR"/>
+            <a:endParaRPr lang="fr-FR" dirty="0"/>
           </a:p>
         </p:txBody>
       </p:sp>
@@ -1816,9 +2259,9 @@
           <a:p>
             <a:fld id="{708DA0F0-33E7-4D32-85CA-597673ED4A98}" type="datetimeFigureOut">
               <a:rPr lang="fr-FR" smtClean="0"/>
-              <a:t>26/04/2021</a:t>
+              <a:t>27/04/2021</a:t>
             </a:fld>
-            <a:endParaRPr lang="fr-FR"/>
+            <a:endParaRPr lang="fr-FR" dirty="0"/>
           </a:p>
         </p:txBody>
       </p:sp>
@@ -1837,7 +2280,7 @@
           <a:bodyPr/>
           <a:lstStyle/>
           <a:p>
-            <a:endParaRPr lang="fr-FR"/>
+            <a:endParaRPr lang="fr-FR" dirty="0"/>
           </a:p>
         </p:txBody>
       </p:sp>
@@ -1858,9 +2301,9 @@
           <a:p>
             <a:fld id="{A3B53A16-1E7B-47C5-9522-06DDB1454998}" type="slidenum">
               <a:rPr lang="fr-FR" smtClean="0"/>
-              <a:t>‹#›</a:t>
+              <a:t>‹N°›</a:t>
             </a:fld>
-            <a:endParaRPr lang="fr-FR"/>
+            <a:endParaRPr lang="fr-FR" dirty="0"/>
           </a:p>
         </p:txBody>
       </p:sp>
@@ -2093,9 +2536,9 @@
           <a:p>
             <a:fld id="{708DA0F0-33E7-4D32-85CA-597673ED4A98}" type="datetimeFigureOut">
               <a:rPr lang="fr-FR" smtClean="0"/>
-              <a:t>26/04/2021</a:t>
+              <a:t>27/04/2021</a:t>
             </a:fld>
-            <a:endParaRPr lang="fr-FR"/>
+            <a:endParaRPr lang="fr-FR" dirty="0"/>
           </a:p>
         </p:txBody>
       </p:sp>
@@ -2114,7 +2557,7 @@
           <a:bodyPr/>
           <a:lstStyle/>
           <a:p>
-            <a:endParaRPr lang="fr-FR"/>
+            <a:endParaRPr lang="fr-FR" dirty="0"/>
           </a:p>
         </p:txBody>
       </p:sp>
@@ -2135,9 +2578,9 @@
           <a:p>
             <a:fld id="{A3B53A16-1E7B-47C5-9522-06DDB1454998}" type="slidenum">
               <a:rPr lang="fr-FR" smtClean="0"/>
-              <a:t>‹#›</a:t>
+              <a:t>‹N°›</a:t>
             </a:fld>
-            <a:endParaRPr lang="fr-FR"/>
+            <a:endParaRPr lang="fr-FR" dirty="0"/>
           </a:p>
         </p:txBody>
       </p:sp>
@@ -2260,7 +2703,7 @@
             </a:lvl9pPr>
           </a:lstStyle>
           <a:p>
-            <a:endParaRPr lang="fr-FR"/>
+            <a:endParaRPr lang="fr-FR" dirty="0"/>
           </a:p>
         </p:txBody>
       </p:sp>
@@ -2346,9 +2789,9 @@
           <a:p>
             <a:fld id="{708DA0F0-33E7-4D32-85CA-597673ED4A98}" type="datetimeFigureOut">
               <a:rPr lang="fr-FR" smtClean="0"/>
-              <a:t>26/04/2021</a:t>
+              <a:t>27/04/2021</a:t>
             </a:fld>
-            <a:endParaRPr lang="fr-FR"/>
+            <a:endParaRPr lang="fr-FR" dirty="0"/>
           </a:p>
         </p:txBody>
       </p:sp>
@@ -2367,7 +2810,7 @@
           <a:bodyPr/>
           <a:lstStyle/>
           <a:p>
-            <a:endParaRPr lang="fr-FR"/>
+            <a:endParaRPr lang="fr-FR" dirty="0"/>
           </a:p>
         </p:txBody>
       </p:sp>
@@ -2388,9 +2831,9 @@
           <a:p>
             <a:fld id="{A3B53A16-1E7B-47C5-9522-06DDB1454998}" type="slidenum">
               <a:rPr lang="fr-FR" smtClean="0"/>
-              <a:t>‹#›</a:t>
+              <a:t>‹N°›</a:t>
             </a:fld>
-            <a:endParaRPr lang="fr-FR"/>
+            <a:endParaRPr lang="fr-FR" dirty="0"/>
           </a:p>
         </p:txBody>
       </p:sp>
@@ -2559,9 +3002,9 @@
           <a:p>
             <a:fld id="{708DA0F0-33E7-4D32-85CA-597673ED4A98}" type="datetimeFigureOut">
               <a:rPr lang="fr-FR" smtClean="0"/>
-              <a:t>26/04/2021</a:t>
+              <a:t>27/04/2021</a:t>
             </a:fld>
-            <a:endParaRPr lang="fr-FR"/>
+            <a:endParaRPr lang="fr-FR" dirty="0"/>
           </a:p>
         </p:txBody>
       </p:sp>
@@ -2598,7 +3041,7 @@
             </a:lvl1pPr>
           </a:lstStyle>
           <a:p>
-            <a:endParaRPr lang="fr-FR"/>
+            <a:endParaRPr lang="fr-FR" dirty="0"/>
           </a:p>
         </p:txBody>
       </p:sp>
@@ -2637,9 +3080,50 @@
           <a:p>
             <a:fld id="{A3B53A16-1E7B-47C5-9522-06DDB1454998}" type="slidenum">
               <a:rPr lang="fr-FR" smtClean="0"/>
-              <a:t>‹#›</a:t>
+              <a:t>‹N°›</a:t>
             </a:fld>
-            <a:endParaRPr lang="fr-FR"/>
+            <a:endParaRPr lang="fr-FR" dirty="0"/>
+          </a:p>
+        </p:txBody>
+      </p:sp>
+      <p:sp>
+        <p:nvSpPr>
+          <p:cNvPr id="7" name="hc" descr="C2 - Restricted"/>
+          <p:cNvSpPr txBox="1"/>
+          <p:nvPr userDrawn="1"/>
+        </p:nvSpPr>
+        <p:spPr>
+          <a:xfrm>
+            <a:off x="0" y="0"/>
+            <a:ext cx="12192000" cy="223138"/>
+          </a:xfrm>
+          <a:prstGeom prst="rect">
+            <a:avLst/>
+          </a:prstGeom>
+          <a:noFill/>
+        </p:spPr>
+        <p:txBody>
+          <a:bodyPr vert="horz" rtlCol="0">
+            <a:spAutoFit/>
+          </a:bodyPr>
+          <a:lstStyle/>
+          <a:p>
+            <a:pPr algn="ctr"/>
+            <a:r>
+              <a:rPr lang="fr-FR" sz="850" b="0" i="0" u="none" baseline="0" smtClean="0">
+                <a:solidFill>
+                  <a:srgbClr val="FF9900"/>
+                </a:solidFill>
+                <a:latin typeface="Microsoft Sans Serif" panose="020B0604020202020204" pitchFamily="34" charset="0"/>
+              </a:rPr>
+              <a:t>C2 - Restricted</a:t>
+            </a:r>
+            <a:endParaRPr lang="fr-FR" sz="850" b="0" i="0" u="none" baseline="0" dirty="0">
+              <a:solidFill>
+                <a:srgbClr val="FF9900"/>
+              </a:solidFill>
+              <a:latin typeface="Microsoft Sans Serif" panose="020B0604020202020204" pitchFamily="34" charset="0"/>
+            </a:endParaRPr>
           </a:p>
         </p:txBody>
       </p:sp>
@@ -2664,6 +3148,13 @@
     <p:sldLayoutId id="2147483658" r:id="rId10"/>
     <p:sldLayoutId id="2147483659" r:id="rId11"/>
   </p:sldLayoutIdLst>
+  <p:timing>
+    <p:tnLst>
+      <p:par>
+        <p:cTn id="1" dur="indefinite" restart="never" nodeType="tmRoot"/>
+      </p:par>
+    </p:tnLst>
+  </p:timing>
   <p:txStyles>
     <p:titleStyle>
       <a:lvl1pPr algn="l" defTabSz="914400" rtl="0" eaLnBrk="1" latinLnBrk="0" hangingPunct="1">
@@ -3006,7 +3497,7 @@
           <a:lstStyle/>
           <a:p>
             <a:pPr algn="ctr"/>
-            <a:endParaRPr lang="fr-FR"/>
+            <a:endParaRPr lang="fr-FR" dirty="0"/>
           </a:p>
         </p:txBody>
       </p:sp>
@@ -3052,7 +3543,7 @@
           <a:lstStyle/>
           <a:p>
             <a:pPr algn="ctr"/>
-            <a:endParaRPr lang="fr-FR"/>
+            <a:endParaRPr lang="fr-FR" dirty="0"/>
           </a:p>
         </p:txBody>
       </p:sp>
@@ -3098,7 +3589,7 @@
           <a:lstStyle/>
           <a:p>
             <a:pPr algn="ctr"/>
-            <a:endParaRPr lang="fr-FR"/>
+            <a:endParaRPr lang="fr-FR" dirty="0"/>
           </a:p>
         </p:txBody>
       </p:sp>
@@ -3144,7 +3635,7 @@
           <a:lstStyle/>
           <a:p>
             <a:pPr algn="ctr"/>
-            <a:endParaRPr lang="fr-FR"/>
+            <a:endParaRPr lang="fr-FR" dirty="0"/>
           </a:p>
         </p:txBody>
       </p:sp>
@@ -3195,7 +3686,7 @@
           <a:lstStyle/>
           <a:p>
             <a:pPr algn="ctr"/>
-            <a:endParaRPr lang="fr-FR"/>
+            <a:endParaRPr lang="fr-FR" dirty="0"/>
           </a:p>
         </p:txBody>
       </p:sp>
@@ -3244,7 +3735,7 @@
           <a:lstStyle/>
           <a:p>
             <a:pPr algn="ctr"/>
-            <a:endParaRPr lang="fr-FR"/>
+            <a:endParaRPr lang="fr-FR" dirty="0"/>
           </a:p>
         </p:txBody>
       </p:sp>
@@ -3290,7 +3781,7 @@
           <a:lstStyle/>
           <a:p>
             <a:pPr algn="ctr"/>
-            <a:endParaRPr lang="fr-FR"/>
+            <a:endParaRPr lang="fr-FR" dirty="0"/>
           </a:p>
         </p:txBody>
       </p:sp>
@@ -3336,7 +3827,7 @@
           <a:lstStyle/>
           <a:p>
             <a:pPr algn="ctr"/>
-            <a:endParaRPr lang="fr-FR"/>
+            <a:endParaRPr lang="fr-FR" dirty="0"/>
           </a:p>
         </p:txBody>
       </p:sp>
@@ -3396,7 +3887,7 @@
             <a:lstStyle/>
             <a:p>
               <a:pPr algn="ctr"/>
-              <a:endParaRPr lang="fr-FR">
+              <a:endParaRPr lang="fr-FR" dirty="0">
                 <a:solidFill>
                   <a:srgbClr val="C00000"/>
                 </a:solidFill>
@@ -3478,7 +3969,7 @@
                 <a:lstStyle/>
                 <a:p>
                   <a:pPr algn="ctr"/>
-                  <a:endParaRPr lang="fr-FR">
+                  <a:endParaRPr lang="fr-FR" dirty="0">
                     <a:solidFill>
                       <a:srgbClr val="C00000"/>
                     </a:solidFill>
@@ -3528,7 +4019,7 @@
                 <a:lstStyle/>
                 <a:p>
                   <a:pPr algn="ctr"/>
-                  <a:endParaRPr lang="fr-FR">
+                  <a:endParaRPr lang="fr-FR" dirty="0">
                     <a:solidFill>
                       <a:srgbClr val="C00000"/>
                     </a:solidFill>
@@ -3578,7 +4069,7 @@
                 <a:lstStyle/>
                 <a:p>
                   <a:pPr algn="ctr"/>
-                  <a:endParaRPr lang="fr-FR">
+                  <a:endParaRPr lang="fr-FR" dirty="0">
                     <a:solidFill>
                       <a:srgbClr val="C00000"/>
                     </a:solidFill>
@@ -3628,7 +4119,7 @@
                 <a:lstStyle/>
                 <a:p>
                   <a:pPr algn="ctr"/>
-                  <a:endParaRPr lang="fr-FR">
+                  <a:endParaRPr lang="fr-FR" dirty="0">
                     <a:solidFill>
                       <a:srgbClr val="C00000"/>
                     </a:solidFill>
@@ -3694,7 +4185,7 @@
                 <a:lstStyle/>
                 <a:p>
                   <a:pPr algn="ctr"/>
-                  <a:endParaRPr lang="fr-FR">
+                  <a:endParaRPr lang="fr-FR" dirty="0">
                     <a:solidFill>
                       <a:srgbClr val="C00000"/>
                     </a:solidFill>
@@ -3744,7 +4235,7 @@
                 <a:lstStyle/>
                 <a:p>
                   <a:pPr algn="ctr"/>
-                  <a:endParaRPr lang="fr-FR">
+                  <a:endParaRPr lang="fr-FR" dirty="0">
                     <a:solidFill>
                       <a:srgbClr val="C00000"/>
                     </a:solidFill>
@@ -3794,7 +4285,7 @@
                 <a:lstStyle/>
                 <a:p>
                   <a:pPr algn="ctr"/>
-                  <a:endParaRPr lang="fr-FR">
+                  <a:endParaRPr lang="fr-FR" dirty="0">
                     <a:solidFill>
                       <a:srgbClr val="C00000"/>
                     </a:solidFill>
@@ -3860,7 +4351,7 @@
                 <a:lstStyle/>
                 <a:p>
                   <a:pPr algn="ctr"/>
-                  <a:endParaRPr lang="fr-FR">
+                  <a:endParaRPr lang="fr-FR" dirty="0">
                     <a:solidFill>
                       <a:srgbClr val="C00000"/>
                     </a:solidFill>
@@ -3910,7 +4401,7 @@
                 <a:lstStyle/>
                 <a:p>
                   <a:pPr algn="ctr"/>
-                  <a:endParaRPr lang="fr-FR">
+                  <a:endParaRPr lang="fr-FR" dirty="0">
                     <a:solidFill>
                       <a:srgbClr val="C00000"/>
                     </a:solidFill>
@@ -3960,7 +4451,7 @@
                 <a:lstStyle/>
                 <a:p>
                   <a:pPr algn="ctr"/>
-                  <a:endParaRPr lang="fr-FR">
+                  <a:endParaRPr lang="fr-FR" dirty="0">
                     <a:solidFill>
                       <a:srgbClr val="C00000"/>
                     </a:solidFill>
@@ -4852,7 +5343,7 @@
             <a:lstStyle/>
             <a:p>
               <a:pPr algn="ctr"/>
-              <a:endParaRPr lang="fr-FR"/>
+              <a:endParaRPr lang="fr-FR" dirty="0"/>
             </a:p>
           </p:txBody>
         </p:sp>
@@ -4930,7 +5421,7 @@
                 <a:lstStyle/>
                 <a:p>
                   <a:pPr algn="ctr"/>
-                  <a:endParaRPr lang="fr-FR"/>
+                  <a:endParaRPr lang="fr-FR" dirty="0"/>
                 </a:p>
               </p:txBody>
             </p:sp>
@@ -4976,7 +5467,7 @@
                 <a:lstStyle/>
                 <a:p>
                   <a:pPr algn="ctr"/>
-                  <a:endParaRPr lang="fr-FR"/>
+                  <a:endParaRPr lang="fr-FR" dirty="0"/>
                 </a:p>
               </p:txBody>
             </p:sp>
@@ -5022,7 +5513,7 @@
                 <a:lstStyle/>
                 <a:p>
                   <a:pPr algn="ctr"/>
-                  <a:endParaRPr lang="fr-FR"/>
+                  <a:endParaRPr lang="fr-FR" dirty="0"/>
                 </a:p>
               </p:txBody>
             </p:sp>
@@ -5068,7 +5559,7 @@
                 <a:lstStyle/>
                 <a:p>
                   <a:pPr algn="ctr"/>
-                  <a:endParaRPr lang="fr-FR"/>
+                  <a:endParaRPr lang="fr-FR" dirty="0"/>
                 </a:p>
               </p:txBody>
             </p:sp>
@@ -5130,7 +5621,7 @@
                 <a:lstStyle/>
                 <a:p>
                   <a:pPr algn="ctr"/>
-                  <a:endParaRPr lang="fr-FR"/>
+                  <a:endParaRPr lang="fr-FR" dirty="0"/>
                 </a:p>
               </p:txBody>
             </p:sp>
@@ -5176,7 +5667,7 @@
                 <a:lstStyle/>
                 <a:p>
                   <a:pPr algn="ctr"/>
-                  <a:endParaRPr lang="fr-FR"/>
+                  <a:endParaRPr lang="fr-FR" dirty="0"/>
                 </a:p>
               </p:txBody>
             </p:sp>
@@ -5222,7 +5713,7 @@
                 <a:lstStyle/>
                 <a:p>
                   <a:pPr algn="ctr"/>
-                  <a:endParaRPr lang="fr-FR"/>
+                  <a:endParaRPr lang="fr-FR" dirty="0"/>
                 </a:p>
               </p:txBody>
             </p:sp>
@@ -5284,7 +5775,7 @@
                 <a:lstStyle/>
                 <a:p>
                   <a:pPr algn="ctr"/>
-                  <a:endParaRPr lang="fr-FR"/>
+                  <a:endParaRPr lang="fr-FR" dirty="0"/>
                 </a:p>
               </p:txBody>
             </p:sp>
@@ -5330,7 +5821,7 @@
                 <a:lstStyle/>
                 <a:p>
                   <a:pPr algn="ctr"/>
-                  <a:endParaRPr lang="fr-FR"/>
+                  <a:endParaRPr lang="fr-FR" dirty="0"/>
                 </a:p>
               </p:txBody>
             </p:sp>
@@ -5376,7 +5867,7 @@
                 <a:lstStyle/>
                 <a:p>
                   <a:pPr algn="ctr"/>
-                  <a:endParaRPr lang="fr-FR"/>
+                  <a:endParaRPr lang="fr-FR" dirty="0"/>
                 </a:p>
               </p:txBody>
             </p:sp>
@@ -6126,7 +6617,7 @@
           <a:lstStyle/>
           <a:p>
             <a:r>
-              <a:rPr lang="fr-FR" sz="3200" dirty="0" err="1" smtClean="0">
+              <a:rPr lang="fr-FR" sz="3200" dirty="0" smtClean="0">
                 <a:solidFill>
                   <a:srgbClr val="00B0F0"/>
                 </a:solidFill>
@@ -6167,18 +6658,6 @@
           <a:p>
             <a:pPr algn="ctr"/>
             <a:r>
-              <a:rPr lang="fr-FR" dirty="0" err="1" smtClean="0">
-                <a:solidFill>
-                  <a:schemeClr val="tx1">
-                    <a:lumMod val="50000"/>
-                    <a:lumOff val="50000"/>
-                  </a:schemeClr>
-                </a:solidFill>
-                <a:latin typeface="Bahnschrift Condensed" panose="020B0502040204020203" pitchFamily="34" charset="0"/>
-              </a:rPr>
-              <a:t>Low</a:t>
-            </a:r>
-            <a:r>
               <a:rPr lang="fr-FR" dirty="0" smtClean="0">
                 <a:solidFill>
                   <a:schemeClr val="tx1">
@@ -6188,31 +6667,7 @@
                 </a:solidFill>
                 <a:latin typeface="Bahnschrift Condensed" panose="020B0502040204020203" pitchFamily="34" charset="0"/>
               </a:rPr>
-              <a:t> </a:t>
-            </a:r>
-            <a:r>
-              <a:rPr lang="fr-FR" dirty="0" err="1" smtClean="0">
-                <a:solidFill>
-                  <a:schemeClr val="tx1">
-                    <a:lumMod val="50000"/>
-                    <a:lumOff val="50000"/>
-                  </a:schemeClr>
-                </a:solidFill>
-                <a:latin typeface="Bahnschrift Condensed" panose="020B0502040204020203" pitchFamily="34" charset="0"/>
-              </a:rPr>
-              <a:t>resolution</a:t>
-            </a:r>
-            <a:r>
-              <a:rPr lang="fr-FR" dirty="0" smtClean="0">
-                <a:solidFill>
-                  <a:schemeClr val="tx1">
-                    <a:lumMod val="50000"/>
-                    <a:lumOff val="50000"/>
-                  </a:schemeClr>
-                </a:solidFill>
-                <a:latin typeface="Bahnschrift Condensed" panose="020B0502040204020203" pitchFamily="34" charset="0"/>
-              </a:rPr>
-              <a:t> base</a:t>
+              <a:t>Low resolution base</a:t>
             </a:r>
             <a:endParaRPr lang="fr-FR" dirty="0">
               <a:solidFill>
@@ -6407,31 +6862,7 @@
                 </a:solidFill>
                 <a:latin typeface="Bahnschrift Condensed" panose="020B0502040204020203" pitchFamily="34" charset="0"/>
               </a:rPr>
-              <a:t>High </a:t>
-            </a:r>
-            <a:r>
-              <a:rPr lang="fr-FR" dirty="0" err="1" smtClean="0">
-                <a:solidFill>
-                  <a:schemeClr val="tx1">
-                    <a:lumMod val="50000"/>
-                    <a:lumOff val="50000"/>
-                  </a:schemeClr>
-                </a:solidFill>
-                <a:latin typeface="Bahnschrift Condensed" panose="020B0502040204020203" pitchFamily="34" charset="0"/>
-              </a:rPr>
-              <a:t>resolution</a:t>
-            </a:r>
-            <a:r>
-              <a:rPr lang="fr-FR" dirty="0" smtClean="0">
-                <a:solidFill>
-                  <a:schemeClr val="tx1">
-                    <a:lumMod val="50000"/>
-                    <a:lumOff val="50000"/>
-                  </a:schemeClr>
-                </a:solidFill>
-                <a:latin typeface="Bahnschrift Condensed" panose="020B0502040204020203" pitchFamily="34" charset="0"/>
-              </a:rPr>
-              <a:t> base</a:t>
+              <a:t>High resolution base</a:t>
             </a:r>
             <a:endParaRPr lang="fr-FR" dirty="0">
               <a:solidFill>
@@ -6469,18 +6900,6 @@
           <a:p>
             <a:pPr algn="ctr"/>
             <a:r>
-              <a:rPr lang="fr-FR" dirty="0" err="1" smtClean="0">
-                <a:solidFill>
-                  <a:schemeClr val="tx1">
-                    <a:lumMod val="50000"/>
-                    <a:lumOff val="50000"/>
-                  </a:schemeClr>
-                </a:solidFill>
-                <a:latin typeface="Bahnschrift Condensed" panose="020B0502040204020203" pitchFamily="34" charset="0"/>
-              </a:rPr>
-              <a:t>Upscaled</a:t>
-            </a:r>
-            <a:r>
               <a:rPr lang="fr-FR" dirty="0" smtClean="0">
                 <a:solidFill>
                   <a:schemeClr val="tx1">
@@ -6490,7 +6909,7 @@
                 </a:solidFill>
                 <a:latin typeface="Bahnschrift Condensed" panose="020B0502040204020203" pitchFamily="34" charset="0"/>
               </a:rPr>
-              <a:t> base</a:t>
+              <a:t>Upscaled base</a:t>
             </a:r>
             <a:endParaRPr lang="fr-FR" dirty="0">
               <a:solidFill>
@@ -6721,11 +7140,6 @@
                 </a:rPr>
                 <a:t>+</a:t>
               </a:r>
-              <a:endParaRPr lang="fr-FR" dirty="0">
-                <a:solidFill>
-                  <a:schemeClr val="tx2"/>
-                </a:solidFill>
-              </a:endParaRPr>
             </a:p>
           </p:txBody>
         </p:sp>
@@ -6772,7 +7186,7 @@
           <a:lstStyle/>
           <a:p>
             <a:pPr algn="ctr"/>
-            <a:endParaRPr lang="fr-FR"/>
+            <a:endParaRPr lang="fr-FR" dirty="0"/>
           </a:p>
         </p:txBody>
       </p:sp>
@@ -6818,7 +7232,7 @@
           <a:lstStyle/>
           <a:p>
             <a:pPr algn="ctr"/>
-            <a:endParaRPr lang="fr-FR"/>
+            <a:endParaRPr lang="fr-FR" dirty="0"/>
           </a:p>
         </p:txBody>
       </p:sp>
@@ -6854,19 +7268,7 @@
                 </a:solidFill>
                 <a:latin typeface="Bahnschrift Condensed" panose="020B0502040204020203" pitchFamily="34" charset="0"/>
               </a:rPr>
-              <a:t>Content </a:t>
-            </a:r>
-            <a:r>
-              <a:rPr lang="fr-FR" sz="1400" i="1" dirty="0" err="1" smtClean="0">
-                <a:solidFill>
-                  <a:schemeClr val="tx1">
-                    <a:lumMod val="50000"/>
-                    <a:lumOff val="50000"/>
-                  </a:schemeClr>
-                </a:solidFill>
-                <a:latin typeface="Bahnschrift Condensed" panose="020B0502040204020203" pitchFamily="34" charset="0"/>
-              </a:rPr>
-              <a:t>Loss</a:t>
+              <a:t>Content Loss</a:t>
             </a:r>
             <a:endParaRPr lang="fr-FR" sz="1400" i="1" dirty="0">
               <a:solidFill>
@@ -6956,7 +7358,7 @@
           <a:lstStyle/>
           <a:p>
             <a:pPr algn="ctr"/>
-            <a:endParaRPr lang="fr-FR"/>
+            <a:endParaRPr lang="fr-FR" dirty="0"/>
           </a:p>
         </p:txBody>
       </p:sp>
@@ -7002,7 +7404,7 @@
           <a:lstStyle/>
           <a:p>
             <a:pPr algn="ctr"/>
-            <a:endParaRPr lang="fr-FR"/>
+            <a:endParaRPr lang="fr-FR" dirty="0"/>
           </a:p>
         </p:txBody>
       </p:sp>
@@ -7121,6 +7523,4960 @@
   <p:clrMapOvr>
     <a:masterClrMapping/>
   </p:clrMapOvr>
+  <p:timing>
+    <p:tnLst>
+      <p:par>
+        <p:cTn id="1" dur="indefinite" restart="never" nodeType="tmRoot"/>
+      </p:par>
+    </p:tnLst>
+  </p:timing>
+</p:sld>
+</file>
+
+<file path=ppt/slides/slide2.xml><?xml version="1.0" encoding="utf-8"?>
+<p:sld xmlns:a="http://schemas.openxmlformats.org/drawingml/2006/main" xmlns:r="http://schemas.openxmlformats.org/officeDocument/2006/relationships" xmlns:p="http://schemas.openxmlformats.org/presentationml/2006/main">
+  <p:cSld>
+    <p:spTree>
+      <p:nvGrpSpPr>
+        <p:cNvPr id="1" name=""/>
+        <p:cNvGrpSpPr/>
+        <p:nvPr/>
+      </p:nvGrpSpPr>
+      <p:grpSpPr>
+        <a:xfrm>
+          <a:off x="0" y="0"/>
+          <a:ext cx="0" cy="0"/>
+          <a:chOff x="0" y="0"/>
+          <a:chExt cx="0" cy="0"/>
+        </a:xfrm>
+      </p:grpSpPr>
+      <p:sp>
+        <p:nvSpPr>
+          <p:cNvPr id="254" name="Rectangle 253"/>
+          <p:cNvSpPr/>
+          <p:nvPr/>
+        </p:nvSpPr>
+        <p:spPr>
+          <a:xfrm rot="5400000" flipV="1">
+            <a:off x="10457157" y="1329855"/>
+            <a:ext cx="1921518" cy="215999"/>
+          </a:xfrm>
+          <a:prstGeom prst="rect">
+            <a:avLst/>
+          </a:prstGeom>
+          <a:pattFill prst="dkDnDiag">
+            <a:fgClr>
+              <a:srgbClr val="00B0F0"/>
+            </a:fgClr>
+            <a:bgClr>
+              <a:schemeClr val="bg1"/>
+            </a:bgClr>
+          </a:pattFill>
+          <a:ln>
+            <a:noFill/>
+          </a:ln>
+        </p:spPr>
+        <p:style>
+          <a:lnRef idx="2">
+            <a:schemeClr val="accent1">
+              <a:shade val="50000"/>
+            </a:schemeClr>
+          </a:lnRef>
+          <a:fillRef idx="1">
+            <a:schemeClr val="accent1"/>
+          </a:fillRef>
+          <a:effectRef idx="0">
+            <a:schemeClr val="accent1"/>
+          </a:effectRef>
+          <a:fontRef idx="minor">
+            <a:schemeClr val="lt1"/>
+          </a:fontRef>
+        </p:style>
+        <p:txBody>
+          <a:bodyPr rtlCol="0" anchor="ctr"/>
+          <a:lstStyle/>
+          <a:p>
+            <a:pPr algn="ctr"/>
+            <a:endParaRPr lang="fr-FR" dirty="0"/>
+          </a:p>
+        </p:txBody>
+      </p:sp>
+      <p:sp>
+        <p:nvSpPr>
+          <p:cNvPr id="242" name="Rectangle 241"/>
+          <p:cNvSpPr/>
+          <p:nvPr/>
+        </p:nvSpPr>
+        <p:spPr>
+          <a:xfrm>
+            <a:off x="6700635" y="2467189"/>
+            <a:ext cx="1134489" cy="260131"/>
+          </a:xfrm>
+          <a:prstGeom prst="rect">
+            <a:avLst/>
+          </a:prstGeom>
+          <a:solidFill>
+            <a:srgbClr val="00B0F0"/>
+          </a:solidFill>
+          <a:ln>
+            <a:noFill/>
+          </a:ln>
+        </p:spPr>
+        <p:style>
+          <a:lnRef idx="2">
+            <a:schemeClr val="accent1">
+              <a:shade val="50000"/>
+            </a:schemeClr>
+          </a:lnRef>
+          <a:fillRef idx="1">
+            <a:schemeClr val="accent1"/>
+          </a:fillRef>
+          <a:effectRef idx="0">
+            <a:schemeClr val="accent1"/>
+          </a:effectRef>
+          <a:fontRef idx="minor">
+            <a:schemeClr val="lt1"/>
+          </a:fontRef>
+        </p:style>
+        <p:txBody>
+          <a:bodyPr rtlCol="0" anchor="ctr"/>
+          <a:lstStyle/>
+          <a:p>
+            <a:pPr algn="ctr"/>
+            <a:endParaRPr lang="fr-FR" dirty="0"/>
+          </a:p>
+        </p:txBody>
+      </p:sp>
+      <p:sp>
+        <p:nvSpPr>
+          <p:cNvPr id="238" name="Rectangle 237"/>
+          <p:cNvSpPr/>
+          <p:nvPr/>
+        </p:nvSpPr>
+        <p:spPr>
+          <a:xfrm>
+            <a:off x="3526900" y="4113738"/>
+            <a:ext cx="2411798" cy="216000"/>
+          </a:xfrm>
+          <a:prstGeom prst="rect">
+            <a:avLst/>
+          </a:prstGeom>
+          <a:pattFill prst="dkDnDiag">
+            <a:fgClr>
+              <a:srgbClr val="00B0F0"/>
+            </a:fgClr>
+            <a:bgClr>
+              <a:schemeClr val="bg1"/>
+            </a:bgClr>
+          </a:pattFill>
+          <a:ln>
+            <a:noFill/>
+          </a:ln>
+        </p:spPr>
+        <p:style>
+          <a:lnRef idx="2">
+            <a:schemeClr val="accent1">
+              <a:shade val="50000"/>
+            </a:schemeClr>
+          </a:lnRef>
+          <a:fillRef idx="1">
+            <a:schemeClr val="accent1"/>
+          </a:fillRef>
+          <a:effectRef idx="0">
+            <a:schemeClr val="accent1"/>
+          </a:effectRef>
+          <a:fontRef idx="minor">
+            <a:schemeClr val="lt1"/>
+          </a:fontRef>
+        </p:style>
+        <p:txBody>
+          <a:bodyPr rtlCol="0" anchor="ctr"/>
+          <a:lstStyle/>
+          <a:p>
+            <a:pPr algn="ctr"/>
+            <a:endParaRPr lang="fr-FR" dirty="0"/>
+          </a:p>
+        </p:txBody>
+      </p:sp>
+      <p:sp>
+        <p:nvSpPr>
+          <p:cNvPr id="235" name="Right Arrow 234"/>
+          <p:cNvSpPr/>
+          <p:nvPr/>
+        </p:nvSpPr>
+        <p:spPr>
+          <a:xfrm rot="16200000">
+            <a:off x="5519312" y="4596334"/>
+            <a:ext cx="1024182" cy="466863"/>
+          </a:xfrm>
+          <a:prstGeom prst="rightArrow">
+            <a:avLst>
+              <a:gd name="adj1" fmla="val 50000"/>
+              <a:gd name="adj2" fmla="val 54896"/>
+            </a:avLst>
+          </a:prstGeom>
+          <a:solidFill>
+            <a:schemeClr val="bg2">
+              <a:lumMod val="75000"/>
+            </a:schemeClr>
+          </a:solidFill>
+          <a:ln>
+            <a:noFill/>
+          </a:ln>
+        </p:spPr>
+        <p:style>
+          <a:lnRef idx="2">
+            <a:schemeClr val="accent1">
+              <a:shade val="50000"/>
+            </a:schemeClr>
+          </a:lnRef>
+          <a:fillRef idx="1">
+            <a:schemeClr val="accent1"/>
+          </a:fillRef>
+          <a:effectRef idx="0">
+            <a:schemeClr val="accent1"/>
+          </a:effectRef>
+          <a:fontRef idx="minor">
+            <a:schemeClr val="lt1"/>
+          </a:fontRef>
+        </p:style>
+        <p:txBody>
+          <a:bodyPr rtlCol="0" anchor="ctr"/>
+          <a:lstStyle/>
+          <a:p>
+            <a:pPr algn="ctr"/>
+            <a:endParaRPr lang="fr-FR" dirty="0"/>
+          </a:p>
+        </p:txBody>
+      </p:sp>
+      <p:sp>
+        <p:nvSpPr>
+          <p:cNvPr id="234" name="Right Arrow 233"/>
+          <p:cNvSpPr/>
+          <p:nvPr/>
+        </p:nvSpPr>
+        <p:spPr>
+          <a:xfrm rot="5400000">
+            <a:off x="5639987" y="3413627"/>
+            <a:ext cx="796828" cy="466863"/>
+          </a:xfrm>
+          <a:prstGeom prst="rightArrow">
+            <a:avLst>
+              <a:gd name="adj1" fmla="val 50000"/>
+              <a:gd name="adj2" fmla="val 58445"/>
+            </a:avLst>
+          </a:prstGeom>
+          <a:solidFill>
+            <a:srgbClr val="00B0F0"/>
+          </a:solidFill>
+          <a:ln>
+            <a:noFill/>
+          </a:ln>
+        </p:spPr>
+        <p:style>
+          <a:lnRef idx="2">
+            <a:schemeClr val="accent1">
+              <a:shade val="50000"/>
+            </a:schemeClr>
+          </a:lnRef>
+          <a:fillRef idx="1">
+            <a:schemeClr val="accent1"/>
+          </a:fillRef>
+          <a:effectRef idx="0">
+            <a:schemeClr val="accent1"/>
+          </a:effectRef>
+          <a:fontRef idx="minor">
+            <a:schemeClr val="lt1"/>
+          </a:fontRef>
+        </p:style>
+        <p:txBody>
+          <a:bodyPr rtlCol="0" anchor="ctr"/>
+          <a:lstStyle/>
+          <a:p>
+            <a:pPr algn="ctr"/>
+            <a:endParaRPr lang="fr-FR" dirty="0"/>
+          </a:p>
+        </p:txBody>
+      </p:sp>
+      <p:sp>
+        <p:nvSpPr>
+          <p:cNvPr id="232" name="Rectangle 231"/>
+          <p:cNvSpPr/>
+          <p:nvPr/>
+        </p:nvSpPr>
+        <p:spPr>
+          <a:xfrm>
+            <a:off x="4406919" y="2467189"/>
+            <a:ext cx="787817" cy="260131"/>
+          </a:xfrm>
+          <a:prstGeom prst="rect">
+            <a:avLst/>
+          </a:prstGeom>
+          <a:solidFill>
+            <a:srgbClr val="00B0F0"/>
+          </a:solidFill>
+          <a:ln>
+            <a:noFill/>
+          </a:ln>
+        </p:spPr>
+        <p:style>
+          <a:lnRef idx="2">
+            <a:schemeClr val="accent1">
+              <a:shade val="50000"/>
+            </a:schemeClr>
+          </a:lnRef>
+          <a:fillRef idx="1">
+            <a:schemeClr val="accent1"/>
+          </a:fillRef>
+          <a:effectRef idx="0">
+            <a:schemeClr val="accent1"/>
+          </a:effectRef>
+          <a:fontRef idx="minor">
+            <a:schemeClr val="lt1"/>
+          </a:fontRef>
+        </p:style>
+        <p:txBody>
+          <a:bodyPr rtlCol="0" anchor="ctr"/>
+          <a:lstStyle/>
+          <a:p>
+            <a:pPr algn="ctr"/>
+            <a:endParaRPr lang="fr-FR" dirty="0"/>
+          </a:p>
+        </p:txBody>
+      </p:sp>
+      <p:sp>
+        <p:nvSpPr>
+          <p:cNvPr id="230" name="Rectangle 229"/>
+          <p:cNvSpPr/>
+          <p:nvPr/>
+        </p:nvSpPr>
+        <p:spPr>
+          <a:xfrm>
+            <a:off x="2158839" y="2467189"/>
+            <a:ext cx="787817" cy="260131"/>
+          </a:xfrm>
+          <a:prstGeom prst="rect">
+            <a:avLst/>
+          </a:prstGeom>
+          <a:solidFill>
+            <a:srgbClr val="00B0F0"/>
+          </a:solidFill>
+          <a:ln>
+            <a:noFill/>
+          </a:ln>
+        </p:spPr>
+        <p:style>
+          <a:lnRef idx="2">
+            <a:schemeClr val="accent1">
+              <a:shade val="50000"/>
+            </a:schemeClr>
+          </a:lnRef>
+          <a:fillRef idx="1">
+            <a:schemeClr val="accent1"/>
+          </a:fillRef>
+          <a:effectRef idx="0">
+            <a:schemeClr val="accent1"/>
+          </a:effectRef>
+          <a:fontRef idx="minor">
+            <a:schemeClr val="lt1"/>
+          </a:fontRef>
+        </p:style>
+        <p:txBody>
+          <a:bodyPr rtlCol="0" anchor="ctr"/>
+          <a:lstStyle/>
+          <a:p>
+            <a:pPr algn="ctr"/>
+            <a:endParaRPr lang="fr-FR" dirty="0"/>
+          </a:p>
+        </p:txBody>
+      </p:sp>
+      <p:grpSp>
+        <p:nvGrpSpPr>
+          <p:cNvPr id="201" name="Group 200"/>
+          <p:cNvGrpSpPr/>
+          <p:nvPr/>
+        </p:nvGrpSpPr>
+        <p:grpSpPr>
+          <a:xfrm>
+            <a:off x="7837359" y="1877495"/>
+            <a:ext cx="1951821" cy="1628503"/>
+            <a:chOff x="6306619" y="3794435"/>
+            <a:chExt cx="1951821" cy="1628503"/>
+          </a:xfrm>
+        </p:grpSpPr>
+        <p:sp>
+          <p:nvSpPr>
+            <p:cNvPr id="166" name="Rounded Rectangle 165"/>
+            <p:cNvSpPr/>
+            <p:nvPr/>
+          </p:nvSpPr>
+          <p:spPr>
+            <a:xfrm>
+              <a:off x="6306619" y="3794435"/>
+              <a:ext cx="1951821" cy="1628503"/>
+            </a:xfrm>
+            <a:prstGeom prst="roundRect">
+              <a:avLst/>
+            </a:prstGeom>
+            <a:solidFill>
+              <a:schemeClr val="tx2"/>
+            </a:solidFill>
+            <a:ln>
+              <a:noFill/>
+            </a:ln>
+          </p:spPr>
+          <p:style>
+            <a:lnRef idx="2">
+              <a:schemeClr val="accent1">
+                <a:shade val="50000"/>
+              </a:schemeClr>
+            </a:lnRef>
+            <a:fillRef idx="1">
+              <a:schemeClr val="accent1"/>
+            </a:fillRef>
+            <a:effectRef idx="0">
+              <a:schemeClr val="accent1"/>
+            </a:effectRef>
+            <a:fontRef idx="minor">
+              <a:schemeClr val="lt1"/>
+            </a:fontRef>
+          </p:style>
+          <p:txBody>
+            <a:bodyPr rtlCol="0" anchor="ctr"/>
+            <a:lstStyle/>
+            <a:p>
+              <a:pPr algn="ctr"/>
+              <a:endParaRPr lang="fr-FR" dirty="0">
+                <a:solidFill>
+                  <a:srgbClr val="C00000"/>
+                </a:solidFill>
+              </a:endParaRPr>
+            </a:p>
+          </p:txBody>
+        </p:sp>
+        <p:grpSp>
+          <p:nvGrpSpPr>
+            <p:cNvPr id="167" name="Group 166"/>
+            <p:cNvGrpSpPr/>
+            <p:nvPr/>
+          </p:nvGrpSpPr>
+          <p:grpSpPr>
+            <a:xfrm>
+              <a:off x="6505211" y="3994809"/>
+              <a:ext cx="1554637" cy="1227755"/>
+              <a:chOff x="4323808" y="4240458"/>
+              <a:chExt cx="2121762" cy="1698789"/>
+            </a:xfrm>
+            <a:solidFill>
+              <a:srgbClr val="C00000"/>
+            </a:solidFill>
+          </p:grpSpPr>
+          <p:grpSp>
+            <p:nvGrpSpPr>
+              <p:cNvPr id="168" name="Group 167"/>
+              <p:cNvGrpSpPr/>
+              <p:nvPr/>
+            </p:nvGrpSpPr>
+            <p:grpSpPr>
+              <a:xfrm>
+                <a:off x="5240689" y="4240458"/>
+                <a:ext cx="288000" cy="1698789"/>
+                <a:chOff x="5240689" y="4240458"/>
+                <a:chExt cx="288000" cy="1698789"/>
+              </a:xfrm>
+              <a:grpFill/>
+            </p:grpSpPr>
+            <p:sp>
+              <p:nvSpPr>
+                <p:cNvPr id="197" name="Oval 196"/>
+                <p:cNvSpPr/>
+                <p:nvPr/>
+              </p:nvSpPr>
+              <p:spPr>
+                <a:xfrm>
+                  <a:off x="5240689" y="4240458"/>
+                  <a:ext cx="288000" cy="288000"/>
+                </a:xfrm>
+                <a:prstGeom prst="ellipse">
+                  <a:avLst/>
+                </a:prstGeom>
+                <a:grpFill/>
+                <a:ln w="12700">
+                  <a:solidFill>
+                    <a:srgbClr val="C00000"/>
+                  </a:solidFill>
+                </a:ln>
+              </p:spPr>
+              <p:style>
+                <a:lnRef idx="2">
+                  <a:schemeClr val="accent1">
+                    <a:shade val="50000"/>
+                  </a:schemeClr>
+                </a:lnRef>
+                <a:fillRef idx="1">
+                  <a:schemeClr val="accent1"/>
+                </a:fillRef>
+                <a:effectRef idx="0">
+                  <a:schemeClr val="accent1"/>
+                </a:effectRef>
+                <a:fontRef idx="minor">
+                  <a:schemeClr val="lt1"/>
+                </a:fontRef>
+              </p:style>
+              <p:txBody>
+                <a:bodyPr rtlCol="0" anchor="ctr"/>
+                <a:lstStyle/>
+                <a:p>
+                  <a:pPr algn="ctr"/>
+                  <a:endParaRPr lang="fr-FR" dirty="0">
+                    <a:solidFill>
+                      <a:srgbClr val="C00000"/>
+                    </a:solidFill>
+                  </a:endParaRPr>
+                </a:p>
+              </p:txBody>
+            </p:sp>
+            <p:sp>
+              <p:nvSpPr>
+                <p:cNvPr id="198" name="Oval 197"/>
+                <p:cNvSpPr/>
+                <p:nvPr/>
+              </p:nvSpPr>
+              <p:spPr>
+                <a:xfrm>
+                  <a:off x="5240689" y="4710721"/>
+                  <a:ext cx="288000" cy="288000"/>
+                </a:xfrm>
+                <a:prstGeom prst="ellipse">
+                  <a:avLst/>
+                </a:prstGeom>
+                <a:grpFill/>
+                <a:ln w="12700">
+                  <a:solidFill>
+                    <a:srgbClr val="C00000"/>
+                  </a:solidFill>
+                </a:ln>
+              </p:spPr>
+              <p:style>
+                <a:lnRef idx="2">
+                  <a:schemeClr val="accent1">
+                    <a:shade val="50000"/>
+                  </a:schemeClr>
+                </a:lnRef>
+                <a:fillRef idx="1">
+                  <a:schemeClr val="accent1"/>
+                </a:fillRef>
+                <a:effectRef idx="0">
+                  <a:schemeClr val="accent1"/>
+                </a:effectRef>
+                <a:fontRef idx="minor">
+                  <a:schemeClr val="lt1"/>
+                </a:fontRef>
+              </p:style>
+              <p:txBody>
+                <a:bodyPr rtlCol="0" anchor="ctr"/>
+                <a:lstStyle/>
+                <a:p>
+                  <a:pPr algn="ctr"/>
+                  <a:endParaRPr lang="fr-FR" dirty="0">
+                    <a:solidFill>
+                      <a:srgbClr val="C00000"/>
+                    </a:solidFill>
+                  </a:endParaRPr>
+                </a:p>
+              </p:txBody>
+            </p:sp>
+            <p:sp>
+              <p:nvSpPr>
+                <p:cNvPr id="199" name="Oval 198"/>
+                <p:cNvSpPr/>
+                <p:nvPr/>
+              </p:nvSpPr>
+              <p:spPr>
+                <a:xfrm>
+                  <a:off x="5240689" y="5180984"/>
+                  <a:ext cx="288000" cy="288000"/>
+                </a:xfrm>
+                <a:prstGeom prst="ellipse">
+                  <a:avLst/>
+                </a:prstGeom>
+                <a:grpFill/>
+                <a:ln w="12700">
+                  <a:solidFill>
+                    <a:srgbClr val="C00000"/>
+                  </a:solidFill>
+                </a:ln>
+              </p:spPr>
+              <p:style>
+                <a:lnRef idx="2">
+                  <a:schemeClr val="accent1">
+                    <a:shade val="50000"/>
+                  </a:schemeClr>
+                </a:lnRef>
+                <a:fillRef idx="1">
+                  <a:schemeClr val="accent1"/>
+                </a:fillRef>
+                <a:effectRef idx="0">
+                  <a:schemeClr val="accent1"/>
+                </a:effectRef>
+                <a:fontRef idx="minor">
+                  <a:schemeClr val="lt1"/>
+                </a:fontRef>
+              </p:style>
+              <p:txBody>
+                <a:bodyPr rtlCol="0" anchor="ctr"/>
+                <a:lstStyle/>
+                <a:p>
+                  <a:pPr algn="ctr"/>
+                  <a:endParaRPr lang="fr-FR" dirty="0">
+                    <a:solidFill>
+                      <a:srgbClr val="C00000"/>
+                    </a:solidFill>
+                  </a:endParaRPr>
+                </a:p>
+              </p:txBody>
+            </p:sp>
+            <p:sp>
+              <p:nvSpPr>
+                <p:cNvPr id="200" name="Oval 199"/>
+                <p:cNvSpPr/>
+                <p:nvPr/>
+              </p:nvSpPr>
+              <p:spPr>
+                <a:xfrm>
+                  <a:off x="5240689" y="5651247"/>
+                  <a:ext cx="288000" cy="288000"/>
+                </a:xfrm>
+                <a:prstGeom prst="ellipse">
+                  <a:avLst/>
+                </a:prstGeom>
+                <a:grpFill/>
+                <a:ln w="12700">
+                  <a:solidFill>
+                    <a:srgbClr val="C00000"/>
+                  </a:solidFill>
+                </a:ln>
+              </p:spPr>
+              <p:style>
+                <a:lnRef idx="2">
+                  <a:schemeClr val="accent1">
+                    <a:shade val="50000"/>
+                  </a:schemeClr>
+                </a:lnRef>
+                <a:fillRef idx="1">
+                  <a:schemeClr val="accent1"/>
+                </a:fillRef>
+                <a:effectRef idx="0">
+                  <a:schemeClr val="accent1"/>
+                </a:effectRef>
+                <a:fontRef idx="minor">
+                  <a:schemeClr val="lt1"/>
+                </a:fontRef>
+              </p:style>
+              <p:txBody>
+                <a:bodyPr rtlCol="0" anchor="ctr"/>
+                <a:lstStyle/>
+                <a:p>
+                  <a:pPr algn="ctr"/>
+                  <a:endParaRPr lang="fr-FR" dirty="0">
+                    <a:solidFill>
+                      <a:srgbClr val="C00000"/>
+                    </a:solidFill>
+                  </a:endParaRPr>
+                </a:p>
+              </p:txBody>
+            </p:sp>
+          </p:grpSp>
+          <p:grpSp>
+            <p:nvGrpSpPr>
+              <p:cNvPr id="169" name="Group 168"/>
+              <p:cNvGrpSpPr/>
+              <p:nvPr/>
+            </p:nvGrpSpPr>
+            <p:grpSpPr>
+              <a:xfrm>
+                <a:off x="6157570" y="4475590"/>
+                <a:ext cx="288000" cy="1228526"/>
+                <a:chOff x="6157570" y="4475590"/>
+                <a:chExt cx="288000" cy="1228526"/>
+              </a:xfrm>
+              <a:grpFill/>
+            </p:grpSpPr>
+            <p:sp>
+              <p:nvSpPr>
+                <p:cNvPr id="194" name="Oval 193"/>
+                <p:cNvSpPr/>
+                <p:nvPr/>
+              </p:nvSpPr>
+              <p:spPr>
+                <a:xfrm>
+                  <a:off x="6157570" y="4475590"/>
+                  <a:ext cx="288000" cy="288000"/>
+                </a:xfrm>
+                <a:prstGeom prst="ellipse">
+                  <a:avLst/>
+                </a:prstGeom>
+                <a:grpFill/>
+                <a:ln w="12700">
+                  <a:solidFill>
+                    <a:srgbClr val="C00000"/>
+                  </a:solidFill>
+                </a:ln>
+              </p:spPr>
+              <p:style>
+                <a:lnRef idx="2">
+                  <a:schemeClr val="accent1">
+                    <a:shade val="50000"/>
+                  </a:schemeClr>
+                </a:lnRef>
+                <a:fillRef idx="1">
+                  <a:schemeClr val="accent1"/>
+                </a:fillRef>
+                <a:effectRef idx="0">
+                  <a:schemeClr val="accent1"/>
+                </a:effectRef>
+                <a:fontRef idx="minor">
+                  <a:schemeClr val="lt1"/>
+                </a:fontRef>
+              </p:style>
+              <p:txBody>
+                <a:bodyPr rtlCol="0" anchor="ctr"/>
+                <a:lstStyle/>
+                <a:p>
+                  <a:pPr algn="ctr"/>
+                  <a:endParaRPr lang="fr-FR" dirty="0">
+                    <a:solidFill>
+                      <a:srgbClr val="C00000"/>
+                    </a:solidFill>
+                  </a:endParaRPr>
+                </a:p>
+              </p:txBody>
+            </p:sp>
+            <p:sp>
+              <p:nvSpPr>
+                <p:cNvPr id="195" name="Oval 194"/>
+                <p:cNvSpPr/>
+                <p:nvPr/>
+              </p:nvSpPr>
+              <p:spPr>
+                <a:xfrm>
+                  <a:off x="6157570" y="4945853"/>
+                  <a:ext cx="288000" cy="288000"/>
+                </a:xfrm>
+                <a:prstGeom prst="ellipse">
+                  <a:avLst/>
+                </a:prstGeom>
+                <a:grpFill/>
+                <a:ln w="12700">
+                  <a:solidFill>
+                    <a:srgbClr val="C00000"/>
+                  </a:solidFill>
+                </a:ln>
+              </p:spPr>
+              <p:style>
+                <a:lnRef idx="2">
+                  <a:schemeClr val="accent1">
+                    <a:shade val="50000"/>
+                  </a:schemeClr>
+                </a:lnRef>
+                <a:fillRef idx="1">
+                  <a:schemeClr val="accent1"/>
+                </a:fillRef>
+                <a:effectRef idx="0">
+                  <a:schemeClr val="accent1"/>
+                </a:effectRef>
+                <a:fontRef idx="minor">
+                  <a:schemeClr val="lt1"/>
+                </a:fontRef>
+              </p:style>
+              <p:txBody>
+                <a:bodyPr rtlCol="0" anchor="ctr"/>
+                <a:lstStyle/>
+                <a:p>
+                  <a:pPr algn="ctr"/>
+                  <a:endParaRPr lang="fr-FR" dirty="0">
+                    <a:solidFill>
+                      <a:srgbClr val="C00000"/>
+                    </a:solidFill>
+                  </a:endParaRPr>
+                </a:p>
+              </p:txBody>
+            </p:sp>
+            <p:sp>
+              <p:nvSpPr>
+                <p:cNvPr id="196" name="Oval 195"/>
+                <p:cNvSpPr/>
+                <p:nvPr/>
+              </p:nvSpPr>
+              <p:spPr>
+                <a:xfrm>
+                  <a:off x="6157570" y="5416116"/>
+                  <a:ext cx="288000" cy="288000"/>
+                </a:xfrm>
+                <a:prstGeom prst="ellipse">
+                  <a:avLst/>
+                </a:prstGeom>
+                <a:grpFill/>
+                <a:ln w="12700">
+                  <a:solidFill>
+                    <a:srgbClr val="C00000"/>
+                  </a:solidFill>
+                </a:ln>
+              </p:spPr>
+              <p:style>
+                <a:lnRef idx="2">
+                  <a:schemeClr val="accent1">
+                    <a:shade val="50000"/>
+                  </a:schemeClr>
+                </a:lnRef>
+                <a:fillRef idx="1">
+                  <a:schemeClr val="accent1"/>
+                </a:fillRef>
+                <a:effectRef idx="0">
+                  <a:schemeClr val="accent1"/>
+                </a:effectRef>
+                <a:fontRef idx="minor">
+                  <a:schemeClr val="lt1"/>
+                </a:fontRef>
+              </p:style>
+              <p:txBody>
+                <a:bodyPr rtlCol="0" anchor="ctr"/>
+                <a:lstStyle/>
+                <a:p>
+                  <a:pPr algn="ctr"/>
+                  <a:endParaRPr lang="fr-FR" dirty="0">
+                    <a:solidFill>
+                      <a:srgbClr val="C00000"/>
+                    </a:solidFill>
+                  </a:endParaRPr>
+                </a:p>
+              </p:txBody>
+            </p:sp>
+          </p:grpSp>
+          <p:grpSp>
+            <p:nvGrpSpPr>
+              <p:cNvPr id="170" name="Group 169"/>
+              <p:cNvGrpSpPr/>
+              <p:nvPr/>
+            </p:nvGrpSpPr>
+            <p:grpSpPr>
+              <a:xfrm>
+                <a:off x="4323808" y="4475590"/>
+                <a:ext cx="288000" cy="1228526"/>
+                <a:chOff x="6157570" y="4475590"/>
+                <a:chExt cx="288000" cy="1228526"/>
+              </a:xfrm>
+              <a:grpFill/>
+            </p:grpSpPr>
+            <p:sp>
+              <p:nvSpPr>
+                <p:cNvPr id="191" name="Oval 190"/>
+                <p:cNvSpPr/>
+                <p:nvPr/>
+              </p:nvSpPr>
+              <p:spPr>
+                <a:xfrm>
+                  <a:off x="6157570" y="4475590"/>
+                  <a:ext cx="288000" cy="288000"/>
+                </a:xfrm>
+                <a:prstGeom prst="ellipse">
+                  <a:avLst/>
+                </a:prstGeom>
+                <a:grpFill/>
+                <a:ln w="12700">
+                  <a:solidFill>
+                    <a:srgbClr val="C00000"/>
+                  </a:solidFill>
+                </a:ln>
+              </p:spPr>
+              <p:style>
+                <a:lnRef idx="2">
+                  <a:schemeClr val="accent1">
+                    <a:shade val="50000"/>
+                  </a:schemeClr>
+                </a:lnRef>
+                <a:fillRef idx="1">
+                  <a:schemeClr val="accent1"/>
+                </a:fillRef>
+                <a:effectRef idx="0">
+                  <a:schemeClr val="accent1"/>
+                </a:effectRef>
+                <a:fontRef idx="minor">
+                  <a:schemeClr val="lt1"/>
+                </a:fontRef>
+              </p:style>
+              <p:txBody>
+                <a:bodyPr rtlCol="0" anchor="ctr"/>
+                <a:lstStyle/>
+                <a:p>
+                  <a:pPr algn="ctr"/>
+                  <a:endParaRPr lang="fr-FR" dirty="0">
+                    <a:solidFill>
+                      <a:srgbClr val="C00000"/>
+                    </a:solidFill>
+                  </a:endParaRPr>
+                </a:p>
+              </p:txBody>
+            </p:sp>
+            <p:sp>
+              <p:nvSpPr>
+                <p:cNvPr id="192" name="Oval 191"/>
+                <p:cNvSpPr/>
+                <p:nvPr/>
+              </p:nvSpPr>
+              <p:spPr>
+                <a:xfrm>
+                  <a:off x="6157570" y="4945853"/>
+                  <a:ext cx="288000" cy="288000"/>
+                </a:xfrm>
+                <a:prstGeom prst="ellipse">
+                  <a:avLst/>
+                </a:prstGeom>
+                <a:grpFill/>
+                <a:ln w="12700">
+                  <a:solidFill>
+                    <a:srgbClr val="C00000"/>
+                  </a:solidFill>
+                </a:ln>
+              </p:spPr>
+              <p:style>
+                <a:lnRef idx="2">
+                  <a:schemeClr val="accent1">
+                    <a:shade val="50000"/>
+                  </a:schemeClr>
+                </a:lnRef>
+                <a:fillRef idx="1">
+                  <a:schemeClr val="accent1"/>
+                </a:fillRef>
+                <a:effectRef idx="0">
+                  <a:schemeClr val="accent1"/>
+                </a:effectRef>
+                <a:fontRef idx="minor">
+                  <a:schemeClr val="lt1"/>
+                </a:fontRef>
+              </p:style>
+              <p:txBody>
+                <a:bodyPr rtlCol="0" anchor="ctr"/>
+                <a:lstStyle/>
+                <a:p>
+                  <a:pPr algn="ctr"/>
+                  <a:endParaRPr lang="fr-FR" dirty="0">
+                    <a:solidFill>
+                      <a:srgbClr val="C00000"/>
+                    </a:solidFill>
+                  </a:endParaRPr>
+                </a:p>
+              </p:txBody>
+            </p:sp>
+            <p:sp>
+              <p:nvSpPr>
+                <p:cNvPr id="193" name="Oval 192"/>
+                <p:cNvSpPr/>
+                <p:nvPr/>
+              </p:nvSpPr>
+              <p:spPr>
+                <a:xfrm>
+                  <a:off x="6157570" y="5416116"/>
+                  <a:ext cx="288000" cy="288000"/>
+                </a:xfrm>
+                <a:prstGeom prst="ellipse">
+                  <a:avLst/>
+                </a:prstGeom>
+                <a:grpFill/>
+                <a:ln w="12700">
+                  <a:solidFill>
+                    <a:srgbClr val="C00000"/>
+                  </a:solidFill>
+                </a:ln>
+              </p:spPr>
+              <p:style>
+                <a:lnRef idx="2">
+                  <a:schemeClr val="accent1">
+                    <a:shade val="50000"/>
+                  </a:schemeClr>
+                </a:lnRef>
+                <a:fillRef idx="1">
+                  <a:schemeClr val="accent1"/>
+                </a:fillRef>
+                <a:effectRef idx="0">
+                  <a:schemeClr val="accent1"/>
+                </a:effectRef>
+                <a:fontRef idx="minor">
+                  <a:schemeClr val="lt1"/>
+                </a:fontRef>
+              </p:style>
+              <p:txBody>
+                <a:bodyPr rtlCol="0" anchor="ctr"/>
+                <a:lstStyle/>
+                <a:p>
+                  <a:pPr algn="ctr"/>
+                  <a:endParaRPr lang="fr-FR" dirty="0">
+                    <a:solidFill>
+                      <a:srgbClr val="C00000"/>
+                    </a:solidFill>
+                  </a:endParaRPr>
+                </a:p>
+              </p:txBody>
+            </p:sp>
+          </p:grpSp>
+          <p:cxnSp>
+            <p:nvCxnSpPr>
+              <p:cNvPr id="171" name="Straight Connector 170"/>
+              <p:cNvCxnSpPr/>
+              <p:nvPr/>
+            </p:nvCxnSpPr>
+            <p:spPr>
+              <a:xfrm flipV="1">
+                <a:off x="4467808" y="4384458"/>
+                <a:ext cx="916881" cy="235132"/>
+              </a:xfrm>
+              <a:prstGeom prst="line">
+                <a:avLst/>
+              </a:prstGeom>
+              <a:grpFill/>
+              <a:ln w="12700">
+                <a:solidFill>
+                  <a:srgbClr val="C00000"/>
+                </a:solidFill>
+              </a:ln>
+            </p:spPr>
+            <p:style>
+              <a:lnRef idx="1">
+                <a:schemeClr val="accent1"/>
+              </a:lnRef>
+              <a:fillRef idx="0">
+                <a:schemeClr val="accent1"/>
+              </a:fillRef>
+              <a:effectRef idx="0">
+                <a:schemeClr val="accent1"/>
+              </a:effectRef>
+              <a:fontRef idx="minor">
+                <a:schemeClr val="tx1"/>
+              </a:fontRef>
+            </p:style>
+          </p:cxnSp>
+          <p:cxnSp>
+            <p:nvCxnSpPr>
+              <p:cNvPr id="172" name="Straight Connector 171"/>
+              <p:cNvCxnSpPr/>
+              <p:nvPr/>
+            </p:nvCxnSpPr>
+            <p:spPr>
+              <a:xfrm flipV="1">
+                <a:off x="4467808" y="4852389"/>
+                <a:ext cx="916881" cy="235132"/>
+              </a:xfrm>
+              <a:prstGeom prst="line">
+                <a:avLst/>
+              </a:prstGeom>
+              <a:grpFill/>
+              <a:ln w="12700">
+                <a:solidFill>
+                  <a:srgbClr val="C00000"/>
+                </a:solidFill>
+              </a:ln>
+            </p:spPr>
+            <p:style>
+              <a:lnRef idx="1">
+                <a:schemeClr val="accent1"/>
+              </a:lnRef>
+              <a:fillRef idx="0">
+                <a:schemeClr val="accent1"/>
+              </a:fillRef>
+              <a:effectRef idx="0">
+                <a:schemeClr val="accent1"/>
+              </a:effectRef>
+              <a:fontRef idx="minor">
+                <a:schemeClr val="tx1"/>
+              </a:fontRef>
+            </p:style>
+          </p:cxnSp>
+          <p:cxnSp>
+            <p:nvCxnSpPr>
+              <p:cNvPr id="173" name="Straight Connector 172"/>
+              <p:cNvCxnSpPr/>
+              <p:nvPr/>
+            </p:nvCxnSpPr>
+            <p:spPr>
+              <a:xfrm flipV="1">
+                <a:off x="4467807" y="5329338"/>
+                <a:ext cx="916881" cy="235132"/>
+              </a:xfrm>
+              <a:prstGeom prst="line">
+                <a:avLst/>
+              </a:prstGeom>
+              <a:grpFill/>
+              <a:ln w="12700">
+                <a:solidFill>
+                  <a:srgbClr val="C00000"/>
+                </a:solidFill>
+              </a:ln>
+            </p:spPr>
+            <p:style>
+              <a:lnRef idx="1">
+                <a:schemeClr val="accent1"/>
+              </a:lnRef>
+              <a:fillRef idx="0">
+                <a:schemeClr val="accent1"/>
+              </a:fillRef>
+              <a:effectRef idx="0">
+                <a:schemeClr val="accent1"/>
+              </a:effectRef>
+              <a:fontRef idx="minor">
+                <a:schemeClr val="tx1"/>
+              </a:fontRef>
+            </p:style>
+          </p:cxnSp>
+          <p:cxnSp>
+            <p:nvCxnSpPr>
+              <p:cNvPr id="174" name="Straight Connector 173"/>
+              <p:cNvCxnSpPr/>
+              <p:nvPr/>
+            </p:nvCxnSpPr>
+            <p:spPr>
+              <a:xfrm flipV="1">
+                <a:off x="5382817" y="4613212"/>
+                <a:ext cx="916881" cy="235132"/>
+              </a:xfrm>
+              <a:prstGeom prst="line">
+                <a:avLst/>
+              </a:prstGeom>
+              <a:grpFill/>
+              <a:ln w="12700">
+                <a:solidFill>
+                  <a:srgbClr val="C00000"/>
+                </a:solidFill>
+              </a:ln>
+            </p:spPr>
+            <p:style>
+              <a:lnRef idx="1">
+                <a:schemeClr val="accent1"/>
+              </a:lnRef>
+              <a:fillRef idx="0">
+                <a:schemeClr val="accent1"/>
+              </a:fillRef>
+              <a:effectRef idx="0">
+                <a:schemeClr val="accent1"/>
+              </a:effectRef>
+              <a:fontRef idx="minor">
+                <a:schemeClr val="tx1"/>
+              </a:fontRef>
+            </p:style>
+          </p:cxnSp>
+          <p:cxnSp>
+            <p:nvCxnSpPr>
+              <p:cNvPr id="175" name="Straight Connector 174"/>
+              <p:cNvCxnSpPr/>
+              <p:nvPr/>
+            </p:nvCxnSpPr>
+            <p:spPr>
+              <a:xfrm flipV="1">
+                <a:off x="5312689" y="5114263"/>
+                <a:ext cx="916881" cy="235132"/>
+              </a:xfrm>
+              <a:prstGeom prst="line">
+                <a:avLst/>
+              </a:prstGeom>
+              <a:grpFill/>
+              <a:ln w="12700">
+                <a:solidFill>
+                  <a:srgbClr val="C00000"/>
+                </a:solidFill>
+              </a:ln>
+            </p:spPr>
+            <p:style>
+              <a:lnRef idx="1">
+                <a:schemeClr val="accent1"/>
+              </a:lnRef>
+              <a:fillRef idx="0">
+                <a:schemeClr val="accent1"/>
+              </a:fillRef>
+              <a:effectRef idx="0">
+                <a:schemeClr val="accent1"/>
+              </a:effectRef>
+              <a:fontRef idx="minor">
+                <a:schemeClr val="tx1"/>
+              </a:fontRef>
+            </p:style>
+          </p:cxnSp>
+          <p:cxnSp>
+            <p:nvCxnSpPr>
+              <p:cNvPr id="176" name="Straight Connector 175"/>
+              <p:cNvCxnSpPr/>
+              <p:nvPr/>
+            </p:nvCxnSpPr>
+            <p:spPr>
+              <a:xfrm flipV="1">
+                <a:off x="5353887" y="5582503"/>
+                <a:ext cx="916881" cy="235132"/>
+              </a:xfrm>
+              <a:prstGeom prst="line">
+                <a:avLst/>
+              </a:prstGeom>
+              <a:grpFill/>
+              <a:ln w="12700">
+                <a:solidFill>
+                  <a:srgbClr val="C00000"/>
+                </a:solidFill>
+              </a:ln>
+            </p:spPr>
+            <p:style>
+              <a:lnRef idx="1">
+                <a:schemeClr val="accent1"/>
+              </a:lnRef>
+              <a:fillRef idx="0">
+                <a:schemeClr val="accent1"/>
+              </a:fillRef>
+              <a:effectRef idx="0">
+                <a:schemeClr val="accent1"/>
+              </a:effectRef>
+              <a:fontRef idx="minor">
+                <a:schemeClr val="tx1"/>
+              </a:fontRef>
+            </p:style>
+          </p:cxnSp>
+          <p:cxnSp>
+            <p:nvCxnSpPr>
+              <p:cNvPr id="177" name="Straight Connector 176"/>
+              <p:cNvCxnSpPr/>
+              <p:nvPr/>
+            </p:nvCxnSpPr>
+            <p:spPr>
+              <a:xfrm>
+                <a:off x="5382817" y="4371704"/>
+                <a:ext cx="916881" cy="241508"/>
+              </a:xfrm>
+              <a:prstGeom prst="line">
+                <a:avLst/>
+              </a:prstGeom>
+              <a:grpFill/>
+              <a:ln w="12700">
+                <a:solidFill>
+                  <a:srgbClr val="C00000"/>
+                </a:solidFill>
+              </a:ln>
+            </p:spPr>
+            <p:style>
+              <a:lnRef idx="1">
+                <a:schemeClr val="accent1"/>
+              </a:lnRef>
+              <a:fillRef idx="0">
+                <a:schemeClr val="accent1"/>
+              </a:fillRef>
+              <a:effectRef idx="0">
+                <a:schemeClr val="accent1"/>
+              </a:effectRef>
+              <a:fontRef idx="minor">
+                <a:schemeClr val="tx1"/>
+              </a:fontRef>
+            </p:style>
+          </p:cxnSp>
+          <p:cxnSp>
+            <p:nvCxnSpPr>
+              <p:cNvPr id="178" name="Straight Connector 177"/>
+              <p:cNvCxnSpPr/>
+              <p:nvPr/>
+            </p:nvCxnSpPr>
+            <p:spPr>
+              <a:xfrm>
+                <a:off x="5439410" y="4871897"/>
+                <a:ext cx="916881" cy="241508"/>
+              </a:xfrm>
+              <a:prstGeom prst="line">
+                <a:avLst/>
+              </a:prstGeom>
+              <a:grpFill/>
+              <a:ln w="12700">
+                <a:solidFill>
+                  <a:srgbClr val="C00000"/>
+                </a:solidFill>
+              </a:ln>
+            </p:spPr>
+            <p:style>
+              <a:lnRef idx="1">
+                <a:schemeClr val="accent1"/>
+              </a:lnRef>
+              <a:fillRef idx="0">
+                <a:schemeClr val="accent1"/>
+              </a:fillRef>
+              <a:effectRef idx="0">
+                <a:schemeClr val="accent1"/>
+              </a:effectRef>
+              <a:fontRef idx="minor">
+                <a:schemeClr val="tx1"/>
+              </a:fontRef>
+            </p:style>
+          </p:cxnSp>
+          <p:cxnSp>
+            <p:nvCxnSpPr>
+              <p:cNvPr id="179" name="Straight Connector 178"/>
+              <p:cNvCxnSpPr/>
+              <p:nvPr/>
+            </p:nvCxnSpPr>
+            <p:spPr>
+              <a:xfrm>
+                <a:off x="5348888" y="5318607"/>
+                <a:ext cx="916881" cy="241508"/>
+              </a:xfrm>
+              <a:prstGeom prst="line">
+                <a:avLst/>
+              </a:prstGeom>
+              <a:grpFill/>
+              <a:ln w="12700">
+                <a:solidFill>
+                  <a:srgbClr val="C00000"/>
+                </a:solidFill>
+              </a:ln>
+            </p:spPr>
+            <p:style>
+              <a:lnRef idx="1">
+                <a:schemeClr val="accent1"/>
+              </a:lnRef>
+              <a:fillRef idx="0">
+                <a:schemeClr val="accent1"/>
+              </a:fillRef>
+              <a:effectRef idx="0">
+                <a:schemeClr val="accent1"/>
+              </a:effectRef>
+              <a:fontRef idx="minor">
+                <a:schemeClr val="tx1"/>
+              </a:fontRef>
+            </p:style>
+          </p:cxnSp>
+          <p:cxnSp>
+            <p:nvCxnSpPr>
+              <p:cNvPr id="180" name="Straight Connector 179"/>
+              <p:cNvCxnSpPr/>
+              <p:nvPr/>
+            </p:nvCxnSpPr>
+            <p:spPr>
+              <a:xfrm>
+                <a:off x="4467807" y="4620516"/>
+                <a:ext cx="916881" cy="241508"/>
+              </a:xfrm>
+              <a:prstGeom prst="line">
+                <a:avLst/>
+              </a:prstGeom>
+              <a:grpFill/>
+              <a:ln w="12700">
+                <a:solidFill>
+                  <a:srgbClr val="C00000"/>
+                </a:solidFill>
+              </a:ln>
+            </p:spPr>
+            <p:style>
+              <a:lnRef idx="1">
+                <a:schemeClr val="accent1"/>
+              </a:lnRef>
+              <a:fillRef idx="0">
+                <a:schemeClr val="accent1"/>
+              </a:fillRef>
+              <a:effectRef idx="0">
+                <a:schemeClr val="accent1"/>
+              </a:effectRef>
+              <a:fontRef idx="minor">
+                <a:schemeClr val="tx1"/>
+              </a:fontRef>
+            </p:style>
+          </p:cxnSp>
+          <p:cxnSp>
+            <p:nvCxnSpPr>
+              <p:cNvPr id="181" name="Straight Connector 180"/>
+              <p:cNvCxnSpPr/>
+              <p:nvPr/>
+            </p:nvCxnSpPr>
+            <p:spPr>
+              <a:xfrm>
+                <a:off x="4413087" y="5080217"/>
+                <a:ext cx="916881" cy="241508"/>
+              </a:xfrm>
+              <a:prstGeom prst="line">
+                <a:avLst/>
+              </a:prstGeom>
+              <a:grpFill/>
+              <a:ln w="12700">
+                <a:solidFill>
+                  <a:srgbClr val="C00000"/>
+                </a:solidFill>
+              </a:ln>
+            </p:spPr>
+            <p:style>
+              <a:lnRef idx="1">
+                <a:schemeClr val="accent1"/>
+              </a:lnRef>
+              <a:fillRef idx="0">
+                <a:schemeClr val="accent1"/>
+              </a:fillRef>
+              <a:effectRef idx="0">
+                <a:schemeClr val="accent1"/>
+              </a:effectRef>
+              <a:fontRef idx="minor">
+                <a:schemeClr val="tx1"/>
+              </a:fontRef>
+            </p:style>
+          </p:cxnSp>
+          <p:cxnSp>
+            <p:nvCxnSpPr>
+              <p:cNvPr id="182" name="Straight Connector 181"/>
+              <p:cNvCxnSpPr/>
+              <p:nvPr/>
+            </p:nvCxnSpPr>
+            <p:spPr>
+              <a:xfrm>
+                <a:off x="4432007" y="5560115"/>
+                <a:ext cx="916881" cy="241508"/>
+              </a:xfrm>
+              <a:prstGeom prst="line">
+                <a:avLst/>
+              </a:prstGeom>
+              <a:grpFill/>
+              <a:ln w="12700">
+                <a:solidFill>
+                  <a:srgbClr val="C00000"/>
+                </a:solidFill>
+              </a:ln>
+            </p:spPr>
+            <p:style>
+              <a:lnRef idx="1">
+                <a:schemeClr val="accent1"/>
+              </a:lnRef>
+              <a:fillRef idx="0">
+                <a:schemeClr val="accent1"/>
+              </a:fillRef>
+              <a:effectRef idx="0">
+                <a:schemeClr val="accent1"/>
+              </a:effectRef>
+              <a:fontRef idx="minor">
+                <a:schemeClr val="tx1"/>
+              </a:fontRef>
+            </p:style>
+          </p:cxnSp>
+          <p:cxnSp>
+            <p:nvCxnSpPr>
+              <p:cNvPr id="183" name="Straight Connector 182"/>
+              <p:cNvCxnSpPr/>
+              <p:nvPr/>
+            </p:nvCxnSpPr>
+            <p:spPr>
+              <a:xfrm flipV="1">
+                <a:off x="4467807" y="4384458"/>
+                <a:ext cx="915010" cy="705395"/>
+              </a:xfrm>
+              <a:prstGeom prst="line">
+                <a:avLst/>
+              </a:prstGeom>
+              <a:grpFill/>
+              <a:ln w="12700">
+                <a:solidFill>
+                  <a:srgbClr val="C00000"/>
+                </a:solidFill>
+              </a:ln>
+            </p:spPr>
+            <p:style>
+              <a:lnRef idx="1">
+                <a:schemeClr val="accent1"/>
+              </a:lnRef>
+              <a:fillRef idx="0">
+                <a:schemeClr val="accent1"/>
+              </a:fillRef>
+              <a:effectRef idx="0">
+                <a:schemeClr val="accent1"/>
+              </a:effectRef>
+              <a:fontRef idx="minor">
+                <a:schemeClr val="tx1"/>
+              </a:fontRef>
+            </p:style>
+          </p:cxnSp>
+          <p:cxnSp>
+            <p:nvCxnSpPr>
+              <p:cNvPr id="184" name="Straight Connector 183"/>
+              <p:cNvCxnSpPr/>
+              <p:nvPr/>
+            </p:nvCxnSpPr>
+            <p:spPr>
+              <a:xfrm flipV="1">
+                <a:off x="5369679" y="5128491"/>
+                <a:ext cx="915010" cy="705395"/>
+              </a:xfrm>
+              <a:prstGeom prst="line">
+                <a:avLst/>
+              </a:prstGeom>
+              <a:grpFill/>
+              <a:ln w="12700">
+                <a:solidFill>
+                  <a:srgbClr val="C00000"/>
+                </a:solidFill>
+              </a:ln>
+            </p:spPr>
+            <p:style>
+              <a:lnRef idx="1">
+                <a:schemeClr val="accent1"/>
+              </a:lnRef>
+              <a:fillRef idx="0">
+                <a:schemeClr val="accent1"/>
+              </a:fillRef>
+              <a:effectRef idx="0">
+                <a:schemeClr val="accent1"/>
+              </a:effectRef>
+              <a:fontRef idx="minor">
+                <a:schemeClr val="tx1"/>
+              </a:fontRef>
+            </p:style>
+          </p:cxnSp>
+          <p:cxnSp>
+            <p:nvCxnSpPr>
+              <p:cNvPr id="185" name="Straight Connector 184"/>
+              <p:cNvCxnSpPr/>
+              <p:nvPr/>
+            </p:nvCxnSpPr>
+            <p:spPr>
+              <a:xfrm>
+                <a:off x="4467807" y="5089853"/>
+                <a:ext cx="901872" cy="705394"/>
+              </a:xfrm>
+              <a:prstGeom prst="line">
+                <a:avLst/>
+              </a:prstGeom>
+              <a:grpFill/>
+              <a:ln w="12700">
+                <a:solidFill>
+                  <a:srgbClr val="C00000"/>
+                </a:solidFill>
+              </a:ln>
+            </p:spPr>
+            <p:style>
+              <a:lnRef idx="1">
+                <a:schemeClr val="accent1"/>
+              </a:lnRef>
+              <a:fillRef idx="0">
+                <a:schemeClr val="accent1"/>
+              </a:fillRef>
+              <a:effectRef idx="0">
+                <a:schemeClr val="accent1"/>
+              </a:effectRef>
+              <a:fontRef idx="minor">
+                <a:schemeClr val="tx1"/>
+              </a:fontRef>
+            </p:style>
+          </p:cxnSp>
+          <p:cxnSp>
+            <p:nvCxnSpPr>
+              <p:cNvPr id="186" name="Straight Connector 185"/>
+              <p:cNvCxnSpPr/>
+              <p:nvPr/>
+            </p:nvCxnSpPr>
+            <p:spPr>
+              <a:xfrm>
+                <a:off x="5406535" y="4394555"/>
+                <a:ext cx="857933" cy="640473"/>
+              </a:xfrm>
+              <a:prstGeom prst="line">
+                <a:avLst/>
+              </a:prstGeom>
+              <a:grpFill/>
+              <a:ln w="12700">
+                <a:solidFill>
+                  <a:srgbClr val="C00000"/>
+                </a:solidFill>
+              </a:ln>
+            </p:spPr>
+            <p:style>
+              <a:lnRef idx="1">
+                <a:schemeClr val="accent1"/>
+              </a:lnRef>
+              <a:fillRef idx="0">
+                <a:schemeClr val="accent1"/>
+              </a:fillRef>
+              <a:effectRef idx="0">
+                <a:schemeClr val="accent1"/>
+              </a:effectRef>
+              <a:fontRef idx="minor">
+                <a:schemeClr val="tx1"/>
+              </a:fontRef>
+            </p:style>
+          </p:cxnSp>
+          <p:cxnSp>
+            <p:nvCxnSpPr>
+              <p:cNvPr id="187" name="Straight Connector 186"/>
+              <p:cNvCxnSpPr/>
+              <p:nvPr/>
+            </p:nvCxnSpPr>
+            <p:spPr>
+              <a:xfrm flipV="1">
+                <a:off x="4467807" y="4861098"/>
+                <a:ext cx="901872" cy="699017"/>
+              </a:xfrm>
+              <a:prstGeom prst="line">
+                <a:avLst/>
+              </a:prstGeom>
+              <a:grpFill/>
+              <a:ln w="12700">
+                <a:solidFill>
+                  <a:srgbClr val="C00000"/>
+                </a:solidFill>
+              </a:ln>
+            </p:spPr>
+            <p:style>
+              <a:lnRef idx="1">
+                <a:schemeClr val="accent1"/>
+              </a:lnRef>
+              <a:fillRef idx="0">
+                <a:schemeClr val="accent1"/>
+              </a:fillRef>
+              <a:effectRef idx="0">
+                <a:schemeClr val="accent1"/>
+              </a:effectRef>
+              <a:fontRef idx="minor">
+                <a:schemeClr val="tx1"/>
+              </a:fontRef>
+            </p:style>
+          </p:cxnSp>
+          <p:cxnSp>
+            <p:nvCxnSpPr>
+              <p:cNvPr id="188" name="Straight Connector 187"/>
+              <p:cNvCxnSpPr/>
+              <p:nvPr/>
+            </p:nvCxnSpPr>
+            <p:spPr>
+              <a:xfrm flipV="1">
+                <a:off x="5385867" y="4629155"/>
+                <a:ext cx="901872" cy="699017"/>
+              </a:xfrm>
+              <a:prstGeom prst="line">
+                <a:avLst/>
+              </a:prstGeom>
+              <a:grpFill/>
+              <a:ln w="12700">
+                <a:solidFill>
+                  <a:srgbClr val="C00000"/>
+                </a:solidFill>
+              </a:ln>
+            </p:spPr>
+            <p:style>
+              <a:lnRef idx="1">
+                <a:schemeClr val="accent1"/>
+              </a:lnRef>
+              <a:fillRef idx="0">
+                <a:schemeClr val="accent1"/>
+              </a:fillRef>
+              <a:effectRef idx="0">
+                <a:schemeClr val="accent1"/>
+              </a:effectRef>
+              <a:fontRef idx="minor">
+                <a:schemeClr val="tx1"/>
+              </a:fontRef>
+            </p:style>
+          </p:cxnSp>
+          <p:cxnSp>
+            <p:nvCxnSpPr>
+              <p:cNvPr id="189" name="Straight Connector 188"/>
+              <p:cNvCxnSpPr/>
+              <p:nvPr/>
+            </p:nvCxnSpPr>
+            <p:spPr>
+              <a:xfrm>
+                <a:off x="4467807" y="4613212"/>
+                <a:ext cx="901872" cy="705395"/>
+              </a:xfrm>
+              <a:prstGeom prst="line">
+                <a:avLst/>
+              </a:prstGeom>
+              <a:grpFill/>
+              <a:ln w="12700">
+                <a:solidFill>
+                  <a:srgbClr val="C00000"/>
+                </a:solidFill>
+              </a:ln>
+            </p:spPr>
+            <p:style>
+              <a:lnRef idx="1">
+                <a:schemeClr val="accent1"/>
+              </a:lnRef>
+              <a:fillRef idx="0">
+                <a:schemeClr val="accent1"/>
+              </a:fillRef>
+              <a:effectRef idx="0">
+                <a:schemeClr val="accent1"/>
+              </a:effectRef>
+              <a:fontRef idx="minor">
+                <a:schemeClr val="tx1"/>
+              </a:fontRef>
+            </p:style>
+          </p:cxnSp>
+          <p:cxnSp>
+            <p:nvCxnSpPr>
+              <p:cNvPr id="190" name="Straight Connector 189"/>
+              <p:cNvCxnSpPr/>
+              <p:nvPr/>
+            </p:nvCxnSpPr>
+            <p:spPr>
+              <a:xfrm>
+                <a:off x="5350436" y="4815995"/>
+                <a:ext cx="901872" cy="705395"/>
+              </a:xfrm>
+              <a:prstGeom prst="line">
+                <a:avLst/>
+              </a:prstGeom>
+              <a:grpFill/>
+              <a:ln w="12700">
+                <a:solidFill>
+                  <a:srgbClr val="C00000"/>
+                </a:solidFill>
+              </a:ln>
+            </p:spPr>
+            <p:style>
+              <a:lnRef idx="1">
+                <a:schemeClr val="accent1"/>
+              </a:lnRef>
+              <a:fillRef idx="0">
+                <a:schemeClr val="accent1"/>
+              </a:fillRef>
+              <a:effectRef idx="0">
+                <a:schemeClr val="accent1"/>
+              </a:effectRef>
+              <a:fontRef idx="minor">
+                <a:schemeClr val="tx1"/>
+              </a:fontRef>
+            </p:style>
+          </p:cxnSp>
+        </p:grpSp>
+      </p:grpSp>
+      <p:grpSp>
+        <p:nvGrpSpPr>
+          <p:cNvPr id="128" name="Group 127"/>
+          <p:cNvGrpSpPr/>
+          <p:nvPr/>
+        </p:nvGrpSpPr>
+        <p:grpSpPr>
+          <a:xfrm>
+            <a:off x="5084269" y="1977586"/>
+            <a:ext cx="1801462" cy="1281878"/>
+            <a:chOff x="1504754" y="1506682"/>
+            <a:chExt cx="1926833" cy="1371089"/>
+          </a:xfrm>
+        </p:grpSpPr>
+        <p:pic>
+          <p:nvPicPr>
+            <p:cNvPr id="125" name="Picture 124"/>
+            <p:cNvPicPr>
+              <a:picLocks noChangeAspect="1"/>
+            </p:cNvPicPr>
+            <p:nvPr/>
+          </p:nvPicPr>
+          <p:blipFill>
+            <a:blip r:embed="rId3" cstate="print">
+              <a:extLst>
+                <a:ext uri="{28A0092B-C50C-407E-A947-70E740481C1C}">
+                  <a14:useLocalDpi xmlns:a14="http://schemas.microsoft.com/office/drawing/2010/main" val="0"/>
+                </a:ext>
+              </a:extLst>
+            </a:blip>
+            <a:stretch>
+              <a:fillRect/>
+            </a:stretch>
+          </p:blipFill>
+          <p:spPr>
+            <a:xfrm>
+              <a:off x="1504754" y="1506682"/>
+              <a:ext cx="1486470" cy="1117958"/>
+            </a:xfrm>
+            <a:prstGeom prst="rect">
+              <a:avLst/>
+            </a:prstGeom>
+          </p:spPr>
+        </p:pic>
+        <p:pic>
+          <p:nvPicPr>
+            <p:cNvPr id="126" name="Picture 125"/>
+            <p:cNvPicPr>
+              <a:picLocks noChangeAspect="1"/>
+            </p:cNvPicPr>
+            <p:nvPr/>
+          </p:nvPicPr>
+          <p:blipFill>
+            <a:blip r:embed="rId4" cstate="print">
+              <a:extLst>
+                <a:ext uri="{28A0092B-C50C-407E-A947-70E740481C1C}">
+                  <a14:useLocalDpi xmlns:a14="http://schemas.microsoft.com/office/drawing/2010/main" val="0"/>
+                </a:ext>
+              </a:extLst>
+            </a:blip>
+            <a:stretch>
+              <a:fillRect/>
+            </a:stretch>
+          </p:blipFill>
+          <p:spPr>
+            <a:xfrm>
+              <a:off x="1690140" y="1606085"/>
+              <a:ext cx="1476345" cy="1110343"/>
+            </a:xfrm>
+            <a:prstGeom prst="rect">
+              <a:avLst/>
+            </a:prstGeom>
+          </p:spPr>
+        </p:pic>
+        <p:pic>
+          <p:nvPicPr>
+            <p:cNvPr id="127" name="Picture 126"/>
+            <p:cNvPicPr>
+              <a:picLocks noChangeAspect="1"/>
+            </p:cNvPicPr>
+            <p:nvPr/>
+          </p:nvPicPr>
+          <p:blipFill>
+            <a:blip r:embed="rId5" cstate="print">
+              <a:extLst>
+                <a:ext uri="{28A0092B-C50C-407E-A947-70E740481C1C}">
+                  <a14:useLocalDpi xmlns:a14="http://schemas.microsoft.com/office/drawing/2010/main" val="0"/>
+                </a:ext>
+              </a:extLst>
+            </a:blip>
+            <a:stretch>
+              <a:fillRect/>
+            </a:stretch>
+          </p:blipFill>
+          <p:spPr>
+            <a:xfrm>
+              <a:off x="1921521" y="1767428"/>
+              <a:ext cx="1510066" cy="1110343"/>
+            </a:xfrm>
+            <a:prstGeom prst="rect">
+              <a:avLst/>
+            </a:prstGeom>
+          </p:spPr>
+        </p:pic>
+      </p:grpSp>
+      <p:grpSp>
+        <p:nvGrpSpPr>
+          <p:cNvPr id="202" name="Group 201"/>
+          <p:cNvGrpSpPr/>
+          <p:nvPr/>
+        </p:nvGrpSpPr>
+        <p:grpSpPr>
+          <a:xfrm>
+            <a:off x="2642554" y="1820516"/>
+            <a:ext cx="1951821" cy="1628503"/>
+            <a:chOff x="4158023" y="1290690"/>
+            <a:chExt cx="1951821" cy="1628503"/>
+          </a:xfrm>
+        </p:grpSpPr>
+        <p:sp>
+          <p:nvSpPr>
+            <p:cNvPr id="83" name="Rounded Rectangle 82"/>
+            <p:cNvSpPr/>
+            <p:nvPr/>
+          </p:nvSpPr>
+          <p:spPr>
+            <a:xfrm>
+              <a:off x="4158023" y="1290690"/>
+              <a:ext cx="1951821" cy="1628503"/>
+            </a:xfrm>
+            <a:prstGeom prst="roundRect">
+              <a:avLst/>
+            </a:prstGeom>
+            <a:solidFill>
+              <a:schemeClr val="tx2"/>
+            </a:solidFill>
+            <a:ln>
+              <a:noFill/>
+            </a:ln>
+          </p:spPr>
+          <p:style>
+            <a:lnRef idx="2">
+              <a:schemeClr val="accent1">
+                <a:shade val="50000"/>
+              </a:schemeClr>
+            </a:lnRef>
+            <a:fillRef idx="1">
+              <a:schemeClr val="accent1"/>
+            </a:fillRef>
+            <a:effectRef idx="0">
+              <a:schemeClr val="accent1"/>
+            </a:effectRef>
+            <a:fontRef idx="minor">
+              <a:schemeClr val="lt1"/>
+            </a:fontRef>
+          </p:style>
+          <p:txBody>
+            <a:bodyPr rtlCol="0" anchor="ctr"/>
+            <a:lstStyle/>
+            <a:p>
+              <a:pPr algn="ctr"/>
+              <a:endParaRPr lang="fr-FR" dirty="0"/>
+            </a:p>
+          </p:txBody>
+        </p:sp>
+        <p:grpSp>
+          <p:nvGrpSpPr>
+            <p:cNvPr id="81" name="Group 80"/>
+            <p:cNvGrpSpPr/>
+            <p:nvPr/>
+          </p:nvGrpSpPr>
+          <p:grpSpPr>
+            <a:xfrm>
+              <a:off x="4356615" y="1491064"/>
+              <a:ext cx="1554637" cy="1227755"/>
+              <a:chOff x="4323808" y="4240458"/>
+              <a:chExt cx="2121762" cy="1698789"/>
+            </a:xfrm>
+            <a:solidFill>
+              <a:srgbClr val="00B0F0"/>
+            </a:solidFill>
+          </p:grpSpPr>
+          <p:grpSp>
+            <p:nvGrpSpPr>
+              <p:cNvPr id="26" name="Group 25"/>
+              <p:cNvGrpSpPr/>
+              <p:nvPr/>
+            </p:nvGrpSpPr>
+            <p:grpSpPr>
+              <a:xfrm>
+                <a:off x="5240689" y="4240458"/>
+                <a:ext cx="288000" cy="1698789"/>
+                <a:chOff x="5240689" y="4240458"/>
+                <a:chExt cx="288000" cy="1698789"/>
+              </a:xfrm>
+              <a:grpFill/>
+            </p:grpSpPr>
+            <p:sp>
+              <p:nvSpPr>
+                <p:cNvPr id="11" name="Oval 10"/>
+                <p:cNvSpPr/>
+                <p:nvPr/>
+              </p:nvSpPr>
+              <p:spPr>
+                <a:xfrm>
+                  <a:off x="5240689" y="4240458"/>
+                  <a:ext cx="288000" cy="288000"/>
+                </a:xfrm>
+                <a:prstGeom prst="ellipse">
+                  <a:avLst/>
+                </a:prstGeom>
+                <a:solidFill>
+                  <a:srgbClr val="00FF00"/>
+                </a:solidFill>
+                <a:ln w="12700">
+                  <a:solidFill>
+                    <a:srgbClr val="00FF00"/>
+                  </a:solidFill>
+                </a:ln>
+              </p:spPr>
+              <p:style>
+                <a:lnRef idx="2">
+                  <a:schemeClr val="accent1">
+                    <a:shade val="50000"/>
+                  </a:schemeClr>
+                </a:lnRef>
+                <a:fillRef idx="1">
+                  <a:schemeClr val="accent1"/>
+                </a:fillRef>
+                <a:effectRef idx="0">
+                  <a:schemeClr val="accent1"/>
+                </a:effectRef>
+                <a:fontRef idx="minor">
+                  <a:schemeClr val="lt1"/>
+                </a:fontRef>
+              </p:style>
+              <p:txBody>
+                <a:bodyPr rtlCol="0" anchor="ctr"/>
+                <a:lstStyle/>
+                <a:p>
+                  <a:pPr algn="ctr"/>
+                  <a:endParaRPr lang="fr-FR" dirty="0"/>
+                </a:p>
+              </p:txBody>
+            </p:sp>
+            <p:sp>
+              <p:nvSpPr>
+                <p:cNvPr id="12" name="Oval 11"/>
+                <p:cNvSpPr/>
+                <p:nvPr/>
+              </p:nvSpPr>
+              <p:spPr>
+                <a:xfrm>
+                  <a:off x="5240689" y="4710721"/>
+                  <a:ext cx="288000" cy="288000"/>
+                </a:xfrm>
+                <a:prstGeom prst="ellipse">
+                  <a:avLst/>
+                </a:prstGeom>
+                <a:solidFill>
+                  <a:srgbClr val="00FF00"/>
+                </a:solidFill>
+                <a:ln w="12700">
+                  <a:solidFill>
+                    <a:srgbClr val="00FF00"/>
+                  </a:solidFill>
+                </a:ln>
+              </p:spPr>
+              <p:style>
+                <a:lnRef idx="2">
+                  <a:schemeClr val="accent1">
+                    <a:shade val="50000"/>
+                  </a:schemeClr>
+                </a:lnRef>
+                <a:fillRef idx="1">
+                  <a:schemeClr val="accent1"/>
+                </a:fillRef>
+                <a:effectRef idx="0">
+                  <a:schemeClr val="accent1"/>
+                </a:effectRef>
+                <a:fontRef idx="minor">
+                  <a:schemeClr val="lt1"/>
+                </a:fontRef>
+              </p:style>
+              <p:txBody>
+                <a:bodyPr rtlCol="0" anchor="ctr"/>
+                <a:lstStyle/>
+                <a:p>
+                  <a:pPr algn="ctr"/>
+                  <a:endParaRPr lang="fr-FR" dirty="0"/>
+                </a:p>
+              </p:txBody>
+            </p:sp>
+            <p:sp>
+              <p:nvSpPr>
+                <p:cNvPr id="13" name="Oval 12"/>
+                <p:cNvSpPr/>
+                <p:nvPr/>
+              </p:nvSpPr>
+              <p:spPr>
+                <a:xfrm>
+                  <a:off x="5240689" y="5180984"/>
+                  <a:ext cx="288000" cy="288000"/>
+                </a:xfrm>
+                <a:prstGeom prst="ellipse">
+                  <a:avLst/>
+                </a:prstGeom>
+                <a:solidFill>
+                  <a:srgbClr val="00FF00"/>
+                </a:solidFill>
+                <a:ln w="12700">
+                  <a:solidFill>
+                    <a:srgbClr val="00FF00"/>
+                  </a:solidFill>
+                </a:ln>
+              </p:spPr>
+              <p:style>
+                <a:lnRef idx="2">
+                  <a:schemeClr val="accent1">
+                    <a:shade val="50000"/>
+                  </a:schemeClr>
+                </a:lnRef>
+                <a:fillRef idx="1">
+                  <a:schemeClr val="accent1"/>
+                </a:fillRef>
+                <a:effectRef idx="0">
+                  <a:schemeClr val="accent1"/>
+                </a:effectRef>
+                <a:fontRef idx="minor">
+                  <a:schemeClr val="lt1"/>
+                </a:fontRef>
+              </p:style>
+              <p:txBody>
+                <a:bodyPr rtlCol="0" anchor="ctr"/>
+                <a:lstStyle/>
+                <a:p>
+                  <a:pPr algn="ctr"/>
+                  <a:endParaRPr lang="fr-FR" dirty="0"/>
+                </a:p>
+              </p:txBody>
+            </p:sp>
+            <p:sp>
+              <p:nvSpPr>
+                <p:cNvPr id="17" name="Oval 16"/>
+                <p:cNvSpPr/>
+                <p:nvPr/>
+              </p:nvSpPr>
+              <p:spPr>
+                <a:xfrm>
+                  <a:off x="5240689" y="5651247"/>
+                  <a:ext cx="288000" cy="288000"/>
+                </a:xfrm>
+                <a:prstGeom prst="ellipse">
+                  <a:avLst/>
+                </a:prstGeom>
+                <a:solidFill>
+                  <a:srgbClr val="00FF00"/>
+                </a:solidFill>
+                <a:ln w="12700">
+                  <a:solidFill>
+                    <a:srgbClr val="00FF00"/>
+                  </a:solidFill>
+                </a:ln>
+              </p:spPr>
+              <p:style>
+                <a:lnRef idx="2">
+                  <a:schemeClr val="accent1">
+                    <a:shade val="50000"/>
+                  </a:schemeClr>
+                </a:lnRef>
+                <a:fillRef idx="1">
+                  <a:schemeClr val="accent1"/>
+                </a:fillRef>
+                <a:effectRef idx="0">
+                  <a:schemeClr val="accent1"/>
+                </a:effectRef>
+                <a:fontRef idx="minor">
+                  <a:schemeClr val="lt1"/>
+                </a:fontRef>
+              </p:style>
+              <p:txBody>
+                <a:bodyPr rtlCol="0" anchor="ctr"/>
+                <a:lstStyle/>
+                <a:p>
+                  <a:pPr algn="ctr"/>
+                  <a:endParaRPr lang="fr-FR" dirty="0"/>
+                </a:p>
+              </p:txBody>
+            </p:sp>
+          </p:grpSp>
+          <p:grpSp>
+            <p:nvGrpSpPr>
+              <p:cNvPr id="25" name="Group 24"/>
+              <p:cNvGrpSpPr/>
+              <p:nvPr/>
+            </p:nvGrpSpPr>
+            <p:grpSpPr>
+              <a:xfrm>
+                <a:off x="6157570" y="4475590"/>
+                <a:ext cx="288000" cy="1228526"/>
+                <a:chOff x="6157570" y="4475590"/>
+                <a:chExt cx="288000" cy="1228526"/>
+              </a:xfrm>
+              <a:grpFill/>
+            </p:grpSpPr>
+            <p:sp>
+              <p:nvSpPr>
+                <p:cNvPr id="22" name="Oval 21"/>
+                <p:cNvSpPr/>
+                <p:nvPr/>
+              </p:nvSpPr>
+              <p:spPr>
+                <a:xfrm>
+                  <a:off x="6157570" y="4475590"/>
+                  <a:ext cx="288000" cy="288000"/>
+                </a:xfrm>
+                <a:prstGeom prst="ellipse">
+                  <a:avLst/>
+                </a:prstGeom>
+                <a:solidFill>
+                  <a:srgbClr val="00FF00"/>
+                </a:solidFill>
+                <a:ln w="12700">
+                  <a:solidFill>
+                    <a:srgbClr val="00FF00"/>
+                  </a:solidFill>
+                </a:ln>
+              </p:spPr>
+              <p:style>
+                <a:lnRef idx="2">
+                  <a:schemeClr val="accent1">
+                    <a:shade val="50000"/>
+                  </a:schemeClr>
+                </a:lnRef>
+                <a:fillRef idx="1">
+                  <a:schemeClr val="accent1"/>
+                </a:fillRef>
+                <a:effectRef idx="0">
+                  <a:schemeClr val="accent1"/>
+                </a:effectRef>
+                <a:fontRef idx="minor">
+                  <a:schemeClr val="lt1"/>
+                </a:fontRef>
+              </p:style>
+              <p:txBody>
+                <a:bodyPr rtlCol="0" anchor="ctr"/>
+                <a:lstStyle/>
+                <a:p>
+                  <a:pPr algn="ctr"/>
+                  <a:endParaRPr lang="fr-FR" dirty="0"/>
+                </a:p>
+              </p:txBody>
+            </p:sp>
+            <p:sp>
+              <p:nvSpPr>
+                <p:cNvPr id="23" name="Oval 22"/>
+                <p:cNvSpPr/>
+                <p:nvPr/>
+              </p:nvSpPr>
+              <p:spPr>
+                <a:xfrm>
+                  <a:off x="6157570" y="4945853"/>
+                  <a:ext cx="288000" cy="288000"/>
+                </a:xfrm>
+                <a:prstGeom prst="ellipse">
+                  <a:avLst/>
+                </a:prstGeom>
+                <a:solidFill>
+                  <a:srgbClr val="00FF00"/>
+                </a:solidFill>
+                <a:ln w="12700">
+                  <a:solidFill>
+                    <a:srgbClr val="00FF00"/>
+                  </a:solidFill>
+                </a:ln>
+              </p:spPr>
+              <p:style>
+                <a:lnRef idx="2">
+                  <a:schemeClr val="accent1">
+                    <a:shade val="50000"/>
+                  </a:schemeClr>
+                </a:lnRef>
+                <a:fillRef idx="1">
+                  <a:schemeClr val="accent1"/>
+                </a:fillRef>
+                <a:effectRef idx="0">
+                  <a:schemeClr val="accent1"/>
+                </a:effectRef>
+                <a:fontRef idx="minor">
+                  <a:schemeClr val="lt1"/>
+                </a:fontRef>
+              </p:style>
+              <p:txBody>
+                <a:bodyPr rtlCol="0" anchor="ctr"/>
+                <a:lstStyle/>
+                <a:p>
+                  <a:pPr algn="ctr"/>
+                  <a:endParaRPr lang="fr-FR" dirty="0"/>
+                </a:p>
+              </p:txBody>
+            </p:sp>
+            <p:sp>
+              <p:nvSpPr>
+                <p:cNvPr id="24" name="Oval 23"/>
+                <p:cNvSpPr/>
+                <p:nvPr/>
+              </p:nvSpPr>
+              <p:spPr>
+                <a:xfrm>
+                  <a:off x="6157570" y="5416116"/>
+                  <a:ext cx="288000" cy="288000"/>
+                </a:xfrm>
+                <a:prstGeom prst="ellipse">
+                  <a:avLst/>
+                </a:prstGeom>
+                <a:solidFill>
+                  <a:srgbClr val="00FF00"/>
+                </a:solidFill>
+                <a:ln w="12700">
+                  <a:solidFill>
+                    <a:srgbClr val="00FF00"/>
+                  </a:solidFill>
+                </a:ln>
+              </p:spPr>
+              <p:style>
+                <a:lnRef idx="2">
+                  <a:schemeClr val="accent1">
+                    <a:shade val="50000"/>
+                  </a:schemeClr>
+                </a:lnRef>
+                <a:fillRef idx="1">
+                  <a:schemeClr val="accent1"/>
+                </a:fillRef>
+                <a:effectRef idx="0">
+                  <a:schemeClr val="accent1"/>
+                </a:effectRef>
+                <a:fontRef idx="minor">
+                  <a:schemeClr val="lt1"/>
+                </a:fontRef>
+              </p:style>
+              <p:txBody>
+                <a:bodyPr rtlCol="0" anchor="ctr"/>
+                <a:lstStyle/>
+                <a:p>
+                  <a:pPr algn="ctr"/>
+                  <a:endParaRPr lang="fr-FR" dirty="0"/>
+                </a:p>
+              </p:txBody>
+            </p:sp>
+          </p:grpSp>
+          <p:grpSp>
+            <p:nvGrpSpPr>
+              <p:cNvPr id="27" name="Group 26"/>
+              <p:cNvGrpSpPr/>
+              <p:nvPr/>
+            </p:nvGrpSpPr>
+            <p:grpSpPr>
+              <a:xfrm>
+                <a:off x="4323808" y="4475590"/>
+                <a:ext cx="288000" cy="1228526"/>
+                <a:chOff x="6157570" y="4475590"/>
+                <a:chExt cx="288000" cy="1228526"/>
+              </a:xfrm>
+              <a:grpFill/>
+            </p:grpSpPr>
+            <p:sp>
+              <p:nvSpPr>
+                <p:cNvPr id="28" name="Oval 27"/>
+                <p:cNvSpPr/>
+                <p:nvPr/>
+              </p:nvSpPr>
+              <p:spPr>
+                <a:xfrm>
+                  <a:off x="6157570" y="4475590"/>
+                  <a:ext cx="288000" cy="288000"/>
+                </a:xfrm>
+                <a:prstGeom prst="ellipse">
+                  <a:avLst/>
+                </a:prstGeom>
+                <a:solidFill>
+                  <a:srgbClr val="00FF00"/>
+                </a:solidFill>
+                <a:ln w="12700">
+                  <a:solidFill>
+                    <a:srgbClr val="00FF00"/>
+                  </a:solidFill>
+                </a:ln>
+              </p:spPr>
+              <p:style>
+                <a:lnRef idx="2">
+                  <a:schemeClr val="accent1">
+                    <a:shade val="50000"/>
+                  </a:schemeClr>
+                </a:lnRef>
+                <a:fillRef idx="1">
+                  <a:schemeClr val="accent1"/>
+                </a:fillRef>
+                <a:effectRef idx="0">
+                  <a:schemeClr val="accent1"/>
+                </a:effectRef>
+                <a:fontRef idx="minor">
+                  <a:schemeClr val="lt1"/>
+                </a:fontRef>
+              </p:style>
+              <p:txBody>
+                <a:bodyPr rtlCol="0" anchor="ctr"/>
+                <a:lstStyle/>
+                <a:p>
+                  <a:pPr algn="ctr"/>
+                  <a:endParaRPr lang="fr-FR" dirty="0"/>
+                </a:p>
+              </p:txBody>
+            </p:sp>
+            <p:sp>
+              <p:nvSpPr>
+                <p:cNvPr id="29" name="Oval 28"/>
+                <p:cNvSpPr/>
+                <p:nvPr/>
+              </p:nvSpPr>
+              <p:spPr>
+                <a:xfrm>
+                  <a:off x="6157570" y="4945853"/>
+                  <a:ext cx="288000" cy="288000"/>
+                </a:xfrm>
+                <a:prstGeom prst="ellipse">
+                  <a:avLst/>
+                </a:prstGeom>
+                <a:solidFill>
+                  <a:srgbClr val="00FF00"/>
+                </a:solidFill>
+                <a:ln w="12700">
+                  <a:solidFill>
+                    <a:srgbClr val="00FF00"/>
+                  </a:solidFill>
+                </a:ln>
+              </p:spPr>
+              <p:style>
+                <a:lnRef idx="2">
+                  <a:schemeClr val="accent1">
+                    <a:shade val="50000"/>
+                  </a:schemeClr>
+                </a:lnRef>
+                <a:fillRef idx="1">
+                  <a:schemeClr val="accent1"/>
+                </a:fillRef>
+                <a:effectRef idx="0">
+                  <a:schemeClr val="accent1"/>
+                </a:effectRef>
+                <a:fontRef idx="minor">
+                  <a:schemeClr val="lt1"/>
+                </a:fontRef>
+              </p:style>
+              <p:txBody>
+                <a:bodyPr rtlCol="0" anchor="ctr"/>
+                <a:lstStyle/>
+                <a:p>
+                  <a:pPr algn="ctr"/>
+                  <a:endParaRPr lang="fr-FR" dirty="0"/>
+                </a:p>
+              </p:txBody>
+            </p:sp>
+            <p:sp>
+              <p:nvSpPr>
+                <p:cNvPr id="30" name="Oval 29"/>
+                <p:cNvSpPr/>
+                <p:nvPr/>
+              </p:nvSpPr>
+              <p:spPr>
+                <a:xfrm>
+                  <a:off x="6157570" y="5416116"/>
+                  <a:ext cx="288000" cy="288000"/>
+                </a:xfrm>
+                <a:prstGeom prst="ellipse">
+                  <a:avLst/>
+                </a:prstGeom>
+                <a:solidFill>
+                  <a:srgbClr val="00FF00"/>
+                </a:solidFill>
+                <a:ln w="12700">
+                  <a:solidFill>
+                    <a:srgbClr val="00FF00"/>
+                  </a:solidFill>
+                </a:ln>
+              </p:spPr>
+              <p:style>
+                <a:lnRef idx="2">
+                  <a:schemeClr val="accent1">
+                    <a:shade val="50000"/>
+                  </a:schemeClr>
+                </a:lnRef>
+                <a:fillRef idx="1">
+                  <a:schemeClr val="accent1"/>
+                </a:fillRef>
+                <a:effectRef idx="0">
+                  <a:schemeClr val="accent1"/>
+                </a:effectRef>
+                <a:fontRef idx="minor">
+                  <a:schemeClr val="lt1"/>
+                </a:fontRef>
+              </p:style>
+              <p:txBody>
+                <a:bodyPr rtlCol="0" anchor="ctr"/>
+                <a:lstStyle/>
+                <a:p>
+                  <a:pPr algn="ctr"/>
+                  <a:endParaRPr lang="fr-FR" dirty="0"/>
+                </a:p>
+              </p:txBody>
+            </p:sp>
+          </p:grpSp>
+          <p:cxnSp>
+            <p:nvCxnSpPr>
+              <p:cNvPr id="32" name="Straight Connector 31"/>
+              <p:cNvCxnSpPr/>
+              <p:nvPr/>
+            </p:nvCxnSpPr>
+            <p:spPr>
+              <a:xfrm flipV="1">
+                <a:off x="4467808" y="4384458"/>
+                <a:ext cx="916881" cy="235132"/>
+              </a:xfrm>
+              <a:prstGeom prst="line">
+                <a:avLst/>
+              </a:prstGeom>
+              <a:grpFill/>
+              <a:ln w="12700">
+                <a:solidFill>
+                  <a:srgbClr val="00FF00"/>
+                </a:solidFill>
+              </a:ln>
+            </p:spPr>
+            <p:style>
+              <a:lnRef idx="1">
+                <a:schemeClr val="accent1"/>
+              </a:lnRef>
+              <a:fillRef idx="0">
+                <a:schemeClr val="accent1"/>
+              </a:fillRef>
+              <a:effectRef idx="0">
+                <a:schemeClr val="accent1"/>
+              </a:effectRef>
+              <a:fontRef idx="minor">
+                <a:schemeClr val="tx1"/>
+              </a:fontRef>
+            </p:style>
+          </p:cxnSp>
+          <p:cxnSp>
+            <p:nvCxnSpPr>
+              <p:cNvPr id="33" name="Straight Connector 32"/>
+              <p:cNvCxnSpPr/>
+              <p:nvPr/>
+            </p:nvCxnSpPr>
+            <p:spPr>
+              <a:xfrm flipV="1">
+                <a:off x="4467808" y="4852389"/>
+                <a:ext cx="916881" cy="235132"/>
+              </a:xfrm>
+              <a:prstGeom prst="line">
+                <a:avLst/>
+              </a:prstGeom>
+              <a:grpFill/>
+              <a:ln w="12700">
+                <a:solidFill>
+                  <a:srgbClr val="00FF00"/>
+                </a:solidFill>
+              </a:ln>
+            </p:spPr>
+            <p:style>
+              <a:lnRef idx="1">
+                <a:schemeClr val="accent1"/>
+              </a:lnRef>
+              <a:fillRef idx="0">
+                <a:schemeClr val="accent1"/>
+              </a:fillRef>
+              <a:effectRef idx="0">
+                <a:schemeClr val="accent1"/>
+              </a:effectRef>
+              <a:fontRef idx="minor">
+                <a:schemeClr val="tx1"/>
+              </a:fontRef>
+            </p:style>
+          </p:cxnSp>
+          <p:cxnSp>
+            <p:nvCxnSpPr>
+              <p:cNvPr id="34" name="Straight Connector 33"/>
+              <p:cNvCxnSpPr/>
+              <p:nvPr/>
+            </p:nvCxnSpPr>
+            <p:spPr>
+              <a:xfrm flipV="1">
+                <a:off x="4467807" y="5329338"/>
+                <a:ext cx="916881" cy="235132"/>
+              </a:xfrm>
+              <a:prstGeom prst="line">
+                <a:avLst/>
+              </a:prstGeom>
+              <a:grpFill/>
+              <a:ln w="12700">
+                <a:solidFill>
+                  <a:srgbClr val="00FF00"/>
+                </a:solidFill>
+              </a:ln>
+            </p:spPr>
+            <p:style>
+              <a:lnRef idx="1">
+                <a:schemeClr val="accent1"/>
+              </a:lnRef>
+              <a:fillRef idx="0">
+                <a:schemeClr val="accent1"/>
+              </a:fillRef>
+              <a:effectRef idx="0">
+                <a:schemeClr val="accent1"/>
+              </a:effectRef>
+              <a:fontRef idx="minor">
+                <a:schemeClr val="tx1"/>
+              </a:fontRef>
+            </p:style>
+          </p:cxnSp>
+          <p:cxnSp>
+            <p:nvCxnSpPr>
+              <p:cNvPr id="35" name="Straight Connector 34"/>
+              <p:cNvCxnSpPr/>
+              <p:nvPr/>
+            </p:nvCxnSpPr>
+            <p:spPr>
+              <a:xfrm flipV="1">
+                <a:off x="5382817" y="4613212"/>
+                <a:ext cx="916881" cy="235132"/>
+              </a:xfrm>
+              <a:prstGeom prst="line">
+                <a:avLst/>
+              </a:prstGeom>
+              <a:grpFill/>
+              <a:ln w="12700">
+                <a:solidFill>
+                  <a:srgbClr val="00FF00"/>
+                </a:solidFill>
+              </a:ln>
+            </p:spPr>
+            <p:style>
+              <a:lnRef idx="1">
+                <a:schemeClr val="accent1"/>
+              </a:lnRef>
+              <a:fillRef idx="0">
+                <a:schemeClr val="accent1"/>
+              </a:fillRef>
+              <a:effectRef idx="0">
+                <a:schemeClr val="accent1"/>
+              </a:effectRef>
+              <a:fontRef idx="minor">
+                <a:schemeClr val="tx1"/>
+              </a:fontRef>
+            </p:style>
+          </p:cxnSp>
+          <p:cxnSp>
+            <p:nvCxnSpPr>
+              <p:cNvPr id="36" name="Straight Connector 35"/>
+              <p:cNvCxnSpPr/>
+              <p:nvPr/>
+            </p:nvCxnSpPr>
+            <p:spPr>
+              <a:xfrm flipV="1">
+                <a:off x="5312689" y="5114263"/>
+                <a:ext cx="916881" cy="235132"/>
+              </a:xfrm>
+              <a:prstGeom prst="line">
+                <a:avLst/>
+              </a:prstGeom>
+              <a:grpFill/>
+              <a:ln w="12700">
+                <a:solidFill>
+                  <a:srgbClr val="00FF00"/>
+                </a:solidFill>
+              </a:ln>
+            </p:spPr>
+            <p:style>
+              <a:lnRef idx="1">
+                <a:schemeClr val="accent1"/>
+              </a:lnRef>
+              <a:fillRef idx="0">
+                <a:schemeClr val="accent1"/>
+              </a:fillRef>
+              <a:effectRef idx="0">
+                <a:schemeClr val="accent1"/>
+              </a:effectRef>
+              <a:fontRef idx="minor">
+                <a:schemeClr val="tx1"/>
+              </a:fontRef>
+            </p:style>
+          </p:cxnSp>
+          <p:cxnSp>
+            <p:nvCxnSpPr>
+              <p:cNvPr id="37" name="Straight Connector 36"/>
+              <p:cNvCxnSpPr/>
+              <p:nvPr/>
+            </p:nvCxnSpPr>
+            <p:spPr>
+              <a:xfrm flipV="1">
+                <a:off x="5353887" y="5582503"/>
+                <a:ext cx="916881" cy="235132"/>
+              </a:xfrm>
+              <a:prstGeom prst="line">
+                <a:avLst/>
+              </a:prstGeom>
+              <a:grpFill/>
+              <a:ln w="12700">
+                <a:solidFill>
+                  <a:srgbClr val="00FF00"/>
+                </a:solidFill>
+              </a:ln>
+            </p:spPr>
+            <p:style>
+              <a:lnRef idx="1">
+                <a:schemeClr val="accent1"/>
+              </a:lnRef>
+              <a:fillRef idx="0">
+                <a:schemeClr val="accent1"/>
+              </a:fillRef>
+              <a:effectRef idx="0">
+                <a:schemeClr val="accent1"/>
+              </a:effectRef>
+              <a:fontRef idx="minor">
+                <a:schemeClr val="tx1"/>
+              </a:fontRef>
+            </p:style>
+          </p:cxnSp>
+          <p:cxnSp>
+            <p:nvCxnSpPr>
+              <p:cNvPr id="38" name="Straight Connector 37"/>
+              <p:cNvCxnSpPr/>
+              <p:nvPr/>
+            </p:nvCxnSpPr>
+            <p:spPr>
+              <a:xfrm>
+                <a:off x="5382817" y="4371704"/>
+                <a:ext cx="916881" cy="241508"/>
+              </a:xfrm>
+              <a:prstGeom prst="line">
+                <a:avLst/>
+              </a:prstGeom>
+              <a:grpFill/>
+              <a:ln w="12700">
+                <a:solidFill>
+                  <a:srgbClr val="00FF00"/>
+                </a:solidFill>
+              </a:ln>
+            </p:spPr>
+            <p:style>
+              <a:lnRef idx="1">
+                <a:schemeClr val="accent1"/>
+              </a:lnRef>
+              <a:fillRef idx="0">
+                <a:schemeClr val="accent1"/>
+              </a:fillRef>
+              <a:effectRef idx="0">
+                <a:schemeClr val="accent1"/>
+              </a:effectRef>
+              <a:fontRef idx="minor">
+                <a:schemeClr val="tx1"/>
+              </a:fontRef>
+            </p:style>
+          </p:cxnSp>
+          <p:cxnSp>
+            <p:nvCxnSpPr>
+              <p:cNvPr id="41" name="Straight Connector 40"/>
+              <p:cNvCxnSpPr/>
+              <p:nvPr/>
+            </p:nvCxnSpPr>
+            <p:spPr>
+              <a:xfrm>
+                <a:off x="5439410" y="4871897"/>
+                <a:ext cx="916881" cy="241508"/>
+              </a:xfrm>
+              <a:prstGeom prst="line">
+                <a:avLst/>
+              </a:prstGeom>
+              <a:grpFill/>
+              <a:ln w="12700">
+                <a:solidFill>
+                  <a:srgbClr val="00FF00"/>
+                </a:solidFill>
+              </a:ln>
+            </p:spPr>
+            <p:style>
+              <a:lnRef idx="1">
+                <a:schemeClr val="accent1"/>
+              </a:lnRef>
+              <a:fillRef idx="0">
+                <a:schemeClr val="accent1"/>
+              </a:fillRef>
+              <a:effectRef idx="0">
+                <a:schemeClr val="accent1"/>
+              </a:effectRef>
+              <a:fontRef idx="minor">
+                <a:schemeClr val="tx1"/>
+              </a:fontRef>
+            </p:style>
+          </p:cxnSp>
+          <p:cxnSp>
+            <p:nvCxnSpPr>
+              <p:cNvPr id="42" name="Straight Connector 41"/>
+              <p:cNvCxnSpPr/>
+              <p:nvPr/>
+            </p:nvCxnSpPr>
+            <p:spPr>
+              <a:xfrm>
+                <a:off x="5348888" y="5318607"/>
+                <a:ext cx="916881" cy="241508"/>
+              </a:xfrm>
+              <a:prstGeom prst="line">
+                <a:avLst/>
+              </a:prstGeom>
+              <a:grpFill/>
+              <a:ln w="12700">
+                <a:solidFill>
+                  <a:srgbClr val="00FF00"/>
+                </a:solidFill>
+              </a:ln>
+            </p:spPr>
+            <p:style>
+              <a:lnRef idx="1">
+                <a:schemeClr val="accent1"/>
+              </a:lnRef>
+              <a:fillRef idx="0">
+                <a:schemeClr val="accent1"/>
+              </a:fillRef>
+              <a:effectRef idx="0">
+                <a:schemeClr val="accent1"/>
+              </a:effectRef>
+              <a:fontRef idx="minor">
+                <a:schemeClr val="tx1"/>
+              </a:fontRef>
+            </p:style>
+          </p:cxnSp>
+          <p:cxnSp>
+            <p:nvCxnSpPr>
+              <p:cNvPr id="43" name="Straight Connector 42"/>
+              <p:cNvCxnSpPr/>
+              <p:nvPr/>
+            </p:nvCxnSpPr>
+            <p:spPr>
+              <a:xfrm>
+                <a:off x="4467807" y="4620516"/>
+                <a:ext cx="916881" cy="241508"/>
+              </a:xfrm>
+              <a:prstGeom prst="line">
+                <a:avLst/>
+              </a:prstGeom>
+              <a:grpFill/>
+              <a:ln w="12700">
+                <a:solidFill>
+                  <a:srgbClr val="00FF00"/>
+                </a:solidFill>
+              </a:ln>
+            </p:spPr>
+            <p:style>
+              <a:lnRef idx="1">
+                <a:schemeClr val="accent1"/>
+              </a:lnRef>
+              <a:fillRef idx="0">
+                <a:schemeClr val="accent1"/>
+              </a:fillRef>
+              <a:effectRef idx="0">
+                <a:schemeClr val="accent1"/>
+              </a:effectRef>
+              <a:fontRef idx="minor">
+                <a:schemeClr val="tx1"/>
+              </a:fontRef>
+            </p:style>
+          </p:cxnSp>
+          <p:cxnSp>
+            <p:nvCxnSpPr>
+              <p:cNvPr id="44" name="Straight Connector 43"/>
+              <p:cNvCxnSpPr/>
+              <p:nvPr/>
+            </p:nvCxnSpPr>
+            <p:spPr>
+              <a:xfrm>
+                <a:off x="4413087" y="5080217"/>
+                <a:ext cx="916881" cy="241508"/>
+              </a:xfrm>
+              <a:prstGeom prst="line">
+                <a:avLst/>
+              </a:prstGeom>
+              <a:grpFill/>
+              <a:ln w="12700">
+                <a:solidFill>
+                  <a:srgbClr val="00FF00"/>
+                </a:solidFill>
+              </a:ln>
+            </p:spPr>
+            <p:style>
+              <a:lnRef idx="1">
+                <a:schemeClr val="accent1"/>
+              </a:lnRef>
+              <a:fillRef idx="0">
+                <a:schemeClr val="accent1"/>
+              </a:fillRef>
+              <a:effectRef idx="0">
+                <a:schemeClr val="accent1"/>
+              </a:effectRef>
+              <a:fontRef idx="minor">
+                <a:schemeClr val="tx1"/>
+              </a:fontRef>
+            </p:style>
+          </p:cxnSp>
+          <p:cxnSp>
+            <p:nvCxnSpPr>
+              <p:cNvPr id="45" name="Straight Connector 44"/>
+              <p:cNvCxnSpPr/>
+              <p:nvPr/>
+            </p:nvCxnSpPr>
+            <p:spPr>
+              <a:xfrm>
+                <a:off x="4432007" y="5560115"/>
+                <a:ext cx="916881" cy="241508"/>
+              </a:xfrm>
+              <a:prstGeom prst="line">
+                <a:avLst/>
+              </a:prstGeom>
+              <a:grpFill/>
+              <a:ln w="12700">
+                <a:solidFill>
+                  <a:srgbClr val="00FF00"/>
+                </a:solidFill>
+              </a:ln>
+            </p:spPr>
+            <p:style>
+              <a:lnRef idx="1">
+                <a:schemeClr val="accent1"/>
+              </a:lnRef>
+              <a:fillRef idx="0">
+                <a:schemeClr val="accent1"/>
+              </a:fillRef>
+              <a:effectRef idx="0">
+                <a:schemeClr val="accent1"/>
+              </a:effectRef>
+              <a:fontRef idx="minor">
+                <a:schemeClr val="tx1"/>
+              </a:fontRef>
+            </p:style>
+          </p:cxnSp>
+          <p:cxnSp>
+            <p:nvCxnSpPr>
+              <p:cNvPr id="47" name="Straight Connector 46"/>
+              <p:cNvCxnSpPr/>
+              <p:nvPr/>
+            </p:nvCxnSpPr>
+            <p:spPr>
+              <a:xfrm flipV="1">
+                <a:off x="4467807" y="4384458"/>
+                <a:ext cx="915010" cy="705395"/>
+              </a:xfrm>
+              <a:prstGeom prst="line">
+                <a:avLst/>
+              </a:prstGeom>
+              <a:grpFill/>
+              <a:ln w="12700">
+                <a:solidFill>
+                  <a:srgbClr val="00FF00"/>
+                </a:solidFill>
+              </a:ln>
+            </p:spPr>
+            <p:style>
+              <a:lnRef idx="1">
+                <a:schemeClr val="accent1"/>
+              </a:lnRef>
+              <a:fillRef idx="0">
+                <a:schemeClr val="accent1"/>
+              </a:fillRef>
+              <a:effectRef idx="0">
+                <a:schemeClr val="accent1"/>
+              </a:effectRef>
+              <a:fontRef idx="minor">
+                <a:schemeClr val="tx1"/>
+              </a:fontRef>
+            </p:style>
+          </p:cxnSp>
+          <p:cxnSp>
+            <p:nvCxnSpPr>
+              <p:cNvPr id="48" name="Straight Connector 47"/>
+              <p:cNvCxnSpPr/>
+              <p:nvPr/>
+            </p:nvCxnSpPr>
+            <p:spPr>
+              <a:xfrm flipV="1">
+                <a:off x="5369679" y="5128491"/>
+                <a:ext cx="915010" cy="705395"/>
+              </a:xfrm>
+              <a:prstGeom prst="line">
+                <a:avLst/>
+              </a:prstGeom>
+              <a:grpFill/>
+              <a:ln w="12700">
+                <a:solidFill>
+                  <a:srgbClr val="00FF00"/>
+                </a:solidFill>
+              </a:ln>
+            </p:spPr>
+            <p:style>
+              <a:lnRef idx="1">
+                <a:schemeClr val="accent1"/>
+              </a:lnRef>
+              <a:fillRef idx="0">
+                <a:schemeClr val="accent1"/>
+              </a:fillRef>
+              <a:effectRef idx="0">
+                <a:schemeClr val="accent1"/>
+              </a:effectRef>
+              <a:fontRef idx="minor">
+                <a:schemeClr val="tx1"/>
+              </a:fontRef>
+            </p:style>
+          </p:cxnSp>
+          <p:cxnSp>
+            <p:nvCxnSpPr>
+              <p:cNvPr id="50" name="Straight Connector 49"/>
+              <p:cNvCxnSpPr/>
+              <p:nvPr/>
+            </p:nvCxnSpPr>
+            <p:spPr>
+              <a:xfrm>
+                <a:off x="4467807" y="5089853"/>
+                <a:ext cx="901872" cy="705394"/>
+              </a:xfrm>
+              <a:prstGeom prst="line">
+                <a:avLst/>
+              </a:prstGeom>
+              <a:grpFill/>
+              <a:ln w="12700">
+                <a:solidFill>
+                  <a:srgbClr val="00FF00"/>
+                </a:solidFill>
+              </a:ln>
+            </p:spPr>
+            <p:style>
+              <a:lnRef idx="1">
+                <a:schemeClr val="accent1"/>
+              </a:lnRef>
+              <a:fillRef idx="0">
+                <a:schemeClr val="accent1"/>
+              </a:fillRef>
+              <a:effectRef idx="0">
+                <a:schemeClr val="accent1"/>
+              </a:effectRef>
+              <a:fontRef idx="minor">
+                <a:schemeClr val="tx1"/>
+              </a:fontRef>
+            </p:style>
+          </p:cxnSp>
+          <p:cxnSp>
+            <p:nvCxnSpPr>
+              <p:cNvPr id="51" name="Straight Connector 50"/>
+              <p:cNvCxnSpPr/>
+              <p:nvPr/>
+            </p:nvCxnSpPr>
+            <p:spPr>
+              <a:xfrm>
+                <a:off x="5406535" y="4394555"/>
+                <a:ext cx="857933" cy="640473"/>
+              </a:xfrm>
+              <a:prstGeom prst="line">
+                <a:avLst/>
+              </a:prstGeom>
+              <a:grpFill/>
+              <a:ln w="12700">
+                <a:solidFill>
+                  <a:srgbClr val="00FF00"/>
+                </a:solidFill>
+              </a:ln>
+            </p:spPr>
+            <p:style>
+              <a:lnRef idx="1">
+                <a:schemeClr val="accent1"/>
+              </a:lnRef>
+              <a:fillRef idx="0">
+                <a:schemeClr val="accent1"/>
+              </a:fillRef>
+              <a:effectRef idx="0">
+                <a:schemeClr val="accent1"/>
+              </a:effectRef>
+              <a:fontRef idx="minor">
+                <a:schemeClr val="tx1"/>
+              </a:fontRef>
+            </p:style>
+          </p:cxnSp>
+          <p:cxnSp>
+            <p:nvCxnSpPr>
+              <p:cNvPr id="53" name="Straight Connector 52"/>
+              <p:cNvCxnSpPr/>
+              <p:nvPr/>
+            </p:nvCxnSpPr>
+            <p:spPr>
+              <a:xfrm flipV="1">
+                <a:off x="4467807" y="4861098"/>
+                <a:ext cx="901872" cy="699017"/>
+              </a:xfrm>
+              <a:prstGeom prst="line">
+                <a:avLst/>
+              </a:prstGeom>
+              <a:grpFill/>
+              <a:ln w="12700">
+                <a:solidFill>
+                  <a:srgbClr val="00FF00"/>
+                </a:solidFill>
+              </a:ln>
+            </p:spPr>
+            <p:style>
+              <a:lnRef idx="1">
+                <a:schemeClr val="accent1"/>
+              </a:lnRef>
+              <a:fillRef idx="0">
+                <a:schemeClr val="accent1"/>
+              </a:fillRef>
+              <a:effectRef idx="0">
+                <a:schemeClr val="accent1"/>
+              </a:effectRef>
+              <a:fontRef idx="minor">
+                <a:schemeClr val="tx1"/>
+              </a:fontRef>
+            </p:style>
+          </p:cxnSp>
+          <p:cxnSp>
+            <p:nvCxnSpPr>
+              <p:cNvPr id="54" name="Straight Connector 53"/>
+              <p:cNvCxnSpPr/>
+              <p:nvPr/>
+            </p:nvCxnSpPr>
+            <p:spPr>
+              <a:xfrm flipV="1">
+                <a:off x="5385867" y="4629155"/>
+                <a:ext cx="901872" cy="699017"/>
+              </a:xfrm>
+              <a:prstGeom prst="line">
+                <a:avLst/>
+              </a:prstGeom>
+              <a:grpFill/>
+              <a:ln w="12700">
+                <a:solidFill>
+                  <a:srgbClr val="00FF00"/>
+                </a:solidFill>
+              </a:ln>
+            </p:spPr>
+            <p:style>
+              <a:lnRef idx="1">
+                <a:schemeClr val="accent1"/>
+              </a:lnRef>
+              <a:fillRef idx="0">
+                <a:schemeClr val="accent1"/>
+              </a:fillRef>
+              <a:effectRef idx="0">
+                <a:schemeClr val="accent1"/>
+              </a:effectRef>
+              <a:fontRef idx="minor">
+                <a:schemeClr val="tx1"/>
+              </a:fontRef>
+            </p:style>
+          </p:cxnSp>
+          <p:cxnSp>
+            <p:nvCxnSpPr>
+              <p:cNvPr id="56" name="Straight Connector 55"/>
+              <p:cNvCxnSpPr/>
+              <p:nvPr/>
+            </p:nvCxnSpPr>
+            <p:spPr>
+              <a:xfrm>
+                <a:off x="4467807" y="4613212"/>
+                <a:ext cx="901872" cy="705395"/>
+              </a:xfrm>
+              <a:prstGeom prst="line">
+                <a:avLst/>
+              </a:prstGeom>
+              <a:grpFill/>
+              <a:ln w="12700">
+                <a:solidFill>
+                  <a:srgbClr val="00FF00"/>
+                </a:solidFill>
+              </a:ln>
+            </p:spPr>
+            <p:style>
+              <a:lnRef idx="1">
+                <a:schemeClr val="accent1"/>
+              </a:lnRef>
+              <a:fillRef idx="0">
+                <a:schemeClr val="accent1"/>
+              </a:fillRef>
+              <a:effectRef idx="0">
+                <a:schemeClr val="accent1"/>
+              </a:effectRef>
+              <a:fontRef idx="minor">
+                <a:schemeClr val="tx1"/>
+              </a:fontRef>
+            </p:style>
+          </p:cxnSp>
+          <p:cxnSp>
+            <p:nvCxnSpPr>
+              <p:cNvPr id="57" name="Straight Connector 56"/>
+              <p:cNvCxnSpPr/>
+              <p:nvPr/>
+            </p:nvCxnSpPr>
+            <p:spPr>
+              <a:xfrm>
+                <a:off x="5350436" y="4815995"/>
+                <a:ext cx="901872" cy="705395"/>
+              </a:xfrm>
+              <a:prstGeom prst="line">
+                <a:avLst/>
+              </a:prstGeom>
+              <a:grpFill/>
+              <a:ln w="12700">
+                <a:solidFill>
+                  <a:srgbClr val="00FF00"/>
+                </a:solidFill>
+              </a:ln>
+            </p:spPr>
+            <p:style>
+              <a:lnRef idx="1">
+                <a:schemeClr val="accent1"/>
+              </a:lnRef>
+              <a:fillRef idx="0">
+                <a:schemeClr val="accent1"/>
+              </a:fillRef>
+              <a:effectRef idx="0">
+                <a:schemeClr val="accent1"/>
+              </a:effectRef>
+              <a:fontRef idx="minor">
+                <a:schemeClr val="tx1"/>
+              </a:fontRef>
+            </p:style>
+          </p:cxnSp>
+        </p:grpSp>
+      </p:grpSp>
+      <p:sp>
+        <p:nvSpPr>
+          <p:cNvPr id="82" name="TextBox 81"/>
+          <p:cNvSpPr txBox="1"/>
+          <p:nvPr/>
+        </p:nvSpPr>
+        <p:spPr>
+          <a:xfrm>
+            <a:off x="2003291" y="3393691"/>
+            <a:ext cx="1393722" cy="584775"/>
+          </a:xfrm>
+          <a:prstGeom prst="rect">
+            <a:avLst/>
+          </a:prstGeom>
+          <a:noFill/>
+        </p:spPr>
+        <p:txBody>
+          <a:bodyPr wrap="square" rtlCol="0">
+            <a:spAutoFit/>
+          </a:bodyPr>
+          <a:lstStyle/>
+          <a:p>
+            <a:r>
+              <a:rPr lang="fr-FR" sz="3200" dirty="0" smtClean="0">
+                <a:solidFill>
+                  <a:srgbClr val="00FF00"/>
+                </a:solidFill>
+                <a:latin typeface="Bahnschrift Condensed" panose="020B0502040204020203" pitchFamily="34" charset="0"/>
+              </a:rPr>
+              <a:t>Upscaler</a:t>
+            </a:r>
+            <a:endParaRPr lang="fr-FR" sz="3200" dirty="0">
+              <a:solidFill>
+                <a:srgbClr val="00FF00"/>
+              </a:solidFill>
+              <a:latin typeface="Bahnschrift Condensed" panose="020B0502040204020203" pitchFamily="34" charset="0"/>
+            </a:endParaRPr>
+          </a:p>
+        </p:txBody>
+      </p:sp>
+      <p:sp>
+        <p:nvSpPr>
+          <p:cNvPr id="123" name="TextBox 122"/>
+          <p:cNvSpPr txBox="1"/>
+          <p:nvPr/>
+        </p:nvSpPr>
+        <p:spPr>
+          <a:xfrm>
+            <a:off x="773842" y="1821997"/>
+            <a:ext cx="1877723" cy="369332"/>
+          </a:xfrm>
+          <a:prstGeom prst="rect">
+            <a:avLst/>
+          </a:prstGeom>
+          <a:noFill/>
+        </p:spPr>
+        <p:txBody>
+          <a:bodyPr wrap="square" rtlCol="0">
+            <a:spAutoFit/>
+          </a:bodyPr>
+          <a:lstStyle/>
+          <a:p>
+            <a:pPr algn="ctr"/>
+            <a:r>
+              <a:rPr lang="fr-FR" dirty="0" smtClean="0">
+                <a:solidFill>
+                  <a:schemeClr val="tx1">
+                    <a:lumMod val="50000"/>
+                    <a:lumOff val="50000"/>
+                  </a:schemeClr>
+                </a:solidFill>
+                <a:latin typeface="Bahnschrift Condensed" panose="020B0502040204020203" pitchFamily="34" charset="0"/>
+              </a:rPr>
+              <a:t>Low resolution base</a:t>
+            </a:r>
+            <a:endParaRPr lang="fr-FR" dirty="0">
+              <a:solidFill>
+                <a:schemeClr val="tx1">
+                  <a:lumMod val="50000"/>
+                  <a:lumOff val="50000"/>
+                </a:schemeClr>
+              </a:solidFill>
+              <a:latin typeface="Bahnschrift Condensed" panose="020B0502040204020203" pitchFamily="34" charset="0"/>
+            </a:endParaRPr>
+          </a:p>
+        </p:txBody>
+      </p:sp>
+      <p:sp>
+        <p:nvSpPr>
+          <p:cNvPr id="119" name="TextBox 118"/>
+          <p:cNvSpPr txBox="1"/>
+          <p:nvPr/>
+        </p:nvSpPr>
+        <p:spPr>
+          <a:xfrm>
+            <a:off x="8673059" y="3395471"/>
+            <a:ext cx="1939187" cy="584775"/>
+          </a:xfrm>
+          <a:prstGeom prst="rect">
+            <a:avLst/>
+          </a:prstGeom>
+          <a:noFill/>
+          <a:ln>
+            <a:noFill/>
+          </a:ln>
+        </p:spPr>
+        <p:txBody>
+          <a:bodyPr wrap="square" rtlCol="0">
+            <a:spAutoFit/>
+          </a:bodyPr>
+          <a:lstStyle/>
+          <a:p>
+            <a:r>
+              <a:rPr lang="fr-FR" sz="3200" dirty="0" smtClean="0">
+                <a:solidFill>
+                  <a:srgbClr val="C00000"/>
+                </a:solidFill>
+                <a:latin typeface="Bahnschrift Condensed" panose="020B0502040204020203" pitchFamily="34" charset="0"/>
+              </a:rPr>
+              <a:t>Discriminant</a:t>
+            </a:r>
+            <a:endParaRPr lang="fr-FR" sz="3200" dirty="0">
+              <a:solidFill>
+                <a:srgbClr val="C00000"/>
+              </a:solidFill>
+              <a:latin typeface="Bahnschrift Condensed" panose="020B0502040204020203" pitchFamily="34" charset="0"/>
+            </a:endParaRPr>
+          </a:p>
+        </p:txBody>
+      </p:sp>
+      <p:grpSp>
+        <p:nvGrpSpPr>
+          <p:cNvPr id="207" name="Group 206"/>
+          <p:cNvGrpSpPr/>
+          <p:nvPr/>
+        </p:nvGrpSpPr>
+        <p:grpSpPr>
+          <a:xfrm>
+            <a:off x="1155096" y="2181076"/>
+            <a:ext cx="1115215" cy="793561"/>
+            <a:chOff x="3772804" y="475975"/>
+            <a:chExt cx="1926833" cy="1371089"/>
+          </a:xfrm>
+        </p:grpSpPr>
+        <p:pic>
+          <p:nvPicPr>
+            <p:cNvPr id="122" name="Picture 121"/>
+            <p:cNvPicPr>
+              <a:picLocks noChangeAspect="1"/>
+            </p:cNvPicPr>
+            <p:nvPr/>
+          </p:nvPicPr>
+          <p:blipFill>
+            <a:blip r:embed="rId6" cstate="print">
+              <a:extLst>
+                <a:ext uri="{28A0092B-C50C-407E-A947-70E740481C1C}">
+                  <a14:useLocalDpi xmlns:a14="http://schemas.microsoft.com/office/drawing/2010/main" val="0"/>
+                </a:ext>
+              </a:extLst>
+            </a:blip>
+            <a:stretch>
+              <a:fillRect/>
+            </a:stretch>
+          </p:blipFill>
+          <p:spPr>
+            <a:xfrm>
+              <a:off x="3772804" y="475975"/>
+              <a:ext cx="1486470" cy="1117958"/>
+            </a:xfrm>
+            <a:prstGeom prst="rect">
+              <a:avLst/>
+            </a:prstGeom>
+          </p:spPr>
+        </p:pic>
+        <p:pic>
+          <p:nvPicPr>
+            <p:cNvPr id="6" name="Picture 5"/>
+            <p:cNvPicPr>
+              <a:picLocks noChangeAspect="1"/>
+            </p:cNvPicPr>
+            <p:nvPr/>
+          </p:nvPicPr>
+          <p:blipFill>
+            <a:blip r:embed="rId7" cstate="print">
+              <a:extLst>
+                <a:ext uri="{28A0092B-C50C-407E-A947-70E740481C1C}">
+                  <a14:useLocalDpi xmlns:a14="http://schemas.microsoft.com/office/drawing/2010/main" val="0"/>
+                </a:ext>
+              </a:extLst>
+            </a:blip>
+            <a:stretch>
+              <a:fillRect/>
+            </a:stretch>
+          </p:blipFill>
+          <p:spPr>
+            <a:xfrm>
+              <a:off x="3958190" y="575378"/>
+              <a:ext cx="1476345" cy="1110343"/>
+            </a:xfrm>
+            <a:prstGeom prst="rect">
+              <a:avLst/>
+            </a:prstGeom>
+          </p:spPr>
+        </p:pic>
+        <p:pic>
+          <p:nvPicPr>
+            <p:cNvPr id="4" name="Picture 3"/>
+            <p:cNvPicPr>
+              <a:picLocks noChangeAspect="1"/>
+            </p:cNvPicPr>
+            <p:nvPr/>
+          </p:nvPicPr>
+          <p:blipFill>
+            <a:blip r:embed="rId8" cstate="print">
+              <a:extLst>
+                <a:ext uri="{28A0092B-C50C-407E-A947-70E740481C1C}">
+                  <a14:useLocalDpi xmlns:a14="http://schemas.microsoft.com/office/drawing/2010/main" val="0"/>
+                </a:ext>
+              </a:extLst>
+            </a:blip>
+            <a:stretch>
+              <a:fillRect/>
+            </a:stretch>
+          </p:blipFill>
+          <p:spPr>
+            <a:xfrm>
+              <a:off x="4189571" y="736721"/>
+              <a:ext cx="1510066" cy="1110343"/>
+            </a:xfrm>
+            <a:prstGeom prst="rect">
+              <a:avLst/>
+            </a:prstGeom>
+          </p:spPr>
+        </p:pic>
+      </p:grpSp>
+      <p:sp>
+        <p:nvSpPr>
+          <p:cNvPr id="209" name="TextBox 208"/>
+          <p:cNvSpPr txBox="1"/>
+          <p:nvPr/>
+        </p:nvSpPr>
+        <p:spPr>
+          <a:xfrm>
+            <a:off x="773842" y="5814388"/>
+            <a:ext cx="1877723" cy="369332"/>
+          </a:xfrm>
+          <a:prstGeom prst="rect">
+            <a:avLst/>
+          </a:prstGeom>
+          <a:noFill/>
+        </p:spPr>
+        <p:txBody>
+          <a:bodyPr wrap="square" rtlCol="0">
+            <a:spAutoFit/>
+          </a:bodyPr>
+          <a:lstStyle/>
+          <a:p>
+            <a:pPr algn="ctr"/>
+            <a:r>
+              <a:rPr lang="fr-FR" dirty="0" smtClean="0">
+                <a:solidFill>
+                  <a:schemeClr val="tx1">
+                    <a:lumMod val="50000"/>
+                    <a:lumOff val="50000"/>
+                  </a:schemeClr>
+                </a:solidFill>
+                <a:latin typeface="Bahnschrift Condensed" panose="020B0502040204020203" pitchFamily="34" charset="0"/>
+              </a:rPr>
+              <a:t>High resolution base</a:t>
+            </a:r>
+            <a:endParaRPr lang="fr-FR" dirty="0">
+              <a:solidFill>
+                <a:schemeClr val="tx1">
+                  <a:lumMod val="50000"/>
+                  <a:lumOff val="50000"/>
+                </a:schemeClr>
+              </a:solidFill>
+              <a:latin typeface="Bahnschrift Condensed" panose="020B0502040204020203" pitchFamily="34" charset="0"/>
+            </a:endParaRPr>
+          </a:p>
+        </p:txBody>
+      </p:sp>
+      <p:sp>
+        <p:nvSpPr>
+          <p:cNvPr id="214" name="TextBox 213"/>
+          <p:cNvSpPr txBox="1"/>
+          <p:nvPr/>
+        </p:nvSpPr>
+        <p:spPr>
+          <a:xfrm>
+            <a:off x="5212080" y="1646516"/>
+            <a:ext cx="1545841" cy="369332"/>
+          </a:xfrm>
+          <a:prstGeom prst="rect">
+            <a:avLst/>
+          </a:prstGeom>
+          <a:noFill/>
+        </p:spPr>
+        <p:txBody>
+          <a:bodyPr wrap="square" rtlCol="0">
+            <a:spAutoFit/>
+          </a:bodyPr>
+          <a:lstStyle/>
+          <a:p>
+            <a:pPr algn="ctr"/>
+            <a:r>
+              <a:rPr lang="fr-FR" dirty="0" smtClean="0">
+                <a:solidFill>
+                  <a:schemeClr val="tx1">
+                    <a:lumMod val="50000"/>
+                    <a:lumOff val="50000"/>
+                  </a:schemeClr>
+                </a:solidFill>
+                <a:latin typeface="Bahnschrift Condensed" panose="020B0502040204020203" pitchFamily="34" charset="0"/>
+              </a:rPr>
+              <a:t>Upscaled base</a:t>
+            </a:r>
+            <a:endParaRPr lang="fr-FR" dirty="0">
+              <a:solidFill>
+                <a:schemeClr val="tx1">
+                  <a:lumMod val="50000"/>
+                  <a:lumOff val="50000"/>
+                </a:schemeClr>
+              </a:solidFill>
+              <a:latin typeface="Bahnschrift Condensed" panose="020B0502040204020203" pitchFamily="34" charset="0"/>
+            </a:endParaRPr>
+          </a:p>
+        </p:txBody>
+      </p:sp>
+      <p:sp>
+        <p:nvSpPr>
+          <p:cNvPr id="252" name="Rectangle 251"/>
+          <p:cNvSpPr/>
+          <p:nvPr/>
+        </p:nvSpPr>
+        <p:spPr>
+          <a:xfrm flipV="1">
+            <a:off x="6587656" y="477096"/>
+            <a:ext cx="4938260" cy="197264"/>
+          </a:xfrm>
+          <a:prstGeom prst="rect">
+            <a:avLst/>
+          </a:prstGeom>
+          <a:pattFill prst="dkDnDiag">
+            <a:fgClr>
+              <a:srgbClr val="00B0F0"/>
+            </a:fgClr>
+            <a:bgClr>
+              <a:schemeClr val="bg1"/>
+            </a:bgClr>
+          </a:pattFill>
+          <a:ln>
+            <a:noFill/>
+          </a:ln>
+        </p:spPr>
+        <p:style>
+          <a:lnRef idx="2">
+            <a:schemeClr val="accent1">
+              <a:shade val="50000"/>
+            </a:schemeClr>
+          </a:lnRef>
+          <a:fillRef idx="1">
+            <a:schemeClr val="accent1"/>
+          </a:fillRef>
+          <a:effectRef idx="0">
+            <a:schemeClr val="accent1"/>
+          </a:effectRef>
+          <a:fontRef idx="minor">
+            <a:schemeClr val="lt1"/>
+          </a:fontRef>
+        </p:style>
+        <p:txBody>
+          <a:bodyPr rtlCol="0" anchor="ctr"/>
+          <a:lstStyle/>
+          <a:p>
+            <a:pPr algn="ctr"/>
+            <a:endParaRPr lang="fr-FR" dirty="0"/>
+          </a:p>
+        </p:txBody>
+      </p:sp>
+      <p:sp>
+        <p:nvSpPr>
+          <p:cNvPr id="253" name="Right Arrow 252"/>
+          <p:cNvSpPr/>
+          <p:nvPr/>
+        </p:nvSpPr>
+        <p:spPr>
+          <a:xfrm rot="5400000" flipV="1">
+            <a:off x="2895812" y="970660"/>
+            <a:ext cx="1453993" cy="466863"/>
+          </a:xfrm>
+          <a:prstGeom prst="rightArrow">
+            <a:avLst/>
+          </a:prstGeom>
+          <a:pattFill prst="dkDnDiag">
+            <a:fgClr>
+              <a:srgbClr val="00B0F0"/>
+            </a:fgClr>
+            <a:bgClr>
+              <a:schemeClr val="bg1"/>
+            </a:bgClr>
+          </a:pattFill>
+          <a:ln>
+            <a:noFill/>
+          </a:ln>
+        </p:spPr>
+        <p:style>
+          <a:lnRef idx="2">
+            <a:schemeClr val="accent1">
+              <a:shade val="50000"/>
+            </a:schemeClr>
+          </a:lnRef>
+          <a:fillRef idx="1">
+            <a:schemeClr val="accent1"/>
+          </a:fillRef>
+          <a:effectRef idx="0">
+            <a:schemeClr val="accent1"/>
+          </a:effectRef>
+          <a:fontRef idx="minor">
+            <a:schemeClr val="lt1"/>
+          </a:fontRef>
+        </p:style>
+        <p:txBody>
+          <a:bodyPr rtlCol="0" anchor="ctr"/>
+          <a:lstStyle/>
+          <a:p>
+            <a:pPr algn="ctr"/>
+            <a:endParaRPr lang="fr-FR" dirty="0"/>
+          </a:p>
+        </p:txBody>
+      </p:sp>
+      <p:sp>
+        <p:nvSpPr>
+          <p:cNvPr id="248" name="Right Arrow 247"/>
+          <p:cNvSpPr/>
+          <p:nvPr/>
+        </p:nvSpPr>
+        <p:spPr>
+          <a:xfrm>
+            <a:off x="9949196" y="2442276"/>
+            <a:ext cx="1197015" cy="320841"/>
+          </a:xfrm>
+          <a:prstGeom prst="rightArrow">
+            <a:avLst/>
+          </a:prstGeom>
+          <a:solidFill>
+            <a:srgbClr val="00B0F0"/>
+          </a:solidFill>
+          <a:ln>
+            <a:noFill/>
+          </a:ln>
+        </p:spPr>
+        <p:style>
+          <a:lnRef idx="2">
+            <a:schemeClr val="accent1">
+              <a:shade val="50000"/>
+            </a:schemeClr>
+          </a:lnRef>
+          <a:fillRef idx="1">
+            <a:schemeClr val="accent1"/>
+          </a:fillRef>
+          <a:effectRef idx="0">
+            <a:schemeClr val="accent1"/>
+          </a:effectRef>
+          <a:fontRef idx="minor">
+            <a:schemeClr val="lt1"/>
+          </a:fontRef>
+        </p:style>
+        <p:txBody>
+          <a:bodyPr rtlCol="0" anchor="ctr"/>
+          <a:lstStyle/>
+          <a:p>
+            <a:pPr algn="ctr"/>
+            <a:endParaRPr lang="fr-FR" dirty="0"/>
+          </a:p>
+        </p:txBody>
+      </p:sp>
+      <p:sp>
+        <p:nvSpPr>
+          <p:cNvPr id="239" name="Right Arrow 238"/>
+          <p:cNvSpPr/>
+          <p:nvPr/>
+        </p:nvSpPr>
+        <p:spPr>
+          <a:xfrm rot="16200000">
+            <a:off x="3226968" y="3517130"/>
+            <a:ext cx="834069" cy="466863"/>
+          </a:xfrm>
+          <a:prstGeom prst="rightArrow">
+            <a:avLst/>
+          </a:prstGeom>
+          <a:pattFill prst="dkDnDiag">
+            <a:fgClr>
+              <a:srgbClr val="00B0F0"/>
+            </a:fgClr>
+            <a:bgClr>
+              <a:schemeClr val="bg1"/>
+            </a:bgClr>
+          </a:pattFill>
+          <a:ln>
+            <a:noFill/>
+          </a:ln>
+        </p:spPr>
+        <p:style>
+          <a:lnRef idx="2">
+            <a:schemeClr val="accent1">
+              <a:shade val="50000"/>
+            </a:schemeClr>
+          </a:lnRef>
+          <a:fillRef idx="1">
+            <a:schemeClr val="accent1"/>
+          </a:fillRef>
+          <a:effectRef idx="0">
+            <a:schemeClr val="accent1"/>
+          </a:effectRef>
+          <a:fontRef idx="minor">
+            <a:schemeClr val="lt1"/>
+          </a:fontRef>
+        </p:style>
+        <p:txBody>
+          <a:bodyPr rtlCol="0" anchor="ctr"/>
+          <a:lstStyle/>
+          <a:p>
+            <a:pPr algn="ctr"/>
+            <a:endParaRPr lang="fr-FR" dirty="0"/>
+          </a:p>
+        </p:txBody>
+      </p:sp>
+      <p:grpSp>
+        <p:nvGrpSpPr>
+          <p:cNvPr id="257" name="Group 256"/>
+          <p:cNvGrpSpPr/>
+          <p:nvPr/>
+        </p:nvGrpSpPr>
+        <p:grpSpPr>
+          <a:xfrm>
+            <a:off x="796888" y="4296640"/>
+            <a:ext cx="1801462" cy="1281878"/>
+            <a:chOff x="1504754" y="1506682"/>
+            <a:chExt cx="1926833" cy="1371089"/>
+          </a:xfrm>
+        </p:grpSpPr>
+        <p:pic>
+          <p:nvPicPr>
+            <p:cNvPr id="258" name="Picture 257"/>
+            <p:cNvPicPr>
+              <a:picLocks noChangeAspect="1"/>
+            </p:cNvPicPr>
+            <p:nvPr/>
+          </p:nvPicPr>
+          <p:blipFill>
+            <a:blip r:embed="rId3" cstate="print">
+              <a:extLst>
+                <a:ext uri="{28A0092B-C50C-407E-A947-70E740481C1C}">
+                  <a14:useLocalDpi xmlns:a14="http://schemas.microsoft.com/office/drawing/2010/main" val="0"/>
+                </a:ext>
+              </a:extLst>
+            </a:blip>
+            <a:stretch>
+              <a:fillRect/>
+            </a:stretch>
+          </p:blipFill>
+          <p:spPr>
+            <a:xfrm>
+              <a:off x="1504754" y="1506682"/>
+              <a:ext cx="1486470" cy="1117958"/>
+            </a:xfrm>
+            <a:prstGeom prst="rect">
+              <a:avLst/>
+            </a:prstGeom>
+          </p:spPr>
+        </p:pic>
+        <p:pic>
+          <p:nvPicPr>
+            <p:cNvPr id="259" name="Picture 258"/>
+            <p:cNvPicPr>
+              <a:picLocks noChangeAspect="1"/>
+            </p:cNvPicPr>
+            <p:nvPr/>
+          </p:nvPicPr>
+          <p:blipFill>
+            <a:blip r:embed="rId4" cstate="print">
+              <a:extLst>
+                <a:ext uri="{28A0092B-C50C-407E-A947-70E740481C1C}">
+                  <a14:useLocalDpi xmlns:a14="http://schemas.microsoft.com/office/drawing/2010/main" val="0"/>
+                </a:ext>
+              </a:extLst>
+            </a:blip>
+            <a:stretch>
+              <a:fillRect/>
+            </a:stretch>
+          </p:blipFill>
+          <p:spPr>
+            <a:xfrm>
+              <a:off x="1690140" y="1606085"/>
+              <a:ext cx="1476345" cy="1110343"/>
+            </a:xfrm>
+            <a:prstGeom prst="rect">
+              <a:avLst/>
+            </a:prstGeom>
+          </p:spPr>
+        </p:pic>
+        <p:pic>
+          <p:nvPicPr>
+            <p:cNvPr id="260" name="Picture 259"/>
+            <p:cNvPicPr>
+              <a:picLocks noChangeAspect="1"/>
+            </p:cNvPicPr>
+            <p:nvPr/>
+          </p:nvPicPr>
+          <p:blipFill>
+            <a:blip r:embed="rId5" cstate="print">
+              <a:extLst>
+                <a:ext uri="{28A0092B-C50C-407E-A947-70E740481C1C}">
+                  <a14:useLocalDpi xmlns:a14="http://schemas.microsoft.com/office/drawing/2010/main" val="0"/>
+                </a:ext>
+              </a:extLst>
+            </a:blip>
+            <a:stretch>
+              <a:fillRect/>
+            </a:stretch>
+          </p:blipFill>
+          <p:spPr>
+            <a:xfrm>
+              <a:off x="1921521" y="1767428"/>
+              <a:ext cx="1510066" cy="1110343"/>
+            </a:xfrm>
+            <a:prstGeom prst="rect">
+              <a:avLst/>
+            </a:prstGeom>
+          </p:spPr>
+        </p:pic>
+      </p:grpSp>
+      <p:sp>
+        <p:nvSpPr>
+          <p:cNvPr id="2" name="Rectangle 1"/>
+          <p:cNvSpPr/>
+          <p:nvPr/>
+        </p:nvSpPr>
+        <p:spPr>
+          <a:xfrm>
+            <a:off x="2642554" y="5100152"/>
+            <a:ext cx="4451989" cy="250414"/>
+          </a:xfrm>
+          <a:prstGeom prst="rect">
+            <a:avLst/>
+          </a:prstGeom>
+          <a:solidFill>
+            <a:schemeClr val="bg2">
+              <a:lumMod val="75000"/>
+            </a:schemeClr>
+          </a:solidFill>
+          <a:ln>
+            <a:noFill/>
+          </a:ln>
+        </p:spPr>
+        <p:style>
+          <a:lnRef idx="2">
+            <a:schemeClr val="accent1">
+              <a:shade val="50000"/>
+            </a:schemeClr>
+          </a:lnRef>
+          <a:fillRef idx="1">
+            <a:schemeClr val="accent1"/>
+          </a:fillRef>
+          <a:effectRef idx="0">
+            <a:schemeClr val="accent1"/>
+          </a:effectRef>
+          <a:fontRef idx="minor">
+            <a:schemeClr val="lt1"/>
+          </a:fontRef>
+        </p:style>
+        <p:txBody>
+          <a:bodyPr rtlCol="0" anchor="ctr"/>
+          <a:lstStyle/>
+          <a:p>
+            <a:pPr algn="ctr"/>
+            <a:endParaRPr lang="fr-FR" dirty="0"/>
+          </a:p>
+        </p:txBody>
+      </p:sp>
+      <p:sp>
+        <p:nvSpPr>
+          <p:cNvPr id="113" name="Rectangle 112"/>
+          <p:cNvSpPr/>
+          <p:nvPr/>
+        </p:nvSpPr>
+        <p:spPr>
+          <a:xfrm rot="16200000">
+            <a:off x="5905119" y="3915020"/>
+            <a:ext cx="2625211" cy="250414"/>
+          </a:xfrm>
+          <a:prstGeom prst="rect">
+            <a:avLst/>
+          </a:prstGeom>
+          <a:solidFill>
+            <a:schemeClr val="bg2">
+              <a:lumMod val="75000"/>
+            </a:schemeClr>
+          </a:solidFill>
+          <a:ln>
+            <a:noFill/>
+          </a:ln>
+        </p:spPr>
+        <p:style>
+          <a:lnRef idx="2">
+            <a:schemeClr val="accent1">
+              <a:shade val="50000"/>
+            </a:schemeClr>
+          </a:lnRef>
+          <a:fillRef idx="1">
+            <a:schemeClr val="accent1"/>
+          </a:fillRef>
+          <a:effectRef idx="0">
+            <a:schemeClr val="accent1"/>
+          </a:effectRef>
+          <a:fontRef idx="minor">
+            <a:schemeClr val="lt1"/>
+          </a:fontRef>
+        </p:style>
+        <p:txBody>
+          <a:bodyPr rtlCol="0" anchor="ctr"/>
+          <a:lstStyle/>
+          <a:p>
+            <a:pPr algn="ctr"/>
+            <a:endParaRPr lang="fr-FR" dirty="0"/>
+          </a:p>
+        </p:txBody>
+      </p:sp>
+      <p:sp>
+        <p:nvSpPr>
+          <p:cNvPr id="114" name="Rectangle 113"/>
+          <p:cNvSpPr/>
+          <p:nvPr/>
+        </p:nvSpPr>
+        <p:spPr>
+          <a:xfrm>
+            <a:off x="7095208" y="2718467"/>
+            <a:ext cx="739916" cy="250414"/>
+          </a:xfrm>
+          <a:prstGeom prst="rect">
+            <a:avLst/>
+          </a:prstGeom>
+          <a:solidFill>
+            <a:schemeClr val="bg2">
+              <a:lumMod val="75000"/>
+            </a:schemeClr>
+          </a:solidFill>
+          <a:ln>
+            <a:noFill/>
+          </a:ln>
+        </p:spPr>
+        <p:style>
+          <a:lnRef idx="2">
+            <a:schemeClr val="accent1">
+              <a:shade val="50000"/>
+            </a:schemeClr>
+          </a:lnRef>
+          <a:fillRef idx="1">
+            <a:schemeClr val="accent1"/>
+          </a:fillRef>
+          <a:effectRef idx="0">
+            <a:schemeClr val="accent1"/>
+          </a:effectRef>
+          <a:fontRef idx="minor">
+            <a:schemeClr val="lt1"/>
+          </a:fontRef>
+        </p:style>
+        <p:txBody>
+          <a:bodyPr rtlCol="0" anchor="ctr"/>
+          <a:lstStyle/>
+          <a:p>
+            <a:pPr algn="ctr"/>
+            <a:endParaRPr lang="fr-FR" dirty="0"/>
+          </a:p>
+        </p:txBody>
+      </p:sp>
+      <p:sp>
+        <p:nvSpPr>
+          <p:cNvPr id="115" name="Rectangle 114"/>
+          <p:cNvSpPr/>
+          <p:nvPr/>
+        </p:nvSpPr>
+        <p:spPr>
+          <a:xfrm>
+            <a:off x="9788177" y="2521749"/>
+            <a:ext cx="1134489" cy="157579"/>
+          </a:xfrm>
+          <a:prstGeom prst="rect">
+            <a:avLst/>
+          </a:prstGeom>
+          <a:solidFill>
+            <a:srgbClr val="00B0F0"/>
+          </a:solidFill>
+          <a:ln>
+            <a:noFill/>
+          </a:ln>
+        </p:spPr>
+        <p:style>
+          <a:lnRef idx="2">
+            <a:schemeClr val="accent1">
+              <a:shade val="50000"/>
+            </a:schemeClr>
+          </a:lnRef>
+          <a:fillRef idx="1">
+            <a:schemeClr val="accent1"/>
+          </a:fillRef>
+          <a:effectRef idx="0">
+            <a:schemeClr val="accent1"/>
+          </a:effectRef>
+          <a:fontRef idx="minor">
+            <a:schemeClr val="lt1"/>
+          </a:fontRef>
+        </p:style>
+        <p:txBody>
+          <a:bodyPr rtlCol="0" anchor="ctr"/>
+          <a:lstStyle/>
+          <a:p>
+            <a:pPr algn="ctr"/>
+            <a:endParaRPr lang="fr-FR" dirty="0"/>
+          </a:p>
+        </p:txBody>
+      </p:sp>
+      <p:sp>
+        <p:nvSpPr>
+          <p:cNvPr id="116" name="Rectangle 115"/>
+          <p:cNvSpPr/>
+          <p:nvPr/>
+        </p:nvSpPr>
+        <p:spPr>
+          <a:xfrm>
+            <a:off x="9789071" y="2679328"/>
+            <a:ext cx="1134489" cy="156562"/>
+          </a:xfrm>
+          <a:prstGeom prst="rect">
+            <a:avLst/>
+          </a:prstGeom>
+          <a:solidFill>
+            <a:schemeClr val="bg2">
+              <a:lumMod val="75000"/>
+            </a:schemeClr>
+          </a:solidFill>
+          <a:ln>
+            <a:noFill/>
+          </a:ln>
+        </p:spPr>
+        <p:style>
+          <a:lnRef idx="2">
+            <a:schemeClr val="accent1">
+              <a:shade val="50000"/>
+            </a:schemeClr>
+          </a:lnRef>
+          <a:fillRef idx="1">
+            <a:schemeClr val="accent1"/>
+          </a:fillRef>
+          <a:effectRef idx="0">
+            <a:schemeClr val="accent1"/>
+          </a:effectRef>
+          <a:fontRef idx="minor">
+            <a:schemeClr val="lt1"/>
+          </a:fontRef>
+        </p:style>
+        <p:txBody>
+          <a:bodyPr rtlCol="0" anchor="ctr"/>
+          <a:lstStyle/>
+          <a:p>
+            <a:pPr algn="ctr"/>
+            <a:endParaRPr lang="fr-FR" dirty="0"/>
+          </a:p>
+        </p:txBody>
+      </p:sp>
+      <p:sp>
+        <p:nvSpPr>
+          <p:cNvPr id="117" name="TextBox 255"/>
+          <p:cNvSpPr txBox="1"/>
+          <p:nvPr/>
+        </p:nvSpPr>
+        <p:spPr>
+          <a:xfrm>
+            <a:off x="11122678" y="2668456"/>
+            <a:ext cx="599062" cy="307777"/>
+          </a:xfrm>
+          <a:prstGeom prst="rect">
+            <a:avLst/>
+          </a:prstGeom>
+          <a:solidFill>
+            <a:schemeClr val="bg1"/>
+          </a:solidFill>
+          <a:ln>
+            <a:solidFill>
+              <a:schemeClr val="tx1"/>
+            </a:solidFill>
+          </a:ln>
+        </p:spPr>
+        <p:txBody>
+          <a:bodyPr wrap="square" rtlCol="0">
+            <a:spAutoFit/>
+          </a:bodyPr>
+          <a:lstStyle/>
+          <a:p>
+            <a:r>
+              <a:rPr lang="fr-FR" sz="1400" i="1" dirty="0" smtClean="0">
+                <a:latin typeface="Bahnschrift Condensed" panose="020B0502040204020203" pitchFamily="34" charset="0"/>
+              </a:rPr>
+              <a:t>P real</a:t>
+            </a:r>
+            <a:endParaRPr lang="fr-FR" sz="1400" i="1" dirty="0">
+              <a:latin typeface="Bahnschrift Condensed" panose="020B0502040204020203" pitchFamily="34" charset="0"/>
+            </a:endParaRPr>
+          </a:p>
+        </p:txBody>
+      </p:sp>
+      <p:sp>
+        <p:nvSpPr>
+          <p:cNvPr id="118" name="TextBox 255"/>
+          <p:cNvSpPr txBox="1"/>
+          <p:nvPr/>
+        </p:nvSpPr>
+        <p:spPr>
+          <a:xfrm>
+            <a:off x="11122676" y="2377217"/>
+            <a:ext cx="599063" cy="307777"/>
+          </a:xfrm>
+          <a:prstGeom prst="rect">
+            <a:avLst/>
+          </a:prstGeom>
+          <a:solidFill>
+            <a:schemeClr val="bg1"/>
+          </a:solidFill>
+          <a:ln>
+            <a:solidFill>
+              <a:schemeClr val="tx1"/>
+            </a:solidFill>
+          </a:ln>
+        </p:spPr>
+        <p:txBody>
+          <a:bodyPr wrap="square" rtlCol="0">
+            <a:spAutoFit/>
+          </a:bodyPr>
+          <a:lstStyle/>
+          <a:p>
+            <a:r>
+              <a:rPr lang="fr-FR" sz="1400" i="1" dirty="0" smtClean="0">
+                <a:latin typeface="Bahnschrift Condensed" panose="020B0502040204020203" pitchFamily="34" charset="0"/>
+              </a:rPr>
+              <a:t>P </a:t>
+            </a:r>
+            <a:r>
+              <a:rPr lang="fr-FR" sz="1400" i="1" dirty="0" smtClean="0">
+                <a:latin typeface="Bahnschrift Condensed" panose="020B0502040204020203" pitchFamily="34" charset="0"/>
+              </a:rPr>
+              <a:t>fake</a:t>
+            </a:r>
+            <a:endParaRPr lang="fr-FR" sz="1400" i="1" dirty="0">
+              <a:latin typeface="Bahnschrift Condensed" panose="020B0502040204020203" pitchFamily="34" charset="0"/>
+            </a:endParaRPr>
+          </a:p>
+        </p:txBody>
+      </p:sp>
+      <p:sp>
+        <p:nvSpPr>
+          <p:cNvPr id="120" name="Right Arrow 234"/>
+          <p:cNvSpPr/>
+          <p:nvPr/>
+        </p:nvSpPr>
+        <p:spPr>
+          <a:xfrm>
+            <a:off x="10100155" y="2603849"/>
+            <a:ext cx="1024182" cy="310890"/>
+          </a:xfrm>
+          <a:prstGeom prst="rightArrow">
+            <a:avLst>
+              <a:gd name="adj1" fmla="val 50000"/>
+              <a:gd name="adj2" fmla="val 54896"/>
+            </a:avLst>
+          </a:prstGeom>
+          <a:solidFill>
+            <a:schemeClr val="bg2">
+              <a:lumMod val="75000"/>
+            </a:schemeClr>
+          </a:solidFill>
+          <a:ln>
+            <a:noFill/>
+          </a:ln>
+        </p:spPr>
+        <p:style>
+          <a:lnRef idx="2">
+            <a:schemeClr val="accent1">
+              <a:shade val="50000"/>
+            </a:schemeClr>
+          </a:lnRef>
+          <a:fillRef idx="1">
+            <a:schemeClr val="accent1"/>
+          </a:fillRef>
+          <a:effectRef idx="0">
+            <a:schemeClr val="accent1"/>
+          </a:effectRef>
+          <a:fontRef idx="minor">
+            <a:schemeClr val="lt1"/>
+          </a:fontRef>
+        </p:style>
+        <p:txBody>
+          <a:bodyPr rtlCol="0" anchor="ctr"/>
+          <a:lstStyle/>
+          <a:p>
+            <a:pPr algn="ctr"/>
+            <a:endParaRPr lang="fr-FR" dirty="0"/>
+          </a:p>
+        </p:txBody>
+      </p:sp>
+      <p:sp>
+        <p:nvSpPr>
+          <p:cNvPr id="121" name="TextBox 255"/>
+          <p:cNvSpPr txBox="1"/>
+          <p:nvPr/>
+        </p:nvSpPr>
+        <p:spPr>
+          <a:xfrm>
+            <a:off x="5553792" y="4045473"/>
+            <a:ext cx="859037" cy="307777"/>
+          </a:xfrm>
+          <a:prstGeom prst="rect">
+            <a:avLst/>
+          </a:prstGeom>
+          <a:solidFill>
+            <a:schemeClr val="bg1"/>
+          </a:solidFill>
+          <a:ln>
+            <a:solidFill>
+              <a:schemeClr val="tx1"/>
+            </a:solidFill>
+          </a:ln>
+        </p:spPr>
+        <p:txBody>
+          <a:bodyPr wrap="square" rtlCol="0">
+            <a:spAutoFit/>
+          </a:bodyPr>
+          <a:lstStyle/>
+          <a:p>
+            <a:r>
+              <a:rPr lang="fr-FR" sz="1400" i="1" dirty="0" smtClean="0">
+                <a:latin typeface="Bahnschrift Condensed" panose="020B0502040204020203" pitchFamily="34" charset="0"/>
+              </a:rPr>
+              <a:t>L1 distance</a:t>
+            </a:r>
+            <a:endParaRPr lang="fr-FR" sz="1400" i="1" dirty="0">
+              <a:latin typeface="Bahnschrift Condensed" panose="020B0502040204020203" pitchFamily="34" charset="0"/>
+            </a:endParaRPr>
+          </a:p>
+        </p:txBody>
+      </p:sp>
+      <p:sp>
+        <p:nvSpPr>
+          <p:cNvPr id="124" name="Rectangle 123"/>
+          <p:cNvSpPr/>
+          <p:nvPr/>
+        </p:nvSpPr>
+        <p:spPr>
+          <a:xfrm>
+            <a:off x="3526901" y="4211649"/>
+            <a:ext cx="2026892" cy="123838"/>
+          </a:xfrm>
+          <a:prstGeom prst="rect">
+            <a:avLst/>
+          </a:prstGeom>
+          <a:pattFill prst="dkDnDiag">
+            <a:fgClr>
+              <a:schemeClr val="bg2">
+                <a:lumMod val="75000"/>
+              </a:schemeClr>
+            </a:fgClr>
+            <a:bgClr>
+              <a:schemeClr val="bg1"/>
+            </a:bgClr>
+          </a:pattFill>
+          <a:ln>
+            <a:noFill/>
+          </a:ln>
+        </p:spPr>
+        <p:style>
+          <a:lnRef idx="2">
+            <a:schemeClr val="accent1">
+              <a:shade val="50000"/>
+            </a:schemeClr>
+          </a:lnRef>
+          <a:fillRef idx="1">
+            <a:schemeClr val="accent1"/>
+          </a:fillRef>
+          <a:effectRef idx="0">
+            <a:schemeClr val="accent1"/>
+          </a:effectRef>
+          <a:fontRef idx="minor">
+            <a:schemeClr val="lt1"/>
+          </a:fontRef>
+        </p:style>
+        <p:txBody>
+          <a:bodyPr rtlCol="0" anchor="ctr"/>
+          <a:lstStyle/>
+          <a:p>
+            <a:pPr algn="ctr"/>
+            <a:endParaRPr lang="fr-FR" dirty="0"/>
+          </a:p>
+        </p:txBody>
+      </p:sp>
+      <p:sp>
+        <p:nvSpPr>
+          <p:cNvPr id="129" name="Rectangle 128"/>
+          <p:cNvSpPr/>
+          <p:nvPr/>
+        </p:nvSpPr>
+        <p:spPr>
+          <a:xfrm rot="5400000">
+            <a:off x="3153295" y="3833084"/>
+            <a:ext cx="869174" cy="125451"/>
+          </a:xfrm>
+          <a:prstGeom prst="rect">
+            <a:avLst/>
+          </a:prstGeom>
+          <a:pattFill prst="dkDnDiag">
+            <a:fgClr>
+              <a:schemeClr val="bg2">
+                <a:lumMod val="75000"/>
+              </a:schemeClr>
+            </a:fgClr>
+            <a:bgClr>
+              <a:schemeClr val="bg1"/>
+            </a:bgClr>
+          </a:pattFill>
+          <a:ln>
+            <a:noFill/>
+          </a:ln>
+        </p:spPr>
+        <p:style>
+          <a:lnRef idx="2">
+            <a:schemeClr val="accent1">
+              <a:shade val="50000"/>
+            </a:schemeClr>
+          </a:lnRef>
+          <a:fillRef idx="1">
+            <a:schemeClr val="accent1"/>
+          </a:fillRef>
+          <a:effectRef idx="0">
+            <a:schemeClr val="accent1"/>
+          </a:effectRef>
+          <a:fontRef idx="minor">
+            <a:schemeClr val="lt1"/>
+          </a:fontRef>
+        </p:style>
+        <p:txBody>
+          <a:bodyPr rtlCol="0" anchor="ctr"/>
+          <a:lstStyle/>
+          <a:p>
+            <a:pPr algn="ctr"/>
+            <a:endParaRPr lang="fr-FR" dirty="0"/>
+          </a:p>
+        </p:txBody>
+      </p:sp>
+      <p:sp>
+        <p:nvSpPr>
+          <p:cNvPr id="3" name="Triangle isocèle 2"/>
+          <p:cNvSpPr/>
+          <p:nvPr/>
+        </p:nvSpPr>
+        <p:spPr>
+          <a:xfrm>
+            <a:off x="3402618" y="3328918"/>
+            <a:ext cx="247989" cy="238095"/>
+          </a:xfrm>
+          <a:prstGeom prst="triangle">
+            <a:avLst>
+              <a:gd name="adj" fmla="val 100000"/>
+            </a:avLst>
+          </a:prstGeom>
+          <a:pattFill prst="dkDnDiag">
+            <a:fgClr>
+              <a:schemeClr val="bg2">
+                <a:lumMod val="75000"/>
+              </a:schemeClr>
+            </a:fgClr>
+            <a:bgClr>
+              <a:schemeClr val="bg1"/>
+            </a:bgClr>
+          </a:pattFill>
+          <a:ln>
+            <a:noFill/>
+          </a:ln>
+        </p:spPr>
+        <p:style>
+          <a:lnRef idx="2">
+            <a:schemeClr val="accent1">
+              <a:shade val="50000"/>
+            </a:schemeClr>
+          </a:lnRef>
+          <a:fillRef idx="1">
+            <a:schemeClr val="accent1"/>
+          </a:fillRef>
+          <a:effectRef idx="0">
+            <a:schemeClr val="accent1"/>
+          </a:effectRef>
+          <a:fontRef idx="minor">
+            <a:schemeClr val="lt1"/>
+          </a:fontRef>
+        </p:style>
+        <p:txBody>
+          <a:bodyPr rtlCol="0" anchor="ctr"/>
+          <a:lstStyle/>
+          <a:p>
+            <a:pPr algn="ctr"/>
+            <a:endParaRPr lang="fr-FR" dirty="0"/>
+          </a:p>
+        </p:txBody>
+      </p:sp>
+      <p:sp>
+        <p:nvSpPr>
+          <p:cNvPr id="130" name="Rectangle 129"/>
+          <p:cNvSpPr/>
+          <p:nvPr/>
+        </p:nvSpPr>
+        <p:spPr>
+          <a:xfrm rot="16200000">
+            <a:off x="10485632" y="1440797"/>
+            <a:ext cx="1753039" cy="111844"/>
+          </a:xfrm>
+          <a:prstGeom prst="rect">
+            <a:avLst/>
+          </a:prstGeom>
+          <a:pattFill prst="dkDnDiag">
+            <a:fgClr>
+              <a:schemeClr val="bg2">
+                <a:lumMod val="75000"/>
+              </a:schemeClr>
+            </a:fgClr>
+            <a:bgClr>
+              <a:schemeClr val="bg1"/>
+            </a:bgClr>
+          </a:pattFill>
+          <a:ln>
+            <a:noFill/>
+          </a:ln>
+        </p:spPr>
+        <p:style>
+          <a:lnRef idx="2">
+            <a:schemeClr val="accent1">
+              <a:shade val="50000"/>
+            </a:schemeClr>
+          </a:lnRef>
+          <a:fillRef idx="1">
+            <a:schemeClr val="accent1"/>
+          </a:fillRef>
+          <a:effectRef idx="0">
+            <a:schemeClr val="accent1"/>
+          </a:effectRef>
+          <a:fontRef idx="minor">
+            <a:schemeClr val="lt1"/>
+          </a:fontRef>
+        </p:style>
+        <p:txBody>
+          <a:bodyPr rtlCol="0" anchor="ctr"/>
+          <a:lstStyle/>
+          <a:p>
+            <a:pPr algn="ctr"/>
+            <a:endParaRPr lang="fr-FR" dirty="0"/>
+          </a:p>
+        </p:txBody>
+      </p:sp>
+      <p:sp>
+        <p:nvSpPr>
+          <p:cNvPr id="137" name="Rectangle 136"/>
+          <p:cNvSpPr/>
+          <p:nvPr/>
+        </p:nvSpPr>
+        <p:spPr>
+          <a:xfrm flipV="1">
+            <a:off x="3512953" y="477096"/>
+            <a:ext cx="2603715" cy="197264"/>
+          </a:xfrm>
+          <a:prstGeom prst="rect">
+            <a:avLst/>
+          </a:prstGeom>
+          <a:pattFill prst="dkDnDiag">
+            <a:fgClr>
+              <a:srgbClr val="00B0F0"/>
+            </a:fgClr>
+            <a:bgClr>
+              <a:schemeClr val="bg1"/>
+            </a:bgClr>
+          </a:pattFill>
+          <a:ln>
+            <a:noFill/>
+          </a:ln>
+        </p:spPr>
+        <p:style>
+          <a:lnRef idx="2">
+            <a:schemeClr val="accent1">
+              <a:shade val="50000"/>
+            </a:schemeClr>
+          </a:lnRef>
+          <a:fillRef idx="1">
+            <a:schemeClr val="accent1"/>
+          </a:fillRef>
+          <a:effectRef idx="0">
+            <a:schemeClr val="accent1"/>
+          </a:effectRef>
+          <a:fontRef idx="minor">
+            <a:schemeClr val="lt1"/>
+          </a:fontRef>
+        </p:style>
+        <p:txBody>
+          <a:bodyPr rtlCol="0" anchor="ctr"/>
+          <a:lstStyle/>
+          <a:p>
+            <a:pPr algn="ctr"/>
+            <a:endParaRPr lang="fr-FR" dirty="0"/>
+          </a:p>
+        </p:txBody>
+      </p:sp>
+      <p:grpSp>
+        <p:nvGrpSpPr>
+          <p:cNvPr id="131" name="Group 226"/>
+          <p:cNvGrpSpPr/>
+          <p:nvPr/>
+        </p:nvGrpSpPr>
+        <p:grpSpPr>
+          <a:xfrm>
+            <a:off x="6118162" y="320244"/>
+            <a:ext cx="775723" cy="491878"/>
+            <a:chOff x="5739400" y="3497672"/>
+            <a:chExt cx="775723" cy="491878"/>
+          </a:xfrm>
+          <a:noFill/>
+        </p:grpSpPr>
+        <p:sp>
+          <p:nvSpPr>
+            <p:cNvPr id="132" name="Oval 214"/>
+            <p:cNvSpPr/>
+            <p:nvPr/>
+          </p:nvSpPr>
+          <p:spPr>
+            <a:xfrm>
+              <a:off x="5739400" y="3521550"/>
+              <a:ext cx="468000" cy="468000"/>
+            </a:xfrm>
+            <a:prstGeom prst="ellipse">
+              <a:avLst/>
+            </a:prstGeom>
+            <a:grpFill/>
+            <a:ln w="57150">
+              <a:solidFill>
+                <a:schemeClr val="tx2"/>
+              </a:solidFill>
+            </a:ln>
+          </p:spPr>
+          <p:style>
+            <a:lnRef idx="2">
+              <a:schemeClr val="accent1">
+                <a:shade val="50000"/>
+              </a:schemeClr>
+            </a:lnRef>
+            <a:fillRef idx="1">
+              <a:schemeClr val="accent1"/>
+            </a:fillRef>
+            <a:effectRef idx="0">
+              <a:schemeClr val="accent1"/>
+            </a:effectRef>
+            <a:fontRef idx="minor">
+              <a:schemeClr val="lt1"/>
+            </a:fontRef>
+          </p:style>
+          <p:txBody>
+            <a:bodyPr rtlCol="0" anchor="ctr"/>
+            <a:lstStyle/>
+            <a:p>
+              <a:pPr algn="ctr"/>
+              <a:endParaRPr lang="fr-FR" sz="4400" dirty="0">
+                <a:solidFill>
+                  <a:schemeClr val="tx2"/>
+                </a:solidFill>
+              </a:endParaRPr>
+            </a:p>
+          </p:txBody>
+        </p:sp>
+        <p:cxnSp>
+          <p:nvCxnSpPr>
+            <p:cNvPr id="133" name="Straight Connector 217"/>
+            <p:cNvCxnSpPr>
+              <a:stCxn id="132" idx="1"/>
+              <a:endCxn id="132" idx="5"/>
+            </p:cNvCxnSpPr>
+            <p:nvPr/>
+          </p:nvCxnSpPr>
+          <p:spPr>
+            <a:xfrm>
+              <a:off x="5807937" y="3590087"/>
+              <a:ext cx="330926" cy="330926"/>
+            </a:xfrm>
+            <a:prstGeom prst="line">
+              <a:avLst/>
+            </a:prstGeom>
+            <a:grpFill/>
+            <a:ln w="38100">
+              <a:solidFill>
+                <a:schemeClr val="tx2"/>
+              </a:solidFill>
+            </a:ln>
+          </p:spPr>
+          <p:style>
+            <a:lnRef idx="1">
+              <a:schemeClr val="accent1"/>
+            </a:lnRef>
+            <a:fillRef idx="0">
+              <a:schemeClr val="accent1"/>
+            </a:fillRef>
+            <a:effectRef idx="0">
+              <a:schemeClr val="accent1"/>
+            </a:effectRef>
+            <a:fontRef idx="minor">
+              <a:schemeClr val="tx1"/>
+            </a:fontRef>
+          </p:style>
+        </p:cxnSp>
+        <p:cxnSp>
+          <p:nvCxnSpPr>
+            <p:cNvPr id="134" name="Straight Connector 218"/>
+            <p:cNvCxnSpPr>
+              <a:stCxn id="132" idx="7"/>
+              <a:endCxn id="132" idx="3"/>
+            </p:cNvCxnSpPr>
+            <p:nvPr/>
+          </p:nvCxnSpPr>
+          <p:spPr>
+            <a:xfrm flipH="1">
+              <a:off x="5807937" y="3590087"/>
+              <a:ext cx="330926" cy="330926"/>
+            </a:xfrm>
+            <a:prstGeom prst="line">
+              <a:avLst/>
+            </a:prstGeom>
+            <a:grpFill/>
+            <a:ln w="38100">
+              <a:solidFill>
+                <a:schemeClr val="tx2"/>
+              </a:solidFill>
+            </a:ln>
+          </p:spPr>
+          <p:style>
+            <a:lnRef idx="1">
+              <a:schemeClr val="accent1"/>
+            </a:lnRef>
+            <a:fillRef idx="0">
+              <a:schemeClr val="accent1"/>
+            </a:fillRef>
+            <a:effectRef idx="0">
+              <a:schemeClr val="accent1"/>
+            </a:effectRef>
+            <a:fontRef idx="minor">
+              <a:schemeClr val="tx1"/>
+            </a:fontRef>
+          </p:style>
+        </p:cxnSp>
+        <p:sp>
+          <p:nvSpPr>
+            <p:cNvPr id="135" name="TextBox 221"/>
+            <p:cNvSpPr txBox="1"/>
+            <p:nvPr/>
+          </p:nvSpPr>
+          <p:spPr>
+            <a:xfrm>
+              <a:off x="5970521" y="3497672"/>
+              <a:ext cx="544602" cy="461665"/>
+            </a:xfrm>
+            <a:prstGeom prst="rect">
+              <a:avLst/>
+            </a:prstGeom>
+            <a:grpFill/>
+            <a:ln>
+              <a:noFill/>
+            </a:ln>
+          </p:spPr>
+          <p:txBody>
+            <a:bodyPr wrap="square" rtlCol="0">
+              <a:spAutoFit/>
+            </a:bodyPr>
+            <a:lstStyle/>
+            <a:p>
+              <a:r>
+                <a:rPr lang="fr-FR" sz="2400" dirty="0" smtClean="0">
+                  <a:solidFill>
+                    <a:schemeClr val="tx2"/>
+                  </a:solidFill>
+                </a:rPr>
+                <a:t>-</a:t>
+              </a:r>
+              <a:endParaRPr lang="fr-FR" sz="2400" dirty="0">
+                <a:solidFill>
+                  <a:schemeClr val="tx2"/>
+                </a:solidFill>
+              </a:endParaRPr>
+            </a:p>
+          </p:txBody>
+        </p:sp>
+      </p:grpSp>
+      <p:sp>
+        <p:nvSpPr>
+          <p:cNvPr id="138" name="Rectangle 137"/>
+          <p:cNvSpPr/>
+          <p:nvPr/>
+        </p:nvSpPr>
+        <p:spPr>
+          <a:xfrm rot="10800000">
+            <a:off x="8918780" y="558704"/>
+            <a:ext cx="2499136" cy="115655"/>
+          </a:xfrm>
+          <a:prstGeom prst="rect">
+            <a:avLst/>
+          </a:prstGeom>
+          <a:pattFill prst="dkDnDiag">
+            <a:fgClr>
+              <a:schemeClr val="bg2">
+                <a:lumMod val="75000"/>
+              </a:schemeClr>
+            </a:fgClr>
+            <a:bgClr>
+              <a:schemeClr val="bg1"/>
+            </a:bgClr>
+          </a:pattFill>
+          <a:ln>
+            <a:noFill/>
+          </a:ln>
+        </p:spPr>
+        <p:style>
+          <a:lnRef idx="2">
+            <a:schemeClr val="accent1">
+              <a:shade val="50000"/>
+            </a:schemeClr>
+          </a:lnRef>
+          <a:fillRef idx="1">
+            <a:schemeClr val="accent1"/>
+          </a:fillRef>
+          <a:effectRef idx="0">
+            <a:schemeClr val="accent1"/>
+          </a:effectRef>
+          <a:fontRef idx="minor">
+            <a:schemeClr val="lt1"/>
+          </a:fontRef>
+        </p:style>
+        <p:txBody>
+          <a:bodyPr rtlCol="0" anchor="ctr"/>
+          <a:lstStyle/>
+          <a:p>
+            <a:pPr algn="ctr"/>
+            <a:endParaRPr lang="fr-FR" dirty="0"/>
+          </a:p>
+        </p:txBody>
+      </p:sp>
+      <p:sp>
+        <p:nvSpPr>
+          <p:cNvPr id="139" name="Right Arrow 238"/>
+          <p:cNvSpPr/>
+          <p:nvPr/>
+        </p:nvSpPr>
+        <p:spPr>
+          <a:xfrm rot="5400000">
+            <a:off x="8294071" y="984944"/>
+            <a:ext cx="1319347" cy="466863"/>
+          </a:xfrm>
+          <a:prstGeom prst="rightArrow">
+            <a:avLst/>
+          </a:prstGeom>
+          <a:pattFill prst="dkDnDiag">
+            <a:fgClr>
+              <a:srgbClr val="00B0F0"/>
+            </a:fgClr>
+            <a:bgClr>
+              <a:schemeClr val="bg1"/>
+            </a:bgClr>
+          </a:pattFill>
+          <a:ln>
+            <a:noFill/>
+          </a:ln>
+        </p:spPr>
+        <p:style>
+          <a:lnRef idx="2">
+            <a:schemeClr val="accent1">
+              <a:shade val="50000"/>
+            </a:schemeClr>
+          </a:lnRef>
+          <a:fillRef idx="1">
+            <a:schemeClr val="accent1"/>
+          </a:fillRef>
+          <a:effectRef idx="0">
+            <a:schemeClr val="accent1"/>
+          </a:effectRef>
+          <a:fontRef idx="minor">
+            <a:schemeClr val="lt1"/>
+          </a:fontRef>
+        </p:style>
+        <p:txBody>
+          <a:bodyPr rtlCol="0" anchor="ctr"/>
+          <a:lstStyle/>
+          <a:p>
+            <a:pPr algn="ctr"/>
+            <a:endParaRPr lang="fr-FR" dirty="0"/>
+          </a:p>
+        </p:txBody>
+      </p:sp>
+      <p:sp>
+        <p:nvSpPr>
+          <p:cNvPr id="140" name="Rectangle 139"/>
+          <p:cNvSpPr/>
+          <p:nvPr/>
+        </p:nvSpPr>
+        <p:spPr>
+          <a:xfrm rot="16200000">
+            <a:off x="8455635" y="1056813"/>
+            <a:ext cx="1121673" cy="125451"/>
+          </a:xfrm>
+          <a:prstGeom prst="rect">
+            <a:avLst/>
+          </a:prstGeom>
+          <a:pattFill prst="dkDnDiag">
+            <a:fgClr>
+              <a:schemeClr val="bg2">
+                <a:lumMod val="75000"/>
+              </a:schemeClr>
+            </a:fgClr>
+            <a:bgClr>
+              <a:schemeClr val="bg1"/>
+            </a:bgClr>
+          </a:pattFill>
+          <a:ln>
+            <a:noFill/>
+          </a:ln>
+        </p:spPr>
+        <p:style>
+          <a:lnRef idx="2">
+            <a:schemeClr val="accent1">
+              <a:shade val="50000"/>
+            </a:schemeClr>
+          </a:lnRef>
+          <a:fillRef idx="1">
+            <a:schemeClr val="accent1"/>
+          </a:fillRef>
+          <a:effectRef idx="0">
+            <a:schemeClr val="accent1"/>
+          </a:effectRef>
+          <a:fontRef idx="minor">
+            <a:schemeClr val="lt1"/>
+          </a:fontRef>
+        </p:style>
+        <p:txBody>
+          <a:bodyPr rtlCol="0" anchor="ctr"/>
+          <a:lstStyle/>
+          <a:p>
+            <a:pPr algn="ctr"/>
+            <a:endParaRPr lang="fr-FR" dirty="0"/>
+          </a:p>
+        </p:txBody>
+      </p:sp>
+      <p:sp>
+        <p:nvSpPr>
+          <p:cNvPr id="141" name="Triangle isocèle 140"/>
+          <p:cNvSpPr/>
+          <p:nvPr/>
+        </p:nvSpPr>
+        <p:spPr>
+          <a:xfrm rot="10800000">
+            <a:off x="8949788" y="1642634"/>
+            <a:ext cx="247989" cy="238095"/>
+          </a:xfrm>
+          <a:prstGeom prst="triangle">
+            <a:avLst>
+              <a:gd name="adj" fmla="val 100000"/>
+            </a:avLst>
+          </a:prstGeom>
+          <a:pattFill prst="dkDnDiag">
+            <a:fgClr>
+              <a:schemeClr val="bg2">
+                <a:lumMod val="75000"/>
+              </a:schemeClr>
+            </a:fgClr>
+            <a:bgClr>
+              <a:schemeClr val="bg1"/>
+            </a:bgClr>
+          </a:pattFill>
+          <a:ln>
+            <a:noFill/>
+          </a:ln>
+        </p:spPr>
+        <p:style>
+          <a:lnRef idx="2">
+            <a:schemeClr val="accent1">
+              <a:shade val="50000"/>
+            </a:schemeClr>
+          </a:lnRef>
+          <a:fillRef idx="1">
+            <a:schemeClr val="accent1"/>
+          </a:fillRef>
+          <a:effectRef idx="0">
+            <a:schemeClr val="accent1"/>
+          </a:effectRef>
+          <a:fontRef idx="minor">
+            <a:schemeClr val="lt1"/>
+          </a:fontRef>
+        </p:style>
+        <p:txBody>
+          <a:bodyPr rtlCol="0" anchor="ctr"/>
+          <a:lstStyle/>
+          <a:p>
+            <a:pPr algn="ctr"/>
+            <a:endParaRPr lang="fr-FR" dirty="0"/>
+          </a:p>
+        </p:txBody>
+      </p:sp>
+      <p:sp>
+        <p:nvSpPr>
+          <p:cNvPr id="255" name="TextBox 254"/>
+          <p:cNvSpPr txBox="1"/>
+          <p:nvPr/>
+        </p:nvSpPr>
+        <p:spPr>
+          <a:xfrm>
+            <a:off x="4050622" y="4048983"/>
+            <a:ext cx="1350976" cy="307777"/>
+          </a:xfrm>
+          <a:prstGeom prst="rect">
+            <a:avLst/>
+          </a:prstGeom>
+          <a:noFill/>
+        </p:spPr>
+        <p:txBody>
+          <a:bodyPr wrap="square" rtlCol="0">
+            <a:spAutoFit/>
+          </a:bodyPr>
+          <a:lstStyle/>
+          <a:p>
+            <a:r>
+              <a:rPr lang="fr-FR" sz="1400" i="1" dirty="0" smtClean="0">
+                <a:latin typeface="Bahnschrift Condensed" panose="020B0502040204020203" pitchFamily="34" charset="0"/>
+              </a:rPr>
+              <a:t>Content </a:t>
+            </a:r>
+            <a:r>
+              <a:rPr lang="fr-FR" sz="1400" i="1" dirty="0" smtClean="0">
+                <a:latin typeface="Bahnschrift Condensed" panose="020B0502040204020203" pitchFamily="34" charset="0"/>
+              </a:rPr>
+              <a:t>Loss</a:t>
+            </a:r>
+            <a:endParaRPr lang="fr-FR" sz="1400" i="1" dirty="0">
+              <a:latin typeface="Bahnschrift Condensed" panose="020B0502040204020203" pitchFamily="34" charset="0"/>
+            </a:endParaRPr>
+          </a:p>
+        </p:txBody>
+      </p:sp>
+      <p:sp>
+        <p:nvSpPr>
+          <p:cNvPr id="142" name="TextBox 254"/>
+          <p:cNvSpPr txBox="1"/>
+          <p:nvPr/>
+        </p:nvSpPr>
+        <p:spPr>
+          <a:xfrm>
+            <a:off x="9795235" y="404813"/>
+            <a:ext cx="1350976" cy="307777"/>
+          </a:xfrm>
+          <a:prstGeom prst="rect">
+            <a:avLst/>
+          </a:prstGeom>
+          <a:noFill/>
+        </p:spPr>
+        <p:txBody>
+          <a:bodyPr wrap="square" rtlCol="0">
+            <a:spAutoFit/>
+          </a:bodyPr>
+          <a:lstStyle/>
+          <a:p>
+            <a:r>
+              <a:rPr lang="fr-FR" sz="1400" i="1" dirty="0" smtClean="0">
+                <a:latin typeface="Bahnschrift Condensed" panose="020B0502040204020203" pitchFamily="34" charset="0"/>
+              </a:rPr>
+              <a:t>Adversarial loss</a:t>
+            </a:r>
+            <a:endParaRPr lang="fr-FR" sz="1400" i="1" dirty="0">
+              <a:latin typeface="Bahnschrift Condensed" panose="020B0502040204020203" pitchFamily="34" charset="0"/>
+            </a:endParaRPr>
+          </a:p>
+        </p:txBody>
+      </p:sp>
+    </p:spTree>
+    <p:extLst>
+      <p:ext uri="{BB962C8B-B14F-4D97-AF65-F5344CB8AC3E}">
+        <p14:creationId xmlns:p14="http://schemas.microsoft.com/office/powerpoint/2010/main" val="2808947411"/>
+      </p:ext>
+    </p:extLst>
+  </p:cSld>
+  <p:clrMapOvr>
+    <a:masterClrMapping/>
+  </p:clrMapOvr>
+  <p:timing>
+    <p:tnLst>
+      <p:par>
+        <p:cTn id="1" dur="indefinite" restart="never" nodeType="tmRoot"/>
+      </p:par>
+    </p:tnLst>
+  </p:timing>
 </p:sld>
 </file>
 
@@ -7383,4 +12739,265 @@
     </a:ext>
   </a:extLst>
 </a:theme>
+</file>
+
+<file path=ppt/theme/theme2.xml><?xml version="1.0" encoding="utf-8"?>
+<a:theme xmlns:a="http://schemas.openxmlformats.org/drawingml/2006/main" name="Thème Office">
+  <a:themeElements>
+    <a:clrScheme name="Office">
+      <a:dk1>
+        <a:sysClr val="windowText" lastClr="000000"/>
+      </a:dk1>
+      <a:lt1>
+        <a:sysClr val="window" lastClr="FFFFFF"/>
+      </a:lt1>
+      <a:dk2>
+        <a:srgbClr val="44546A"/>
+      </a:dk2>
+      <a:lt2>
+        <a:srgbClr val="E7E6E6"/>
+      </a:lt2>
+      <a:accent1>
+        <a:srgbClr val="5B9BD5"/>
+      </a:accent1>
+      <a:accent2>
+        <a:srgbClr val="ED7D31"/>
+      </a:accent2>
+      <a:accent3>
+        <a:srgbClr val="A5A5A5"/>
+      </a:accent3>
+      <a:accent4>
+        <a:srgbClr val="FFC000"/>
+      </a:accent4>
+      <a:accent5>
+        <a:srgbClr val="4472C4"/>
+      </a:accent5>
+      <a:accent6>
+        <a:srgbClr val="70AD47"/>
+      </a:accent6>
+      <a:hlink>
+        <a:srgbClr val="0563C1"/>
+      </a:hlink>
+      <a:folHlink>
+        <a:srgbClr val="954F72"/>
+      </a:folHlink>
+    </a:clrScheme>
+    <a:fontScheme name="Office">
+      <a:majorFont>
+        <a:latin typeface="Calibri Light" panose="020F0302020204030204"/>
+        <a:ea typeface=""/>
+        <a:cs typeface=""/>
+        <a:font script="Jpan" typeface="游ゴシック Light"/>
+        <a:font script="Hang" typeface="맑은 고딕"/>
+        <a:font script="Hans" typeface="等线 Light"/>
+        <a:font script="Hant" typeface="新細明體"/>
+        <a:font script="Arab" typeface="Times New Roman"/>
+        <a:font script="Hebr" typeface="Times New Roman"/>
+        <a:font script="Thai" typeface="Angsana New"/>
+        <a:font script="Ethi" typeface="Nyala"/>
+        <a:font script="Beng" typeface="Vrinda"/>
+        <a:font script="Gujr" typeface="Shruti"/>
+        <a:font script="Khmr" typeface="MoolBoran"/>
+        <a:font script="Knda" typeface="Tunga"/>
+        <a:font script="Guru" typeface="Raavi"/>
+        <a:font script="Cans" typeface="Euphemia"/>
+        <a:font script="Cher" typeface="Plantagenet Cherokee"/>
+        <a:font script="Yiii" typeface="Microsoft Yi Baiti"/>
+        <a:font script="Tibt" typeface="Microsoft Himalaya"/>
+        <a:font script="Thaa" typeface="MV Boli"/>
+        <a:font script="Deva" typeface="Mangal"/>
+        <a:font script="Telu" typeface="Gautami"/>
+        <a:font script="Taml" typeface="Latha"/>
+        <a:font script="Syrc" typeface="Estrangelo Edessa"/>
+        <a:font script="Orya" typeface="Kalinga"/>
+        <a:font script="Mlym" typeface="Kartika"/>
+        <a:font script="Laoo" typeface="DokChampa"/>
+        <a:font script="Sinh" typeface="Iskoola Pota"/>
+        <a:font script="Mong" typeface="Mongolian Baiti"/>
+        <a:font script="Viet" typeface="Times New Roman"/>
+        <a:font script="Uigh" typeface="Microsoft Uighur"/>
+        <a:font script="Geor" typeface="Sylfaen"/>
+      </a:majorFont>
+      <a:minorFont>
+        <a:latin typeface="Calibri" panose="020F0502020204030204"/>
+        <a:ea typeface=""/>
+        <a:cs typeface=""/>
+        <a:font script="Jpan" typeface="游ゴシック"/>
+        <a:font script="Hang" typeface="맑은 고딕"/>
+        <a:font script="Hans" typeface="等线"/>
+        <a:font script="Hant" typeface="新細明體"/>
+        <a:font script="Arab" typeface="Arial"/>
+        <a:font script="Hebr" typeface="Arial"/>
+        <a:font script="Thai" typeface="Cordia New"/>
+        <a:font script="Ethi" typeface="Nyala"/>
+        <a:font script="Beng" typeface="Vrinda"/>
+        <a:font script="Gujr" typeface="Shruti"/>
+        <a:font script="Khmr" typeface="DaunPenh"/>
+        <a:font script="Knda" typeface="Tunga"/>
+        <a:font script="Guru" typeface="Raavi"/>
+        <a:font script="Cans" typeface="Euphemia"/>
+        <a:font script="Cher" typeface="Plantagenet Cherokee"/>
+        <a:font script="Yiii" typeface="Microsoft Yi Baiti"/>
+        <a:font script="Tibt" typeface="Microsoft Himalaya"/>
+        <a:font script="Thaa" typeface="MV Boli"/>
+        <a:font script="Deva" typeface="Mangal"/>
+        <a:font script="Telu" typeface="Gautami"/>
+        <a:font script="Taml" typeface="Latha"/>
+        <a:font script="Syrc" typeface="Estrangelo Edessa"/>
+        <a:font script="Orya" typeface="Kalinga"/>
+        <a:font script="Mlym" typeface="Kartika"/>
+        <a:font script="Laoo" typeface="DokChampa"/>
+        <a:font script="Sinh" typeface="Iskoola Pota"/>
+        <a:font script="Mong" typeface="Mongolian Baiti"/>
+        <a:font script="Viet" typeface="Arial"/>
+        <a:font script="Uigh" typeface="Microsoft Uighur"/>
+        <a:font script="Geor" typeface="Sylfaen"/>
+      </a:minorFont>
+    </a:fontScheme>
+    <a:fmtScheme name="Office">
+      <a:fillStyleLst>
+        <a:solidFill>
+          <a:schemeClr val="phClr"/>
+        </a:solidFill>
+        <a:gradFill rotWithShape="1">
+          <a:gsLst>
+            <a:gs pos="0">
+              <a:schemeClr val="phClr">
+                <a:lumMod val="110000"/>
+                <a:satMod val="105000"/>
+                <a:tint val="67000"/>
+              </a:schemeClr>
+            </a:gs>
+            <a:gs pos="50000">
+              <a:schemeClr val="phClr">
+                <a:lumMod val="105000"/>
+                <a:satMod val="103000"/>
+                <a:tint val="73000"/>
+              </a:schemeClr>
+            </a:gs>
+            <a:gs pos="100000">
+              <a:schemeClr val="phClr">
+                <a:lumMod val="105000"/>
+                <a:satMod val="109000"/>
+                <a:tint val="81000"/>
+              </a:schemeClr>
+            </a:gs>
+          </a:gsLst>
+          <a:lin ang="5400000" scaled="0"/>
+        </a:gradFill>
+        <a:gradFill rotWithShape="1">
+          <a:gsLst>
+            <a:gs pos="0">
+              <a:schemeClr val="phClr">
+                <a:satMod val="103000"/>
+                <a:lumMod val="102000"/>
+                <a:tint val="94000"/>
+              </a:schemeClr>
+            </a:gs>
+            <a:gs pos="50000">
+              <a:schemeClr val="phClr">
+                <a:satMod val="110000"/>
+                <a:lumMod val="100000"/>
+                <a:shade val="100000"/>
+              </a:schemeClr>
+            </a:gs>
+            <a:gs pos="100000">
+              <a:schemeClr val="phClr">
+                <a:lumMod val="99000"/>
+                <a:satMod val="120000"/>
+                <a:shade val="78000"/>
+              </a:schemeClr>
+            </a:gs>
+          </a:gsLst>
+          <a:lin ang="5400000" scaled="0"/>
+        </a:gradFill>
+      </a:fillStyleLst>
+      <a:lnStyleLst>
+        <a:ln w="6350" cap="flat" cmpd="sng" algn="ctr">
+          <a:solidFill>
+            <a:schemeClr val="phClr"/>
+          </a:solidFill>
+          <a:prstDash val="solid"/>
+          <a:miter lim="800000"/>
+        </a:ln>
+        <a:ln w="12700" cap="flat" cmpd="sng" algn="ctr">
+          <a:solidFill>
+            <a:schemeClr val="phClr"/>
+          </a:solidFill>
+          <a:prstDash val="solid"/>
+          <a:miter lim="800000"/>
+        </a:ln>
+        <a:ln w="19050" cap="flat" cmpd="sng" algn="ctr">
+          <a:solidFill>
+            <a:schemeClr val="phClr"/>
+          </a:solidFill>
+          <a:prstDash val="solid"/>
+          <a:miter lim="800000"/>
+        </a:ln>
+      </a:lnStyleLst>
+      <a:effectStyleLst>
+        <a:effectStyle>
+          <a:effectLst/>
+        </a:effectStyle>
+        <a:effectStyle>
+          <a:effectLst/>
+        </a:effectStyle>
+        <a:effectStyle>
+          <a:effectLst>
+            <a:outerShdw blurRad="57150" dist="19050" dir="5400000" algn="ctr" rotWithShape="0">
+              <a:srgbClr val="000000">
+                <a:alpha val="63000"/>
+              </a:srgbClr>
+            </a:outerShdw>
+          </a:effectLst>
+        </a:effectStyle>
+      </a:effectStyleLst>
+      <a:bgFillStyleLst>
+        <a:solidFill>
+          <a:schemeClr val="phClr"/>
+        </a:solidFill>
+        <a:solidFill>
+          <a:schemeClr val="phClr">
+            <a:tint val="95000"/>
+            <a:satMod val="170000"/>
+          </a:schemeClr>
+        </a:solidFill>
+        <a:gradFill rotWithShape="1">
+          <a:gsLst>
+            <a:gs pos="0">
+              <a:schemeClr val="phClr">
+                <a:tint val="93000"/>
+                <a:satMod val="150000"/>
+                <a:shade val="98000"/>
+                <a:lumMod val="102000"/>
+              </a:schemeClr>
+            </a:gs>
+            <a:gs pos="50000">
+              <a:schemeClr val="phClr">
+                <a:tint val="98000"/>
+                <a:satMod val="130000"/>
+                <a:shade val="90000"/>
+                <a:lumMod val="103000"/>
+              </a:schemeClr>
+            </a:gs>
+            <a:gs pos="100000">
+              <a:schemeClr val="phClr">
+                <a:shade val="63000"/>
+                <a:satMod val="120000"/>
+              </a:schemeClr>
+            </a:gs>
+          </a:gsLst>
+          <a:lin ang="5400000" scaled="0"/>
+        </a:gradFill>
+      </a:bgFillStyleLst>
+    </a:fmtScheme>
+  </a:themeElements>
+  <a:objectDefaults/>
+  <a:extraClrSchemeLst/>
+  <a:extLst>
+    <a:ext uri="{05A4C25C-085E-4340-85A3-A5531E510DB2}">
+      <thm15:themeFamily xmlns:thm15="http://schemas.microsoft.com/office/thememl/2012/main" name="Office Theme" id="{62F939B6-93AF-4DB8-9C6B-D6C7DFDC589F}" vid="{4A3C46E8-61CC-4603-A589-7422A47A8E4A}"/>
+    </a:ext>
+  </a:extLst>
+</a:theme>
 </file>
--- a/illustrations/gan.pptx
+++ b/illustrations/gan.pptx
@@ -11618,13 +11618,7 @@
               <a:rPr lang="fr-FR" sz="1400" i="1" dirty="0" smtClean="0">
                 <a:latin typeface="Bahnschrift Condensed" panose="020B0502040204020203" pitchFamily="34" charset="0"/>
               </a:rPr>
-              <a:t>P </a:t>
-            </a:r>
-            <a:r>
-              <a:rPr lang="fr-FR" sz="1400" i="1" dirty="0" smtClean="0">
-                <a:latin typeface="Bahnschrift Condensed" panose="020B0502040204020203" pitchFamily="34" charset="0"/>
-              </a:rPr>
-              <a:t>fake</a:t>
+              <a:t>P fake</a:t>
             </a:r>
             <a:endParaRPr lang="fr-FR" sz="1400" i="1" dirty="0">
               <a:latin typeface="Bahnschrift Condensed" panose="020B0502040204020203" pitchFamily="34" charset="0"/>
@@ -12412,13 +12406,7 @@
               <a:rPr lang="fr-FR" sz="1400" i="1" dirty="0" smtClean="0">
                 <a:latin typeface="Bahnschrift Condensed" panose="020B0502040204020203" pitchFamily="34" charset="0"/>
               </a:rPr>
-              <a:t>Content </a:t>
-            </a:r>
-            <a:r>
-              <a:rPr lang="fr-FR" sz="1400" i="1" dirty="0" smtClean="0">
-                <a:latin typeface="Bahnschrift Condensed" panose="020B0502040204020203" pitchFamily="34" charset="0"/>
-              </a:rPr>
-              <a:t>Loss</a:t>
+              <a:t>Content Loss</a:t>
             </a:r>
             <a:endParaRPr lang="fr-FR" sz="1400" i="1" dirty="0">
               <a:latin typeface="Bahnschrift Condensed" panose="020B0502040204020203" pitchFamily="34" charset="0"/>
@@ -12434,8 +12422,8 @@
         </p:nvSpPr>
         <p:spPr>
           <a:xfrm>
-            <a:off x="9795235" y="404813"/>
-            <a:ext cx="1350976" cy="307777"/>
+            <a:off x="9137490" y="399535"/>
+            <a:ext cx="2147624" cy="307777"/>
           </a:xfrm>
           <a:prstGeom prst="rect">
             <a:avLst/>
@@ -12449,10 +12437,116 @@
           <a:lstStyle/>
           <a:p>
             <a:r>
+              <a:rPr lang="fr-FR" sz="1400" i="1" dirty="0" err="1" smtClean="0">
+                <a:latin typeface="Bahnschrift Condensed" panose="020B0502040204020203" pitchFamily="34" charset="0"/>
+              </a:rPr>
+              <a:t>Adversarial</a:t>
+            </a:r>
+            <a:r>
               <a:rPr lang="fr-FR" sz="1400" i="1" dirty="0" smtClean="0">
                 <a:latin typeface="Bahnschrift Condensed" panose="020B0502040204020203" pitchFamily="34" charset="0"/>
               </a:rPr>
-              <a:t>Adversarial loss</a:t>
+              <a:t> </a:t>
+            </a:r>
+            <a:r>
+              <a:rPr lang="fr-FR" sz="1400" i="1" dirty="0" err="1" smtClean="0">
+                <a:latin typeface="Bahnschrift Condensed" panose="020B0502040204020203" pitchFamily="34" charset="0"/>
+              </a:rPr>
+              <a:t>loss</a:t>
+            </a:r>
+            <a:r>
+              <a:rPr lang="fr-FR" sz="1400" i="1" dirty="0" smtClean="0">
+                <a:latin typeface="Bahnschrift Condensed" panose="020B0502040204020203" pitchFamily="34" charset="0"/>
+              </a:rPr>
+              <a:t> = </a:t>
+            </a:r>
+            <a:r>
+              <a:rPr lang="fr-FR" sz="1400" i="1" dirty="0" err="1" smtClean="0">
+                <a:latin typeface="Bahnschrift Condensed" panose="020B0502040204020203" pitchFamily="34" charset="0"/>
+              </a:rPr>
+              <a:t>Pfake</a:t>
+            </a:r>
+            <a:r>
+              <a:rPr lang="fr-FR" sz="1400" i="1" dirty="0">
+                <a:latin typeface="Bahnschrift Condensed" panose="020B0502040204020203" pitchFamily="34" charset="0"/>
+              </a:rPr>
+              <a:t> </a:t>
+            </a:r>
+            <a:r>
+              <a:rPr lang="fr-FR" sz="1400" i="1" dirty="0" smtClean="0">
+                <a:latin typeface="Bahnschrift Condensed" panose="020B0502040204020203" pitchFamily="34" charset="0"/>
+              </a:rPr>
+              <a:t>- </a:t>
+            </a:r>
+            <a:r>
+              <a:rPr lang="fr-FR" sz="1400" i="1" dirty="0" err="1" smtClean="0">
+                <a:latin typeface="Bahnschrift Condensed" panose="020B0502040204020203" pitchFamily="34" charset="0"/>
+              </a:rPr>
+              <a:t>Preal</a:t>
+            </a:r>
+            <a:endParaRPr lang="fr-FR" sz="1400" i="1" dirty="0">
+              <a:latin typeface="Bahnschrift Condensed" panose="020B0502040204020203" pitchFamily="34" charset="0"/>
+            </a:endParaRPr>
+          </a:p>
+        </p:txBody>
+      </p:sp>
+      <p:sp>
+        <p:nvSpPr>
+          <p:cNvPr id="136" name="TextBox 254"/>
+          <p:cNvSpPr txBox="1"/>
+          <p:nvPr/>
+        </p:nvSpPr>
+        <p:spPr>
+          <a:xfrm>
+            <a:off x="3794876" y="399421"/>
+            <a:ext cx="2147624" cy="307777"/>
+          </a:xfrm>
+          <a:prstGeom prst="rect">
+            <a:avLst/>
+          </a:prstGeom>
+          <a:noFill/>
+        </p:spPr>
+        <p:txBody>
+          <a:bodyPr wrap="square" rtlCol="0">
+            <a:spAutoFit/>
+          </a:bodyPr>
+          <a:lstStyle/>
+          <a:p>
+            <a:r>
+              <a:rPr lang="fr-FR" sz="1400" i="1" dirty="0" err="1" smtClean="0">
+                <a:latin typeface="Bahnschrift Condensed" panose="020B0502040204020203" pitchFamily="34" charset="0"/>
+              </a:rPr>
+              <a:t>Adversarial</a:t>
+            </a:r>
+            <a:r>
+              <a:rPr lang="fr-FR" sz="1400" i="1" dirty="0" smtClean="0">
+                <a:latin typeface="Bahnschrift Condensed" panose="020B0502040204020203" pitchFamily="34" charset="0"/>
+              </a:rPr>
+              <a:t> </a:t>
+            </a:r>
+            <a:r>
+              <a:rPr lang="fr-FR" sz="1400" i="1" dirty="0" err="1" smtClean="0">
+                <a:latin typeface="Bahnschrift Condensed" panose="020B0502040204020203" pitchFamily="34" charset="0"/>
+              </a:rPr>
+              <a:t>loss</a:t>
+            </a:r>
+            <a:r>
+              <a:rPr lang="fr-FR" sz="1400" i="1" dirty="0" smtClean="0">
+                <a:latin typeface="Bahnschrift Condensed" panose="020B0502040204020203" pitchFamily="34" charset="0"/>
+              </a:rPr>
+              <a:t> =  - </a:t>
+            </a:r>
+            <a:r>
+              <a:rPr lang="fr-FR" sz="1400" i="1" dirty="0" err="1" smtClean="0">
+                <a:latin typeface="Bahnschrift Condensed" panose="020B0502040204020203" pitchFamily="34" charset="0"/>
+              </a:rPr>
+              <a:t>Pfake</a:t>
+            </a:r>
+            <a:r>
+              <a:rPr lang="fr-FR" sz="1400" i="1" dirty="0" smtClean="0">
+                <a:latin typeface="Bahnschrift Condensed" panose="020B0502040204020203" pitchFamily="34" charset="0"/>
+              </a:rPr>
+              <a:t> </a:t>
             </a:r>
             <a:endParaRPr lang="fr-FR" sz="1400" i="1" dirty="0">
               <a:latin typeface="Bahnschrift Condensed" panose="020B0502040204020203" pitchFamily="34" charset="0"/>

--- a/illustrations/gan.pptx
+++ b/illustrations/gan.pptx
@@ -7552,14 +7552,581 @@
       </p:grpSpPr>
       <p:sp>
         <p:nvSpPr>
+          <p:cNvPr id="162" name="Secteurs 161"/>
+          <p:cNvSpPr/>
+          <p:nvPr/>
+        </p:nvSpPr>
+        <p:spPr>
+          <a:xfrm rot="3011206">
+            <a:off x="5561570" y="3718321"/>
+            <a:ext cx="978068" cy="938910"/>
+          </a:xfrm>
+          <a:prstGeom prst="pie">
+            <a:avLst>
+              <a:gd name="adj1" fmla="val 7836709"/>
+              <a:gd name="adj2" fmla="val 10407450"/>
+            </a:avLst>
+          </a:prstGeom>
+          <a:solidFill>
+            <a:srgbClr val="00B0F0"/>
+          </a:solidFill>
+          <a:ln>
+            <a:noFill/>
+          </a:ln>
+        </p:spPr>
+        <p:style>
+          <a:lnRef idx="2">
+            <a:schemeClr val="accent1">
+              <a:shade val="50000"/>
+            </a:schemeClr>
+          </a:lnRef>
+          <a:fillRef idx="1">
+            <a:schemeClr val="accent1"/>
+          </a:fillRef>
+          <a:effectRef idx="0">
+            <a:schemeClr val="accent1"/>
+          </a:effectRef>
+          <a:fontRef idx="minor">
+            <a:schemeClr val="lt1"/>
+          </a:fontRef>
+        </p:style>
+        <p:txBody>
+          <a:bodyPr rtlCol="0" anchor="ctr"/>
+          <a:lstStyle/>
+          <a:p>
+            <a:pPr algn="ctr"/>
+            <a:endParaRPr lang="fr-FR">
+              <a:solidFill>
+                <a:schemeClr val="tx1"/>
+              </a:solidFill>
+            </a:endParaRPr>
+          </a:p>
+        </p:txBody>
+      </p:sp>
+      <p:sp>
+        <p:nvSpPr>
+          <p:cNvPr id="163" name="Secteurs 162"/>
+          <p:cNvSpPr/>
+          <p:nvPr/>
+        </p:nvSpPr>
+        <p:spPr>
+          <a:xfrm rot="18588794" flipV="1">
+            <a:off x="5559307" y="3692231"/>
+            <a:ext cx="978068" cy="938910"/>
+          </a:xfrm>
+          <a:prstGeom prst="pie">
+            <a:avLst>
+              <a:gd name="adj1" fmla="val 7836709"/>
+              <a:gd name="adj2" fmla="val 10407450"/>
+            </a:avLst>
+          </a:prstGeom>
+          <a:solidFill>
+            <a:schemeClr val="bg2">
+              <a:lumMod val="75000"/>
+            </a:schemeClr>
+          </a:solidFill>
+          <a:ln>
+            <a:noFill/>
+          </a:ln>
+        </p:spPr>
+        <p:style>
+          <a:lnRef idx="2">
+            <a:schemeClr val="accent1">
+              <a:shade val="50000"/>
+            </a:schemeClr>
+          </a:lnRef>
+          <a:fillRef idx="1">
+            <a:schemeClr val="accent1"/>
+          </a:fillRef>
+          <a:effectRef idx="0">
+            <a:schemeClr val="accent1"/>
+          </a:effectRef>
+          <a:fontRef idx="minor">
+            <a:schemeClr val="lt1"/>
+          </a:fontRef>
+        </p:style>
+        <p:txBody>
+          <a:bodyPr rtlCol="0" anchor="ctr"/>
+          <a:lstStyle/>
+          <a:p>
+            <a:pPr algn="ctr"/>
+            <a:endParaRPr lang="fr-FR">
+              <a:solidFill>
+                <a:schemeClr val="tx1"/>
+              </a:solidFill>
+            </a:endParaRPr>
+          </a:p>
+        </p:txBody>
+      </p:sp>
+      <p:sp>
+        <p:nvSpPr>
+          <p:cNvPr id="159" name="Secteurs 158"/>
+          <p:cNvSpPr/>
+          <p:nvPr/>
+        </p:nvSpPr>
+        <p:spPr>
+          <a:xfrm rot="18588794" flipV="1">
+            <a:off x="5543261" y="3685031"/>
+            <a:ext cx="978068" cy="938910"/>
+          </a:xfrm>
+          <a:prstGeom prst="pie">
+            <a:avLst>
+              <a:gd name="adj1" fmla="val 10393588"/>
+              <a:gd name="adj2" fmla="val 16001807"/>
+            </a:avLst>
+          </a:prstGeom>
+          <a:solidFill>
+            <a:schemeClr val="bg2">
+              <a:lumMod val="75000"/>
+            </a:schemeClr>
+          </a:solidFill>
+          <a:ln>
+            <a:noFill/>
+          </a:ln>
+        </p:spPr>
+        <p:style>
+          <a:lnRef idx="2">
+            <a:schemeClr val="accent1">
+              <a:shade val="50000"/>
+            </a:schemeClr>
+          </a:lnRef>
+          <a:fillRef idx="1">
+            <a:schemeClr val="accent1"/>
+          </a:fillRef>
+          <a:effectRef idx="0">
+            <a:schemeClr val="accent1"/>
+          </a:effectRef>
+          <a:fontRef idx="minor">
+            <a:schemeClr val="lt1"/>
+          </a:fontRef>
+        </p:style>
+        <p:txBody>
+          <a:bodyPr rtlCol="0" anchor="ctr"/>
+          <a:lstStyle/>
+          <a:p>
+            <a:pPr algn="ctr"/>
+            <a:endParaRPr lang="fr-FR">
+              <a:solidFill>
+                <a:schemeClr val="tx1"/>
+              </a:solidFill>
+            </a:endParaRPr>
+          </a:p>
+        </p:txBody>
+      </p:sp>
+      <p:sp>
+        <p:nvSpPr>
+          <p:cNvPr id="9" name="Secteurs 8"/>
+          <p:cNvSpPr/>
+          <p:nvPr/>
+        </p:nvSpPr>
+        <p:spPr>
+          <a:xfrm rot="3011206">
+            <a:off x="5540998" y="3719978"/>
+            <a:ext cx="978068" cy="938910"/>
+          </a:xfrm>
+          <a:prstGeom prst="pie">
+            <a:avLst>
+              <a:gd name="adj1" fmla="val 10393588"/>
+              <a:gd name="adj2" fmla="val 16001807"/>
+            </a:avLst>
+          </a:prstGeom>
+          <a:solidFill>
+            <a:srgbClr val="00B0F0"/>
+          </a:solidFill>
+          <a:ln>
+            <a:noFill/>
+          </a:ln>
+        </p:spPr>
+        <p:style>
+          <a:lnRef idx="2">
+            <a:schemeClr val="accent1">
+              <a:shade val="50000"/>
+            </a:schemeClr>
+          </a:lnRef>
+          <a:fillRef idx="1">
+            <a:schemeClr val="accent1"/>
+          </a:fillRef>
+          <a:effectRef idx="0">
+            <a:schemeClr val="accent1"/>
+          </a:effectRef>
+          <a:fontRef idx="minor">
+            <a:schemeClr val="lt1"/>
+          </a:fontRef>
+        </p:style>
+        <p:txBody>
+          <a:bodyPr rtlCol="0" anchor="ctr"/>
+          <a:lstStyle/>
+          <a:p>
+            <a:pPr algn="ctr"/>
+            <a:endParaRPr lang="fr-FR">
+              <a:solidFill>
+                <a:schemeClr val="tx1"/>
+              </a:solidFill>
+            </a:endParaRPr>
+          </a:p>
+        </p:txBody>
+      </p:sp>
+      <p:sp>
+        <p:nvSpPr>
+          <p:cNvPr id="8" name="Ellipse 7"/>
+          <p:cNvSpPr/>
+          <p:nvPr/>
+        </p:nvSpPr>
+        <p:spPr>
+          <a:xfrm>
+            <a:off x="6116667" y="339371"/>
+            <a:ext cx="494215" cy="481348"/>
+          </a:xfrm>
+          <a:prstGeom prst="ellipse">
+            <a:avLst/>
+          </a:prstGeom>
+          <a:pattFill prst="dkDnDiag">
+            <a:fgClr>
+              <a:srgbClr val="00B0F0"/>
+            </a:fgClr>
+            <a:bgClr>
+              <a:schemeClr val="bg1"/>
+            </a:bgClr>
+          </a:pattFill>
+          <a:ln>
+            <a:noFill/>
+          </a:ln>
+        </p:spPr>
+        <p:style>
+          <a:lnRef idx="2">
+            <a:schemeClr val="accent1">
+              <a:shade val="50000"/>
+            </a:schemeClr>
+          </a:lnRef>
+          <a:fillRef idx="1">
+            <a:schemeClr val="accent1"/>
+          </a:fillRef>
+          <a:effectRef idx="0">
+            <a:schemeClr val="accent1"/>
+          </a:effectRef>
+          <a:fontRef idx="minor">
+            <a:schemeClr val="lt1"/>
+          </a:fontRef>
+        </p:style>
+        <p:txBody>
+          <a:bodyPr rtlCol="0" anchor="ctr"/>
+          <a:lstStyle/>
+          <a:p>
+            <a:pPr algn="ctr"/>
+            <a:endParaRPr lang="fr-FR"/>
+          </a:p>
+        </p:txBody>
+      </p:sp>
+      <p:sp>
+        <p:nvSpPr>
+          <p:cNvPr id="152" name="Triangle isocèle 151"/>
+          <p:cNvSpPr/>
+          <p:nvPr/>
+        </p:nvSpPr>
+        <p:spPr>
+          <a:xfrm rot="10800000" flipV="1">
+            <a:off x="11417915" y="2043137"/>
+            <a:ext cx="177437" cy="258495"/>
+          </a:xfrm>
+          <a:prstGeom prst="triangle">
+            <a:avLst>
+              <a:gd name="adj" fmla="val 100000"/>
+            </a:avLst>
+          </a:prstGeom>
+          <a:solidFill>
+            <a:srgbClr val="00B0F0"/>
+          </a:solidFill>
+          <a:ln>
+            <a:noFill/>
+          </a:ln>
+        </p:spPr>
+        <p:style>
+          <a:lnRef idx="2">
+            <a:schemeClr val="accent1">
+              <a:shade val="50000"/>
+            </a:schemeClr>
+          </a:lnRef>
+          <a:fillRef idx="1">
+            <a:schemeClr val="accent1"/>
+          </a:fillRef>
+          <a:effectRef idx="0">
+            <a:schemeClr val="accent1"/>
+          </a:effectRef>
+          <a:fontRef idx="minor">
+            <a:schemeClr val="lt1"/>
+          </a:fontRef>
+        </p:style>
+        <p:txBody>
+          <a:bodyPr rtlCol="0" anchor="ctr"/>
+          <a:lstStyle/>
+          <a:p>
+            <a:pPr algn="ctr"/>
+            <a:endParaRPr lang="fr-FR" dirty="0"/>
+          </a:p>
+        </p:txBody>
+      </p:sp>
+      <p:sp>
+        <p:nvSpPr>
+          <p:cNvPr id="153" name="Triangle isocèle 152"/>
+          <p:cNvSpPr/>
+          <p:nvPr/>
+        </p:nvSpPr>
+        <p:spPr>
+          <a:xfrm rot="10800000" flipH="1" flipV="1">
+            <a:off x="11265010" y="2054016"/>
+            <a:ext cx="155319" cy="247616"/>
+          </a:xfrm>
+          <a:prstGeom prst="triangle">
+            <a:avLst>
+              <a:gd name="adj" fmla="val 100000"/>
+            </a:avLst>
+          </a:prstGeom>
+          <a:solidFill>
+            <a:schemeClr val="bg2">
+              <a:lumMod val="75000"/>
+            </a:schemeClr>
+          </a:solidFill>
+          <a:ln>
+            <a:noFill/>
+          </a:ln>
+        </p:spPr>
+        <p:style>
+          <a:lnRef idx="2">
+            <a:schemeClr val="accent1">
+              <a:shade val="50000"/>
+            </a:schemeClr>
+          </a:lnRef>
+          <a:fillRef idx="1">
+            <a:schemeClr val="accent1"/>
+          </a:fillRef>
+          <a:effectRef idx="0">
+            <a:schemeClr val="accent1"/>
+          </a:effectRef>
+          <a:fontRef idx="minor">
+            <a:schemeClr val="lt1"/>
+          </a:fontRef>
+        </p:style>
+        <p:txBody>
+          <a:bodyPr rtlCol="0" anchor="ctr"/>
+          <a:lstStyle/>
+          <a:p>
+            <a:pPr algn="ctr"/>
+            <a:endParaRPr lang="fr-FR" dirty="0"/>
+          </a:p>
+        </p:txBody>
+      </p:sp>
+      <p:sp>
+        <p:nvSpPr>
+          <p:cNvPr id="151" name="Triangle isocèle 150"/>
+          <p:cNvSpPr/>
+          <p:nvPr/>
+        </p:nvSpPr>
+        <p:spPr>
+          <a:xfrm rot="10800000">
+            <a:off x="11410366" y="1893582"/>
+            <a:ext cx="184987" cy="209917"/>
+          </a:xfrm>
+          <a:prstGeom prst="triangle">
+            <a:avLst>
+              <a:gd name="adj" fmla="val 100000"/>
+            </a:avLst>
+          </a:prstGeom>
+          <a:pattFill prst="dkDnDiag">
+            <a:fgClr>
+              <a:srgbClr val="00B0F0"/>
+            </a:fgClr>
+            <a:bgClr>
+              <a:schemeClr val="bg1"/>
+            </a:bgClr>
+          </a:pattFill>
+          <a:ln>
+            <a:noFill/>
+          </a:ln>
+        </p:spPr>
+        <p:style>
+          <a:lnRef idx="2">
+            <a:schemeClr val="accent1">
+              <a:shade val="50000"/>
+            </a:schemeClr>
+          </a:lnRef>
+          <a:fillRef idx="1">
+            <a:schemeClr val="accent1"/>
+          </a:fillRef>
+          <a:effectRef idx="0">
+            <a:schemeClr val="accent1"/>
+          </a:effectRef>
+          <a:fontRef idx="minor">
+            <a:schemeClr val="lt1"/>
+          </a:fontRef>
+        </p:style>
+        <p:txBody>
+          <a:bodyPr rtlCol="0" anchor="ctr"/>
+          <a:lstStyle/>
+          <a:p>
+            <a:pPr algn="ctr"/>
+            <a:endParaRPr lang="fr-FR" dirty="0"/>
+          </a:p>
+        </p:txBody>
+      </p:sp>
+      <p:sp>
+        <p:nvSpPr>
+          <p:cNvPr id="150" name="Triangle isocèle 149"/>
+          <p:cNvSpPr/>
+          <p:nvPr/>
+        </p:nvSpPr>
+        <p:spPr>
+          <a:xfrm rot="10800000" flipH="1">
+            <a:off x="11234532" y="1894520"/>
+            <a:ext cx="184987" cy="209917"/>
+          </a:xfrm>
+          <a:prstGeom prst="triangle">
+            <a:avLst>
+              <a:gd name="adj" fmla="val 100000"/>
+            </a:avLst>
+          </a:prstGeom>
+          <a:pattFill prst="dkDnDiag">
+            <a:fgClr>
+              <a:schemeClr val="bg2">
+                <a:lumMod val="75000"/>
+              </a:schemeClr>
+            </a:fgClr>
+            <a:bgClr>
+              <a:schemeClr val="bg1"/>
+            </a:bgClr>
+          </a:pattFill>
+          <a:ln>
+            <a:noFill/>
+          </a:ln>
+        </p:spPr>
+        <p:style>
+          <a:lnRef idx="2">
+            <a:schemeClr val="accent1">
+              <a:shade val="50000"/>
+            </a:schemeClr>
+          </a:lnRef>
+          <a:fillRef idx="1">
+            <a:schemeClr val="accent1"/>
+          </a:fillRef>
+          <a:effectRef idx="0">
+            <a:schemeClr val="accent1"/>
+          </a:effectRef>
+          <a:fontRef idx="minor">
+            <a:schemeClr val="lt1"/>
+          </a:fontRef>
+        </p:style>
+        <p:txBody>
+          <a:bodyPr rtlCol="0" anchor="ctr"/>
+          <a:lstStyle/>
+          <a:p>
+            <a:pPr algn="ctr"/>
+            <a:endParaRPr lang="fr-FR" dirty="0"/>
+          </a:p>
+        </p:txBody>
+      </p:sp>
+      <p:sp>
+        <p:nvSpPr>
+          <p:cNvPr id="7" name="Triangle isocèle 6"/>
+          <p:cNvSpPr/>
+          <p:nvPr/>
+        </p:nvSpPr>
+        <p:spPr>
+          <a:xfrm rot="16200000">
+            <a:off x="11348661" y="1981269"/>
+            <a:ext cx="332293" cy="231925"/>
+          </a:xfrm>
+          <a:prstGeom prst="triangle">
+            <a:avLst/>
+          </a:prstGeom>
+          <a:solidFill>
+            <a:srgbClr val="00B0F0"/>
+          </a:solidFill>
+          <a:ln>
+            <a:noFill/>
+          </a:ln>
+        </p:spPr>
+        <p:style>
+          <a:lnRef idx="2">
+            <a:schemeClr val="accent1">
+              <a:shade val="50000"/>
+            </a:schemeClr>
+          </a:lnRef>
+          <a:fillRef idx="1">
+            <a:schemeClr val="accent1"/>
+          </a:fillRef>
+          <a:effectRef idx="0">
+            <a:schemeClr val="accent1"/>
+          </a:effectRef>
+          <a:fontRef idx="minor">
+            <a:schemeClr val="lt1"/>
+          </a:fontRef>
+        </p:style>
+        <p:txBody>
+          <a:bodyPr rtlCol="0" anchor="ctr"/>
+          <a:lstStyle/>
+          <a:p>
+            <a:pPr algn="ctr"/>
+            <a:endParaRPr lang="fr-FR"/>
+          </a:p>
+        </p:txBody>
+      </p:sp>
+      <p:sp>
+        <p:nvSpPr>
+          <p:cNvPr id="5" name="Triangle isocèle 4"/>
+          <p:cNvSpPr/>
+          <p:nvPr/>
+        </p:nvSpPr>
+        <p:spPr>
+          <a:xfrm rot="5400000">
+            <a:off x="11166485" y="1977929"/>
+            <a:ext cx="332291" cy="238608"/>
+          </a:xfrm>
+          <a:prstGeom prst="triangle">
+            <a:avLst/>
+          </a:prstGeom>
+          <a:solidFill>
+            <a:schemeClr val="bg2">
+              <a:lumMod val="75000"/>
+            </a:schemeClr>
+          </a:solidFill>
+          <a:ln>
+            <a:noFill/>
+          </a:ln>
+        </p:spPr>
+        <p:style>
+          <a:lnRef idx="2">
+            <a:schemeClr val="accent1">
+              <a:shade val="50000"/>
+            </a:schemeClr>
+          </a:lnRef>
+          <a:fillRef idx="1">
+            <a:schemeClr val="accent1"/>
+          </a:fillRef>
+          <a:effectRef idx="0">
+            <a:schemeClr val="accent1"/>
+          </a:effectRef>
+          <a:fontRef idx="minor">
+            <a:schemeClr val="lt1"/>
+          </a:fontRef>
+        </p:style>
+        <p:txBody>
+          <a:bodyPr rtlCol="0" anchor="ctr"/>
+          <a:lstStyle/>
+          <a:p>
+            <a:pPr algn="ctr"/>
+            <a:endParaRPr lang="fr-FR"/>
+          </a:p>
+        </p:txBody>
+      </p:sp>
+      <p:sp>
+        <p:nvSpPr>
           <p:cNvPr id="254" name="Rectangle 253"/>
           <p:cNvSpPr/>
           <p:nvPr/>
         </p:nvSpPr>
         <p:spPr>
           <a:xfrm rot="5400000" flipV="1">
-            <a:off x="10457157" y="1329855"/>
-            <a:ext cx="1921518" cy="215999"/>
+            <a:off x="10713848" y="1073166"/>
+            <a:ext cx="1417426" cy="225285"/>
           </a:xfrm>
           <a:prstGeom prst="rect">
             <a:avLst/>
@@ -7655,8 +8222,8 @@
         </p:nvSpPr>
         <p:spPr>
           <a:xfrm>
-            <a:off x="3526900" y="4113738"/>
-            <a:ext cx="2411798" cy="216000"/>
+            <a:off x="3526900" y="4076526"/>
+            <a:ext cx="2033694" cy="216000"/>
           </a:xfrm>
           <a:prstGeom prst="rect">
             <a:avLst/>
@@ -7757,8 +8324,8 @@
         </p:nvSpPr>
         <p:spPr>
           <a:xfrm rot="5400000">
-            <a:off x="5639987" y="3413627"/>
-            <a:ext cx="796828" cy="466863"/>
+            <a:off x="5578925" y="3474690"/>
+            <a:ext cx="918952" cy="466863"/>
           </a:xfrm>
           <a:prstGeom prst="rightArrow">
             <a:avLst>
@@ -10721,7 +11288,7 @@
         </p:nvSpPr>
         <p:spPr>
           <a:xfrm>
-            <a:off x="773842" y="1821997"/>
+            <a:off x="674307" y="1809723"/>
             <a:ext cx="1877723" cy="369332"/>
           </a:xfrm>
           <a:prstGeom prst="rect">
@@ -10739,10 +11306,7 @@
             <a:r>
               <a:rPr lang="fr-FR" dirty="0" smtClean="0">
                 <a:solidFill>
-                  <a:schemeClr val="tx1">
-                    <a:lumMod val="50000"/>
-                    <a:lumOff val="50000"/>
-                  </a:schemeClr>
+                  <a:srgbClr val="00B0F0"/>
                 </a:solidFill>
                 <a:latin typeface="Bahnschrift Condensed" panose="020B0502040204020203" pitchFamily="34" charset="0"/>
               </a:rPr>
@@ -10750,10 +11314,7 @@
             </a:r>
             <a:endParaRPr lang="fr-FR" dirty="0">
               <a:solidFill>
-                <a:schemeClr val="tx1">
-                  <a:lumMod val="50000"/>
-                  <a:lumOff val="50000"/>
-                </a:schemeClr>
+                <a:srgbClr val="00B0F0"/>
               </a:solidFill>
               <a:latin typeface="Bahnschrift Condensed" panose="020B0502040204020203" pitchFamily="34" charset="0"/>
             </a:endParaRPr>
@@ -10916,7 +11477,7 @@
         </p:nvSpPr>
         <p:spPr>
           <a:xfrm>
-            <a:off x="773842" y="5814388"/>
+            <a:off x="773842" y="5594575"/>
             <a:ext cx="1877723" cy="369332"/>
           </a:xfrm>
           <a:prstGeom prst="rect">
@@ -11685,19 +12246,15 @@
         </p:nvSpPr>
         <p:spPr>
           <a:xfrm>
-            <a:off x="5553792" y="4045473"/>
-            <a:ext cx="859037" cy="307777"/>
+            <a:off x="5564059" y="4013707"/>
+            <a:ext cx="379833" cy="307777"/>
           </a:xfrm>
           <a:prstGeom prst="rect">
             <a:avLst/>
           </a:prstGeom>
-          <a:solidFill>
-            <a:schemeClr val="bg1"/>
-          </a:solidFill>
+          <a:noFill/>
           <a:ln>
-            <a:solidFill>
-              <a:schemeClr val="tx1"/>
-            </a:solidFill>
+            <a:noFill/>
           </a:ln>
         </p:spPr>
         <p:txBody>
@@ -11707,12 +12264,18 @@
           <a:lstStyle/>
           <a:p>
             <a:r>
-              <a:rPr lang="fr-FR" sz="1400" i="1" dirty="0" smtClean="0">
+              <a:rPr lang="fr-FR" sz="1400" dirty="0" smtClean="0">
                 <a:latin typeface="Bahnschrift Condensed" panose="020B0502040204020203" pitchFamily="34" charset="0"/>
               </a:rPr>
-              <a:t>L1 distance</a:t>
+              <a:t>||.||</a:t>
             </a:r>
-            <a:endParaRPr lang="fr-FR" sz="1400" i="1" dirty="0">
+            <a:r>
+              <a:rPr lang="fr-FR" sz="1400" baseline="-25000" dirty="0" smtClean="0">
+                <a:latin typeface="Bahnschrift Condensed" panose="020B0502040204020203" pitchFamily="34" charset="0"/>
+              </a:rPr>
+              <a:t>1</a:t>
+            </a:r>
+            <a:endParaRPr lang="fr-FR" sz="1400" baseline="-25000" dirty="0">
               <a:latin typeface="Bahnschrift Condensed" panose="020B0502040204020203" pitchFamily="34" charset="0"/>
             </a:endParaRPr>
           </a:p>
@@ -11726,7 +12289,7 @@
         </p:nvSpPr>
         <p:spPr>
           <a:xfrm>
-            <a:off x="3526901" y="4211649"/>
+            <a:off x="3526901" y="4174437"/>
             <a:ext cx="2026892" cy="123838"/>
           </a:xfrm>
           <a:prstGeom prst="rect">
@@ -11779,8 +12342,8 @@
         </p:nvSpPr>
         <p:spPr>
           <a:xfrm rot="5400000">
-            <a:off x="3153295" y="3833084"/>
-            <a:ext cx="869174" cy="125451"/>
+            <a:off x="3176204" y="3810175"/>
+            <a:ext cx="831305" cy="133402"/>
           </a:xfrm>
           <a:prstGeom prst="rect">
             <a:avLst/>
@@ -11887,8 +12450,8 @@
         </p:nvSpPr>
         <p:spPr>
           <a:xfrm rot="16200000">
-            <a:off x="10485632" y="1440797"/>
-            <a:ext cx="1753039" cy="111844"/>
+            <a:off x="10739858" y="1186570"/>
+            <a:ext cx="1257295" cy="124553"/>
           </a:xfrm>
           <a:prstGeom prst="rect">
             <a:avLst/>
@@ -11991,7 +12554,7 @@
         </p:nvGrpSpPr>
         <p:grpSpPr>
           <a:xfrm>
-            <a:off x="6118162" y="320244"/>
+            <a:off x="6118162" y="317760"/>
             <a:ext cx="775723" cy="491878"/>
             <a:chOff x="5739400" y="3497672"/>
             <a:chExt cx="775723" cy="491878"/>
@@ -12550,6 +13113,458 @@
             </a:r>
             <a:endParaRPr lang="fr-FR" sz="1400" i="1" dirty="0">
               <a:latin typeface="Bahnschrift Condensed" panose="020B0502040204020203" pitchFamily="34" charset="0"/>
+            </a:endParaRPr>
+          </a:p>
+        </p:txBody>
+      </p:sp>
+      <p:grpSp>
+        <p:nvGrpSpPr>
+          <p:cNvPr id="143" name="Group 226"/>
+          <p:cNvGrpSpPr/>
+          <p:nvPr/>
+        </p:nvGrpSpPr>
+        <p:grpSpPr>
+          <a:xfrm>
+            <a:off x="11188943" y="1840039"/>
+            <a:ext cx="775723" cy="491878"/>
+            <a:chOff x="5739400" y="3497672"/>
+            <a:chExt cx="775723" cy="491878"/>
+          </a:xfrm>
+          <a:noFill/>
+        </p:grpSpPr>
+        <p:sp>
+          <p:nvSpPr>
+            <p:cNvPr id="144" name="Oval 214"/>
+            <p:cNvSpPr/>
+            <p:nvPr/>
+          </p:nvSpPr>
+          <p:spPr>
+            <a:xfrm>
+              <a:off x="5739400" y="3521550"/>
+              <a:ext cx="468000" cy="468000"/>
+            </a:xfrm>
+            <a:prstGeom prst="ellipse">
+              <a:avLst/>
+            </a:prstGeom>
+            <a:grpFill/>
+            <a:ln w="57150">
+              <a:solidFill>
+                <a:schemeClr val="tx2"/>
+              </a:solidFill>
+            </a:ln>
+          </p:spPr>
+          <p:style>
+            <a:lnRef idx="2">
+              <a:schemeClr val="accent1">
+                <a:shade val="50000"/>
+              </a:schemeClr>
+            </a:lnRef>
+            <a:fillRef idx="1">
+              <a:schemeClr val="accent1"/>
+            </a:fillRef>
+            <a:effectRef idx="0">
+              <a:schemeClr val="accent1"/>
+            </a:effectRef>
+            <a:fontRef idx="minor">
+              <a:schemeClr val="lt1"/>
+            </a:fontRef>
+          </p:style>
+          <p:txBody>
+            <a:bodyPr rtlCol="0" anchor="ctr"/>
+            <a:lstStyle/>
+            <a:p>
+              <a:pPr algn="ctr"/>
+              <a:endParaRPr lang="fr-FR" sz="4400" dirty="0">
+                <a:solidFill>
+                  <a:schemeClr val="tx2"/>
+                </a:solidFill>
+              </a:endParaRPr>
+            </a:p>
+          </p:txBody>
+        </p:sp>
+        <p:cxnSp>
+          <p:nvCxnSpPr>
+            <p:cNvPr id="145" name="Straight Connector 217"/>
+            <p:cNvCxnSpPr>
+              <a:stCxn id="144" idx="1"/>
+              <a:endCxn id="144" idx="5"/>
+            </p:cNvCxnSpPr>
+            <p:nvPr/>
+          </p:nvCxnSpPr>
+          <p:spPr>
+            <a:xfrm>
+              <a:off x="5807937" y="3590087"/>
+              <a:ext cx="330926" cy="330926"/>
+            </a:xfrm>
+            <a:prstGeom prst="line">
+              <a:avLst/>
+            </a:prstGeom>
+            <a:grpFill/>
+            <a:ln w="38100">
+              <a:solidFill>
+                <a:schemeClr val="tx2"/>
+              </a:solidFill>
+            </a:ln>
+          </p:spPr>
+          <p:style>
+            <a:lnRef idx="1">
+              <a:schemeClr val="accent1"/>
+            </a:lnRef>
+            <a:fillRef idx="0">
+              <a:schemeClr val="accent1"/>
+            </a:fillRef>
+            <a:effectRef idx="0">
+              <a:schemeClr val="accent1"/>
+            </a:effectRef>
+            <a:fontRef idx="minor">
+              <a:schemeClr val="tx1"/>
+            </a:fontRef>
+          </p:style>
+        </p:cxnSp>
+        <p:cxnSp>
+          <p:nvCxnSpPr>
+            <p:cNvPr id="146" name="Straight Connector 218"/>
+            <p:cNvCxnSpPr>
+              <a:stCxn id="144" idx="7"/>
+              <a:endCxn id="144" idx="3"/>
+            </p:cNvCxnSpPr>
+            <p:nvPr/>
+          </p:nvCxnSpPr>
+          <p:spPr>
+            <a:xfrm flipH="1">
+              <a:off x="5807937" y="3590087"/>
+              <a:ext cx="330926" cy="330926"/>
+            </a:xfrm>
+            <a:prstGeom prst="line">
+              <a:avLst/>
+            </a:prstGeom>
+            <a:grpFill/>
+            <a:ln w="38100">
+              <a:solidFill>
+                <a:schemeClr val="tx2"/>
+              </a:solidFill>
+            </a:ln>
+          </p:spPr>
+          <p:style>
+            <a:lnRef idx="1">
+              <a:schemeClr val="accent1"/>
+            </a:lnRef>
+            <a:fillRef idx="0">
+              <a:schemeClr val="accent1"/>
+            </a:fillRef>
+            <a:effectRef idx="0">
+              <a:schemeClr val="accent1"/>
+            </a:effectRef>
+            <a:fontRef idx="minor">
+              <a:schemeClr val="tx1"/>
+            </a:fontRef>
+          </p:style>
+        </p:cxnSp>
+        <p:sp>
+          <p:nvSpPr>
+            <p:cNvPr id="147" name="TextBox 221"/>
+            <p:cNvSpPr txBox="1"/>
+            <p:nvPr/>
+          </p:nvSpPr>
+          <p:spPr>
+            <a:xfrm>
+              <a:off x="5970521" y="3497672"/>
+              <a:ext cx="544602" cy="461665"/>
+            </a:xfrm>
+            <a:prstGeom prst="rect">
+              <a:avLst/>
+            </a:prstGeom>
+            <a:grpFill/>
+            <a:ln>
+              <a:noFill/>
+            </a:ln>
+          </p:spPr>
+          <p:txBody>
+            <a:bodyPr wrap="square" rtlCol="0">
+              <a:spAutoFit/>
+            </a:bodyPr>
+            <a:lstStyle/>
+            <a:p>
+              <a:r>
+                <a:rPr lang="fr-FR" sz="2400" dirty="0" smtClean="0">
+                  <a:solidFill>
+                    <a:schemeClr val="tx2"/>
+                  </a:solidFill>
+                </a:rPr>
+                <a:t>-</a:t>
+              </a:r>
+              <a:endParaRPr lang="fr-FR" sz="2400" dirty="0">
+                <a:solidFill>
+                  <a:schemeClr val="tx2"/>
+                </a:solidFill>
+              </a:endParaRPr>
+            </a:p>
+          </p:txBody>
+        </p:sp>
+      </p:grpSp>
+      <p:sp>
+        <p:nvSpPr>
+          <p:cNvPr id="148" name="TextBox 221"/>
+          <p:cNvSpPr txBox="1"/>
+          <p:nvPr/>
+        </p:nvSpPr>
+        <p:spPr>
+          <a:xfrm>
+            <a:off x="11144564" y="1928330"/>
+            <a:ext cx="544602" cy="338554"/>
+          </a:xfrm>
+          <a:prstGeom prst="rect">
+            <a:avLst/>
+          </a:prstGeom>
+          <a:noFill/>
+          <a:ln>
+            <a:noFill/>
+          </a:ln>
+        </p:spPr>
+        <p:txBody>
+          <a:bodyPr wrap="square" rtlCol="0">
+            <a:spAutoFit/>
+          </a:bodyPr>
+          <a:lstStyle/>
+          <a:p>
+            <a:r>
+              <a:rPr lang="fr-FR" sz="1600" dirty="0" smtClean="0">
+                <a:solidFill>
+                  <a:schemeClr val="tx2"/>
+                </a:solidFill>
+              </a:rPr>
+              <a:t>+</a:t>
+            </a:r>
+            <a:endParaRPr lang="fr-FR" sz="1600" dirty="0">
+              <a:solidFill>
+                <a:schemeClr val="tx2"/>
+              </a:solidFill>
+            </a:endParaRPr>
+          </a:p>
+        </p:txBody>
+      </p:sp>
+      <p:grpSp>
+        <p:nvGrpSpPr>
+          <p:cNvPr id="154" name="Group 226"/>
+          <p:cNvGrpSpPr/>
+          <p:nvPr/>
+        </p:nvGrpSpPr>
+        <p:grpSpPr>
+          <a:xfrm>
+            <a:off x="5541363" y="3598968"/>
+            <a:ext cx="1488255" cy="1018340"/>
+            <a:chOff x="5739400" y="3456289"/>
+            <a:chExt cx="714476" cy="533261"/>
+          </a:xfrm>
+          <a:noFill/>
+        </p:grpSpPr>
+        <p:sp>
+          <p:nvSpPr>
+            <p:cNvPr id="155" name="Oval 214"/>
+            <p:cNvSpPr/>
+            <p:nvPr/>
+          </p:nvSpPr>
+          <p:spPr>
+            <a:xfrm>
+              <a:off x="5739400" y="3521550"/>
+              <a:ext cx="468000" cy="468000"/>
+            </a:xfrm>
+            <a:prstGeom prst="ellipse">
+              <a:avLst/>
+            </a:prstGeom>
+            <a:grpFill/>
+            <a:ln w="57150">
+              <a:solidFill>
+                <a:schemeClr val="tx2"/>
+              </a:solidFill>
+            </a:ln>
+          </p:spPr>
+          <p:style>
+            <a:lnRef idx="2">
+              <a:schemeClr val="accent1">
+                <a:shade val="50000"/>
+              </a:schemeClr>
+            </a:lnRef>
+            <a:fillRef idx="1">
+              <a:schemeClr val="accent1"/>
+            </a:fillRef>
+            <a:effectRef idx="0">
+              <a:schemeClr val="accent1"/>
+            </a:effectRef>
+            <a:fontRef idx="minor">
+              <a:schemeClr val="lt1"/>
+            </a:fontRef>
+          </p:style>
+          <p:txBody>
+            <a:bodyPr rtlCol="0" anchor="ctr"/>
+            <a:lstStyle/>
+            <a:p>
+              <a:pPr algn="ctr"/>
+              <a:endParaRPr lang="fr-FR" sz="4400" dirty="0">
+                <a:solidFill>
+                  <a:schemeClr val="tx2"/>
+                </a:solidFill>
+              </a:endParaRPr>
+            </a:p>
+          </p:txBody>
+        </p:sp>
+        <p:cxnSp>
+          <p:nvCxnSpPr>
+            <p:cNvPr id="156" name="Straight Connector 217"/>
+            <p:cNvCxnSpPr>
+              <a:stCxn id="155" idx="1"/>
+              <a:endCxn id="155" idx="5"/>
+            </p:cNvCxnSpPr>
+            <p:nvPr/>
+          </p:nvCxnSpPr>
+          <p:spPr>
+            <a:xfrm>
+              <a:off x="5807937" y="3590087"/>
+              <a:ext cx="330926" cy="330926"/>
+            </a:xfrm>
+            <a:prstGeom prst="line">
+              <a:avLst/>
+            </a:prstGeom>
+            <a:grpFill/>
+            <a:ln w="38100">
+              <a:solidFill>
+                <a:schemeClr val="tx2"/>
+              </a:solidFill>
+            </a:ln>
+          </p:spPr>
+          <p:style>
+            <a:lnRef idx="1">
+              <a:schemeClr val="accent1"/>
+            </a:lnRef>
+            <a:fillRef idx="0">
+              <a:schemeClr val="accent1"/>
+            </a:fillRef>
+            <a:effectRef idx="0">
+              <a:schemeClr val="accent1"/>
+            </a:effectRef>
+            <a:fontRef idx="minor">
+              <a:schemeClr val="tx1"/>
+            </a:fontRef>
+          </p:style>
+        </p:cxnSp>
+        <p:cxnSp>
+          <p:nvCxnSpPr>
+            <p:cNvPr id="157" name="Straight Connector 218"/>
+            <p:cNvCxnSpPr>
+              <a:stCxn id="155" idx="7"/>
+              <a:endCxn id="155" idx="3"/>
+            </p:cNvCxnSpPr>
+            <p:nvPr/>
+          </p:nvCxnSpPr>
+          <p:spPr>
+            <a:xfrm flipH="1">
+              <a:off x="5807937" y="3590087"/>
+              <a:ext cx="330926" cy="330926"/>
+            </a:xfrm>
+            <a:prstGeom prst="line">
+              <a:avLst/>
+            </a:prstGeom>
+            <a:grpFill/>
+            <a:ln w="38100">
+              <a:solidFill>
+                <a:schemeClr val="tx2"/>
+              </a:solidFill>
+            </a:ln>
+          </p:spPr>
+          <p:style>
+            <a:lnRef idx="1">
+              <a:schemeClr val="accent1"/>
+            </a:lnRef>
+            <a:fillRef idx="0">
+              <a:schemeClr val="accent1"/>
+            </a:fillRef>
+            <a:effectRef idx="0">
+              <a:schemeClr val="accent1"/>
+            </a:effectRef>
+            <a:fontRef idx="minor">
+              <a:schemeClr val="tx1"/>
+            </a:fontRef>
+          </p:style>
+        </p:cxnSp>
+        <p:sp>
+          <p:nvSpPr>
+            <p:cNvPr id="158" name="TextBox 221"/>
+            <p:cNvSpPr txBox="1"/>
+            <p:nvPr/>
+          </p:nvSpPr>
+          <p:spPr>
+            <a:xfrm>
+              <a:off x="5909274" y="3456289"/>
+              <a:ext cx="544602" cy="461665"/>
+            </a:xfrm>
+            <a:prstGeom prst="rect">
+              <a:avLst/>
+            </a:prstGeom>
+            <a:grpFill/>
+            <a:ln>
+              <a:noFill/>
+            </a:ln>
+          </p:spPr>
+          <p:txBody>
+            <a:bodyPr wrap="square" rtlCol="0">
+              <a:spAutoFit/>
+            </a:bodyPr>
+            <a:lstStyle/>
+            <a:p>
+              <a:r>
+                <a:rPr lang="fr-FR" sz="2400" dirty="0" smtClean="0">
+                  <a:solidFill>
+                    <a:schemeClr val="tx2"/>
+                  </a:solidFill>
+                </a:rPr>
+                <a:t>-</a:t>
+              </a:r>
+              <a:endParaRPr lang="fr-FR" sz="2400" dirty="0">
+                <a:solidFill>
+                  <a:schemeClr val="tx2"/>
+                </a:solidFill>
+              </a:endParaRPr>
+            </a:p>
+          </p:txBody>
+        </p:sp>
+      </p:grpSp>
+      <p:sp>
+        <p:nvSpPr>
+          <p:cNvPr id="160" name="TextBox 221"/>
+          <p:cNvSpPr txBox="1"/>
+          <p:nvPr/>
+        </p:nvSpPr>
+        <p:spPr>
+          <a:xfrm>
+            <a:off x="5877624" y="4276327"/>
+            <a:ext cx="1134407" cy="369332"/>
+          </a:xfrm>
+          <a:prstGeom prst="rect">
+            <a:avLst/>
+          </a:prstGeom>
+          <a:noFill/>
+          <a:ln>
+            <a:noFill/>
+          </a:ln>
+        </p:spPr>
+        <p:txBody>
+          <a:bodyPr wrap="square" rtlCol="0">
+            <a:spAutoFit/>
+          </a:bodyPr>
+          <a:lstStyle/>
+          <a:p>
+            <a:r>
+              <a:rPr lang="fr-FR" dirty="0">
+                <a:solidFill>
+                  <a:schemeClr val="tx2"/>
+                </a:solidFill>
+              </a:rPr>
+              <a:t>+</a:t>
+            </a:r>
+            <a:endParaRPr lang="fr-FR" dirty="0">
+              <a:solidFill>
+                <a:schemeClr val="tx2"/>
+              </a:solidFill>
             </a:endParaRPr>
           </a:p>
         </p:txBody>

--- a/illustrations/gan.pptx
+++ b/illustrations/gan.pptx
@@ -12951,8 +12951,8 @@
         </p:nvSpPr>
         <p:spPr>
           <a:xfrm>
-            <a:off x="4050622" y="4048983"/>
-            <a:ext cx="1350976" cy="307777"/>
+            <a:off x="3521909" y="4012332"/>
+            <a:ext cx="2240481" cy="307777"/>
           </a:xfrm>
           <a:prstGeom prst="rect">
             <a:avLst/>
@@ -12969,9 +12969,45 @@
               <a:rPr lang="fr-FR" sz="1400" i="1" dirty="0" smtClean="0">
                 <a:latin typeface="Bahnschrift Condensed" panose="020B0502040204020203" pitchFamily="34" charset="0"/>
               </a:rPr>
-              <a:t>Content Loss</a:t>
+              <a:t>Content </a:t>
             </a:r>
-            <a:endParaRPr lang="fr-FR" sz="1400" i="1" dirty="0">
+            <a:r>
+              <a:rPr lang="fr-FR" sz="1400" i="1" dirty="0" err="1" smtClean="0">
+                <a:latin typeface="Bahnschrift Condensed" panose="020B0502040204020203" pitchFamily="34" charset="0"/>
+              </a:rPr>
+              <a:t>Loss</a:t>
+            </a:r>
+            <a:r>
+              <a:rPr lang="fr-FR" sz="1400" i="1" dirty="0" smtClean="0">
+                <a:latin typeface="Bahnschrift Condensed" panose="020B0502040204020203" pitchFamily="34" charset="0"/>
+              </a:rPr>
+              <a:t> = </a:t>
+            </a:r>
+            <a:r>
+              <a:rPr lang="fr-FR" sz="1400" dirty="0" smtClean="0">
+                <a:latin typeface="Bahnschrift Condensed" panose="020B0502040204020203" pitchFamily="34" charset="0"/>
+              </a:rPr>
+              <a:t>|| HD – </a:t>
+            </a:r>
+            <a:r>
+              <a:rPr lang="fr-FR" sz="1400" dirty="0" err="1" smtClean="0">
+                <a:latin typeface="Bahnschrift Condensed" panose="020B0502040204020203" pitchFamily="34" charset="0"/>
+              </a:rPr>
+              <a:t>Upscaled</a:t>
+            </a:r>
+            <a:r>
+              <a:rPr lang="fr-FR" sz="1400" dirty="0" smtClean="0">
+                <a:latin typeface="Bahnschrift Condensed" panose="020B0502040204020203" pitchFamily="34" charset="0"/>
+              </a:rPr>
+              <a:t>||</a:t>
+            </a:r>
+            <a:r>
+              <a:rPr lang="fr-FR" sz="1400" baseline="-25000" dirty="0" smtClean="0">
+                <a:latin typeface="Bahnschrift Condensed" panose="020B0502040204020203" pitchFamily="34" charset="0"/>
+              </a:rPr>
+              <a:t>1</a:t>
+            </a:r>
+            <a:endParaRPr lang="fr-FR" sz="1400" baseline="-25000" dirty="0">
               <a:latin typeface="Bahnschrift Condensed" panose="020B0502040204020203" pitchFamily="34" charset="0"/>
             </a:endParaRPr>
           </a:p>
@@ -13125,10 +13161,10 @@
         </p:nvGrpSpPr>
         <p:grpSpPr>
           <a:xfrm>
-            <a:off x="11188943" y="1840039"/>
-            <a:ext cx="775723" cy="491878"/>
-            <a:chOff x="5739400" y="3497672"/>
-            <a:chExt cx="775723" cy="491878"/>
+            <a:off x="11158481" y="1839967"/>
+            <a:ext cx="544602" cy="491950"/>
+            <a:chOff x="5708938" y="3497600"/>
+            <a:chExt cx="544602" cy="491950"/>
           </a:xfrm>
           <a:noFill/>
         </p:grpSpPr>
@@ -13268,7 +13304,7 @@
           </p:nvSpPr>
           <p:spPr>
             <a:xfrm>
-              <a:off x="5970521" y="3497672"/>
+              <a:off x="5708938" y="3497600"/>
               <a:ext cx="544602" cy="461665"/>
             </a:xfrm>
             <a:prstGeom prst="rect">
@@ -13310,7 +13346,7 @@
         </p:nvSpPr>
         <p:spPr>
           <a:xfrm>
-            <a:off x="11144564" y="1928330"/>
+            <a:off x="11422207" y="1909250"/>
             <a:ext cx="544602" cy="338554"/>
           </a:xfrm>
           <a:prstGeom prst="rect">

--- a/illustrations/gan.pptx
+++ b/illustrations/gan.pptx
@@ -5,11 +5,12 @@
     <p:sldMasterId id="2147483648" r:id="rId1"/>
   </p:sldMasterIdLst>
   <p:notesMasterIdLst>
-    <p:notesMasterId r:id="rId4"/>
+    <p:notesMasterId r:id="rId5"/>
   </p:notesMasterIdLst>
   <p:sldIdLst>
     <p:sldId id="256" r:id="rId2"/>
-    <p:sldId id="257" r:id="rId3"/>
+    <p:sldId id="258" r:id="rId3"/>
+    <p:sldId id="257" r:id="rId4"/>
   </p:sldIdLst>
   <p:sldSz cx="12192000" cy="6858000"/>
   <p:notesSz cx="6858000" cy="9144000"/>
@@ -532,6 +533,90 @@
             <a:fld id="{FE11ED0F-5992-4269-BEC5-7D073F4D50D7}" type="slidenum">
               <a:rPr lang="fr-FR" smtClean="0"/>
               <a:t>2</a:t>
+            </a:fld>
+            <a:endParaRPr lang="fr-FR" dirty="0"/>
+          </a:p>
+        </p:txBody>
+      </p:sp>
+    </p:spTree>
+    <p:extLst>
+      <p:ext uri="{BB962C8B-B14F-4D97-AF65-F5344CB8AC3E}">
+        <p14:creationId xmlns:p14="http://schemas.microsoft.com/office/powerpoint/2010/main" val="2412824698"/>
+      </p:ext>
+    </p:extLst>
+  </p:cSld>
+  <p:clrMapOvr>
+    <a:masterClrMapping/>
+  </p:clrMapOvr>
+</p:notes>
+</file>
+
+<file path=ppt/notesSlides/notesSlide2.xml><?xml version="1.0" encoding="utf-8"?>
+<p:notes xmlns:a="http://schemas.openxmlformats.org/drawingml/2006/main" xmlns:r="http://schemas.openxmlformats.org/officeDocument/2006/relationships" xmlns:p="http://schemas.openxmlformats.org/presentationml/2006/main">
+  <p:cSld>
+    <p:spTree>
+      <p:nvGrpSpPr>
+        <p:cNvPr id="1" name=""/>
+        <p:cNvGrpSpPr/>
+        <p:nvPr/>
+      </p:nvGrpSpPr>
+      <p:grpSpPr>
+        <a:xfrm>
+          <a:off x="0" y="0"/>
+          <a:ext cx="0" cy="0"/>
+          <a:chOff x="0" y="0"/>
+          <a:chExt cx="0" cy="0"/>
+        </a:xfrm>
+      </p:grpSpPr>
+      <p:sp>
+        <p:nvSpPr>
+          <p:cNvPr id="2" name="Espace réservé de l'image des diapositives 1"/>
+          <p:cNvSpPr>
+            <a:spLocks noGrp="1" noRot="1" noChangeAspect="1"/>
+          </p:cNvSpPr>
+          <p:nvPr>
+            <p:ph type="sldImg"/>
+          </p:nvPr>
+        </p:nvSpPr>
+        <p:spPr/>
+      </p:sp>
+      <p:sp>
+        <p:nvSpPr>
+          <p:cNvPr id="3" name="Espace réservé des notes 2"/>
+          <p:cNvSpPr>
+            <a:spLocks noGrp="1"/>
+          </p:cNvSpPr>
+          <p:nvPr>
+            <p:ph type="body" idx="1"/>
+          </p:nvPr>
+        </p:nvSpPr>
+        <p:spPr/>
+        <p:txBody>
+          <a:bodyPr/>
+          <a:lstStyle/>
+          <a:p>
+            <a:endParaRPr lang="fr-FR" dirty="0"/>
+          </a:p>
+        </p:txBody>
+      </p:sp>
+      <p:sp>
+        <p:nvSpPr>
+          <p:cNvPr id="4" name="Espace réservé du numéro de diapositive 3"/>
+          <p:cNvSpPr>
+            <a:spLocks noGrp="1"/>
+          </p:cNvSpPr>
+          <p:nvPr>
+            <p:ph type="sldNum" sz="quarter" idx="10"/>
+          </p:nvPr>
+        </p:nvSpPr>
+        <p:spPr/>
+        <p:txBody>
+          <a:bodyPr/>
+          <a:lstStyle/>
+          <a:p>
+            <a:fld id="{FE11ED0F-5992-4269-BEC5-7D073F4D50D7}" type="slidenum">
+              <a:rPr lang="fr-FR" smtClean="0"/>
+              <a:t>3</a:t>
             </a:fld>
             <a:endParaRPr lang="fr-FR" dirty="0"/>
           </a:p>
@@ -7552,581 +7637,14 @@
       </p:grpSpPr>
       <p:sp>
         <p:nvSpPr>
-          <p:cNvPr id="162" name="Secteurs 161"/>
-          <p:cNvSpPr/>
-          <p:nvPr/>
-        </p:nvSpPr>
-        <p:spPr>
-          <a:xfrm rot="3011206">
-            <a:off x="5561570" y="3718321"/>
-            <a:ext cx="978068" cy="938910"/>
-          </a:xfrm>
-          <a:prstGeom prst="pie">
-            <a:avLst>
-              <a:gd name="adj1" fmla="val 7836709"/>
-              <a:gd name="adj2" fmla="val 10407450"/>
-            </a:avLst>
-          </a:prstGeom>
-          <a:solidFill>
-            <a:srgbClr val="00B0F0"/>
-          </a:solidFill>
-          <a:ln>
-            <a:noFill/>
-          </a:ln>
-        </p:spPr>
-        <p:style>
-          <a:lnRef idx="2">
-            <a:schemeClr val="accent1">
-              <a:shade val="50000"/>
-            </a:schemeClr>
-          </a:lnRef>
-          <a:fillRef idx="1">
-            <a:schemeClr val="accent1"/>
-          </a:fillRef>
-          <a:effectRef idx="0">
-            <a:schemeClr val="accent1"/>
-          </a:effectRef>
-          <a:fontRef idx="minor">
-            <a:schemeClr val="lt1"/>
-          </a:fontRef>
-        </p:style>
-        <p:txBody>
-          <a:bodyPr rtlCol="0" anchor="ctr"/>
-          <a:lstStyle/>
-          <a:p>
-            <a:pPr algn="ctr"/>
-            <a:endParaRPr lang="fr-FR">
-              <a:solidFill>
-                <a:schemeClr val="tx1"/>
-              </a:solidFill>
-            </a:endParaRPr>
-          </a:p>
-        </p:txBody>
-      </p:sp>
-      <p:sp>
-        <p:nvSpPr>
-          <p:cNvPr id="163" name="Secteurs 162"/>
-          <p:cNvSpPr/>
-          <p:nvPr/>
-        </p:nvSpPr>
-        <p:spPr>
-          <a:xfrm rot="18588794" flipV="1">
-            <a:off x="5559307" y="3692231"/>
-            <a:ext cx="978068" cy="938910"/>
-          </a:xfrm>
-          <a:prstGeom prst="pie">
-            <a:avLst>
-              <a:gd name="adj1" fmla="val 7836709"/>
-              <a:gd name="adj2" fmla="val 10407450"/>
-            </a:avLst>
-          </a:prstGeom>
-          <a:solidFill>
-            <a:schemeClr val="bg2">
-              <a:lumMod val="75000"/>
-            </a:schemeClr>
-          </a:solidFill>
-          <a:ln>
-            <a:noFill/>
-          </a:ln>
-        </p:spPr>
-        <p:style>
-          <a:lnRef idx="2">
-            <a:schemeClr val="accent1">
-              <a:shade val="50000"/>
-            </a:schemeClr>
-          </a:lnRef>
-          <a:fillRef idx="1">
-            <a:schemeClr val="accent1"/>
-          </a:fillRef>
-          <a:effectRef idx="0">
-            <a:schemeClr val="accent1"/>
-          </a:effectRef>
-          <a:fontRef idx="minor">
-            <a:schemeClr val="lt1"/>
-          </a:fontRef>
-        </p:style>
-        <p:txBody>
-          <a:bodyPr rtlCol="0" anchor="ctr"/>
-          <a:lstStyle/>
-          <a:p>
-            <a:pPr algn="ctr"/>
-            <a:endParaRPr lang="fr-FR">
-              <a:solidFill>
-                <a:schemeClr val="tx1"/>
-              </a:solidFill>
-            </a:endParaRPr>
-          </a:p>
-        </p:txBody>
-      </p:sp>
-      <p:sp>
-        <p:nvSpPr>
-          <p:cNvPr id="159" name="Secteurs 158"/>
-          <p:cNvSpPr/>
-          <p:nvPr/>
-        </p:nvSpPr>
-        <p:spPr>
-          <a:xfrm rot="18588794" flipV="1">
-            <a:off x="5543261" y="3685031"/>
-            <a:ext cx="978068" cy="938910"/>
-          </a:xfrm>
-          <a:prstGeom prst="pie">
-            <a:avLst>
-              <a:gd name="adj1" fmla="val 10393588"/>
-              <a:gd name="adj2" fmla="val 16001807"/>
-            </a:avLst>
-          </a:prstGeom>
-          <a:solidFill>
-            <a:schemeClr val="bg2">
-              <a:lumMod val="75000"/>
-            </a:schemeClr>
-          </a:solidFill>
-          <a:ln>
-            <a:noFill/>
-          </a:ln>
-        </p:spPr>
-        <p:style>
-          <a:lnRef idx="2">
-            <a:schemeClr val="accent1">
-              <a:shade val="50000"/>
-            </a:schemeClr>
-          </a:lnRef>
-          <a:fillRef idx="1">
-            <a:schemeClr val="accent1"/>
-          </a:fillRef>
-          <a:effectRef idx="0">
-            <a:schemeClr val="accent1"/>
-          </a:effectRef>
-          <a:fontRef idx="minor">
-            <a:schemeClr val="lt1"/>
-          </a:fontRef>
-        </p:style>
-        <p:txBody>
-          <a:bodyPr rtlCol="0" anchor="ctr"/>
-          <a:lstStyle/>
-          <a:p>
-            <a:pPr algn="ctr"/>
-            <a:endParaRPr lang="fr-FR">
-              <a:solidFill>
-                <a:schemeClr val="tx1"/>
-              </a:solidFill>
-            </a:endParaRPr>
-          </a:p>
-        </p:txBody>
-      </p:sp>
-      <p:sp>
-        <p:nvSpPr>
-          <p:cNvPr id="9" name="Secteurs 8"/>
-          <p:cNvSpPr/>
-          <p:nvPr/>
-        </p:nvSpPr>
-        <p:spPr>
-          <a:xfrm rot="3011206">
-            <a:off x="5540998" y="3719978"/>
-            <a:ext cx="978068" cy="938910"/>
-          </a:xfrm>
-          <a:prstGeom prst="pie">
-            <a:avLst>
-              <a:gd name="adj1" fmla="val 10393588"/>
-              <a:gd name="adj2" fmla="val 16001807"/>
-            </a:avLst>
-          </a:prstGeom>
-          <a:solidFill>
-            <a:srgbClr val="00B0F0"/>
-          </a:solidFill>
-          <a:ln>
-            <a:noFill/>
-          </a:ln>
-        </p:spPr>
-        <p:style>
-          <a:lnRef idx="2">
-            <a:schemeClr val="accent1">
-              <a:shade val="50000"/>
-            </a:schemeClr>
-          </a:lnRef>
-          <a:fillRef idx="1">
-            <a:schemeClr val="accent1"/>
-          </a:fillRef>
-          <a:effectRef idx="0">
-            <a:schemeClr val="accent1"/>
-          </a:effectRef>
-          <a:fontRef idx="minor">
-            <a:schemeClr val="lt1"/>
-          </a:fontRef>
-        </p:style>
-        <p:txBody>
-          <a:bodyPr rtlCol="0" anchor="ctr"/>
-          <a:lstStyle/>
-          <a:p>
-            <a:pPr algn="ctr"/>
-            <a:endParaRPr lang="fr-FR">
-              <a:solidFill>
-                <a:schemeClr val="tx1"/>
-              </a:solidFill>
-            </a:endParaRPr>
-          </a:p>
-        </p:txBody>
-      </p:sp>
-      <p:sp>
-        <p:nvSpPr>
-          <p:cNvPr id="8" name="Ellipse 7"/>
-          <p:cNvSpPr/>
-          <p:nvPr/>
-        </p:nvSpPr>
-        <p:spPr>
-          <a:xfrm>
-            <a:off x="6116667" y="339371"/>
-            <a:ext cx="494215" cy="481348"/>
-          </a:xfrm>
-          <a:prstGeom prst="ellipse">
-            <a:avLst/>
-          </a:prstGeom>
-          <a:pattFill prst="dkDnDiag">
-            <a:fgClr>
-              <a:srgbClr val="00B0F0"/>
-            </a:fgClr>
-            <a:bgClr>
-              <a:schemeClr val="bg1"/>
-            </a:bgClr>
-          </a:pattFill>
-          <a:ln>
-            <a:noFill/>
-          </a:ln>
-        </p:spPr>
-        <p:style>
-          <a:lnRef idx="2">
-            <a:schemeClr val="accent1">
-              <a:shade val="50000"/>
-            </a:schemeClr>
-          </a:lnRef>
-          <a:fillRef idx="1">
-            <a:schemeClr val="accent1"/>
-          </a:fillRef>
-          <a:effectRef idx="0">
-            <a:schemeClr val="accent1"/>
-          </a:effectRef>
-          <a:fontRef idx="minor">
-            <a:schemeClr val="lt1"/>
-          </a:fontRef>
-        </p:style>
-        <p:txBody>
-          <a:bodyPr rtlCol="0" anchor="ctr"/>
-          <a:lstStyle/>
-          <a:p>
-            <a:pPr algn="ctr"/>
-            <a:endParaRPr lang="fr-FR"/>
-          </a:p>
-        </p:txBody>
-      </p:sp>
-      <p:sp>
-        <p:nvSpPr>
-          <p:cNvPr id="152" name="Triangle isocèle 151"/>
-          <p:cNvSpPr/>
-          <p:nvPr/>
-        </p:nvSpPr>
-        <p:spPr>
-          <a:xfrm rot="10800000" flipV="1">
-            <a:off x="11417915" y="2043137"/>
-            <a:ext cx="177437" cy="258495"/>
-          </a:xfrm>
-          <a:prstGeom prst="triangle">
-            <a:avLst>
-              <a:gd name="adj" fmla="val 100000"/>
-            </a:avLst>
-          </a:prstGeom>
-          <a:solidFill>
-            <a:srgbClr val="00B0F0"/>
-          </a:solidFill>
-          <a:ln>
-            <a:noFill/>
-          </a:ln>
-        </p:spPr>
-        <p:style>
-          <a:lnRef idx="2">
-            <a:schemeClr val="accent1">
-              <a:shade val="50000"/>
-            </a:schemeClr>
-          </a:lnRef>
-          <a:fillRef idx="1">
-            <a:schemeClr val="accent1"/>
-          </a:fillRef>
-          <a:effectRef idx="0">
-            <a:schemeClr val="accent1"/>
-          </a:effectRef>
-          <a:fontRef idx="minor">
-            <a:schemeClr val="lt1"/>
-          </a:fontRef>
-        </p:style>
-        <p:txBody>
-          <a:bodyPr rtlCol="0" anchor="ctr"/>
-          <a:lstStyle/>
-          <a:p>
-            <a:pPr algn="ctr"/>
-            <a:endParaRPr lang="fr-FR" dirty="0"/>
-          </a:p>
-        </p:txBody>
-      </p:sp>
-      <p:sp>
-        <p:nvSpPr>
-          <p:cNvPr id="153" name="Triangle isocèle 152"/>
-          <p:cNvSpPr/>
-          <p:nvPr/>
-        </p:nvSpPr>
-        <p:spPr>
-          <a:xfrm rot="10800000" flipH="1" flipV="1">
-            <a:off x="11265010" y="2054016"/>
-            <a:ext cx="155319" cy="247616"/>
-          </a:xfrm>
-          <a:prstGeom prst="triangle">
-            <a:avLst>
-              <a:gd name="adj" fmla="val 100000"/>
-            </a:avLst>
-          </a:prstGeom>
-          <a:solidFill>
-            <a:schemeClr val="bg2">
-              <a:lumMod val="75000"/>
-            </a:schemeClr>
-          </a:solidFill>
-          <a:ln>
-            <a:noFill/>
-          </a:ln>
-        </p:spPr>
-        <p:style>
-          <a:lnRef idx="2">
-            <a:schemeClr val="accent1">
-              <a:shade val="50000"/>
-            </a:schemeClr>
-          </a:lnRef>
-          <a:fillRef idx="1">
-            <a:schemeClr val="accent1"/>
-          </a:fillRef>
-          <a:effectRef idx="0">
-            <a:schemeClr val="accent1"/>
-          </a:effectRef>
-          <a:fontRef idx="minor">
-            <a:schemeClr val="lt1"/>
-          </a:fontRef>
-        </p:style>
-        <p:txBody>
-          <a:bodyPr rtlCol="0" anchor="ctr"/>
-          <a:lstStyle/>
-          <a:p>
-            <a:pPr algn="ctr"/>
-            <a:endParaRPr lang="fr-FR" dirty="0"/>
-          </a:p>
-        </p:txBody>
-      </p:sp>
-      <p:sp>
-        <p:nvSpPr>
-          <p:cNvPr id="151" name="Triangle isocèle 150"/>
-          <p:cNvSpPr/>
-          <p:nvPr/>
-        </p:nvSpPr>
-        <p:spPr>
-          <a:xfrm rot="10800000">
-            <a:off x="11410366" y="1893582"/>
-            <a:ext cx="184987" cy="209917"/>
-          </a:xfrm>
-          <a:prstGeom prst="triangle">
-            <a:avLst>
-              <a:gd name="adj" fmla="val 100000"/>
-            </a:avLst>
-          </a:prstGeom>
-          <a:pattFill prst="dkDnDiag">
-            <a:fgClr>
-              <a:srgbClr val="00B0F0"/>
-            </a:fgClr>
-            <a:bgClr>
-              <a:schemeClr val="bg1"/>
-            </a:bgClr>
-          </a:pattFill>
-          <a:ln>
-            <a:noFill/>
-          </a:ln>
-        </p:spPr>
-        <p:style>
-          <a:lnRef idx="2">
-            <a:schemeClr val="accent1">
-              <a:shade val="50000"/>
-            </a:schemeClr>
-          </a:lnRef>
-          <a:fillRef idx="1">
-            <a:schemeClr val="accent1"/>
-          </a:fillRef>
-          <a:effectRef idx="0">
-            <a:schemeClr val="accent1"/>
-          </a:effectRef>
-          <a:fontRef idx="minor">
-            <a:schemeClr val="lt1"/>
-          </a:fontRef>
-        </p:style>
-        <p:txBody>
-          <a:bodyPr rtlCol="0" anchor="ctr"/>
-          <a:lstStyle/>
-          <a:p>
-            <a:pPr algn="ctr"/>
-            <a:endParaRPr lang="fr-FR" dirty="0"/>
-          </a:p>
-        </p:txBody>
-      </p:sp>
-      <p:sp>
-        <p:nvSpPr>
-          <p:cNvPr id="150" name="Triangle isocèle 149"/>
-          <p:cNvSpPr/>
-          <p:nvPr/>
-        </p:nvSpPr>
-        <p:spPr>
-          <a:xfrm rot="10800000" flipH="1">
-            <a:off x="11234532" y="1894520"/>
-            <a:ext cx="184987" cy="209917"/>
-          </a:xfrm>
-          <a:prstGeom prst="triangle">
-            <a:avLst>
-              <a:gd name="adj" fmla="val 100000"/>
-            </a:avLst>
-          </a:prstGeom>
-          <a:pattFill prst="dkDnDiag">
-            <a:fgClr>
-              <a:schemeClr val="bg2">
-                <a:lumMod val="75000"/>
-              </a:schemeClr>
-            </a:fgClr>
-            <a:bgClr>
-              <a:schemeClr val="bg1"/>
-            </a:bgClr>
-          </a:pattFill>
-          <a:ln>
-            <a:noFill/>
-          </a:ln>
-        </p:spPr>
-        <p:style>
-          <a:lnRef idx="2">
-            <a:schemeClr val="accent1">
-              <a:shade val="50000"/>
-            </a:schemeClr>
-          </a:lnRef>
-          <a:fillRef idx="1">
-            <a:schemeClr val="accent1"/>
-          </a:fillRef>
-          <a:effectRef idx="0">
-            <a:schemeClr val="accent1"/>
-          </a:effectRef>
-          <a:fontRef idx="minor">
-            <a:schemeClr val="lt1"/>
-          </a:fontRef>
-        </p:style>
-        <p:txBody>
-          <a:bodyPr rtlCol="0" anchor="ctr"/>
-          <a:lstStyle/>
-          <a:p>
-            <a:pPr algn="ctr"/>
-            <a:endParaRPr lang="fr-FR" dirty="0"/>
-          </a:p>
-        </p:txBody>
-      </p:sp>
-      <p:sp>
-        <p:nvSpPr>
-          <p:cNvPr id="7" name="Triangle isocèle 6"/>
-          <p:cNvSpPr/>
-          <p:nvPr/>
-        </p:nvSpPr>
-        <p:spPr>
-          <a:xfrm rot="16200000">
-            <a:off x="11348661" y="1981269"/>
-            <a:ext cx="332293" cy="231925"/>
-          </a:xfrm>
-          <a:prstGeom prst="triangle">
-            <a:avLst/>
-          </a:prstGeom>
-          <a:solidFill>
-            <a:srgbClr val="00B0F0"/>
-          </a:solidFill>
-          <a:ln>
-            <a:noFill/>
-          </a:ln>
-        </p:spPr>
-        <p:style>
-          <a:lnRef idx="2">
-            <a:schemeClr val="accent1">
-              <a:shade val="50000"/>
-            </a:schemeClr>
-          </a:lnRef>
-          <a:fillRef idx="1">
-            <a:schemeClr val="accent1"/>
-          </a:fillRef>
-          <a:effectRef idx="0">
-            <a:schemeClr val="accent1"/>
-          </a:effectRef>
-          <a:fontRef idx="minor">
-            <a:schemeClr val="lt1"/>
-          </a:fontRef>
-        </p:style>
-        <p:txBody>
-          <a:bodyPr rtlCol="0" anchor="ctr"/>
-          <a:lstStyle/>
-          <a:p>
-            <a:pPr algn="ctr"/>
-            <a:endParaRPr lang="fr-FR"/>
-          </a:p>
-        </p:txBody>
-      </p:sp>
-      <p:sp>
-        <p:nvSpPr>
-          <p:cNvPr id="5" name="Triangle isocèle 4"/>
-          <p:cNvSpPr/>
-          <p:nvPr/>
-        </p:nvSpPr>
-        <p:spPr>
-          <a:xfrm rot="5400000">
-            <a:off x="11166485" y="1977929"/>
-            <a:ext cx="332291" cy="238608"/>
-          </a:xfrm>
-          <a:prstGeom prst="triangle">
-            <a:avLst/>
-          </a:prstGeom>
-          <a:solidFill>
-            <a:schemeClr val="bg2">
-              <a:lumMod val="75000"/>
-            </a:schemeClr>
-          </a:solidFill>
-          <a:ln>
-            <a:noFill/>
-          </a:ln>
-        </p:spPr>
-        <p:style>
-          <a:lnRef idx="2">
-            <a:schemeClr val="accent1">
-              <a:shade val="50000"/>
-            </a:schemeClr>
-          </a:lnRef>
-          <a:fillRef idx="1">
-            <a:schemeClr val="accent1"/>
-          </a:fillRef>
-          <a:effectRef idx="0">
-            <a:schemeClr val="accent1"/>
-          </a:effectRef>
-          <a:fontRef idx="minor">
-            <a:schemeClr val="lt1"/>
-          </a:fontRef>
-        </p:style>
-        <p:txBody>
-          <a:bodyPr rtlCol="0" anchor="ctr"/>
-          <a:lstStyle/>
-          <a:p>
-            <a:pPr algn="ctr"/>
-            <a:endParaRPr lang="fr-FR"/>
-          </a:p>
-        </p:txBody>
-      </p:sp>
-      <p:sp>
-        <p:nvSpPr>
           <p:cNvPr id="254" name="Rectangle 253"/>
           <p:cNvSpPr/>
           <p:nvPr/>
         </p:nvSpPr>
         <p:spPr>
           <a:xfrm rot="5400000" flipV="1">
-            <a:off x="10713848" y="1073166"/>
-            <a:ext cx="1417426" cy="225285"/>
+            <a:off x="10457157" y="1329855"/>
+            <a:ext cx="1921518" cy="215999"/>
           </a:xfrm>
           <a:prstGeom prst="rect">
             <a:avLst/>
@@ -8222,8 +7740,8 @@
         </p:nvSpPr>
         <p:spPr>
           <a:xfrm>
-            <a:off x="3526900" y="4076526"/>
-            <a:ext cx="2033694" cy="216000"/>
+            <a:off x="3526900" y="4113738"/>
+            <a:ext cx="2411798" cy="216000"/>
           </a:xfrm>
           <a:prstGeom prst="rect">
             <a:avLst/>
@@ -8324,8 +7842,8 @@
         </p:nvSpPr>
         <p:spPr>
           <a:xfrm rot="5400000">
-            <a:off x="5578925" y="3474690"/>
-            <a:ext cx="918952" cy="466863"/>
+            <a:off x="5639987" y="3413627"/>
+            <a:ext cx="796828" cy="466863"/>
           </a:xfrm>
           <a:prstGeom prst="rightArrow">
             <a:avLst>
@@ -11288,7 +10806,7 @@
         </p:nvSpPr>
         <p:spPr>
           <a:xfrm>
-            <a:off x="674307" y="1809723"/>
+            <a:off x="773842" y="1821997"/>
             <a:ext cx="1877723" cy="369332"/>
           </a:xfrm>
           <a:prstGeom prst="rect">
@@ -11306,7 +10824,10 @@
             <a:r>
               <a:rPr lang="fr-FR" dirty="0" smtClean="0">
                 <a:solidFill>
-                  <a:srgbClr val="00B0F0"/>
+                  <a:schemeClr val="tx1">
+                    <a:lumMod val="50000"/>
+                    <a:lumOff val="50000"/>
+                  </a:schemeClr>
                 </a:solidFill>
                 <a:latin typeface="Bahnschrift Condensed" panose="020B0502040204020203" pitchFamily="34" charset="0"/>
               </a:rPr>
@@ -11314,7 +10835,10 @@
             </a:r>
             <a:endParaRPr lang="fr-FR" dirty="0">
               <a:solidFill>
-                <a:srgbClr val="00B0F0"/>
+                <a:schemeClr val="tx1">
+                  <a:lumMod val="50000"/>
+                  <a:lumOff val="50000"/>
+                </a:schemeClr>
               </a:solidFill>
               <a:latin typeface="Bahnschrift Condensed" panose="020B0502040204020203" pitchFamily="34" charset="0"/>
             </a:endParaRPr>
@@ -11477,7 +11001,7 @@
         </p:nvSpPr>
         <p:spPr>
           <a:xfrm>
-            <a:off x="773842" y="5594575"/>
+            <a:off x="773842" y="5814388"/>
             <a:ext cx="1877723" cy="369332"/>
           </a:xfrm>
           <a:prstGeom prst="rect">
@@ -12246,15 +11770,19 @@
         </p:nvSpPr>
         <p:spPr>
           <a:xfrm>
-            <a:off x="5564059" y="4013707"/>
-            <a:ext cx="379833" cy="307777"/>
+            <a:off x="5553792" y="4045473"/>
+            <a:ext cx="859037" cy="307777"/>
           </a:xfrm>
           <a:prstGeom prst="rect">
             <a:avLst/>
           </a:prstGeom>
-          <a:noFill/>
+          <a:solidFill>
+            <a:schemeClr val="bg1"/>
+          </a:solidFill>
           <a:ln>
-            <a:noFill/>
+            <a:solidFill>
+              <a:schemeClr val="tx1"/>
+            </a:solidFill>
           </a:ln>
         </p:spPr>
         <p:txBody>
@@ -12264,18 +11792,12 @@
           <a:lstStyle/>
           <a:p>
             <a:r>
-              <a:rPr lang="fr-FR" sz="1400" dirty="0" smtClean="0">
+              <a:rPr lang="fr-FR" sz="1400" i="1" dirty="0" smtClean="0">
                 <a:latin typeface="Bahnschrift Condensed" panose="020B0502040204020203" pitchFamily="34" charset="0"/>
               </a:rPr>
-              <a:t>||.||</a:t>
+              <a:t>L1 distance</a:t>
             </a:r>
-            <a:r>
-              <a:rPr lang="fr-FR" sz="1400" baseline="-25000" dirty="0" smtClean="0">
-                <a:latin typeface="Bahnschrift Condensed" panose="020B0502040204020203" pitchFamily="34" charset="0"/>
-              </a:rPr>
-              <a:t>1</a:t>
-            </a:r>
-            <a:endParaRPr lang="fr-FR" sz="1400" baseline="-25000" dirty="0">
+            <a:endParaRPr lang="fr-FR" sz="1400" i="1" dirty="0">
               <a:latin typeface="Bahnschrift Condensed" panose="020B0502040204020203" pitchFamily="34" charset="0"/>
             </a:endParaRPr>
           </a:p>
@@ -12289,7 +11811,7 @@
         </p:nvSpPr>
         <p:spPr>
           <a:xfrm>
-            <a:off x="3526901" y="4174437"/>
+            <a:off x="3526901" y="4211649"/>
             <a:ext cx="2026892" cy="123838"/>
           </a:xfrm>
           <a:prstGeom prst="rect">
@@ -12342,8 +11864,8 @@
         </p:nvSpPr>
         <p:spPr>
           <a:xfrm rot="5400000">
-            <a:off x="3176204" y="3810175"/>
-            <a:ext cx="831305" cy="133402"/>
+            <a:off x="3153295" y="3833084"/>
+            <a:ext cx="869174" cy="125451"/>
           </a:xfrm>
           <a:prstGeom prst="rect">
             <a:avLst/>
@@ -12450,8 +11972,8 @@
         </p:nvSpPr>
         <p:spPr>
           <a:xfrm rot="16200000">
-            <a:off x="10739858" y="1186570"/>
-            <a:ext cx="1257295" cy="124553"/>
+            <a:off x="10485632" y="1440797"/>
+            <a:ext cx="1753039" cy="111844"/>
           </a:xfrm>
           <a:prstGeom prst="rect">
             <a:avLst/>
@@ -12554,7 +12076,7 @@
         </p:nvGrpSpPr>
         <p:grpSpPr>
           <a:xfrm>
-            <a:off x="6118162" y="317760"/>
+            <a:off x="6118162" y="320244"/>
             <a:ext cx="775723" cy="491878"/>
             <a:chOff x="5739400" y="3497672"/>
             <a:chExt cx="775723" cy="491878"/>
@@ -12951,8 +12473,8 @@
         </p:nvSpPr>
         <p:spPr>
           <a:xfrm>
-            <a:off x="3521909" y="4012332"/>
-            <a:ext cx="2240481" cy="307777"/>
+            <a:off x="4050622" y="4048983"/>
+            <a:ext cx="1350976" cy="307777"/>
           </a:xfrm>
           <a:prstGeom prst="rect">
             <a:avLst/>
@@ -12969,45 +12491,9 @@
               <a:rPr lang="fr-FR" sz="1400" i="1" dirty="0" smtClean="0">
                 <a:latin typeface="Bahnschrift Condensed" panose="020B0502040204020203" pitchFamily="34" charset="0"/>
               </a:rPr>
-              <a:t>Content </a:t>
+              <a:t>Content Loss</a:t>
             </a:r>
-            <a:r>
-              <a:rPr lang="fr-FR" sz="1400" i="1" dirty="0" err="1" smtClean="0">
-                <a:latin typeface="Bahnschrift Condensed" panose="020B0502040204020203" pitchFamily="34" charset="0"/>
-              </a:rPr>
-              <a:t>Loss</a:t>
-            </a:r>
-            <a:r>
-              <a:rPr lang="fr-FR" sz="1400" i="1" dirty="0" smtClean="0">
-                <a:latin typeface="Bahnschrift Condensed" panose="020B0502040204020203" pitchFamily="34" charset="0"/>
-              </a:rPr>
-              <a:t> = </a:t>
-            </a:r>
-            <a:r>
-              <a:rPr lang="fr-FR" sz="1400" dirty="0" smtClean="0">
-                <a:latin typeface="Bahnschrift Condensed" panose="020B0502040204020203" pitchFamily="34" charset="0"/>
-              </a:rPr>
-              <a:t>|| HD – </a:t>
-            </a:r>
-            <a:r>
-              <a:rPr lang="fr-FR" sz="1400" dirty="0" err="1" smtClean="0">
-                <a:latin typeface="Bahnschrift Condensed" panose="020B0502040204020203" pitchFamily="34" charset="0"/>
-              </a:rPr>
-              <a:t>Upscaled</a:t>
-            </a:r>
-            <a:r>
-              <a:rPr lang="fr-FR" sz="1400" dirty="0" smtClean="0">
-                <a:latin typeface="Bahnschrift Condensed" panose="020B0502040204020203" pitchFamily="34" charset="0"/>
-              </a:rPr>
-              <a:t>||</a:t>
-            </a:r>
-            <a:r>
-              <a:rPr lang="fr-FR" sz="1400" baseline="-25000" dirty="0" smtClean="0">
-                <a:latin typeface="Bahnschrift Condensed" panose="020B0502040204020203" pitchFamily="34" charset="0"/>
-              </a:rPr>
-              <a:t>1</a:t>
-            </a:r>
-            <a:endParaRPr lang="fr-FR" sz="1400" baseline="-25000" dirty="0">
+            <a:endParaRPr lang="fr-FR" sz="1400" i="1" dirty="0">
               <a:latin typeface="Bahnschrift Condensed" panose="020B0502040204020203" pitchFamily="34" charset="0"/>
             </a:endParaRPr>
           </a:p>
@@ -13153,24 +12639,3270 @@
           </a:p>
         </p:txBody>
       </p:sp>
+    </p:spTree>
+    <p:extLst>
+      <p:ext uri="{BB962C8B-B14F-4D97-AF65-F5344CB8AC3E}">
+        <p14:creationId xmlns:p14="http://schemas.microsoft.com/office/powerpoint/2010/main" val="1792207229"/>
+      </p:ext>
+    </p:extLst>
+  </p:cSld>
+  <p:clrMapOvr>
+    <a:masterClrMapping/>
+  </p:clrMapOvr>
+  <p:timing>
+    <p:tnLst>
+      <p:par>
+        <p:cTn id="1" dur="indefinite" restart="never" nodeType="tmRoot"/>
+      </p:par>
+    </p:tnLst>
+  </p:timing>
+</p:sld>
+</file>
+
+<file path=ppt/slides/slide3.xml><?xml version="1.0" encoding="utf-8"?>
+<p:sld xmlns:a="http://schemas.openxmlformats.org/drawingml/2006/main" xmlns:r="http://schemas.openxmlformats.org/officeDocument/2006/relationships" xmlns:p="http://schemas.openxmlformats.org/presentationml/2006/main">
+  <p:cSld>
+    <p:spTree>
+      <p:nvGrpSpPr>
+        <p:cNvPr id="1" name=""/>
+        <p:cNvGrpSpPr/>
+        <p:nvPr/>
+      </p:nvGrpSpPr>
+      <p:grpSpPr>
+        <a:xfrm>
+          <a:off x="0" y="0"/>
+          <a:ext cx="0" cy="0"/>
+          <a:chOff x="0" y="0"/>
+          <a:chExt cx="0" cy="0"/>
+        </a:xfrm>
+      </p:grpSpPr>
+      <p:cxnSp>
+        <p:nvCxnSpPr>
+          <p:cNvPr id="208" name="Connecteur droit 207"/>
+          <p:cNvCxnSpPr/>
+          <p:nvPr/>
+        </p:nvCxnSpPr>
+        <p:spPr>
+          <a:xfrm>
+            <a:off x="8956636" y="1052875"/>
+            <a:ext cx="0" cy="684000"/>
+          </a:xfrm>
+          <a:prstGeom prst="line">
+            <a:avLst/>
+          </a:prstGeom>
+          <a:ln w="19050">
+            <a:solidFill>
+              <a:schemeClr val="bg1"/>
+            </a:solidFill>
+          </a:ln>
+        </p:spPr>
+        <p:style>
+          <a:lnRef idx="1">
+            <a:schemeClr val="accent1"/>
+          </a:lnRef>
+          <a:fillRef idx="0">
+            <a:schemeClr val="accent1"/>
+          </a:fillRef>
+          <a:effectRef idx="0">
+            <a:schemeClr val="accent1"/>
+          </a:effectRef>
+          <a:fontRef idx="minor">
+            <a:schemeClr val="tx1"/>
+          </a:fontRef>
+        </p:style>
+      </p:cxnSp>
+      <p:sp>
+        <p:nvSpPr>
+          <p:cNvPr id="115" name="Rectangle 114"/>
+          <p:cNvSpPr/>
+          <p:nvPr/>
+        </p:nvSpPr>
+        <p:spPr>
+          <a:xfrm>
+            <a:off x="9785796" y="2680499"/>
+            <a:ext cx="1116000" cy="157579"/>
+          </a:xfrm>
+          <a:prstGeom prst="rect">
+            <a:avLst/>
+          </a:prstGeom>
+          <a:solidFill>
+            <a:srgbClr val="C00000"/>
+          </a:solidFill>
+          <a:ln>
+            <a:noFill/>
+          </a:ln>
+        </p:spPr>
+        <p:style>
+          <a:lnRef idx="2">
+            <a:schemeClr val="accent1">
+              <a:shade val="50000"/>
+            </a:schemeClr>
+          </a:lnRef>
+          <a:fillRef idx="1">
+            <a:schemeClr val="accent1"/>
+          </a:fillRef>
+          <a:effectRef idx="0">
+            <a:schemeClr val="accent1"/>
+          </a:effectRef>
+          <a:fontRef idx="minor">
+            <a:schemeClr val="lt1"/>
+          </a:fontRef>
+        </p:style>
+        <p:txBody>
+          <a:bodyPr rtlCol="0" anchor="ctr"/>
+          <a:lstStyle/>
+          <a:p>
+            <a:pPr algn="ctr"/>
+            <a:endParaRPr lang="fr-FR" dirty="0"/>
+          </a:p>
+        </p:txBody>
+      </p:sp>
+      <p:sp>
+        <p:nvSpPr>
+          <p:cNvPr id="116" name="Rectangle 115"/>
+          <p:cNvSpPr/>
+          <p:nvPr/>
+        </p:nvSpPr>
+        <p:spPr>
+          <a:xfrm>
+            <a:off x="9789070" y="2523753"/>
+            <a:ext cx="1116000" cy="156562"/>
+          </a:xfrm>
+          <a:prstGeom prst="rect">
+            <a:avLst/>
+          </a:prstGeom>
+          <a:solidFill>
+            <a:schemeClr val="bg2">
+              <a:lumMod val="10000"/>
+            </a:schemeClr>
+          </a:solidFill>
+          <a:ln>
+            <a:noFill/>
+          </a:ln>
+        </p:spPr>
+        <p:style>
+          <a:lnRef idx="2">
+            <a:schemeClr val="accent1">
+              <a:shade val="50000"/>
+            </a:schemeClr>
+          </a:lnRef>
+          <a:fillRef idx="1">
+            <a:schemeClr val="accent1"/>
+          </a:fillRef>
+          <a:effectRef idx="0">
+            <a:schemeClr val="accent1"/>
+          </a:effectRef>
+          <a:fontRef idx="minor">
+            <a:schemeClr val="lt1"/>
+          </a:fontRef>
+        </p:style>
+        <p:txBody>
+          <a:bodyPr rtlCol="0" anchor="ctr"/>
+          <a:lstStyle/>
+          <a:p>
+            <a:pPr algn="ctr"/>
+            <a:endParaRPr lang="fr-FR" dirty="0"/>
+          </a:p>
+        </p:txBody>
+      </p:sp>
+      <p:sp>
+        <p:nvSpPr>
+          <p:cNvPr id="218" name="Rectangle 217"/>
+          <p:cNvSpPr/>
+          <p:nvPr/>
+        </p:nvSpPr>
+        <p:spPr>
+          <a:xfrm rot="16200000">
+            <a:off x="5643921" y="4604021"/>
+            <a:ext cx="792000" cy="250414"/>
+          </a:xfrm>
+          <a:prstGeom prst="rect">
+            <a:avLst/>
+          </a:prstGeom>
+          <a:solidFill>
+            <a:schemeClr val="bg2">
+              <a:lumMod val="75000"/>
+            </a:schemeClr>
+          </a:solidFill>
+          <a:ln>
+            <a:noFill/>
+          </a:ln>
+        </p:spPr>
+        <p:style>
+          <a:lnRef idx="2">
+            <a:schemeClr val="accent1">
+              <a:shade val="50000"/>
+            </a:schemeClr>
+          </a:lnRef>
+          <a:fillRef idx="1">
+            <a:schemeClr val="accent1"/>
+          </a:fillRef>
+          <a:effectRef idx="0">
+            <a:schemeClr val="accent1"/>
+          </a:effectRef>
+          <a:fontRef idx="minor">
+            <a:schemeClr val="lt1"/>
+          </a:fontRef>
+        </p:style>
+        <p:txBody>
+          <a:bodyPr rtlCol="0" anchor="ctr"/>
+          <a:lstStyle/>
+          <a:p>
+            <a:pPr algn="ctr"/>
+            <a:endParaRPr lang="fr-FR" dirty="0"/>
+          </a:p>
+        </p:txBody>
+      </p:sp>
+      <p:sp>
+        <p:nvSpPr>
+          <p:cNvPr id="159" name="Secteurs 158"/>
+          <p:cNvSpPr/>
+          <p:nvPr/>
+        </p:nvSpPr>
+        <p:spPr>
+          <a:xfrm rot="18588794" flipV="1">
+            <a:off x="5820463" y="3959715"/>
+            <a:ext cx="444457" cy="434721"/>
+          </a:xfrm>
+          <a:prstGeom prst="pie">
+            <a:avLst>
+              <a:gd name="adj1" fmla="val 10393588"/>
+              <a:gd name="adj2" fmla="val 16001807"/>
+            </a:avLst>
+          </a:prstGeom>
+          <a:solidFill>
+            <a:schemeClr val="bg2">
+              <a:lumMod val="75000"/>
+            </a:schemeClr>
+          </a:solidFill>
+          <a:ln>
+            <a:noFill/>
+          </a:ln>
+        </p:spPr>
+        <p:style>
+          <a:lnRef idx="2">
+            <a:schemeClr val="accent1">
+              <a:shade val="50000"/>
+            </a:schemeClr>
+          </a:lnRef>
+          <a:fillRef idx="1">
+            <a:schemeClr val="accent1"/>
+          </a:fillRef>
+          <a:effectRef idx="0">
+            <a:schemeClr val="accent1"/>
+          </a:effectRef>
+          <a:fontRef idx="minor">
+            <a:schemeClr val="lt1"/>
+          </a:fontRef>
+        </p:style>
+        <p:txBody>
+          <a:bodyPr rtlCol="0" anchor="ctr"/>
+          <a:lstStyle/>
+          <a:p>
+            <a:pPr algn="ctr"/>
+            <a:endParaRPr lang="fr-FR">
+              <a:solidFill>
+                <a:schemeClr val="tx1"/>
+              </a:solidFill>
+            </a:endParaRPr>
+          </a:p>
+        </p:txBody>
+      </p:sp>
+      <p:sp>
+        <p:nvSpPr>
+          <p:cNvPr id="160" name="TextBox 221"/>
+          <p:cNvSpPr txBox="1"/>
+          <p:nvPr/>
+        </p:nvSpPr>
+        <p:spPr>
+          <a:xfrm>
+            <a:off x="5885907" y="4104337"/>
+            <a:ext cx="1134407" cy="369332"/>
+          </a:xfrm>
+          <a:prstGeom prst="rect">
+            <a:avLst/>
+          </a:prstGeom>
+          <a:noFill/>
+          <a:ln>
+            <a:noFill/>
+          </a:ln>
+        </p:spPr>
+        <p:txBody>
+          <a:bodyPr wrap="square" rtlCol="0">
+            <a:spAutoFit/>
+          </a:bodyPr>
+          <a:lstStyle/>
+          <a:p>
+            <a:r>
+              <a:rPr lang="fr-FR" dirty="0">
+                <a:solidFill>
+                  <a:schemeClr val="tx2"/>
+                </a:solidFill>
+              </a:rPr>
+              <a:t>+</a:t>
+            </a:r>
+          </a:p>
+        </p:txBody>
+      </p:sp>
+      <p:sp>
+        <p:nvSpPr>
+          <p:cNvPr id="217" name="Right Arrow 238"/>
+          <p:cNvSpPr/>
+          <p:nvPr/>
+        </p:nvSpPr>
+        <p:spPr>
+          <a:xfrm rot="16200000">
+            <a:off x="5473272" y="3218132"/>
+            <a:ext cx="1130042" cy="466863"/>
+          </a:xfrm>
+          <a:prstGeom prst="rightArrow">
+            <a:avLst/>
+          </a:prstGeom>
+          <a:solidFill>
+            <a:srgbClr val="00FF00"/>
+          </a:solidFill>
+          <a:ln>
+            <a:noFill/>
+          </a:ln>
+        </p:spPr>
+        <p:style>
+          <a:lnRef idx="2">
+            <a:schemeClr val="accent1">
+              <a:shade val="50000"/>
+            </a:schemeClr>
+          </a:lnRef>
+          <a:fillRef idx="1">
+            <a:schemeClr val="accent1"/>
+          </a:fillRef>
+          <a:effectRef idx="0">
+            <a:schemeClr val="accent1"/>
+          </a:effectRef>
+          <a:fontRef idx="minor">
+            <a:schemeClr val="lt1"/>
+          </a:fontRef>
+        </p:style>
+        <p:txBody>
+          <a:bodyPr rtlCol="0" anchor="ctr"/>
+          <a:lstStyle/>
+          <a:p>
+            <a:pPr algn="ctr"/>
+            <a:endParaRPr lang="fr-FR" dirty="0"/>
+          </a:p>
+        </p:txBody>
+      </p:sp>
+      <p:cxnSp>
+        <p:nvCxnSpPr>
+          <p:cNvPr id="19" name="Connecteur droit 18"/>
+          <p:cNvCxnSpPr/>
+          <p:nvPr/>
+        </p:nvCxnSpPr>
+        <p:spPr>
+          <a:xfrm>
+            <a:off x="9771754" y="2509885"/>
+            <a:ext cx="1152000" cy="2138"/>
+          </a:xfrm>
+          <a:prstGeom prst="line">
+            <a:avLst/>
+          </a:prstGeom>
+          <a:ln w="19050">
+            <a:solidFill>
+              <a:schemeClr val="bg1"/>
+            </a:solidFill>
+          </a:ln>
+        </p:spPr>
+        <p:style>
+          <a:lnRef idx="1">
+            <a:schemeClr val="accent1"/>
+          </a:lnRef>
+          <a:fillRef idx="0">
+            <a:schemeClr val="accent1"/>
+          </a:fillRef>
+          <a:effectRef idx="0">
+            <a:schemeClr val="accent1"/>
+          </a:effectRef>
+          <a:fontRef idx="minor">
+            <a:schemeClr val="tx1"/>
+          </a:fontRef>
+        </p:style>
+      </p:cxnSp>
+      <p:cxnSp>
+        <p:nvCxnSpPr>
+          <p:cNvPr id="210" name="Connecteur droit 209"/>
+          <p:cNvCxnSpPr/>
+          <p:nvPr/>
+        </p:nvCxnSpPr>
+        <p:spPr>
+          <a:xfrm>
+            <a:off x="10982603" y="1043972"/>
+            <a:ext cx="0" cy="1404000"/>
+          </a:xfrm>
+          <a:prstGeom prst="line">
+            <a:avLst/>
+          </a:prstGeom>
+          <a:ln w="19050">
+            <a:solidFill>
+              <a:schemeClr val="bg1"/>
+            </a:solidFill>
+          </a:ln>
+        </p:spPr>
+        <p:style>
+          <a:lnRef idx="1">
+            <a:schemeClr val="accent1"/>
+          </a:lnRef>
+          <a:fillRef idx="0">
+            <a:schemeClr val="accent1"/>
+          </a:fillRef>
+          <a:effectRef idx="0">
+            <a:schemeClr val="accent1"/>
+          </a:effectRef>
+          <a:fontRef idx="minor">
+            <a:schemeClr val="tx1"/>
+          </a:fontRef>
+        </p:style>
+      </p:cxnSp>
+      <p:cxnSp>
+        <p:nvCxnSpPr>
+          <p:cNvPr id="212" name="Connecteur droit 211"/>
+          <p:cNvCxnSpPr/>
+          <p:nvPr/>
+        </p:nvCxnSpPr>
+        <p:spPr>
+          <a:xfrm flipV="1">
+            <a:off x="8853086" y="1729631"/>
+            <a:ext cx="244213" cy="244341"/>
+          </a:xfrm>
+          <a:prstGeom prst="line">
+            <a:avLst/>
+          </a:prstGeom>
+          <a:ln w="19050">
+            <a:solidFill>
+              <a:schemeClr val="bg1"/>
+            </a:solidFill>
+          </a:ln>
+        </p:spPr>
+        <p:style>
+          <a:lnRef idx="1">
+            <a:schemeClr val="accent1"/>
+          </a:lnRef>
+          <a:fillRef idx="0">
+            <a:schemeClr val="accent1"/>
+          </a:fillRef>
+          <a:effectRef idx="0">
+            <a:schemeClr val="accent1"/>
+          </a:effectRef>
+          <a:fontRef idx="minor">
+            <a:schemeClr val="tx1"/>
+          </a:fontRef>
+        </p:style>
+      </p:cxnSp>
+      <p:sp>
+        <p:nvSpPr>
+          <p:cNvPr id="113" name="Rectangle 112"/>
+          <p:cNvSpPr/>
+          <p:nvPr/>
+        </p:nvSpPr>
+        <p:spPr>
+          <a:xfrm rot="16200000">
+            <a:off x="5975724" y="3782425"/>
+            <a:ext cx="2484000" cy="250414"/>
+          </a:xfrm>
+          <a:prstGeom prst="rect">
+            <a:avLst/>
+          </a:prstGeom>
+          <a:solidFill>
+            <a:schemeClr val="bg2">
+              <a:lumMod val="75000"/>
+            </a:schemeClr>
+          </a:solidFill>
+          <a:ln>
+            <a:noFill/>
+          </a:ln>
+        </p:spPr>
+        <p:style>
+          <a:lnRef idx="2">
+            <a:schemeClr val="accent1">
+              <a:shade val="50000"/>
+            </a:schemeClr>
+          </a:lnRef>
+          <a:fillRef idx="1">
+            <a:schemeClr val="accent1"/>
+          </a:fillRef>
+          <a:effectRef idx="0">
+            <a:schemeClr val="accent1"/>
+          </a:effectRef>
+          <a:fontRef idx="minor">
+            <a:schemeClr val="lt1"/>
+          </a:fontRef>
+        </p:style>
+        <p:txBody>
+          <a:bodyPr rtlCol="0" anchor="ctr"/>
+          <a:lstStyle/>
+          <a:p>
+            <a:pPr algn="ctr"/>
+            <a:endParaRPr lang="fr-FR" dirty="0"/>
+          </a:p>
+        </p:txBody>
+      </p:sp>
+      <p:sp>
+        <p:nvSpPr>
+          <p:cNvPr id="114" name="Rectangle 113"/>
+          <p:cNvSpPr/>
+          <p:nvPr/>
+        </p:nvSpPr>
+        <p:spPr>
+          <a:xfrm>
+            <a:off x="7095207" y="2723230"/>
+            <a:ext cx="773927" cy="250414"/>
+          </a:xfrm>
+          <a:prstGeom prst="rect">
+            <a:avLst/>
+          </a:prstGeom>
+          <a:solidFill>
+            <a:schemeClr val="bg2">
+              <a:lumMod val="75000"/>
+            </a:schemeClr>
+          </a:solidFill>
+          <a:ln>
+            <a:noFill/>
+          </a:ln>
+        </p:spPr>
+        <p:style>
+          <a:lnRef idx="2">
+            <a:schemeClr val="accent1">
+              <a:shade val="50000"/>
+            </a:schemeClr>
+          </a:lnRef>
+          <a:fillRef idx="1">
+            <a:schemeClr val="accent1"/>
+          </a:fillRef>
+          <a:effectRef idx="0">
+            <a:schemeClr val="accent1"/>
+          </a:effectRef>
+          <a:fontRef idx="minor">
+            <a:schemeClr val="lt1"/>
+          </a:fontRef>
+        </p:style>
+        <p:txBody>
+          <a:bodyPr rtlCol="0" anchor="ctr"/>
+          <a:lstStyle/>
+          <a:p>
+            <a:pPr algn="ctr"/>
+            <a:endParaRPr lang="fr-FR" dirty="0"/>
+          </a:p>
+        </p:txBody>
+      </p:sp>
+      <p:sp>
+        <p:nvSpPr>
+          <p:cNvPr id="204" name="Triangle isocèle 203"/>
+          <p:cNvSpPr/>
+          <p:nvPr/>
+        </p:nvSpPr>
+        <p:spPr>
+          <a:xfrm rot="5400000">
+            <a:off x="6099476" y="976781"/>
+            <a:ext cx="338554" cy="215999"/>
+          </a:xfrm>
+          <a:prstGeom prst="triangle">
+            <a:avLst/>
+          </a:prstGeom>
+          <a:solidFill>
+            <a:srgbClr val="C00000"/>
+          </a:solidFill>
+          <a:ln>
+            <a:noFill/>
+          </a:ln>
+        </p:spPr>
+        <p:style>
+          <a:lnRef idx="2">
+            <a:schemeClr val="accent1">
+              <a:shade val="50000"/>
+            </a:schemeClr>
+          </a:lnRef>
+          <a:fillRef idx="1">
+            <a:schemeClr val="accent1"/>
+          </a:fillRef>
+          <a:effectRef idx="0">
+            <a:schemeClr val="accent1"/>
+          </a:effectRef>
+          <a:fontRef idx="minor">
+            <a:schemeClr val="lt1"/>
+          </a:fontRef>
+        </p:style>
+        <p:txBody>
+          <a:bodyPr rtlCol="0" anchor="ctr"/>
+          <a:lstStyle/>
+          <a:p>
+            <a:pPr algn="ctr"/>
+            <a:endParaRPr lang="fr-FR"/>
+          </a:p>
+        </p:txBody>
+      </p:sp>
+      <p:sp>
+        <p:nvSpPr>
+          <p:cNvPr id="205" name="Triangle isocèle 204"/>
+          <p:cNvSpPr/>
+          <p:nvPr/>
+        </p:nvSpPr>
+        <p:spPr>
+          <a:xfrm rot="5400000">
+            <a:off x="6112288" y="991633"/>
+            <a:ext cx="226913" cy="199167"/>
+          </a:xfrm>
+          <a:prstGeom prst="triangle">
+            <a:avLst/>
+          </a:prstGeom>
+          <a:solidFill>
+            <a:srgbClr val="C00000"/>
+          </a:solidFill>
+          <a:ln>
+            <a:noFill/>
+          </a:ln>
+        </p:spPr>
+        <p:style>
+          <a:lnRef idx="2">
+            <a:schemeClr val="accent1">
+              <a:shade val="50000"/>
+            </a:schemeClr>
+          </a:lnRef>
+          <a:fillRef idx="1">
+            <a:schemeClr val="accent1"/>
+          </a:fillRef>
+          <a:effectRef idx="0">
+            <a:schemeClr val="accent1"/>
+          </a:effectRef>
+          <a:fontRef idx="minor">
+            <a:schemeClr val="lt1"/>
+          </a:fontRef>
+        </p:style>
+        <p:txBody>
+          <a:bodyPr rtlCol="0" anchor="ctr"/>
+          <a:lstStyle/>
+          <a:p>
+            <a:pPr algn="ctr"/>
+            <a:endParaRPr lang="fr-FR"/>
+          </a:p>
+        </p:txBody>
+      </p:sp>
+      <p:sp>
+        <p:nvSpPr>
+          <p:cNvPr id="165" name="Triangle isocèle 164"/>
+          <p:cNvSpPr/>
+          <p:nvPr/>
+        </p:nvSpPr>
+        <p:spPr>
+          <a:xfrm rot="16200000">
+            <a:off x="6270831" y="972960"/>
+            <a:ext cx="338554" cy="215999"/>
+          </a:xfrm>
+          <a:prstGeom prst="triangle">
+            <a:avLst/>
+          </a:prstGeom>
+          <a:solidFill>
+            <a:srgbClr val="C00000"/>
+          </a:solidFill>
+          <a:ln>
+            <a:noFill/>
+          </a:ln>
+        </p:spPr>
+        <p:style>
+          <a:lnRef idx="2">
+            <a:schemeClr val="accent1">
+              <a:shade val="50000"/>
+            </a:schemeClr>
+          </a:lnRef>
+          <a:fillRef idx="1">
+            <a:schemeClr val="accent1"/>
+          </a:fillRef>
+          <a:effectRef idx="0">
+            <a:schemeClr val="accent1"/>
+          </a:effectRef>
+          <a:fontRef idx="minor">
+            <a:schemeClr val="lt1"/>
+          </a:fontRef>
+        </p:style>
+        <p:txBody>
+          <a:bodyPr rtlCol="0" anchor="ctr"/>
+          <a:lstStyle/>
+          <a:p>
+            <a:pPr algn="ctr"/>
+            <a:endParaRPr lang="fr-FR"/>
+          </a:p>
+        </p:txBody>
+      </p:sp>
+      <p:sp>
+        <p:nvSpPr>
+          <p:cNvPr id="203" name="Triangle isocèle 202"/>
+          <p:cNvSpPr/>
+          <p:nvPr/>
+        </p:nvSpPr>
+        <p:spPr>
+          <a:xfrm rot="16200000">
+            <a:off x="6364656" y="978245"/>
+            <a:ext cx="226913" cy="199167"/>
+          </a:xfrm>
+          <a:prstGeom prst="triangle">
+            <a:avLst/>
+          </a:prstGeom>
+          <a:solidFill>
+            <a:srgbClr val="C00000"/>
+          </a:solidFill>
+          <a:ln>
+            <a:noFill/>
+          </a:ln>
+        </p:spPr>
+        <p:style>
+          <a:lnRef idx="2">
+            <a:schemeClr val="accent1">
+              <a:shade val="50000"/>
+            </a:schemeClr>
+          </a:lnRef>
+          <a:fillRef idx="1">
+            <a:schemeClr val="accent1"/>
+          </a:fillRef>
+          <a:effectRef idx="0">
+            <a:schemeClr val="accent1"/>
+          </a:effectRef>
+          <a:fontRef idx="minor">
+            <a:schemeClr val="lt1"/>
+          </a:fontRef>
+        </p:style>
+        <p:txBody>
+          <a:bodyPr rtlCol="0" anchor="ctr"/>
+          <a:lstStyle/>
+          <a:p>
+            <a:pPr algn="ctr"/>
+            <a:endParaRPr lang="fr-FR"/>
+          </a:p>
+        </p:txBody>
+      </p:sp>
+      <p:sp>
+        <p:nvSpPr>
+          <p:cNvPr id="5" name="Triangle isocèle 4"/>
+          <p:cNvSpPr/>
+          <p:nvPr/>
+        </p:nvSpPr>
+        <p:spPr>
+          <a:xfrm rot="5400000">
+            <a:off x="10854455" y="2550113"/>
+            <a:ext cx="332291" cy="238608"/>
+          </a:xfrm>
+          <a:prstGeom prst="triangle">
+            <a:avLst/>
+          </a:prstGeom>
+          <a:solidFill>
+            <a:schemeClr val="bg2">
+              <a:lumMod val="10000"/>
+            </a:schemeClr>
+          </a:solidFill>
+          <a:ln>
+            <a:noFill/>
+          </a:ln>
+        </p:spPr>
+        <p:style>
+          <a:lnRef idx="2">
+            <a:schemeClr val="accent1">
+              <a:shade val="50000"/>
+            </a:schemeClr>
+          </a:lnRef>
+          <a:fillRef idx="1">
+            <a:schemeClr val="accent1"/>
+          </a:fillRef>
+          <a:effectRef idx="0">
+            <a:schemeClr val="accent1"/>
+          </a:effectRef>
+          <a:fontRef idx="minor">
+            <a:schemeClr val="lt1"/>
+          </a:fontRef>
+        </p:style>
+        <p:txBody>
+          <a:bodyPr rtlCol="0" anchor="ctr"/>
+          <a:lstStyle/>
+          <a:p>
+            <a:pPr algn="ctr"/>
+            <a:endParaRPr lang="fr-FR"/>
+          </a:p>
+        </p:txBody>
+      </p:sp>
+      <p:sp>
+        <p:nvSpPr>
+          <p:cNvPr id="161" name="Triangle isocèle 160"/>
+          <p:cNvSpPr/>
+          <p:nvPr/>
+        </p:nvSpPr>
+        <p:spPr>
+          <a:xfrm rot="5400000">
+            <a:off x="10860602" y="2606789"/>
+            <a:ext cx="169529" cy="121130"/>
+          </a:xfrm>
+          <a:prstGeom prst="triangle">
+            <a:avLst/>
+          </a:prstGeom>
+          <a:solidFill>
+            <a:schemeClr val="bg2">
+              <a:lumMod val="10000"/>
+            </a:schemeClr>
+          </a:solidFill>
+          <a:ln>
+            <a:noFill/>
+          </a:ln>
+        </p:spPr>
+        <p:style>
+          <a:lnRef idx="2">
+            <a:schemeClr val="accent1">
+              <a:shade val="50000"/>
+            </a:schemeClr>
+          </a:lnRef>
+          <a:fillRef idx="1">
+            <a:schemeClr val="accent1"/>
+          </a:fillRef>
+          <a:effectRef idx="0">
+            <a:schemeClr val="accent1"/>
+          </a:effectRef>
+          <a:fontRef idx="minor">
+            <a:schemeClr val="lt1"/>
+          </a:fontRef>
+        </p:style>
+        <p:txBody>
+          <a:bodyPr rtlCol="0" anchor="ctr"/>
+          <a:lstStyle/>
+          <a:p>
+            <a:pPr algn="ctr"/>
+            <a:endParaRPr lang="fr-FR"/>
+          </a:p>
+        </p:txBody>
+      </p:sp>
+      <p:sp>
+        <p:nvSpPr>
+          <p:cNvPr id="7" name="Triangle isocèle 6"/>
+          <p:cNvSpPr/>
+          <p:nvPr/>
+        </p:nvSpPr>
+        <p:spPr>
+          <a:xfrm rot="16200000">
+            <a:off x="11020042" y="2564548"/>
+            <a:ext cx="338554" cy="215999"/>
+          </a:xfrm>
+          <a:prstGeom prst="triangle">
+            <a:avLst/>
+          </a:prstGeom>
+          <a:solidFill>
+            <a:srgbClr val="C00000"/>
+          </a:solidFill>
+          <a:ln>
+            <a:noFill/>
+          </a:ln>
+        </p:spPr>
+        <p:style>
+          <a:lnRef idx="2">
+            <a:schemeClr val="accent1">
+              <a:shade val="50000"/>
+            </a:schemeClr>
+          </a:lnRef>
+          <a:fillRef idx="1">
+            <a:schemeClr val="accent1"/>
+          </a:fillRef>
+          <a:effectRef idx="0">
+            <a:schemeClr val="accent1"/>
+          </a:effectRef>
+          <a:fontRef idx="minor">
+            <a:schemeClr val="lt1"/>
+          </a:fontRef>
+        </p:style>
+        <p:txBody>
+          <a:bodyPr rtlCol="0" anchor="ctr"/>
+          <a:lstStyle/>
+          <a:p>
+            <a:pPr algn="ctr"/>
+            <a:endParaRPr lang="fr-FR"/>
+          </a:p>
+        </p:txBody>
+      </p:sp>
+      <p:sp>
+        <p:nvSpPr>
+          <p:cNvPr id="164" name="Triangle isocèle 163"/>
+          <p:cNvSpPr/>
+          <p:nvPr/>
+        </p:nvSpPr>
+        <p:spPr>
+          <a:xfrm rot="16200000">
+            <a:off x="11113867" y="2569833"/>
+            <a:ext cx="226913" cy="199167"/>
+          </a:xfrm>
+          <a:prstGeom prst="triangle">
+            <a:avLst/>
+          </a:prstGeom>
+          <a:solidFill>
+            <a:srgbClr val="C00000"/>
+          </a:solidFill>
+          <a:ln>
+            <a:noFill/>
+          </a:ln>
+        </p:spPr>
+        <p:style>
+          <a:lnRef idx="2">
+            <a:schemeClr val="accent1">
+              <a:shade val="50000"/>
+            </a:schemeClr>
+          </a:lnRef>
+          <a:fillRef idx="1">
+            <a:schemeClr val="accent1"/>
+          </a:fillRef>
+          <a:effectRef idx="0">
+            <a:schemeClr val="accent1"/>
+          </a:effectRef>
+          <a:fontRef idx="minor">
+            <a:schemeClr val="lt1"/>
+          </a:fontRef>
+        </p:style>
+        <p:txBody>
+          <a:bodyPr rtlCol="0" anchor="ctr"/>
+          <a:lstStyle/>
+          <a:p>
+            <a:pPr algn="ctr"/>
+            <a:endParaRPr lang="fr-FR"/>
+          </a:p>
+        </p:txBody>
+      </p:sp>
+      <p:sp>
+        <p:nvSpPr>
+          <p:cNvPr id="9" name="Secteurs 8"/>
+          <p:cNvSpPr/>
+          <p:nvPr/>
+        </p:nvSpPr>
+        <p:spPr>
+          <a:xfrm rot="3011206">
+            <a:off x="5819813" y="3947256"/>
+            <a:ext cx="435626" cy="409581"/>
+          </a:xfrm>
+          <a:prstGeom prst="pie">
+            <a:avLst>
+              <a:gd name="adj1" fmla="val 10393588"/>
+              <a:gd name="adj2" fmla="val 15788203"/>
+            </a:avLst>
+          </a:prstGeom>
+          <a:solidFill>
+            <a:srgbClr val="00FF00"/>
+          </a:solidFill>
+          <a:ln>
+            <a:noFill/>
+          </a:ln>
+        </p:spPr>
+        <p:style>
+          <a:lnRef idx="2">
+            <a:schemeClr val="accent1">
+              <a:shade val="50000"/>
+            </a:schemeClr>
+          </a:lnRef>
+          <a:fillRef idx="1">
+            <a:schemeClr val="accent1"/>
+          </a:fillRef>
+          <a:effectRef idx="0">
+            <a:schemeClr val="accent1"/>
+          </a:effectRef>
+          <a:fontRef idx="minor">
+            <a:schemeClr val="lt1"/>
+          </a:fontRef>
+        </p:style>
+        <p:txBody>
+          <a:bodyPr rtlCol="0" anchor="ctr"/>
+          <a:lstStyle/>
+          <a:p>
+            <a:pPr algn="ctr"/>
+            <a:endParaRPr lang="fr-FR">
+              <a:solidFill>
+                <a:schemeClr val="tx1"/>
+              </a:solidFill>
+            </a:endParaRPr>
+          </a:p>
+        </p:txBody>
+      </p:sp>
+      <p:sp>
+        <p:nvSpPr>
+          <p:cNvPr id="254" name="Rectangle 253"/>
+          <p:cNvSpPr/>
+          <p:nvPr/>
+        </p:nvSpPr>
+        <p:spPr>
+          <a:xfrm rot="5400000" flipV="1">
+            <a:off x="10397761" y="1594056"/>
+            <a:ext cx="1440000" cy="225285"/>
+          </a:xfrm>
+          <a:prstGeom prst="rect">
+            <a:avLst/>
+          </a:prstGeom>
+          <a:solidFill>
+            <a:srgbClr val="C00000"/>
+          </a:solidFill>
+          <a:ln>
+            <a:noFill/>
+          </a:ln>
+        </p:spPr>
+        <p:style>
+          <a:lnRef idx="2">
+            <a:schemeClr val="accent1">
+              <a:shade val="50000"/>
+            </a:schemeClr>
+          </a:lnRef>
+          <a:fillRef idx="1">
+            <a:schemeClr val="accent1"/>
+          </a:fillRef>
+          <a:effectRef idx="0">
+            <a:schemeClr val="accent1"/>
+          </a:effectRef>
+          <a:fontRef idx="minor">
+            <a:schemeClr val="lt1"/>
+          </a:fontRef>
+        </p:style>
+        <p:txBody>
+          <a:bodyPr rtlCol="0" anchor="ctr"/>
+          <a:lstStyle/>
+          <a:p>
+            <a:pPr algn="ctr"/>
+            <a:endParaRPr lang="fr-FR" dirty="0"/>
+          </a:p>
+        </p:txBody>
+      </p:sp>
+      <p:sp>
+        <p:nvSpPr>
+          <p:cNvPr id="242" name="Rectangle 241"/>
+          <p:cNvSpPr/>
+          <p:nvPr/>
+        </p:nvSpPr>
+        <p:spPr>
+          <a:xfrm>
+            <a:off x="6710161" y="2467189"/>
+            <a:ext cx="1134489" cy="260131"/>
+          </a:xfrm>
+          <a:prstGeom prst="rect">
+            <a:avLst/>
+          </a:prstGeom>
+          <a:solidFill>
+            <a:srgbClr val="00FF00"/>
+          </a:solidFill>
+          <a:ln>
+            <a:noFill/>
+          </a:ln>
+        </p:spPr>
+        <p:style>
+          <a:lnRef idx="2">
+            <a:schemeClr val="accent1">
+              <a:shade val="50000"/>
+            </a:schemeClr>
+          </a:lnRef>
+          <a:fillRef idx="1">
+            <a:schemeClr val="accent1"/>
+          </a:fillRef>
+          <a:effectRef idx="0">
+            <a:schemeClr val="accent1"/>
+          </a:effectRef>
+          <a:fontRef idx="minor">
+            <a:schemeClr val="lt1"/>
+          </a:fontRef>
+        </p:style>
+        <p:txBody>
+          <a:bodyPr rtlCol="0" anchor="ctr"/>
+          <a:lstStyle/>
+          <a:p>
+            <a:pPr algn="ctr"/>
+            <a:endParaRPr lang="fr-FR" dirty="0"/>
+          </a:p>
+        </p:txBody>
+      </p:sp>
+      <p:sp>
+        <p:nvSpPr>
+          <p:cNvPr id="232" name="Rectangle 231"/>
+          <p:cNvSpPr/>
+          <p:nvPr/>
+        </p:nvSpPr>
+        <p:spPr>
+          <a:xfrm>
+            <a:off x="4406919" y="2467189"/>
+            <a:ext cx="787817" cy="260131"/>
+          </a:xfrm>
+          <a:prstGeom prst="rect">
+            <a:avLst/>
+          </a:prstGeom>
+          <a:solidFill>
+            <a:srgbClr val="00FF00"/>
+          </a:solidFill>
+          <a:ln>
+            <a:noFill/>
+          </a:ln>
+        </p:spPr>
+        <p:style>
+          <a:lnRef idx="2">
+            <a:schemeClr val="accent1">
+              <a:shade val="50000"/>
+            </a:schemeClr>
+          </a:lnRef>
+          <a:fillRef idx="1">
+            <a:schemeClr val="accent1"/>
+          </a:fillRef>
+          <a:effectRef idx="0">
+            <a:schemeClr val="accent1"/>
+          </a:effectRef>
+          <a:fontRef idx="minor">
+            <a:schemeClr val="lt1"/>
+          </a:fontRef>
+        </p:style>
+        <p:txBody>
+          <a:bodyPr rtlCol="0" anchor="ctr"/>
+          <a:lstStyle/>
+          <a:p>
+            <a:pPr algn="ctr"/>
+            <a:endParaRPr lang="fr-FR" dirty="0"/>
+          </a:p>
+        </p:txBody>
+      </p:sp>
+      <p:sp>
+        <p:nvSpPr>
+          <p:cNvPr id="230" name="Rectangle 229"/>
+          <p:cNvSpPr/>
+          <p:nvPr/>
+        </p:nvSpPr>
+        <p:spPr>
+          <a:xfrm>
+            <a:off x="2158839" y="2467189"/>
+            <a:ext cx="787817" cy="260131"/>
+          </a:xfrm>
+          <a:prstGeom prst="rect">
+            <a:avLst/>
+          </a:prstGeom>
+          <a:solidFill>
+            <a:srgbClr val="00FF00"/>
+          </a:solidFill>
+          <a:ln>
+            <a:noFill/>
+          </a:ln>
+        </p:spPr>
+        <p:style>
+          <a:lnRef idx="2">
+            <a:schemeClr val="accent1">
+              <a:shade val="50000"/>
+            </a:schemeClr>
+          </a:lnRef>
+          <a:fillRef idx="1">
+            <a:schemeClr val="accent1"/>
+          </a:fillRef>
+          <a:effectRef idx="0">
+            <a:schemeClr val="accent1"/>
+          </a:effectRef>
+          <a:fontRef idx="minor">
+            <a:schemeClr val="lt1"/>
+          </a:fontRef>
+        </p:style>
+        <p:txBody>
+          <a:bodyPr rtlCol="0" anchor="ctr"/>
+          <a:lstStyle/>
+          <a:p>
+            <a:pPr algn="ctr"/>
+            <a:endParaRPr lang="fr-FR" dirty="0"/>
+          </a:p>
+        </p:txBody>
+      </p:sp>
       <p:grpSp>
         <p:nvGrpSpPr>
-          <p:cNvPr id="143" name="Group 226"/>
+          <p:cNvPr id="128" name="Group 127"/>
           <p:cNvGrpSpPr/>
           <p:nvPr/>
         </p:nvGrpSpPr>
         <p:grpSpPr>
           <a:xfrm>
-            <a:off x="11158481" y="1839967"/>
-            <a:ext cx="544602" cy="491950"/>
-            <a:chOff x="5708938" y="3497600"/>
-            <a:chExt cx="544602" cy="491950"/>
+            <a:off x="5084269" y="1977586"/>
+            <a:ext cx="1801462" cy="1281878"/>
+            <a:chOff x="1504754" y="1506682"/>
+            <a:chExt cx="1926833" cy="1371089"/>
+          </a:xfrm>
+        </p:grpSpPr>
+        <p:pic>
+          <p:nvPicPr>
+            <p:cNvPr id="125" name="Picture 124"/>
+            <p:cNvPicPr>
+              <a:picLocks noChangeAspect="1"/>
+            </p:cNvPicPr>
+            <p:nvPr/>
+          </p:nvPicPr>
+          <p:blipFill>
+            <a:blip r:embed="rId3" cstate="print">
+              <a:extLst>
+                <a:ext uri="{28A0092B-C50C-407E-A947-70E740481C1C}">
+                  <a14:useLocalDpi xmlns:a14="http://schemas.microsoft.com/office/drawing/2010/main" val="0"/>
+                </a:ext>
+              </a:extLst>
+            </a:blip>
+            <a:stretch>
+              <a:fillRect/>
+            </a:stretch>
+          </p:blipFill>
+          <p:spPr>
+            <a:xfrm>
+              <a:off x="1504754" y="1506682"/>
+              <a:ext cx="1486470" cy="1117958"/>
+            </a:xfrm>
+            <a:prstGeom prst="rect">
+              <a:avLst/>
+            </a:prstGeom>
+          </p:spPr>
+        </p:pic>
+        <p:pic>
+          <p:nvPicPr>
+            <p:cNvPr id="126" name="Picture 125"/>
+            <p:cNvPicPr>
+              <a:picLocks noChangeAspect="1"/>
+            </p:cNvPicPr>
+            <p:nvPr/>
+          </p:nvPicPr>
+          <p:blipFill>
+            <a:blip r:embed="rId4" cstate="print">
+              <a:extLst>
+                <a:ext uri="{28A0092B-C50C-407E-A947-70E740481C1C}">
+                  <a14:useLocalDpi xmlns:a14="http://schemas.microsoft.com/office/drawing/2010/main" val="0"/>
+                </a:ext>
+              </a:extLst>
+            </a:blip>
+            <a:stretch>
+              <a:fillRect/>
+            </a:stretch>
+          </p:blipFill>
+          <p:spPr>
+            <a:xfrm>
+              <a:off x="1690140" y="1606085"/>
+              <a:ext cx="1476345" cy="1110343"/>
+            </a:xfrm>
+            <a:prstGeom prst="rect">
+              <a:avLst/>
+            </a:prstGeom>
+          </p:spPr>
+        </p:pic>
+        <p:pic>
+          <p:nvPicPr>
+            <p:cNvPr id="127" name="Picture 126"/>
+            <p:cNvPicPr>
+              <a:picLocks noChangeAspect="1"/>
+            </p:cNvPicPr>
+            <p:nvPr/>
+          </p:nvPicPr>
+          <p:blipFill>
+            <a:blip r:embed="rId5" cstate="print">
+              <a:extLst>
+                <a:ext uri="{28A0092B-C50C-407E-A947-70E740481C1C}">
+                  <a14:useLocalDpi xmlns:a14="http://schemas.microsoft.com/office/drawing/2010/main" val="0"/>
+                </a:ext>
+              </a:extLst>
+            </a:blip>
+            <a:stretch>
+              <a:fillRect/>
+            </a:stretch>
+          </p:blipFill>
+          <p:spPr>
+            <a:xfrm>
+              <a:off x="1921521" y="1767428"/>
+              <a:ext cx="1510066" cy="1110343"/>
+            </a:xfrm>
+            <a:prstGeom prst="rect">
+              <a:avLst/>
+            </a:prstGeom>
+          </p:spPr>
+        </p:pic>
+      </p:grpSp>
+      <p:grpSp>
+        <p:nvGrpSpPr>
+          <p:cNvPr id="202" name="Group 201"/>
+          <p:cNvGrpSpPr/>
+          <p:nvPr/>
+        </p:nvGrpSpPr>
+        <p:grpSpPr>
+          <a:xfrm>
+            <a:off x="2642554" y="1820516"/>
+            <a:ext cx="1951821" cy="1628503"/>
+            <a:chOff x="4158023" y="1290690"/>
+            <a:chExt cx="1951821" cy="1628503"/>
+          </a:xfrm>
+        </p:grpSpPr>
+        <p:sp>
+          <p:nvSpPr>
+            <p:cNvPr id="83" name="Rounded Rectangle 82"/>
+            <p:cNvSpPr/>
+            <p:nvPr/>
+          </p:nvSpPr>
+          <p:spPr>
+            <a:xfrm>
+              <a:off x="4158023" y="1290690"/>
+              <a:ext cx="1951821" cy="1628503"/>
+            </a:xfrm>
+            <a:prstGeom prst="roundRect">
+              <a:avLst/>
+            </a:prstGeom>
+            <a:solidFill>
+              <a:schemeClr val="tx2"/>
+            </a:solidFill>
+            <a:ln>
+              <a:noFill/>
+            </a:ln>
+          </p:spPr>
+          <p:style>
+            <a:lnRef idx="2">
+              <a:schemeClr val="accent1">
+                <a:shade val="50000"/>
+              </a:schemeClr>
+            </a:lnRef>
+            <a:fillRef idx="1">
+              <a:schemeClr val="accent1"/>
+            </a:fillRef>
+            <a:effectRef idx="0">
+              <a:schemeClr val="accent1"/>
+            </a:effectRef>
+            <a:fontRef idx="minor">
+              <a:schemeClr val="lt1"/>
+            </a:fontRef>
+          </p:style>
+          <p:txBody>
+            <a:bodyPr rtlCol="0" anchor="ctr"/>
+            <a:lstStyle/>
+            <a:p>
+              <a:pPr algn="ctr"/>
+              <a:endParaRPr lang="fr-FR" dirty="0"/>
+            </a:p>
+          </p:txBody>
+        </p:sp>
+        <p:grpSp>
+          <p:nvGrpSpPr>
+            <p:cNvPr id="81" name="Group 80"/>
+            <p:cNvGrpSpPr/>
+            <p:nvPr/>
+          </p:nvGrpSpPr>
+          <p:grpSpPr>
+            <a:xfrm>
+              <a:off x="4356615" y="1491064"/>
+              <a:ext cx="1554637" cy="1227755"/>
+              <a:chOff x="4323808" y="4240458"/>
+              <a:chExt cx="2121762" cy="1698789"/>
+            </a:xfrm>
+            <a:solidFill>
+              <a:srgbClr val="00B0F0"/>
+            </a:solidFill>
+          </p:grpSpPr>
+          <p:grpSp>
+            <p:nvGrpSpPr>
+              <p:cNvPr id="26" name="Group 25"/>
+              <p:cNvGrpSpPr/>
+              <p:nvPr/>
+            </p:nvGrpSpPr>
+            <p:grpSpPr>
+              <a:xfrm>
+                <a:off x="5240689" y="4240458"/>
+                <a:ext cx="288000" cy="1698789"/>
+                <a:chOff x="5240689" y="4240458"/>
+                <a:chExt cx="288000" cy="1698789"/>
+              </a:xfrm>
+              <a:grpFill/>
+            </p:grpSpPr>
+            <p:sp>
+              <p:nvSpPr>
+                <p:cNvPr id="11" name="Oval 10"/>
+                <p:cNvSpPr/>
+                <p:nvPr/>
+              </p:nvSpPr>
+              <p:spPr>
+                <a:xfrm>
+                  <a:off x="5240689" y="4240458"/>
+                  <a:ext cx="288000" cy="288000"/>
+                </a:xfrm>
+                <a:prstGeom prst="ellipse">
+                  <a:avLst/>
+                </a:prstGeom>
+                <a:solidFill>
+                  <a:srgbClr val="00FF00"/>
+                </a:solidFill>
+                <a:ln w="12700">
+                  <a:solidFill>
+                    <a:srgbClr val="00FF00"/>
+                  </a:solidFill>
+                </a:ln>
+              </p:spPr>
+              <p:style>
+                <a:lnRef idx="2">
+                  <a:schemeClr val="accent1">
+                    <a:shade val="50000"/>
+                  </a:schemeClr>
+                </a:lnRef>
+                <a:fillRef idx="1">
+                  <a:schemeClr val="accent1"/>
+                </a:fillRef>
+                <a:effectRef idx="0">
+                  <a:schemeClr val="accent1"/>
+                </a:effectRef>
+                <a:fontRef idx="minor">
+                  <a:schemeClr val="lt1"/>
+                </a:fontRef>
+              </p:style>
+              <p:txBody>
+                <a:bodyPr rtlCol="0" anchor="ctr"/>
+                <a:lstStyle/>
+                <a:p>
+                  <a:pPr algn="ctr"/>
+                  <a:endParaRPr lang="fr-FR" dirty="0"/>
+                </a:p>
+              </p:txBody>
+            </p:sp>
+            <p:sp>
+              <p:nvSpPr>
+                <p:cNvPr id="12" name="Oval 11"/>
+                <p:cNvSpPr/>
+                <p:nvPr/>
+              </p:nvSpPr>
+              <p:spPr>
+                <a:xfrm>
+                  <a:off x="5240689" y="4710721"/>
+                  <a:ext cx="288000" cy="288000"/>
+                </a:xfrm>
+                <a:prstGeom prst="ellipse">
+                  <a:avLst/>
+                </a:prstGeom>
+                <a:solidFill>
+                  <a:srgbClr val="00FF00"/>
+                </a:solidFill>
+                <a:ln w="12700">
+                  <a:solidFill>
+                    <a:srgbClr val="00FF00"/>
+                  </a:solidFill>
+                </a:ln>
+              </p:spPr>
+              <p:style>
+                <a:lnRef idx="2">
+                  <a:schemeClr val="accent1">
+                    <a:shade val="50000"/>
+                  </a:schemeClr>
+                </a:lnRef>
+                <a:fillRef idx="1">
+                  <a:schemeClr val="accent1"/>
+                </a:fillRef>
+                <a:effectRef idx="0">
+                  <a:schemeClr val="accent1"/>
+                </a:effectRef>
+                <a:fontRef idx="minor">
+                  <a:schemeClr val="lt1"/>
+                </a:fontRef>
+              </p:style>
+              <p:txBody>
+                <a:bodyPr rtlCol="0" anchor="ctr"/>
+                <a:lstStyle/>
+                <a:p>
+                  <a:pPr algn="ctr"/>
+                  <a:endParaRPr lang="fr-FR" dirty="0"/>
+                </a:p>
+              </p:txBody>
+            </p:sp>
+            <p:sp>
+              <p:nvSpPr>
+                <p:cNvPr id="13" name="Oval 12"/>
+                <p:cNvSpPr/>
+                <p:nvPr/>
+              </p:nvSpPr>
+              <p:spPr>
+                <a:xfrm>
+                  <a:off x="5240689" y="5180984"/>
+                  <a:ext cx="288000" cy="288000"/>
+                </a:xfrm>
+                <a:prstGeom prst="ellipse">
+                  <a:avLst/>
+                </a:prstGeom>
+                <a:solidFill>
+                  <a:srgbClr val="00FF00"/>
+                </a:solidFill>
+                <a:ln w="12700">
+                  <a:solidFill>
+                    <a:srgbClr val="00FF00"/>
+                  </a:solidFill>
+                </a:ln>
+              </p:spPr>
+              <p:style>
+                <a:lnRef idx="2">
+                  <a:schemeClr val="accent1">
+                    <a:shade val="50000"/>
+                  </a:schemeClr>
+                </a:lnRef>
+                <a:fillRef idx="1">
+                  <a:schemeClr val="accent1"/>
+                </a:fillRef>
+                <a:effectRef idx="0">
+                  <a:schemeClr val="accent1"/>
+                </a:effectRef>
+                <a:fontRef idx="minor">
+                  <a:schemeClr val="lt1"/>
+                </a:fontRef>
+              </p:style>
+              <p:txBody>
+                <a:bodyPr rtlCol="0" anchor="ctr"/>
+                <a:lstStyle/>
+                <a:p>
+                  <a:pPr algn="ctr"/>
+                  <a:endParaRPr lang="fr-FR" dirty="0"/>
+                </a:p>
+              </p:txBody>
+            </p:sp>
+            <p:sp>
+              <p:nvSpPr>
+                <p:cNvPr id="17" name="Oval 16"/>
+                <p:cNvSpPr/>
+                <p:nvPr/>
+              </p:nvSpPr>
+              <p:spPr>
+                <a:xfrm>
+                  <a:off x="5240689" y="5651247"/>
+                  <a:ext cx="288000" cy="288000"/>
+                </a:xfrm>
+                <a:prstGeom prst="ellipse">
+                  <a:avLst/>
+                </a:prstGeom>
+                <a:solidFill>
+                  <a:srgbClr val="00FF00"/>
+                </a:solidFill>
+                <a:ln w="12700">
+                  <a:solidFill>
+                    <a:srgbClr val="00FF00"/>
+                  </a:solidFill>
+                </a:ln>
+              </p:spPr>
+              <p:style>
+                <a:lnRef idx="2">
+                  <a:schemeClr val="accent1">
+                    <a:shade val="50000"/>
+                  </a:schemeClr>
+                </a:lnRef>
+                <a:fillRef idx="1">
+                  <a:schemeClr val="accent1"/>
+                </a:fillRef>
+                <a:effectRef idx="0">
+                  <a:schemeClr val="accent1"/>
+                </a:effectRef>
+                <a:fontRef idx="minor">
+                  <a:schemeClr val="lt1"/>
+                </a:fontRef>
+              </p:style>
+              <p:txBody>
+                <a:bodyPr rtlCol="0" anchor="ctr"/>
+                <a:lstStyle/>
+                <a:p>
+                  <a:pPr algn="ctr"/>
+                  <a:endParaRPr lang="fr-FR" dirty="0"/>
+                </a:p>
+              </p:txBody>
+            </p:sp>
+          </p:grpSp>
+          <p:grpSp>
+            <p:nvGrpSpPr>
+              <p:cNvPr id="25" name="Group 24"/>
+              <p:cNvGrpSpPr/>
+              <p:nvPr/>
+            </p:nvGrpSpPr>
+            <p:grpSpPr>
+              <a:xfrm>
+                <a:off x="6157570" y="4475590"/>
+                <a:ext cx="288000" cy="1228526"/>
+                <a:chOff x="6157570" y="4475590"/>
+                <a:chExt cx="288000" cy="1228526"/>
+              </a:xfrm>
+              <a:grpFill/>
+            </p:grpSpPr>
+            <p:sp>
+              <p:nvSpPr>
+                <p:cNvPr id="22" name="Oval 21"/>
+                <p:cNvSpPr/>
+                <p:nvPr/>
+              </p:nvSpPr>
+              <p:spPr>
+                <a:xfrm>
+                  <a:off x="6157570" y="4475590"/>
+                  <a:ext cx="288000" cy="288000"/>
+                </a:xfrm>
+                <a:prstGeom prst="ellipse">
+                  <a:avLst/>
+                </a:prstGeom>
+                <a:solidFill>
+                  <a:srgbClr val="00FF00"/>
+                </a:solidFill>
+                <a:ln w="12700">
+                  <a:solidFill>
+                    <a:srgbClr val="00FF00"/>
+                  </a:solidFill>
+                </a:ln>
+              </p:spPr>
+              <p:style>
+                <a:lnRef idx="2">
+                  <a:schemeClr val="accent1">
+                    <a:shade val="50000"/>
+                  </a:schemeClr>
+                </a:lnRef>
+                <a:fillRef idx="1">
+                  <a:schemeClr val="accent1"/>
+                </a:fillRef>
+                <a:effectRef idx="0">
+                  <a:schemeClr val="accent1"/>
+                </a:effectRef>
+                <a:fontRef idx="minor">
+                  <a:schemeClr val="lt1"/>
+                </a:fontRef>
+              </p:style>
+              <p:txBody>
+                <a:bodyPr rtlCol="0" anchor="ctr"/>
+                <a:lstStyle/>
+                <a:p>
+                  <a:pPr algn="ctr"/>
+                  <a:endParaRPr lang="fr-FR" dirty="0"/>
+                </a:p>
+              </p:txBody>
+            </p:sp>
+            <p:sp>
+              <p:nvSpPr>
+                <p:cNvPr id="23" name="Oval 22"/>
+                <p:cNvSpPr/>
+                <p:nvPr/>
+              </p:nvSpPr>
+              <p:spPr>
+                <a:xfrm>
+                  <a:off x="6157570" y="4945853"/>
+                  <a:ext cx="288000" cy="288000"/>
+                </a:xfrm>
+                <a:prstGeom prst="ellipse">
+                  <a:avLst/>
+                </a:prstGeom>
+                <a:solidFill>
+                  <a:srgbClr val="00FF00"/>
+                </a:solidFill>
+                <a:ln w="12700">
+                  <a:solidFill>
+                    <a:srgbClr val="00FF00"/>
+                  </a:solidFill>
+                </a:ln>
+              </p:spPr>
+              <p:style>
+                <a:lnRef idx="2">
+                  <a:schemeClr val="accent1">
+                    <a:shade val="50000"/>
+                  </a:schemeClr>
+                </a:lnRef>
+                <a:fillRef idx="1">
+                  <a:schemeClr val="accent1"/>
+                </a:fillRef>
+                <a:effectRef idx="0">
+                  <a:schemeClr val="accent1"/>
+                </a:effectRef>
+                <a:fontRef idx="minor">
+                  <a:schemeClr val="lt1"/>
+                </a:fontRef>
+              </p:style>
+              <p:txBody>
+                <a:bodyPr rtlCol="0" anchor="ctr"/>
+                <a:lstStyle/>
+                <a:p>
+                  <a:pPr algn="ctr"/>
+                  <a:endParaRPr lang="fr-FR" dirty="0"/>
+                </a:p>
+              </p:txBody>
+            </p:sp>
+            <p:sp>
+              <p:nvSpPr>
+                <p:cNvPr id="24" name="Oval 23"/>
+                <p:cNvSpPr/>
+                <p:nvPr/>
+              </p:nvSpPr>
+              <p:spPr>
+                <a:xfrm>
+                  <a:off x="6157570" y="5416116"/>
+                  <a:ext cx="288000" cy="288000"/>
+                </a:xfrm>
+                <a:prstGeom prst="ellipse">
+                  <a:avLst/>
+                </a:prstGeom>
+                <a:solidFill>
+                  <a:srgbClr val="00FF00"/>
+                </a:solidFill>
+                <a:ln w="12700">
+                  <a:solidFill>
+                    <a:srgbClr val="00FF00"/>
+                  </a:solidFill>
+                </a:ln>
+              </p:spPr>
+              <p:style>
+                <a:lnRef idx="2">
+                  <a:schemeClr val="accent1">
+                    <a:shade val="50000"/>
+                  </a:schemeClr>
+                </a:lnRef>
+                <a:fillRef idx="1">
+                  <a:schemeClr val="accent1"/>
+                </a:fillRef>
+                <a:effectRef idx="0">
+                  <a:schemeClr val="accent1"/>
+                </a:effectRef>
+                <a:fontRef idx="minor">
+                  <a:schemeClr val="lt1"/>
+                </a:fontRef>
+              </p:style>
+              <p:txBody>
+                <a:bodyPr rtlCol="0" anchor="ctr"/>
+                <a:lstStyle/>
+                <a:p>
+                  <a:pPr algn="ctr"/>
+                  <a:endParaRPr lang="fr-FR" dirty="0"/>
+                </a:p>
+              </p:txBody>
+            </p:sp>
+          </p:grpSp>
+          <p:grpSp>
+            <p:nvGrpSpPr>
+              <p:cNvPr id="27" name="Group 26"/>
+              <p:cNvGrpSpPr/>
+              <p:nvPr/>
+            </p:nvGrpSpPr>
+            <p:grpSpPr>
+              <a:xfrm>
+                <a:off x="4323808" y="4475590"/>
+                <a:ext cx="288000" cy="1228526"/>
+                <a:chOff x="6157570" y="4475590"/>
+                <a:chExt cx="288000" cy="1228526"/>
+              </a:xfrm>
+              <a:grpFill/>
+            </p:grpSpPr>
+            <p:sp>
+              <p:nvSpPr>
+                <p:cNvPr id="28" name="Oval 27"/>
+                <p:cNvSpPr/>
+                <p:nvPr/>
+              </p:nvSpPr>
+              <p:spPr>
+                <a:xfrm>
+                  <a:off x="6157570" y="4475590"/>
+                  <a:ext cx="288000" cy="288000"/>
+                </a:xfrm>
+                <a:prstGeom prst="ellipse">
+                  <a:avLst/>
+                </a:prstGeom>
+                <a:solidFill>
+                  <a:srgbClr val="00FF00"/>
+                </a:solidFill>
+                <a:ln w="12700">
+                  <a:solidFill>
+                    <a:srgbClr val="00FF00"/>
+                  </a:solidFill>
+                </a:ln>
+              </p:spPr>
+              <p:style>
+                <a:lnRef idx="2">
+                  <a:schemeClr val="accent1">
+                    <a:shade val="50000"/>
+                  </a:schemeClr>
+                </a:lnRef>
+                <a:fillRef idx="1">
+                  <a:schemeClr val="accent1"/>
+                </a:fillRef>
+                <a:effectRef idx="0">
+                  <a:schemeClr val="accent1"/>
+                </a:effectRef>
+                <a:fontRef idx="minor">
+                  <a:schemeClr val="lt1"/>
+                </a:fontRef>
+              </p:style>
+              <p:txBody>
+                <a:bodyPr rtlCol="0" anchor="ctr"/>
+                <a:lstStyle/>
+                <a:p>
+                  <a:pPr algn="ctr"/>
+                  <a:endParaRPr lang="fr-FR" dirty="0"/>
+                </a:p>
+              </p:txBody>
+            </p:sp>
+            <p:sp>
+              <p:nvSpPr>
+                <p:cNvPr id="29" name="Oval 28"/>
+                <p:cNvSpPr/>
+                <p:nvPr/>
+              </p:nvSpPr>
+              <p:spPr>
+                <a:xfrm>
+                  <a:off x="6157570" y="4945853"/>
+                  <a:ext cx="288000" cy="288000"/>
+                </a:xfrm>
+                <a:prstGeom prst="ellipse">
+                  <a:avLst/>
+                </a:prstGeom>
+                <a:solidFill>
+                  <a:srgbClr val="00FF00"/>
+                </a:solidFill>
+                <a:ln w="12700">
+                  <a:solidFill>
+                    <a:srgbClr val="00FF00"/>
+                  </a:solidFill>
+                </a:ln>
+              </p:spPr>
+              <p:style>
+                <a:lnRef idx="2">
+                  <a:schemeClr val="accent1">
+                    <a:shade val="50000"/>
+                  </a:schemeClr>
+                </a:lnRef>
+                <a:fillRef idx="1">
+                  <a:schemeClr val="accent1"/>
+                </a:fillRef>
+                <a:effectRef idx="0">
+                  <a:schemeClr val="accent1"/>
+                </a:effectRef>
+                <a:fontRef idx="minor">
+                  <a:schemeClr val="lt1"/>
+                </a:fontRef>
+              </p:style>
+              <p:txBody>
+                <a:bodyPr rtlCol="0" anchor="ctr"/>
+                <a:lstStyle/>
+                <a:p>
+                  <a:pPr algn="ctr"/>
+                  <a:endParaRPr lang="fr-FR" dirty="0"/>
+                </a:p>
+              </p:txBody>
+            </p:sp>
+            <p:sp>
+              <p:nvSpPr>
+                <p:cNvPr id="30" name="Oval 29"/>
+                <p:cNvSpPr/>
+                <p:nvPr/>
+              </p:nvSpPr>
+              <p:spPr>
+                <a:xfrm>
+                  <a:off x="6157570" y="5416116"/>
+                  <a:ext cx="288000" cy="288000"/>
+                </a:xfrm>
+                <a:prstGeom prst="ellipse">
+                  <a:avLst/>
+                </a:prstGeom>
+                <a:solidFill>
+                  <a:srgbClr val="00FF00"/>
+                </a:solidFill>
+                <a:ln w="12700">
+                  <a:solidFill>
+                    <a:srgbClr val="00FF00"/>
+                  </a:solidFill>
+                </a:ln>
+              </p:spPr>
+              <p:style>
+                <a:lnRef idx="2">
+                  <a:schemeClr val="accent1">
+                    <a:shade val="50000"/>
+                  </a:schemeClr>
+                </a:lnRef>
+                <a:fillRef idx="1">
+                  <a:schemeClr val="accent1"/>
+                </a:fillRef>
+                <a:effectRef idx="0">
+                  <a:schemeClr val="accent1"/>
+                </a:effectRef>
+                <a:fontRef idx="minor">
+                  <a:schemeClr val="lt1"/>
+                </a:fontRef>
+              </p:style>
+              <p:txBody>
+                <a:bodyPr rtlCol="0" anchor="ctr"/>
+                <a:lstStyle/>
+                <a:p>
+                  <a:pPr algn="ctr"/>
+                  <a:endParaRPr lang="fr-FR" dirty="0"/>
+                </a:p>
+              </p:txBody>
+            </p:sp>
+          </p:grpSp>
+          <p:cxnSp>
+            <p:nvCxnSpPr>
+              <p:cNvPr id="32" name="Straight Connector 31"/>
+              <p:cNvCxnSpPr/>
+              <p:nvPr/>
+            </p:nvCxnSpPr>
+            <p:spPr>
+              <a:xfrm flipV="1">
+                <a:off x="4467808" y="4384458"/>
+                <a:ext cx="916881" cy="235132"/>
+              </a:xfrm>
+              <a:prstGeom prst="line">
+                <a:avLst/>
+              </a:prstGeom>
+              <a:grpFill/>
+              <a:ln w="12700">
+                <a:solidFill>
+                  <a:srgbClr val="00FF00"/>
+                </a:solidFill>
+              </a:ln>
+            </p:spPr>
+            <p:style>
+              <a:lnRef idx="1">
+                <a:schemeClr val="accent1"/>
+              </a:lnRef>
+              <a:fillRef idx="0">
+                <a:schemeClr val="accent1"/>
+              </a:fillRef>
+              <a:effectRef idx="0">
+                <a:schemeClr val="accent1"/>
+              </a:effectRef>
+              <a:fontRef idx="minor">
+                <a:schemeClr val="tx1"/>
+              </a:fontRef>
+            </p:style>
+          </p:cxnSp>
+          <p:cxnSp>
+            <p:nvCxnSpPr>
+              <p:cNvPr id="33" name="Straight Connector 32"/>
+              <p:cNvCxnSpPr/>
+              <p:nvPr/>
+            </p:nvCxnSpPr>
+            <p:spPr>
+              <a:xfrm flipV="1">
+                <a:off x="4467808" y="4852389"/>
+                <a:ext cx="916881" cy="235132"/>
+              </a:xfrm>
+              <a:prstGeom prst="line">
+                <a:avLst/>
+              </a:prstGeom>
+              <a:grpFill/>
+              <a:ln w="12700">
+                <a:solidFill>
+                  <a:srgbClr val="00FF00"/>
+                </a:solidFill>
+              </a:ln>
+            </p:spPr>
+            <p:style>
+              <a:lnRef idx="1">
+                <a:schemeClr val="accent1"/>
+              </a:lnRef>
+              <a:fillRef idx="0">
+                <a:schemeClr val="accent1"/>
+              </a:fillRef>
+              <a:effectRef idx="0">
+                <a:schemeClr val="accent1"/>
+              </a:effectRef>
+              <a:fontRef idx="minor">
+                <a:schemeClr val="tx1"/>
+              </a:fontRef>
+            </p:style>
+          </p:cxnSp>
+          <p:cxnSp>
+            <p:nvCxnSpPr>
+              <p:cNvPr id="34" name="Straight Connector 33"/>
+              <p:cNvCxnSpPr/>
+              <p:nvPr/>
+            </p:nvCxnSpPr>
+            <p:spPr>
+              <a:xfrm flipV="1">
+                <a:off x="4467807" y="5329338"/>
+                <a:ext cx="916881" cy="235132"/>
+              </a:xfrm>
+              <a:prstGeom prst="line">
+                <a:avLst/>
+              </a:prstGeom>
+              <a:grpFill/>
+              <a:ln w="12700">
+                <a:solidFill>
+                  <a:srgbClr val="00FF00"/>
+                </a:solidFill>
+              </a:ln>
+            </p:spPr>
+            <p:style>
+              <a:lnRef idx="1">
+                <a:schemeClr val="accent1"/>
+              </a:lnRef>
+              <a:fillRef idx="0">
+                <a:schemeClr val="accent1"/>
+              </a:fillRef>
+              <a:effectRef idx="0">
+                <a:schemeClr val="accent1"/>
+              </a:effectRef>
+              <a:fontRef idx="minor">
+                <a:schemeClr val="tx1"/>
+              </a:fontRef>
+            </p:style>
+          </p:cxnSp>
+          <p:cxnSp>
+            <p:nvCxnSpPr>
+              <p:cNvPr id="35" name="Straight Connector 34"/>
+              <p:cNvCxnSpPr/>
+              <p:nvPr/>
+            </p:nvCxnSpPr>
+            <p:spPr>
+              <a:xfrm flipV="1">
+                <a:off x="5382817" y="4613212"/>
+                <a:ext cx="916881" cy="235132"/>
+              </a:xfrm>
+              <a:prstGeom prst="line">
+                <a:avLst/>
+              </a:prstGeom>
+              <a:grpFill/>
+              <a:ln w="12700">
+                <a:solidFill>
+                  <a:srgbClr val="00FF00"/>
+                </a:solidFill>
+              </a:ln>
+            </p:spPr>
+            <p:style>
+              <a:lnRef idx="1">
+                <a:schemeClr val="accent1"/>
+              </a:lnRef>
+              <a:fillRef idx="0">
+                <a:schemeClr val="accent1"/>
+              </a:fillRef>
+              <a:effectRef idx="0">
+                <a:schemeClr val="accent1"/>
+              </a:effectRef>
+              <a:fontRef idx="minor">
+                <a:schemeClr val="tx1"/>
+              </a:fontRef>
+            </p:style>
+          </p:cxnSp>
+          <p:cxnSp>
+            <p:nvCxnSpPr>
+              <p:cNvPr id="36" name="Straight Connector 35"/>
+              <p:cNvCxnSpPr/>
+              <p:nvPr/>
+            </p:nvCxnSpPr>
+            <p:spPr>
+              <a:xfrm flipV="1">
+                <a:off x="5312689" y="5114263"/>
+                <a:ext cx="916881" cy="235132"/>
+              </a:xfrm>
+              <a:prstGeom prst="line">
+                <a:avLst/>
+              </a:prstGeom>
+              <a:grpFill/>
+              <a:ln w="12700">
+                <a:solidFill>
+                  <a:srgbClr val="00FF00"/>
+                </a:solidFill>
+              </a:ln>
+            </p:spPr>
+            <p:style>
+              <a:lnRef idx="1">
+                <a:schemeClr val="accent1"/>
+              </a:lnRef>
+              <a:fillRef idx="0">
+                <a:schemeClr val="accent1"/>
+              </a:fillRef>
+              <a:effectRef idx="0">
+                <a:schemeClr val="accent1"/>
+              </a:effectRef>
+              <a:fontRef idx="minor">
+                <a:schemeClr val="tx1"/>
+              </a:fontRef>
+            </p:style>
+          </p:cxnSp>
+          <p:cxnSp>
+            <p:nvCxnSpPr>
+              <p:cNvPr id="37" name="Straight Connector 36"/>
+              <p:cNvCxnSpPr/>
+              <p:nvPr/>
+            </p:nvCxnSpPr>
+            <p:spPr>
+              <a:xfrm flipV="1">
+                <a:off x="5353887" y="5582503"/>
+                <a:ext cx="916881" cy="235132"/>
+              </a:xfrm>
+              <a:prstGeom prst="line">
+                <a:avLst/>
+              </a:prstGeom>
+              <a:grpFill/>
+              <a:ln w="12700">
+                <a:solidFill>
+                  <a:srgbClr val="00FF00"/>
+                </a:solidFill>
+              </a:ln>
+            </p:spPr>
+            <p:style>
+              <a:lnRef idx="1">
+                <a:schemeClr val="accent1"/>
+              </a:lnRef>
+              <a:fillRef idx="0">
+                <a:schemeClr val="accent1"/>
+              </a:fillRef>
+              <a:effectRef idx="0">
+                <a:schemeClr val="accent1"/>
+              </a:effectRef>
+              <a:fontRef idx="minor">
+                <a:schemeClr val="tx1"/>
+              </a:fontRef>
+            </p:style>
+          </p:cxnSp>
+          <p:cxnSp>
+            <p:nvCxnSpPr>
+              <p:cNvPr id="38" name="Straight Connector 37"/>
+              <p:cNvCxnSpPr/>
+              <p:nvPr/>
+            </p:nvCxnSpPr>
+            <p:spPr>
+              <a:xfrm>
+                <a:off x="5382817" y="4371704"/>
+                <a:ext cx="916881" cy="241508"/>
+              </a:xfrm>
+              <a:prstGeom prst="line">
+                <a:avLst/>
+              </a:prstGeom>
+              <a:grpFill/>
+              <a:ln w="12700">
+                <a:solidFill>
+                  <a:srgbClr val="00FF00"/>
+                </a:solidFill>
+              </a:ln>
+            </p:spPr>
+            <p:style>
+              <a:lnRef idx="1">
+                <a:schemeClr val="accent1"/>
+              </a:lnRef>
+              <a:fillRef idx="0">
+                <a:schemeClr val="accent1"/>
+              </a:fillRef>
+              <a:effectRef idx="0">
+                <a:schemeClr val="accent1"/>
+              </a:effectRef>
+              <a:fontRef idx="minor">
+                <a:schemeClr val="tx1"/>
+              </a:fontRef>
+            </p:style>
+          </p:cxnSp>
+          <p:cxnSp>
+            <p:nvCxnSpPr>
+              <p:cNvPr id="41" name="Straight Connector 40"/>
+              <p:cNvCxnSpPr/>
+              <p:nvPr/>
+            </p:nvCxnSpPr>
+            <p:spPr>
+              <a:xfrm>
+                <a:off x="5439410" y="4871897"/>
+                <a:ext cx="916881" cy="241508"/>
+              </a:xfrm>
+              <a:prstGeom prst="line">
+                <a:avLst/>
+              </a:prstGeom>
+              <a:grpFill/>
+              <a:ln w="12700">
+                <a:solidFill>
+                  <a:srgbClr val="00FF00"/>
+                </a:solidFill>
+              </a:ln>
+            </p:spPr>
+            <p:style>
+              <a:lnRef idx="1">
+                <a:schemeClr val="accent1"/>
+              </a:lnRef>
+              <a:fillRef idx="0">
+                <a:schemeClr val="accent1"/>
+              </a:fillRef>
+              <a:effectRef idx="0">
+                <a:schemeClr val="accent1"/>
+              </a:effectRef>
+              <a:fontRef idx="minor">
+                <a:schemeClr val="tx1"/>
+              </a:fontRef>
+            </p:style>
+          </p:cxnSp>
+          <p:cxnSp>
+            <p:nvCxnSpPr>
+              <p:cNvPr id="42" name="Straight Connector 41"/>
+              <p:cNvCxnSpPr/>
+              <p:nvPr/>
+            </p:nvCxnSpPr>
+            <p:spPr>
+              <a:xfrm>
+                <a:off x="5348888" y="5318607"/>
+                <a:ext cx="916881" cy="241508"/>
+              </a:xfrm>
+              <a:prstGeom prst="line">
+                <a:avLst/>
+              </a:prstGeom>
+              <a:grpFill/>
+              <a:ln w="12700">
+                <a:solidFill>
+                  <a:srgbClr val="00FF00"/>
+                </a:solidFill>
+              </a:ln>
+            </p:spPr>
+            <p:style>
+              <a:lnRef idx="1">
+                <a:schemeClr val="accent1"/>
+              </a:lnRef>
+              <a:fillRef idx="0">
+                <a:schemeClr val="accent1"/>
+              </a:fillRef>
+              <a:effectRef idx="0">
+                <a:schemeClr val="accent1"/>
+              </a:effectRef>
+              <a:fontRef idx="minor">
+                <a:schemeClr val="tx1"/>
+              </a:fontRef>
+            </p:style>
+          </p:cxnSp>
+          <p:cxnSp>
+            <p:nvCxnSpPr>
+              <p:cNvPr id="43" name="Straight Connector 42"/>
+              <p:cNvCxnSpPr/>
+              <p:nvPr/>
+            </p:nvCxnSpPr>
+            <p:spPr>
+              <a:xfrm>
+                <a:off x="4467807" y="4620516"/>
+                <a:ext cx="916881" cy="241508"/>
+              </a:xfrm>
+              <a:prstGeom prst="line">
+                <a:avLst/>
+              </a:prstGeom>
+              <a:grpFill/>
+              <a:ln w="12700">
+                <a:solidFill>
+                  <a:srgbClr val="00FF00"/>
+                </a:solidFill>
+              </a:ln>
+            </p:spPr>
+            <p:style>
+              <a:lnRef idx="1">
+                <a:schemeClr val="accent1"/>
+              </a:lnRef>
+              <a:fillRef idx="0">
+                <a:schemeClr val="accent1"/>
+              </a:fillRef>
+              <a:effectRef idx="0">
+                <a:schemeClr val="accent1"/>
+              </a:effectRef>
+              <a:fontRef idx="minor">
+                <a:schemeClr val="tx1"/>
+              </a:fontRef>
+            </p:style>
+          </p:cxnSp>
+          <p:cxnSp>
+            <p:nvCxnSpPr>
+              <p:cNvPr id="44" name="Straight Connector 43"/>
+              <p:cNvCxnSpPr/>
+              <p:nvPr/>
+            </p:nvCxnSpPr>
+            <p:spPr>
+              <a:xfrm>
+                <a:off x="4413087" y="5080217"/>
+                <a:ext cx="916881" cy="241508"/>
+              </a:xfrm>
+              <a:prstGeom prst="line">
+                <a:avLst/>
+              </a:prstGeom>
+              <a:grpFill/>
+              <a:ln w="12700">
+                <a:solidFill>
+                  <a:srgbClr val="00FF00"/>
+                </a:solidFill>
+              </a:ln>
+            </p:spPr>
+            <p:style>
+              <a:lnRef idx="1">
+                <a:schemeClr val="accent1"/>
+              </a:lnRef>
+              <a:fillRef idx="0">
+                <a:schemeClr val="accent1"/>
+              </a:fillRef>
+              <a:effectRef idx="0">
+                <a:schemeClr val="accent1"/>
+              </a:effectRef>
+              <a:fontRef idx="minor">
+                <a:schemeClr val="tx1"/>
+              </a:fontRef>
+            </p:style>
+          </p:cxnSp>
+          <p:cxnSp>
+            <p:nvCxnSpPr>
+              <p:cNvPr id="45" name="Straight Connector 44"/>
+              <p:cNvCxnSpPr/>
+              <p:nvPr/>
+            </p:nvCxnSpPr>
+            <p:spPr>
+              <a:xfrm>
+                <a:off x="4432007" y="5560115"/>
+                <a:ext cx="916881" cy="241508"/>
+              </a:xfrm>
+              <a:prstGeom prst="line">
+                <a:avLst/>
+              </a:prstGeom>
+              <a:grpFill/>
+              <a:ln w="12700">
+                <a:solidFill>
+                  <a:srgbClr val="00FF00"/>
+                </a:solidFill>
+              </a:ln>
+            </p:spPr>
+            <p:style>
+              <a:lnRef idx="1">
+                <a:schemeClr val="accent1"/>
+              </a:lnRef>
+              <a:fillRef idx="0">
+                <a:schemeClr val="accent1"/>
+              </a:fillRef>
+              <a:effectRef idx="0">
+                <a:schemeClr val="accent1"/>
+              </a:effectRef>
+              <a:fontRef idx="minor">
+                <a:schemeClr val="tx1"/>
+              </a:fontRef>
+            </p:style>
+          </p:cxnSp>
+          <p:cxnSp>
+            <p:nvCxnSpPr>
+              <p:cNvPr id="47" name="Straight Connector 46"/>
+              <p:cNvCxnSpPr/>
+              <p:nvPr/>
+            </p:nvCxnSpPr>
+            <p:spPr>
+              <a:xfrm flipV="1">
+                <a:off x="4467807" y="4384458"/>
+                <a:ext cx="915010" cy="705395"/>
+              </a:xfrm>
+              <a:prstGeom prst="line">
+                <a:avLst/>
+              </a:prstGeom>
+              <a:grpFill/>
+              <a:ln w="12700">
+                <a:solidFill>
+                  <a:srgbClr val="00FF00"/>
+                </a:solidFill>
+              </a:ln>
+            </p:spPr>
+            <p:style>
+              <a:lnRef idx="1">
+                <a:schemeClr val="accent1"/>
+              </a:lnRef>
+              <a:fillRef idx="0">
+                <a:schemeClr val="accent1"/>
+              </a:fillRef>
+              <a:effectRef idx="0">
+                <a:schemeClr val="accent1"/>
+              </a:effectRef>
+              <a:fontRef idx="minor">
+                <a:schemeClr val="tx1"/>
+              </a:fontRef>
+            </p:style>
+          </p:cxnSp>
+          <p:cxnSp>
+            <p:nvCxnSpPr>
+              <p:cNvPr id="48" name="Straight Connector 47"/>
+              <p:cNvCxnSpPr/>
+              <p:nvPr/>
+            </p:nvCxnSpPr>
+            <p:spPr>
+              <a:xfrm flipV="1">
+                <a:off x="5369679" y="5128491"/>
+                <a:ext cx="915010" cy="705395"/>
+              </a:xfrm>
+              <a:prstGeom prst="line">
+                <a:avLst/>
+              </a:prstGeom>
+              <a:grpFill/>
+              <a:ln w="12700">
+                <a:solidFill>
+                  <a:srgbClr val="00FF00"/>
+                </a:solidFill>
+              </a:ln>
+            </p:spPr>
+            <p:style>
+              <a:lnRef idx="1">
+                <a:schemeClr val="accent1"/>
+              </a:lnRef>
+              <a:fillRef idx="0">
+                <a:schemeClr val="accent1"/>
+              </a:fillRef>
+              <a:effectRef idx="0">
+                <a:schemeClr val="accent1"/>
+              </a:effectRef>
+              <a:fontRef idx="minor">
+                <a:schemeClr val="tx1"/>
+              </a:fontRef>
+            </p:style>
+          </p:cxnSp>
+          <p:cxnSp>
+            <p:nvCxnSpPr>
+              <p:cNvPr id="50" name="Straight Connector 49"/>
+              <p:cNvCxnSpPr/>
+              <p:nvPr/>
+            </p:nvCxnSpPr>
+            <p:spPr>
+              <a:xfrm>
+                <a:off x="4467807" y="5089853"/>
+                <a:ext cx="901872" cy="705394"/>
+              </a:xfrm>
+              <a:prstGeom prst="line">
+                <a:avLst/>
+              </a:prstGeom>
+              <a:grpFill/>
+              <a:ln w="12700">
+                <a:solidFill>
+                  <a:srgbClr val="00FF00"/>
+                </a:solidFill>
+              </a:ln>
+            </p:spPr>
+            <p:style>
+              <a:lnRef idx="1">
+                <a:schemeClr val="accent1"/>
+              </a:lnRef>
+              <a:fillRef idx="0">
+                <a:schemeClr val="accent1"/>
+              </a:fillRef>
+              <a:effectRef idx="0">
+                <a:schemeClr val="accent1"/>
+              </a:effectRef>
+              <a:fontRef idx="minor">
+                <a:schemeClr val="tx1"/>
+              </a:fontRef>
+            </p:style>
+          </p:cxnSp>
+          <p:cxnSp>
+            <p:nvCxnSpPr>
+              <p:cNvPr id="51" name="Straight Connector 50"/>
+              <p:cNvCxnSpPr/>
+              <p:nvPr/>
+            </p:nvCxnSpPr>
+            <p:spPr>
+              <a:xfrm>
+                <a:off x="5406535" y="4394555"/>
+                <a:ext cx="857933" cy="640473"/>
+              </a:xfrm>
+              <a:prstGeom prst="line">
+                <a:avLst/>
+              </a:prstGeom>
+              <a:grpFill/>
+              <a:ln w="12700">
+                <a:solidFill>
+                  <a:srgbClr val="00FF00"/>
+                </a:solidFill>
+              </a:ln>
+            </p:spPr>
+            <p:style>
+              <a:lnRef idx="1">
+                <a:schemeClr val="accent1"/>
+              </a:lnRef>
+              <a:fillRef idx="0">
+                <a:schemeClr val="accent1"/>
+              </a:fillRef>
+              <a:effectRef idx="0">
+                <a:schemeClr val="accent1"/>
+              </a:effectRef>
+              <a:fontRef idx="minor">
+                <a:schemeClr val="tx1"/>
+              </a:fontRef>
+            </p:style>
+          </p:cxnSp>
+          <p:cxnSp>
+            <p:nvCxnSpPr>
+              <p:cNvPr id="53" name="Straight Connector 52"/>
+              <p:cNvCxnSpPr/>
+              <p:nvPr/>
+            </p:nvCxnSpPr>
+            <p:spPr>
+              <a:xfrm flipV="1">
+                <a:off x="4467807" y="4861098"/>
+                <a:ext cx="901872" cy="699017"/>
+              </a:xfrm>
+              <a:prstGeom prst="line">
+                <a:avLst/>
+              </a:prstGeom>
+              <a:grpFill/>
+              <a:ln w="12700">
+                <a:solidFill>
+                  <a:srgbClr val="00FF00"/>
+                </a:solidFill>
+              </a:ln>
+            </p:spPr>
+            <p:style>
+              <a:lnRef idx="1">
+                <a:schemeClr val="accent1"/>
+              </a:lnRef>
+              <a:fillRef idx="0">
+                <a:schemeClr val="accent1"/>
+              </a:fillRef>
+              <a:effectRef idx="0">
+                <a:schemeClr val="accent1"/>
+              </a:effectRef>
+              <a:fontRef idx="minor">
+                <a:schemeClr val="tx1"/>
+              </a:fontRef>
+            </p:style>
+          </p:cxnSp>
+          <p:cxnSp>
+            <p:nvCxnSpPr>
+              <p:cNvPr id="54" name="Straight Connector 53"/>
+              <p:cNvCxnSpPr/>
+              <p:nvPr/>
+            </p:nvCxnSpPr>
+            <p:spPr>
+              <a:xfrm flipV="1">
+                <a:off x="5385867" y="4629155"/>
+                <a:ext cx="901872" cy="699017"/>
+              </a:xfrm>
+              <a:prstGeom prst="line">
+                <a:avLst/>
+              </a:prstGeom>
+              <a:grpFill/>
+              <a:ln w="12700">
+                <a:solidFill>
+                  <a:srgbClr val="00FF00"/>
+                </a:solidFill>
+              </a:ln>
+            </p:spPr>
+            <p:style>
+              <a:lnRef idx="1">
+                <a:schemeClr val="accent1"/>
+              </a:lnRef>
+              <a:fillRef idx="0">
+                <a:schemeClr val="accent1"/>
+              </a:fillRef>
+              <a:effectRef idx="0">
+                <a:schemeClr val="accent1"/>
+              </a:effectRef>
+              <a:fontRef idx="minor">
+                <a:schemeClr val="tx1"/>
+              </a:fontRef>
+            </p:style>
+          </p:cxnSp>
+          <p:cxnSp>
+            <p:nvCxnSpPr>
+              <p:cNvPr id="56" name="Straight Connector 55"/>
+              <p:cNvCxnSpPr/>
+              <p:nvPr/>
+            </p:nvCxnSpPr>
+            <p:spPr>
+              <a:xfrm>
+                <a:off x="4467807" y="4613212"/>
+                <a:ext cx="901872" cy="705395"/>
+              </a:xfrm>
+              <a:prstGeom prst="line">
+                <a:avLst/>
+              </a:prstGeom>
+              <a:grpFill/>
+              <a:ln w="12700">
+                <a:solidFill>
+                  <a:srgbClr val="00FF00"/>
+                </a:solidFill>
+              </a:ln>
+            </p:spPr>
+            <p:style>
+              <a:lnRef idx="1">
+                <a:schemeClr val="accent1"/>
+              </a:lnRef>
+              <a:fillRef idx="0">
+                <a:schemeClr val="accent1"/>
+              </a:fillRef>
+              <a:effectRef idx="0">
+                <a:schemeClr val="accent1"/>
+              </a:effectRef>
+              <a:fontRef idx="minor">
+                <a:schemeClr val="tx1"/>
+              </a:fontRef>
+            </p:style>
+          </p:cxnSp>
+          <p:cxnSp>
+            <p:nvCxnSpPr>
+              <p:cNvPr id="57" name="Straight Connector 56"/>
+              <p:cNvCxnSpPr/>
+              <p:nvPr/>
+            </p:nvCxnSpPr>
+            <p:spPr>
+              <a:xfrm>
+                <a:off x="5350436" y="4815995"/>
+                <a:ext cx="901872" cy="705395"/>
+              </a:xfrm>
+              <a:prstGeom prst="line">
+                <a:avLst/>
+              </a:prstGeom>
+              <a:grpFill/>
+              <a:ln w="12700">
+                <a:solidFill>
+                  <a:srgbClr val="00FF00"/>
+                </a:solidFill>
+              </a:ln>
+            </p:spPr>
+            <p:style>
+              <a:lnRef idx="1">
+                <a:schemeClr val="accent1"/>
+              </a:lnRef>
+              <a:fillRef idx="0">
+                <a:schemeClr val="accent1"/>
+              </a:fillRef>
+              <a:effectRef idx="0">
+                <a:schemeClr val="accent1"/>
+              </a:effectRef>
+              <a:fontRef idx="minor">
+                <a:schemeClr val="tx1"/>
+              </a:fontRef>
+            </p:style>
+          </p:cxnSp>
+        </p:grpSp>
+      </p:grpSp>
+      <p:sp>
+        <p:nvSpPr>
+          <p:cNvPr id="82" name="TextBox 81"/>
+          <p:cNvSpPr txBox="1"/>
+          <p:nvPr/>
+        </p:nvSpPr>
+        <p:spPr>
+          <a:xfrm>
+            <a:off x="2015437" y="3365856"/>
+            <a:ext cx="1393722" cy="584775"/>
+          </a:xfrm>
+          <a:prstGeom prst="rect">
+            <a:avLst/>
+          </a:prstGeom>
+          <a:noFill/>
+        </p:spPr>
+        <p:txBody>
+          <a:bodyPr wrap="square" rtlCol="0">
+            <a:spAutoFit/>
+          </a:bodyPr>
+          <a:lstStyle/>
+          <a:p>
+            <a:r>
+              <a:rPr lang="fr-FR" sz="3200" dirty="0" smtClean="0">
+                <a:solidFill>
+                  <a:srgbClr val="00FF00"/>
+                </a:solidFill>
+                <a:latin typeface="Bahnschrift Condensed" panose="020B0502040204020203" pitchFamily="34" charset="0"/>
+              </a:rPr>
+              <a:t>Upscaler</a:t>
+            </a:r>
+            <a:endParaRPr lang="fr-FR" sz="3200" dirty="0">
+              <a:solidFill>
+                <a:srgbClr val="00FF00"/>
+              </a:solidFill>
+              <a:latin typeface="Bahnschrift Condensed" panose="020B0502040204020203" pitchFamily="34" charset="0"/>
+            </a:endParaRPr>
+          </a:p>
+        </p:txBody>
+      </p:sp>
+      <p:sp>
+        <p:nvSpPr>
+          <p:cNvPr id="123" name="TextBox 122"/>
+          <p:cNvSpPr txBox="1"/>
+          <p:nvPr/>
+        </p:nvSpPr>
+        <p:spPr>
+          <a:xfrm>
+            <a:off x="903676" y="1809485"/>
+            <a:ext cx="1877723" cy="369332"/>
+          </a:xfrm>
+          <a:prstGeom prst="rect">
+            <a:avLst/>
+          </a:prstGeom>
+          <a:noFill/>
+        </p:spPr>
+        <p:txBody>
+          <a:bodyPr wrap="square" rtlCol="0">
+            <a:spAutoFit/>
+          </a:bodyPr>
+          <a:lstStyle/>
+          <a:p>
+            <a:pPr algn="ctr"/>
+            <a:r>
+              <a:rPr lang="fr-FR" dirty="0" smtClean="0">
+                <a:solidFill>
+                  <a:schemeClr val="bg1">
+                    <a:lumMod val="50000"/>
+                  </a:schemeClr>
+                </a:solidFill>
+                <a:latin typeface="Bahnschrift Condensed" panose="020B0502040204020203" pitchFamily="34" charset="0"/>
+              </a:rPr>
+              <a:t>Low resolution base</a:t>
+            </a:r>
+            <a:endParaRPr lang="fr-FR" dirty="0">
+              <a:solidFill>
+                <a:schemeClr val="bg1">
+                  <a:lumMod val="50000"/>
+                </a:schemeClr>
+              </a:solidFill>
+              <a:latin typeface="Bahnschrift Condensed" panose="020B0502040204020203" pitchFamily="34" charset="0"/>
+            </a:endParaRPr>
+          </a:p>
+        </p:txBody>
+      </p:sp>
+      <p:sp>
+        <p:nvSpPr>
+          <p:cNvPr id="119" name="TextBox 118"/>
+          <p:cNvSpPr txBox="1"/>
+          <p:nvPr/>
+        </p:nvSpPr>
+        <p:spPr>
+          <a:xfrm>
+            <a:off x="8673059" y="3395471"/>
+            <a:ext cx="1939187" cy="584775"/>
+          </a:xfrm>
+          <a:prstGeom prst="rect">
+            <a:avLst/>
+          </a:prstGeom>
+          <a:noFill/>
+          <a:ln>
+            <a:noFill/>
+          </a:ln>
+        </p:spPr>
+        <p:txBody>
+          <a:bodyPr wrap="square" rtlCol="0">
+            <a:spAutoFit/>
+          </a:bodyPr>
+          <a:lstStyle/>
+          <a:p>
+            <a:r>
+              <a:rPr lang="fr-FR" sz="3200" dirty="0" smtClean="0">
+                <a:solidFill>
+                  <a:srgbClr val="C00000"/>
+                </a:solidFill>
+                <a:latin typeface="Bahnschrift Condensed" panose="020B0502040204020203" pitchFamily="34" charset="0"/>
+              </a:rPr>
+              <a:t>Discriminant</a:t>
+            </a:r>
+            <a:endParaRPr lang="fr-FR" sz="3200" dirty="0">
+              <a:solidFill>
+                <a:srgbClr val="C00000"/>
+              </a:solidFill>
+              <a:latin typeface="Bahnschrift Condensed" panose="020B0502040204020203" pitchFamily="34" charset="0"/>
+            </a:endParaRPr>
+          </a:p>
+        </p:txBody>
+      </p:sp>
+      <p:grpSp>
+        <p:nvGrpSpPr>
+          <p:cNvPr id="207" name="Group 206"/>
+          <p:cNvGrpSpPr/>
+          <p:nvPr/>
+        </p:nvGrpSpPr>
+        <p:grpSpPr>
+          <a:xfrm>
+            <a:off x="1155096" y="2181076"/>
+            <a:ext cx="1115215" cy="793561"/>
+            <a:chOff x="3772804" y="475975"/>
+            <a:chExt cx="1926833" cy="1371089"/>
+          </a:xfrm>
+        </p:grpSpPr>
+        <p:pic>
+          <p:nvPicPr>
+            <p:cNvPr id="122" name="Picture 121"/>
+            <p:cNvPicPr>
+              <a:picLocks noChangeAspect="1"/>
+            </p:cNvPicPr>
+            <p:nvPr/>
+          </p:nvPicPr>
+          <p:blipFill>
+            <a:blip r:embed="rId6" cstate="print">
+              <a:extLst>
+                <a:ext uri="{28A0092B-C50C-407E-A947-70E740481C1C}">
+                  <a14:useLocalDpi xmlns:a14="http://schemas.microsoft.com/office/drawing/2010/main" val="0"/>
+                </a:ext>
+              </a:extLst>
+            </a:blip>
+            <a:stretch>
+              <a:fillRect/>
+            </a:stretch>
+          </p:blipFill>
+          <p:spPr>
+            <a:xfrm>
+              <a:off x="3772804" y="475975"/>
+              <a:ext cx="1486470" cy="1117958"/>
+            </a:xfrm>
+            <a:prstGeom prst="rect">
+              <a:avLst/>
+            </a:prstGeom>
+          </p:spPr>
+        </p:pic>
+        <p:pic>
+          <p:nvPicPr>
+            <p:cNvPr id="6" name="Picture 5"/>
+            <p:cNvPicPr>
+              <a:picLocks noChangeAspect="1"/>
+            </p:cNvPicPr>
+            <p:nvPr/>
+          </p:nvPicPr>
+          <p:blipFill>
+            <a:blip r:embed="rId7" cstate="print">
+              <a:extLst>
+                <a:ext uri="{28A0092B-C50C-407E-A947-70E740481C1C}">
+                  <a14:useLocalDpi xmlns:a14="http://schemas.microsoft.com/office/drawing/2010/main" val="0"/>
+                </a:ext>
+              </a:extLst>
+            </a:blip>
+            <a:stretch>
+              <a:fillRect/>
+            </a:stretch>
+          </p:blipFill>
+          <p:spPr>
+            <a:xfrm>
+              <a:off x="3958190" y="575378"/>
+              <a:ext cx="1476345" cy="1110343"/>
+            </a:xfrm>
+            <a:prstGeom prst="rect">
+              <a:avLst/>
+            </a:prstGeom>
+          </p:spPr>
+        </p:pic>
+        <p:pic>
+          <p:nvPicPr>
+            <p:cNvPr id="4" name="Picture 3"/>
+            <p:cNvPicPr>
+              <a:picLocks noChangeAspect="1"/>
+            </p:cNvPicPr>
+            <p:nvPr/>
+          </p:nvPicPr>
+          <p:blipFill>
+            <a:blip r:embed="rId8" cstate="print">
+              <a:extLst>
+                <a:ext uri="{28A0092B-C50C-407E-A947-70E740481C1C}">
+                  <a14:useLocalDpi xmlns:a14="http://schemas.microsoft.com/office/drawing/2010/main" val="0"/>
+                </a:ext>
+              </a:extLst>
+            </a:blip>
+            <a:stretch>
+              <a:fillRect/>
+            </a:stretch>
+          </p:blipFill>
+          <p:spPr>
+            <a:xfrm>
+              <a:off x="4189571" y="736721"/>
+              <a:ext cx="1510066" cy="1110343"/>
+            </a:xfrm>
+            <a:prstGeom prst="rect">
+              <a:avLst/>
+            </a:prstGeom>
+          </p:spPr>
+        </p:pic>
+      </p:grpSp>
+      <p:sp>
+        <p:nvSpPr>
+          <p:cNvPr id="214" name="TextBox 213"/>
+          <p:cNvSpPr txBox="1"/>
+          <p:nvPr/>
+        </p:nvSpPr>
+        <p:spPr>
+          <a:xfrm>
+            <a:off x="5212080" y="1646516"/>
+            <a:ext cx="1545841" cy="369332"/>
+          </a:xfrm>
+          <a:prstGeom prst="rect">
+            <a:avLst/>
+          </a:prstGeom>
+          <a:noFill/>
+        </p:spPr>
+        <p:txBody>
+          <a:bodyPr wrap="square" rtlCol="0">
+            <a:spAutoFit/>
+          </a:bodyPr>
+          <a:lstStyle/>
+          <a:p>
+            <a:pPr algn="ctr"/>
+            <a:r>
+              <a:rPr lang="fr-FR" dirty="0" smtClean="0">
+                <a:solidFill>
+                  <a:schemeClr val="tx1">
+                    <a:lumMod val="50000"/>
+                    <a:lumOff val="50000"/>
+                  </a:schemeClr>
+                </a:solidFill>
+                <a:latin typeface="Bahnschrift Condensed" panose="020B0502040204020203" pitchFamily="34" charset="0"/>
+              </a:rPr>
+              <a:t>Upscaled base</a:t>
+            </a:r>
+            <a:endParaRPr lang="fr-FR" dirty="0">
+              <a:solidFill>
+                <a:schemeClr val="tx1">
+                  <a:lumMod val="50000"/>
+                  <a:lumOff val="50000"/>
+                </a:schemeClr>
+              </a:solidFill>
+              <a:latin typeface="Bahnschrift Condensed" panose="020B0502040204020203" pitchFamily="34" charset="0"/>
+            </a:endParaRPr>
+          </a:p>
+        </p:txBody>
+      </p:sp>
+      <p:sp>
+        <p:nvSpPr>
+          <p:cNvPr id="252" name="Rectangle 251"/>
+          <p:cNvSpPr/>
+          <p:nvPr/>
+        </p:nvSpPr>
+        <p:spPr>
+          <a:xfrm flipV="1">
+            <a:off x="6587656" y="985112"/>
+            <a:ext cx="4644000" cy="197264"/>
+          </a:xfrm>
+          <a:prstGeom prst="rect">
+            <a:avLst/>
+          </a:prstGeom>
+          <a:solidFill>
+            <a:srgbClr val="C00000"/>
+          </a:solidFill>
+          <a:ln>
+            <a:noFill/>
+          </a:ln>
+        </p:spPr>
+        <p:style>
+          <a:lnRef idx="2">
+            <a:schemeClr val="accent1">
+              <a:shade val="50000"/>
+            </a:schemeClr>
+          </a:lnRef>
+          <a:fillRef idx="1">
+            <a:schemeClr val="accent1"/>
+          </a:fillRef>
+          <a:effectRef idx="0">
+            <a:schemeClr val="accent1"/>
+          </a:effectRef>
+          <a:fontRef idx="minor">
+            <a:schemeClr val="lt1"/>
+          </a:fontRef>
+        </p:style>
+        <p:txBody>
+          <a:bodyPr rtlCol="0" anchor="ctr"/>
+          <a:lstStyle/>
+          <a:p>
+            <a:pPr algn="ctr"/>
+            <a:endParaRPr lang="fr-FR" dirty="0"/>
+          </a:p>
+        </p:txBody>
+      </p:sp>
+      <p:sp>
+        <p:nvSpPr>
+          <p:cNvPr id="253" name="Right Arrow 252"/>
+          <p:cNvSpPr/>
+          <p:nvPr/>
+        </p:nvSpPr>
+        <p:spPr>
+          <a:xfrm rot="5400000" flipV="1">
+            <a:off x="3149821" y="1224668"/>
+            <a:ext cx="945976" cy="466863"/>
+          </a:xfrm>
+          <a:prstGeom prst="rightArrow">
+            <a:avLst/>
+          </a:prstGeom>
+          <a:solidFill>
+            <a:srgbClr val="C00000"/>
+          </a:solidFill>
+          <a:ln>
+            <a:noFill/>
+          </a:ln>
+        </p:spPr>
+        <p:style>
+          <a:lnRef idx="2">
+            <a:schemeClr val="accent1">
+              <a:shade val="50000"/>
+            </a:schemeClr>
+          </a:lnRef>
+          <a:fillRef idx="1">
+            <a:schemeClr val="accent1"/>
+          </a:fillRef>
+          <a:effectRef idx="0">
+            <a:schemeClr val="accent1"/>
+          </a:effectRef>
+          <a:fontRef idx="minor">
+            <a:schemeClr val="lt1"/>
+          </a:fontRef>
+        </p:style>
+        <p:txBody>
+          <a:bodyPr rtlCol="0" anchor="ctr"/>
+          <a:lstStyle/>
+          <a:p>
+            <a:pPr algn="ctr"/>
+            <a:endParaRPr lang="fr-FR" dirty="0"/>
+          </a:p>
+        </p:txBody>
+      </p:sp>
+      <p:sp>
+        <p:nvSpPr>
+          <p:cNvPr id="239" name="Right Arrow 238"/>
+          <p:cNvSpPr/>
+          <p:nvPr/>
+        </p:nvSpPr>
+        <p:spPr>
+          <a:xfrm rot="16200000">
+            <a:off x="3226968" y="3517130"/>
+            <a:ext cx="834069" cy="466863"/>
+          </a:xfrm>
+          <a:prstGeom prst="rightArrow">
+            <a:avLst/>
+          </a:prstGeom>
+          <a:solidFill>
+            <a:srgbClr val="00FF00"/>
+          </a:solidFill>
+          <a:ln>
+            <a:noFill/>
+          </a:ln>
+        </p:spPr>
+        <p:style>
+          <a:lnRef idx="2">
+            <a:schemeClr val="accent1">
+              <a:shade val="50000"/>
+            </a:schemeClr>
+          </a:lnRef>
+          <a:fillRef idx="1">
+            <a:schemeClr val="accent1"/>
+          </a:fillRef>
+          <a:effectRef idx="0">
+            <a:schemeClr val="accent1"/>
+          </a:effectRef>
+          <a:fontRef idx="minor">
+            <a:schemeClr val="lt1"/>
+          </a:fontRef>
+        </p:style>
+        <p:txBody>
+          <a:bodyPr rtlCol="0" anchor="ctr"/>
+          <a:lstStyle/>
+          <a:p>
+            <a:pPr algn="ctr"/>
+            <a:endParaRPr lang="fr-FR" dirty="0"/>
+          </a:p>
+        </p:txBody>
+      </p:sp>
+      <p:sp>
+        <p:nvSpPr>
+          <p:cNvPr id="2" name="Rectangle 1"/>
+          <p:cNvSpPr/>
+          <p:nvPr/>
+        </p:nvSpPr>
+        <p:spPr>
+          <a:xfrm>
+            <a:off x="2642554" y="4896952"/>
+            <a:ext cx="4451989" cy="250414"/>
+          </a:xfrm>
+          <a:prstGeom prst="rect">
+            <a:avLst/>
+          </a:prstGeom>
+          <a:solidFill>
+            <a:schemeClr val="bg2">
+              <a:lumMod val="75000"/>
+            </a:schemeClr>
+          </a:solidFill>
+          <a:ln>
+            <a:noFill/>
+          </a:ln>
+        </p:spPr>
+        <p:style>
+          <a:lnRef idx="2">
+            <a:schemeClr val="accent1">
+              <a:shade val="50000"/>
+            </a:schemeClr>
+          </a:lnRef>
+          <a:fillRef idx="1">
+            <a:schemeClr val="accent1"/>
+          </a:fillRef>
+          <a:effectRef idx="0">
+            <a:schemeClr val="accent1"/>
+          </a:effectRef>
+          <a:fontRef idx="minor">
+            <a:schemeClr val="lt1"/>
+          </a:fontRef>
+        </p:style>
+        <p:txBody>
+          <a:bodyPr rtlCol="0" anchor="ctr"/>
+          <a:lstStyle/>
+          <a:p>
+            <a:pPr algn="ctr"/>
+            <a:endParaRPr lang="fr-FR" dirty="0"/>
+          </a:p>
+        </p:txBody>
+      </p:sp>
+      <p:sp>
+        <p:nvSpPr>
+          <p:cNvPr id="118" name="TextBox 255"/>
+          <p:cNvSpPr txBox="1"/>
+          <p:nvPr/>
+        </p:nvSpPr>
+        <p:spPr>
+          <a:xfrm>
+            <a:off x="10027236" y="2597254"/>
+            <a:ext cx="599063" cy="307777"/>
+          </a:xfrm>
+          <a:prstGeom prst="rect">
+            <a:avLst/>
+          </a:prstGeom>
+          <a:noFill/>
+          <a:ln>
+            <a:noFill/>
+          </a:ln>
+        </p:spPr>
+        <p:txBody>
+          <a:bodyPr wrap="square" rtlCol="0">
+            <a:spAutoFit/>
+          </a:bodyPr>
+          <a:lstStyle/>
+          <a:p>
+            <a:r>
+              <a:rPr lang="fr-FR" sz="1400" i="1" dirty="0" smtClean="0">
+                <a:solidFill>
+                  <a:schemeClr val="bg1"/>
+                </a:solidFill>
+                <a:latin typeface="Bahnschrift Condensed" panose="020B0502040204020203" pitchFamily="34" charset="0"/>
+              </a:rPr>
+              <a:t>P fake</a:t>
+            </a:r>
+            <a:endParaRPr lang="fr-FR" sz="1400" i="1" dirty="0">
+              <a:solidFill>
+                <a:schemeClr val="bg1"/>
+              </a:solidFill>
+              <a:latin typeface="Bahnschrift Condensed" panose="020B0502040204020203" pitchFamily="34" charset="0"/>
+            </a:endParaRPr>
+          </a:p>
+        </p:txBody>
+      </p:sp>
+      <p:sp>
+        <p:nvSpPr>
+          <p:cNvPr id="3" name="Triangle isocèle 2"/>
+          <p:cNvSpPr/>
+          <p:nvPr/>
+        </p:nvSpPr>
+        <p:spPr>
+          <a:xfrm>
+            <a:off x="3402618" y="3335268"/>
+            <a:ext cx="247989" cy="238095"/>
+          </a:xfrm>
+          <a:prstGeom prst="triangle">
+            <a:avLst>
+              <a:gd name="adj" fmla="val 96160"/>
+            </a:avLst>
+          </a:prstGeom>
+          <a:solidFill>
+            <a:schemeClr val="bg2">
+              <a:lumMod val="75000"/>
+            </a:schemeClr>
+          </a:solidFill>
+          <a:ln>
+            <a:noFill/>
+          </a:ln>
+        </p:spPr>
+        <p:style>
+          <a:lnRef idx="2">
+            <a:schemeClr val="accent1">
+              <a:shade val="50000"/>
+            </a:schemeClr>
+          </a:lnRef>
+          <a:fillRef idx="1">
+            <a:schemeClr val="accent1"/>
+          </a:fillRef>
+          <a:effectRef idx="0">
+            <a:schemeClr val="accent1"/>
+          </a:effectRef>
+          <a:fontRef idx="minor">
+            <a:schemeClr val="lt1"/>
+          </a:fontRef>
+        </p:style>
+        <p:txBody>
+          <a:bodyPr rtlCol="0" anchor="ctr"/>
+          <a:lstStyle/>
+          <a:p>
+            <a:pPr algn="ctr"/>
+            <a:endParaRPr lang="fr-FR" dirty="0"/>
+          </a:p>
+        </p:txBody>
+      </p:sp>
+      <p:sp>
+        <p:nvSpPr>
+          <p:cNvPr id="130" name="Rectangle 129"/>
+          <p:cNvSpPr/>
+          <p:nvPr/>
+        </p:nvSpPr>
+        <p:spPr>
+          <a:xfrm rot="16200000">
+            <a:off x="10370180" y="1712243"/>
+            <a:ext cx="1368000" cy="124553"/>
+          </a:xfrm>
+          <a:prstGeom prst="rect">
+            <a:avLst/>
+          </a:prstGeom>
+          <a:solidFill>
+            <a:schemeClr val="bg2">
+              <a:lumMod val="10000"/>
+            </a:schemeClr>
+          </a:solidFill>
+          <a:ln>
+            <a:noFill/>
+          </a:ln>
+        </p:spPr>
+        <p:style>
+          <a:lnRef idx="2">
+            <a:schemeClr val="accent1">
+              <a:shade val="50000"/>
+            </a:schemeClr>
+          </a:lnRef>
+          <a:fillRef idx="1">
+            <a:schemeClr val="accent1"/>
+          </a:fillRef>
+          <a:effectRef idx="0">
+            <a:schemeClr val="accent1"/>
+          </a:effectRef>
+          <a:fontRef idx="minor">
+            <a:schemeClr val="lt1"/>
+          </a:fontRef>
+        </p:style>
+        <p:txBody>
+          <a:bodyPr rtlCol="0" anchor="ctr"/>
+          <a:lstStyle/>
+          <a:p>
+            <a:pPr algn="ctr"/>
+            <a:endParaRPr lang="fr-FR" dirty="0"/>
+          </a:p>
+        </p:txBody>
+      </p:sp>
+      <p:sp>
+        <p:nvSpPr>
+          <p:cNvPr id="137" name="Rectangle 136"/>
+          <p:cNvSpPr/>
+          <p:nvPr/>
+        </p:nvSpPr>
+        <p:spPr>
+          <a:xfrm flipV="1">
+            <a:off x="3512953" y="985112"/>
+            <a:ext cx="2603715" cy="197264"/>
+          </a:xfrm>
+          <a:prstGeom prst="rect">
+            <a:avLst/>
+          </a:prstGeom>
+          <a:solidFill>
+            <a:srgbClr val="C00000"/>
+          </a:solidFill>
+          <a:ln>
+            <a:noFill/>
+          </a:ln>
+        </p:spPr>
+        <p:style>
+          <a:lnRef idx="2">
+            <a:schemeClr val="accent1">
+              <a:shade val="50000"/>
+            </a:schemeClr>
+          </a:lnRef>
+          <a:fillRef idx="1">
+            <a:schemeClr val="accent1"/>
+          </a:fillRef>
+          <a:effectRef idx="0">
+            <a:schemeClr val="accent1"/>
+          </a:effectRef>
+          <a:fontRef idx="minor">
+            <a:schemeClr val="lt1"/>
+          </a:fontRef>
+        </p:style>
+        <p:txBody>
+          <a:bodyPr rtlCol="0" anchor="ctr"/>
+          <a:lstStyle/>
+          <a:p>
+            <a:pPr algn="ctr"/>
+            <a:endParaRPr lang="fr-FR" dirty="0"/>
+          </a:p>
+        </p:txBody>
+      </p:sp>
+      <p:grpSp>
+        <p:nvGrpSpPr>
+          <p:cNvPr id="131" name="Group 226"/>
+          <p:cNvGrpSpPr/>
+          <p:nvPr/>
+        </p:nvGrpSpPr>
+        <p:grpSpPr>
+          <a:xfrm>
+            <a:off x="6118162" y="835475"/>
+            <a:ext cx="774439" cy="482179"/>
+            <a:chOff x="5739400" y="3507371"/>
+            <a:chExt cx="774439" cy="482179"/>
           </a:xfrm>
           <a:noFill/>
         </p:grpSpPr>
         <p:sp>
           <p:nvSpPr>
-            <p:cNvPr id="144" name="Oval 214"/>
+            <p:cNvPr id="132" name="Oval 214"/>
             <p:cNvSpPr/>
             <p:nvPr/>
           </p:nvSpPr>
@@ -13220,10 +15952,10 @@
         </p:sp>
         <p:cxnSp>
           <p:nvCxnSpPr>
-            <p:cNvPr id="145" name="Straight Connector 217"/>
+            <p:cNvPr id="133" name="Straight Connector 217"/>
             <p:cNvCxnSpPr>
-              <a:stCxn id="144" idx="1"/>
-              <a:endCxn id="144" idx="5"/>
+              <a:stCxn id="132" idx="1"/>
+              <a:endCxn id="132" idx="5"/>
             </p:cNvCxnSpPr>
             <p:nvPr/>
           </p:nvCxnSpPr>
@@ -13259,10 +15991,10 @@
         </p:cxnSp>
         <p:cxnSp>
           <p:nvCxnSpPr>
-            <p:cNvPr id="146" name="Straight Connector 218"/>
+            <p:cNvPr id="134" name="Straight Connector 218"/>
             <p:cNvCxnSpPr>
-              <a:stCxn id="144" idx="7"/>
-              <a:endCxn id="144" idx="3"/>
+              <a:stCxn id="132" idx="7"/>
+              <a:endCxn id="132" idx="3"/>
             </p:cNvCxnSpPr>
             <p:nvPr/>
           </p:nvCxnSpPr>
@@ -13298,13 +16030,13 @@
         </p:cxnSp>
         <p:sp>
           <p:nvSpPr>
-            <p:cNvPr id="147" name="TextBox 221"/>
+            <p:cNvPr id="135" name="TextBox 221"/>
             <p:cNvSpPr txBox="1"/>
             <p:nvPr/>
           </p:nvSpPr>
           <p:spPr>
             <a:xfrm>
-              <a:off x="5708938" y="3497600"/>
+              <a:off x="5969237" y="3507371"/>
               <a:ext cx="544602" cy="461665"/>
             </a:xfrm>
             <a:prstGeom prst="rect">
@@ -13324,14 +16056,14 @@
               <a:r>
                 <a:rPr lang="fr-FR" sz="2400" dirty="0" smtClean="0">
                   <a:solidFill>
-                    <a:schemeClr val="tx2"/>
+                    <a:schemeClr val="bg1"/>
                   </a:solidFill>
                 </a:rPr>
                 <a:t>-</a:t>
               </a:r>
               <a:endParaRPr lang="fr-FR" sz="2400" dirty="0">
                 <a:solidFill>
-                  <a:schemeClr val="tx2"/>
+                  <a:schemeClr val="bg1"/>
                 </a:solidFill>
               </a:endParaRPr>
             </a:p>
@@ -13340,14 +16072,147 @@
       </p:grpSp>
       <p:sp>
         <p:nvSpPr>
-          <p:cNvPr id="148" name="TextBox 221"/>
+          <p:cNvPr id="138" name="Rectangle 137"/>
+          <p:cNvSpPr/>
+          <p:nvPr/>
+        </p:nvSpPr>
+        <p:spPr>
+          <a:xfrm rot="10800000">
+            <a:off x="8921877" y="1066720"/>
+            <a:ext cx="2196000" cy="115655"/>
+          </a:xfrm>
+          <a:prstGeom prst="rect">
+            <a:avLst/>
+          </a:prstGeom>
+          <a:solidFill>
+            <a:schemeClr val="bg2">
+              <a:lumMod val="10000"/>
+            </a:schemeClr>
+          </a:solidFill>
+          <a:ln>
+            <a:noFill/>
+          </a:ln>
+        </p:spPr>
+        <p:style>
+          <a:lnRef idx="2">
+            <a:schemeClr val="accent1">
+              <a:shade val="50000"/>
+            </a:schemeClr>
+          </a:lnRef>
+          <a:fillRef idx="1">
+            <a:schemeClr val="accent1"/>
+          </a:fillRef>
+          <a:effectRef idx="0">
+            <a:schemeClr val="accent1"/>
+          </a:effectRef>
+          <a:fontRef idx="minor">
+            <a:schemeClr val="lt1"/>
+          </a:fontRef>
+        </p:style>
+        <p:txBody>
+          <a:bodyPr rtlCol="0" anchor="ctr"/>
+          <a:lstStyle/>
+          <a:p>
+            <a:pPr algn="ctr"/>
+            <a:endParaRPr lang="fr-FR" dirty="0"/>
+          </a:p>
+        </p:txBody>
+      </p:sp>
+      <p:sp>
+        <p:nvSpPr>
+          <p:cNvPr id="136" name="TextBox 254"/>
           <p:cNvSpPr txBox="1"/>
           <p:nvPr/>
         </p:nvSpPr>
         <p:spPr>
           <a:xfrm>
-            <a:off x="11422207" y="1909250"/>
-            <a:ext cx="544602" cy="338554"/>
+            <a:off x="3794876" y="907437"/>
+            <a:ext cx="2147624" cy="307777"/>
+          </a:xfrm>
+          <a:prstGeom prst="rect">
+            <a:avLst/>
+          </a:prstGeom>
+          <a:noFill/>
+        </p:spPr>
+        <p:txBody>
+          <a:bodyPr wrap="square" rtlCol="0">
+            <a:spAutoFit/>
+          </a:bodyPr>
+          <a:lstStyle/>
+          <a:p>
+            <a:r>
+              <a:rPr lang="fr-FR" sz="1400" i="1" dirty="0" err="1" smtClean="0">
+                <a:solidFill>
+                  <a:schemeClr val="bg1"/>
+                </a:solidFill>
+                <a:latin typeface="Bahnschrift Condensed" panose="020B0502040204020203" pitchFamily="34" charset="0"/>
+              </a:rPr>
+              <a:t>Adversarial</a:t>
+            </a:r>
+            <a:r>
+              <a:rPr lang="fr-FR" sz="1400" i="1" dirty="0" smtClean="0">
+                <a:solidFill>
+                  <a:schemeClr val="bg1"/>
+                </a:solidFill>
+                <a:latin typeface="Bahnschrift Condensed" panose="020B0502040204020203" pitchFamily="34" charset="0"/>
+              </a:rPr>
+              <a:t> </a:t>
+            </a:r>
+            <a:r>
+              <a:rPr lang="fr-FR" sz="1400" i="1" dirty="0" err="1" smtClean="0">
+                <a:solidFill>
+                  <a:schemeClr val="bg1"/>
+                </a:solidFill>
+                <a:latin typeface="Bahnschrift Condensed" panose="020B0502040204020203" pitchFamily="34" charset="0"/>
+              </a:rPr>
+              <a:t>loss</a:t>
+            </a:r>
+            <a:r>
+              <a:rPr lang="fr-FR" sz="1400" i="1" dirty="0" smtClean="0">
+                <a:solidFill>
+                  <a:schemeClr val="bg1"/>
+                </a:solidFill>
+                <a:latin typeface="Bahnschrift Condensed" panose="020B0502040204020203" pitchFamily="34" charset="0"/>
+              </a:rPr>
+              <a:t> =  - </a:t>
+            </a:r>
+            <a:r>
+              <a:rPr lang="fr-FR" sz="1400" i="1" dirty="0" err="1" smtClean="0">
+                <a:solidFill>
+                  <a:schemeClr val="bg1"/>
+                </a:solidFill>
+                <a:latin typeface="Bahnschrift Condensed" panose="020B0502040204020203" pitchFamily="34" charset="0"/>
+              </a:rPr>
+              <a:t>Pfake</a:t>
+            </a:r>
+            <a:r>
+              <a:rPr lang="fr-FR" sz="1400" i="1" dirty="0" smtClean="0">
+                <a:solidFill>
+                  <a:schemeClr val="bg1"/>
+                </a:solidFill>
+                <a:latin typeface="Bahnschrift Condensed" panose="020B0502040204020203" pitchFamily="34" charset="0"/>
+              </a:rPr>
+              <a:t> </a:t>
+            </a:r>
+            <a:endParaRPr lang="fr-FR" sz="1400" i="1" dirty="0">
+              <a:solidFill>
+                <a:schemeClr val="bg1"/>
+              </a:solidFill>
+              <a:latin typeface="Bahnschrift Condensed" panose="020B0502040204020203" pitchFamily="34" charset="0"/>
+            </a:endParaRPr>
+          </a:p>
+        </p:txBody>
+      </p:sp>
+      <p:sp>
+        <p:nvSpPr>
+          <p:cNvPr id="117" name="TextBox 255"/>
+          <p:cNvSpPr txBox="1"/>
+          <p:nvPr/>
+        </p:nvSpPr>
+        <p:spPr>
+          <a:xfrm>
+            <a:off x="10029715" y="2437417"/>
+            <a:ext cx="599062" cy="307777"/>
           </a:xfrm>
           <a:prstGeom prst="rect">
             <a:avLst/>
@@ -13364,39 +16229,2313 @@
           <a:lstStyle/>
           <a:p>
             <a:r>
-              <a:rPr lang="fr-FR" sz="1600" dirty="0" smtClean="0">
-                <a:solidFill>
-                  <a:schemeClr val="tx2"/>
-                </a:solidFill>
+              <a:rPr lang="fr-FR" sz="1400" i="1" dirty="0" smtClean="0">
+                <a:solidFill>
+                  <a:schemeClr val="bg1"/>
+                </a:solidFill>
+                <a:latin typeface="Bahnschrift Condensed" panose="020B0502040204020203" pitchFamily="34" charset="0"/>
               </a:rPr>
-              <a:t>+</a:t>
+              <a:t>P real</a:t>
             </a:r>
-            <a:endParaRPr lang="fr-FR" sz="1600" dirty="0">
+            <a:endParaRPr lang="fr-FR" sz="1400" i="1" dirty="0">
               <a:solidFill>
-                <a:schemeClr val="tx2"/>
+                <a:schemeClr val="bg1"/>
               </a:solidFill>
+              <a:latin typeface="Bahnschrift Condensed" panose="020B0502040204020203" pitchFamily="34" charset="0"/>
             </a:endParaRPr>
           </a:p>
         </p:txBody>
       </p:sp>
       <p:grpSp>
         <p:nvGrpSpPr>
-          <p:cNvPr id="154" name="Group 226"/>
+          <p:cNvPr id="16" name="Groupe 15"/>
           <p:cNvGrpSpPr/>
           <p:nvPr/>
         </p:nvGrpSpPr>
         <p:grpSpPr>
           <a:xfrm>
-            <a:off x="5541363" y="3598968"/>
-            <a:ext cx="1488255" cy="1018340"/>
-            <a:chOff x="5739400" y="3456289"/>
-            <a:chExt cx="714476" cy="533261"/>
+            <a:off x="10834793" y="2405815"/>
+            <a:ext cx="798973" cy="491950"/>
+            <a:chOff x="10834793" y="2405815"/>
+            <a:chExt cx="798973" cy="491950"/>
+          </a:xfrm>
+        </p:grpSpPr>
+        <p:sp>
+          <p:nvSpPr>
+            <p:cNvPr id="148" name="TextBox 221"/>
+            <p:cNvSpPr txBox="1"/>
+            <p:nvPr/>
+          </p:nvSpPr>
+          <p:spPr>
+            <a:xfrm>
+              <a:off x="11089164" y="2485151"/>
+              <a:ext cx="544602" cy="338554"/>
+            </a:xfrm>
+            <a:prstGeom prst="rect">
+              <a:avLst/>
+            </a:prstGeom>
+            <a:noFill/>
+            <a:ln>
+              <a:noFill/>
+            </a:ln>
+          </p:spPr>
+          <p:txBody>
+            <a:bodyPr wrap="square" rtlCol="0">
+              <a:spAutoFit/>
+            </a:bodyPr>
+            <a:lstStyle/>
+            <a:p>
+              <a:r>
+                <a:rPr lang="fr-FR" sz="1600" dirty="0" smtClean="0">
+                  <a:solidFill>
+                    <a:schemeClr val="bg1"/>
+                  </a:solidFill>
+                </a:rPr>
+                <a:t>+</a:t>
+              </a:r>
+              <a:endParaRPr lang="fr-FR" sz="1600" dirty="0">
+                <a:solidFill>
+                  <a:schemeClr val="bg1"/>
+                </a:solidFill>
+              </a:endParaRPr>
+            </a:p>
+          </p:txBody>
+        </p:sp>
+        <p:grpSp>
+          <p:nvGrpSpPr>
+            <p:cNvPr id="15" name="Groupe 14"/>
+            <p:cNvGrpSpPr/>
+            <p:nvPr/>
+          </p:nvGrpSpPr>
+          <p:grpSpPr>
+            <a:xfrm>
+              <a:off x="10834793" y="2405815"/>
+              <a:ext cx="544602" cy="491950"/>
+              <a:chOff x="10834793" y="2405815"/>
+              <a:chExt cx="544602" cy="491950"/>
+            </a:xfrm>
+          </p:grpSpPr>
+          <p:sp>
+            <p:nvSpPr>
+              <p:cNvPr id="147" name="TextBox 221"/>
+              <p:cNvSpPr txBox="1"/>
+              <p:nvPr/>
+            </p:nvSpPr>
+            <p:spPr>
+              <a:xfrm>
+                <a:off x="10834793" y="2405815"/>
+                <a:ext cx="544602" cy="461665"/>
+              </a:xfrm>
+              <a:prstGeom prst="rect">
+                <a:avLst/>
+              </a:prstGeom>
+              <a:noFill/>
+              <a:ln>
+                <a:noFill/>
+              </a:ln>
+            </p:spPr>
+            <p:txBody>
+              <a:bodyPr wrap="square" rtlCol="0">
+                <a:spAutoFit/>
+              </a:bodyPr>
+              <a:lstStyle/>
+              <a:p>
+                <a:r>
+                  <a:rPr lang="fr-FR" sz="2400" dirty="0" smtClean="0">
+                    <a:solidFill>
+                      <a:schemeClr val="bg1"/>
+                    </a:solidFill>
+                  </a:rPr>
+                  <a:t>-</a:t>
+                </a:r>
+                <a:endParaRPr lang="fr-FR" sz="2400" dirty="0">
+                  <a:solidFill>
+                    <a:schemeClr val="bg1"/>
+                  </a:solidFill>
+                </a:endParaRPr>
+              </a:p>
+            </p:txBody>
+          </p:sp>
+          <p:sp>
+            <p:nvSpPr>
+              <p:cNvPr id="144" name="Oval 214"/>
+              <p:cNvSpPr/>
+              <p:nvPr/>
+            </p:nvSpPr>
+            <p:spPr>
+              <a:xfrm>
+                <a:off x="10865255" y="2429765"/>
+                <a:ext cx="468000" cy="468000"/>
+              </a:xfrm>
+              <a:prstGeom prst="ellipse">
+                <a:avLst/>
+              </a:prstGeom>
+              <a:noFill/>
+              <a:ln w="57150">
+                <a:solidFill>
+                  <a:schemeClr val="tx2"/>
+                </a:solidFill>
+              </a:ln>
+            </p:spPr>
+            <p:style>
+              <a:lnRef idx="2">
+                <a:schemeClr val="accent1">
+                  <a:shade val="50000"/>
+                </a:schemeClr>
+              </a:lnRef>
+              <a:fillRef idx="1">
+                <a:schemeClr val="accent1"/>
+              </a:fillRef>
+              <a:effectRef idx="0">
+                <a:schemeClr val="accent1"/>
+              </a:effectRef>
+              <a:fontRef idx="minor">
+                <a:schemeClr val="lt1"/>
+              </a:fontRef>
+            </p:style>
+            <p:txBody>
+              <a:bodyPr rtlCol="0" anchor="ctr"/>
+              <a:lstStyle/>
+              <a:p>
+                <a:pPr algn="ctr"/>
+                <a:endParaRPr lang="fr-FR" sz="4400" dirty="0">
+                  <a:solidFill>
+                    <a:schemeClr val="tx2"/>
+                  </a:solidFill>
+                </a:endParaRPr>
+              </a:p>
+            </p:txBody>
+          </p:sp>
+          <p:cxnSp>
+            <p:nvCxnSpPr>
+              <p:cNvPr id="145" name="Straight Connector 217"/>
+              <p:cNvCxnSpPr>
+                <a:stCxn id="144" idx="1"/>
+                <a:endCxn id="144" idx="5"/>
+              </p:cNvCxnSpPr>
+              <p:nvPr/>
+            </p:nvCxnSpPr>
+            <p:spPr>
+              <a:xfrm>
+                <a:off x="10933792" y="2498302"/>
+                <a:ext cx="330926" cy="330926"/>
+              </a:xfrm>
+              <a:prstGeom prst="line">
+                <a:avLst/>
+              </a:prstGeom>
+              <a:noFill/>
+              <a:ln w="38100">
+                <a:solidFill>
+                  <a:schemeClr val="tx2"/>
+                </a:solidFill>
+              </a:ln>
+            </p:spPr>
+            <p:style>
+              <a:lnRef idx="1">
+                <a:schemeClr val="accent1"/>
+              </a:lnRef>
+              <a:fillRef idx="0">
+                <a:schemeClr val="accent1"/>
+              </a:fillRef>
+              <a:effectRef idx="0">
+                <a:schemeClr val="accent1"/>
+              </a:effectRef>
+              <a:fontRef idx="minor">
+                <a:schemeClr val="tx1"/>
+              </a:fontRef>
+            </p:style>
+          </p:cxnSp>
+          <p:cxnSp>
+            <p:nvCxnSpPr>
+              <p:cNvPr id="146" name="Straight Connector 218"/>
+              <p:cNvCxnSpPr>
+                <a:stCxn id="144" idx="7"/>
+                <a:endCxn id="144" idx="3"/>
+              </p:cNvCxnSpPr>
+              <p:nvPr/>
+            </p:nvCxnSpPr>
+            <p:spPr>
+              <a:xfrm flipH="1">
+                <a:off x="10933792" y="2498302"/>
+                <a:ext cx="330926" cy="330926"/>
+              </a:xfrm>
+              <a:prstGeom prst="line">
+                <a:avLst/>
+              </a:prstGeom>
+              <a:noFill/>
+              <a:ln w="38100">
+                <a:solidFill>
+                  <a:schemeClr val="tx2"/>
+                </a:solidFill>
+              </a:ln>
+            </p:spPr>
+            <p:style>
+              <a:lnRef idx="1">
+                <a:schemeClr val="accent1"/>
+              </a:lnRef>
+              <a:fillRef idx="0">
+                <a:schemeClr val="accent1"/>
+              </a:fillRef>
+              <a:effectRef idx="0">
+                <a:schemeClr val="accent1"/>
+              </a:effectRef>
+              <a:fontRef idx="minor">
+                <a:schemeClr val="tx1"/>
+              </a:fontRef>
+            </p:style>
+          </p:cxnSp>
+        </p:grpSp>
+      </p:grpSp>
+      <p:sp>
+        <p:nvSpPr>
+          <p:cNvPr id="142" name="TextBox 254"/>
+          <p:cNvSpPr txBox="1"/>
+          <p:nvPr/>
+        </p:nvSpPr>
+        <p:spPr>
+          <a:xfrm>
+            <a:off x="9060731" y="912829"/>
+            <a:ext cx="2147624" cy="307777"/>
+          </a:xfrm>
+          <a:prstGeom prst="rect">
+            <a:avLst/>
+          </a:prstGeom>
+          <a:noFill/>
+        </p:spPr>
+        <p:txBody>
+          <a:bodyPr wrap="square" rtlCol="0">
+            <a:spAutoFit/>
+          </a:bodyPr>
+          <a:lstStyle/>
+          <a:p>
+            <a:r>
+              <a:rPr lang="fr-FR" sz="1400" i="1" dirty="0" err="1" smtClean="0">
+                <a:solidFill>
+                  <a:schemeClr val="bg1"/>
+                </a:solidFill>
+                <a:latin typeface="Bahnschrift Condensed" panose="020B0502040204020203" pitchFamily="34" charset="0"/>
+              </a:rPr>
+              <a:t>Adversarial</a:t>
+            </a:r>
+            <a:r>
+              <a:rPr lang="fr-FR" sz="1400" i="1" dirty="0" smtClean="0">
+                <a:solidFill>
+                  <a:schemeClr val="bg1"/>
+                </a:solidFill>
+                <a:latin typeface="Bahnschrift Condensed" panose="020B0502040204020203" pitchFamily="34" charset="0"/>
+              </a:rPr>
+              <a:t> </a:t>
+            </a:r>
+            <a:r>
+              <a:rPr lang="fr-FR" sz="1400" i="1" dirty="0" err="1" smtClean="0">
+                <a:solidFill>
+                  <a:schemeClr val="bg1"/>
+                </a:solidFill>
+                <a:latin typeface="Bahnschrift Condensed" panose="020B0502040204020203" pitchFamily="34" charset="0"/>
+              </a:rPr>
+              <a:t>loss</a:t>
+            </a:r>
+            <a:r>
+              <a:rPr lang="fr-FR" sz="1400" i="1" dirty="0" smtClean="0">
+                <a:solidFill>
+                  <a:schemeClr val="bg1"/>
+                </a:solidFill>
+                <a:latin typeface="Bahnschrift Condensed" panose="020B0502040204020203" pitchFamily="34" charset="0"/>
+              </a:rPr>
+              <a:t> = </a:t>
+            </a:r>
+            <a:r>
+              <a:rPr lang="fr-FR" sz="1400" i="1" dirty="0" err="1" smtClean="0">
+                <a:solidFill>
+                  <a:schemeClr val="bg1"/>
+                </a:solidFill>
+                <a:latin typeface="Bahnschrift Condensed" panose="020B0502040204020203" pitchFamily="34" charset="0"/>
+              </a:rPr>
+              <a:t>Pfake</a:t>
+            </a:r>
+            <a:r>
+              <a:rPr lang="fr-FR" sz="1400" i="1" dirty="0">
+                <a:solidFill>
+                  <a:schemeClr val="bg1"/>
+                </a:solidFill>
+                <a:latin typeface="Bahnschrift Condensed" panose="020B0502040204020203" pitchFamily="34" charset="0"/>
+              </a:rPr>
+              <a:t> </a:t>
+            </a:r>
+            <a:r>
+              <a:rPr lang="fr-FR" sz="1400" i="1" dirty="0" smtClean="0">
+                <a:solidFill>
+                  <a:schemeClr val="bg1"/>
+                </a:solidFill>
+                <a:latin typeface="Bahnschrift Condensed" panose="020B0502040204020203" pitchFamily="34" charset="0"/>
+              </a:rPr>
+              <a:t>- </a:t>
+            </a:r>
+            <a:r>
+              <a:rPr lang="fr-FR" sz="1400" i="1" dirty="0" err="1" smtClean="0">
+                <a:solidFill>
+                  <a:schemeClr val="bg1"/>
+                </a:solidFill>
+                <a:latin typeface="Bahnschrift Condensed" panose="020B0502040204020203" pitchFamily="34" charset="0"/>
+              </a:rPr>
+              <a:t>Preal</a:t>
+            </a:r>
+            <a:endParaRPr lang="fr-FR" sz="1400" i="1" dirty="0">
+              <a:solidFill>
+                <a:schemeClr val="bg1"/>
+              </a:solidFill>
+              <a:latin typeface="Bahnschrift Condensed" panose="020B0502040204020203" pitchFamily="34" charset="0"/>
+            </a:endParaRPr>
+          </a:p>
+        </p:txBody>
+      </p:sp>
+      <p:sp>
+        <p:nvSpPr>
+          <p:cNvPr id="209" name="TextBox 208"/>
+          <p:cNvSpPr txBox="1"/>
+          <p:nvPr/>
+        </p:nvSpPr>
+        <p:spPr>
+          <a:xfrm>
+            <a:off x="943370" y="4009836"/>
+            <a:ext cx="1877723" cy="369332"/>
+          </a:xfrm>
+          <a:prstGeom prst="rect">
+            <a:avLst/>
+          </a:prstGeom>
+          <a:noFill/>
+        </p:spPr>
+        <p:txBody>
+          <a:bodyPr wrap="square" rtlCol="0">
+            <a:spAutoFit/>
+          </a:bodyPr>
+          <a:lstStyle/>
+          <a:p>
+            <a:pPr algn="ctr"/>
+            <a:r>
+              <a:rPr lang="fr-FR" dirty="0" smtClean="0">
+                <a:solidFill>
+                  <a:schemeClr val="tx1">
+                    <a:lumMod val="50000"/>
+                    <a:lumOff val="50000"/>
+                  </a:schemeClr>
+                </a:solidFill>
+                <a:latin typeface="Bahnschrift Condensed" panose="020B0502040204020203" pitchFamily="34" charset="0"/>
+              </a:rPr>
+              <a:t>High resolution base</a:t>
+            </a:r>
+            <a:endParaRPr lang="fr-FR" dirty="0">
+              <a:solidFill>
+                <a:schemeClr val="tx1">
+                  <a:lumMod val="50000"/>
+                  <a:lumOff val="50000"/>
+                </a:schemeClr>
+              </a:solidFill>
+              <a:latin typeface="Bahnschrift Condensed" panose="020B0502040204020203" pitchFamily="34" charset="0"/>
+            </a:endParaRPr>
+          </a:p>
+        </p:txBody>
+      </p:sp>
+      <p:grpSp>
+        <p:nvGrpSpPr>
+          <p:cNvPr id="257" name="Group 256"/>
+          <p:cNvGrpSpPr/>
+          <p:nvPr/>
+        </p:nvGrpSpPr>
+        <p:grpSpPr>
+          <a:xfrm>
+            <a:off x="1085148" y="4381220"/>
+            <a:ext cx="1801462" cy="1281878"/>
+            <a:chOff x="1504754" y="1506682"/>
+            <a:chExt cx="1926833" cy="1371089"/>
+          </a:xfrm>
+        </p:grpSpPr>
+        <p:pic>
+          <p:nvPicPr>
+            <p:cNvPr id="258" name="Picture 257"/>
+            <p:cNvPicPr>
+              <a:picLocks noChangeAspect="1"/>
+            </p:cNvPicPr>
+            <p:nvPr/>
+          </p:nvPicPr>
+          <p:blipFill>
+            <a:blip r:embed="rId3" cstate="print">
+              <a:extLst>
+                <a:ext uri="{28A0092B-C50C-407E-A947-70E740481C1C}">
+                  <a14:useLocalDpi xmlns:a14="http://schemas.microsoft.com/office/drawing/2010/main" val="0"/>
+                </a:ext>
+              </a:extLst>
+            </a:blip>
+            <a:stretch>
+              <a:fillRect/>
+            </a:stretch>
+          </p:blipFill>
+          <p:spPr>
+            <a:xfrm>
+              <a:off x="1504754" y="1506682"/>
+              <a:ext cx="1486470" cy="1117958"/>
+            </a:xfrm>
+            <a:prstGeom prst="rect">
+              <a:avLst/>
+            </a:prstGeom>
+          </p:spPr>
+        </p:pic>
+        <p:pic>
+          <p:nvPicPr>
+            <p:cNvPr id="259" name="Picture 258"/>
+            <p:cNvPicPr>
+              <a:picLocks noChangeAspect="1"/>
+            </p:cNvPicPr>
+            <p:nvPr/>
+          </p:nvPicPr>
+          <p:blipFill>
+            <a:blip r:embed="rId4" cstate="print">
+              <a:extLst>
+                <a:ext uri="{28A0092B-C50C-407E-A947-70E740481C1C}">
+                  <a14:useLocalDpi xmlns:a14="http://schemas.microsoft.com/office/drawing/2010/main" val="0"/>
+                </a:ext>
+              </a:extLst>
+            </a:blip>
+            <a:stretch>
+              <a:fillRect/>
+            </a:stretch>
+          </p:blipFill>
+          <p:spPr>
+            <a:xfrm>
+              <a:off x="1690140" y="1606085"/>
+              <a:ext cx="1476345" cy="1110343"/>
+            </a:xfrm>
+            <a:prstGeom prst="rect">
+              <a:avLst/>
+            </a:prstGeom>
+          </p:spPr>
+        </p:pic>
+        <p:pic>
+          <p:nvPicPr>
+            <p:cNvPr id="260" name="Picture 259"/>
+            <p:cNvPicPr>
+              <a:picLocks noChangeAspect="1"/>
+            </p:cNvPicPr>
+            <p:nvPr/>
+          </p:nvPicPr>
+          <p:blipFill>
+            <a:blip r:embed="rId5" cstate="print">
+              <a:extLst>
+                <a:ext uri="{28A0092B-C50C-407E-A947-70E740481C1C}">
+                  <a14:useLocalDpi xmlns:a14="http://schemas.microsoft.com/office/drawing/2010/main" val="0"/>
+                </a:ext>
+              </a:extLst>
+            </a:blip>
+            <a:stretch>
+              <a:fillRect/>
+            </a:stretch>
+          </p:blipFill>
+          <p:spPr>
+            <a:xfrm>
+              <a:off x="1921521" y="1767428"/>
+              <a:ext cx="1510066" cy="1110343"/>
+            </a:xfrm>
+            <a:prstGeom prst="rect">
+              <a:avLst/>
+            </a:prstGeom>
+          </p:spPr>
+        </p:pic>
+      </p:grpSp>
+      <p:grpSp>
+        <p:nvGrpSpPr>
+          <p:cNvPr id="201" name="Group 200"/>
+          <p:cNvGrpSpPr/>
+          <p:nvPr/>
+        </p:nvGrpSpPr>
+        <p:grpSpPr>
+          <a:xfrm>
+            <a:off x="7837359" y="1877495"/>
+            <a:ext cx="1951821" cy="1628503"/>
+            <a:chOff x="6306619" y="3794435"/>
+            <a:chExt cx="1951821" cy="1628503"/>
+          </a:xfrm>
+        </p:grpSpPr>
+        <p:sp>
+          <p:nvSpPr>
+            <p:cNvPr id="166" name="Rounded Rectangle 165"/>
+            <p:cNvSpPr/>
+            <p:nvPr/>
+          </p:nvSpPr>
+          <p:spPr>
+            <a:xfrm>
+              <a:off x="6306619" y="3794435"/>
+              <a:ext cx="1951821" cy="1628503"/>
+            </a:xfrm>
+            <a:prstGeom prst="roundRect">
+              <a:avLst/>
+            </a:prstGeom>
+            <a:solidFill>
+              <a:schemeClr val="tx2"/>
+            </a:solidFill>
+            <a:ln>
+              <a:noFill/>
+            </a:ln>
+          </p:spPr>
+          <p:style>
+            <a:lnRef idx="2">
+              <a:schemeClr val="accent1">
+                <a:shade val="50000"/>
+              </a:schemeClr>
+            </a:lnRef>
+            <a:fillRef idx="1">
+              <a:schemeClr val="accent1"/>
+            </a:fillRef>
+            <a:effectRef idx="0">
+              <a:schemeClr val="accent1"/>
+            </a:effectRef>
+            <a:fontRef idx="minor">
+              <a:schemeClr val="lt1"/>
+            </a:fontRef>
+          </p:style>
+          <p:txBody>
+            <a:bodyPr rtlCol="0" anchor="ctr"/>
+            <a:lstStyle/>
+            <a:p>
+              <a:pPr algn="ctr"/>
+              <a:endParaRPr lang="fr-FR" dirty="0">
+                <a:solidFill>
+                  <a:srgbClr val="C00000"/>
+                </a:solidFill>
+              </a:endParaRPr>
+            </a:p>
+          </p:txBody>
+        </p:sp>
+        <p:grpSp>
+          <p:nvGrpSpPr>
+            <p:cNvPr id="167" name="Group 166"/>
+            <p:cNvGrpSpPr/>
+            <p:nvPr/>
+          </p:nvGrpSpPr>
+          <p:grpSpPr>
+            <a:xfrm>
+              <a:off x="6505211" y="3994809"/>
+              <a:ext cx="1554637" cy="1227755"/>
+              <a:chOff x="4323808" y="4240458"/>
+              <a:chExt cx="2121762" cy="1698789"/>
+            </a:xfrm>
+            <a:solidFill>
+              <a:srgbClr val="C00000"/>
+            </a:solidFill>
+          </p:grpSpPr>
+          <p:grpSp>
+            <p:nvGrpSpPr>
+              <p:cNvPr id="168" name="Group 167"/>
+              <p:cNvGrpSpPr/>
+              <p:nvPr/>
+            </p:nvGrpSpPr>
+            <p:grpSpPr>
+              <a:xfrm>
+                <a:off x="5240689" y="4240458"/>
+                <a:ext cx="288000" cy="1698789"/>
+                <a:chOff x="5240689" y="4240458"/>
+                <a:chExt cx="288000" cy="1698789"/>
+              </a:xfrm>
+              <a:grpFill/>
+            </p:grpSpPr>
+            <p:sp>
+              <p:nvSpPr>
+                <p:cNvPr id="197" name="Oval 196"/>
+                <p:cNvSpPr/>
+                <p:nvPr/>
+              </p:nvSpPr>
+              <p:spPr>
+                <a:xfrm>
+                  <a:off x="5240689" y="4240458"/>
+                  <a:ext cx="288000" cy="288000"/>
+                </a:xfrm>
+                <a:prstGeom prst="ellipse">
+                  <a:avLst/>
+                </a:prstGeom>
+                <a:grpFill/>
+                <a:ln w="12700">
+                  <a:solidFill>
+                    <a:srgbClr val="C00000"/>
+                  </a:solidFill>
+                </a:ln>
+              </p:spPr>
+              <p:style>
+                <a:lnRef idx="2">
+                  <a:schemeClr val="accent1">
+                    <a:shade val="50000"/>
+                  </a:schemeClr>
+                </a:lnRef>
+                <a:fillRef idx="1">
+                  <a:schemeClr val="accent1"/>
+                </a:fillRef>
+                <a:effectRef idx="0">
+                  <a:schemeClr val="accent1"/>
+                </a:effectRef>
+                <a:fontRef idx="minor">
+                  <a:schemeClr val="lt1"/>
+                </a:fontRef>
+              </p:style>
+              <p:txBody>
+                <a:bodyPr rtlCol="0" anchor="ctr"/>
+                <a:lstStyle/>
+                <a:p>
+                  <a:pPr algn="ctr"/>
+                  <a:endParaRPr lang="fr-FR" dirty="0">
+                    <a:solidFill>
+                      <a:srgbClr val="C00000"/>
+                    </a:solidFill>
+                  </a:endParaRPr>
+                </a:p>
+              </p:txBody>
+            </p:sp>
+            <p:sp>
+              <p:nvSpPr>
+                <p:cNvPr id="198" name="Oval 197"/>
+                <p:cNvSpPr/>
+                <p:nvPr/>
+              </p:nvSpPr>
+              <p:spPr>
+                <a:xfrm>
+                  <a:off x="5240689" y="4710721"/>
+                  <a:ext cx="288000" cy="288000"/>
+                </a:xfrm>
+                <a:prstGeom prst="ellipse">
+                  <a:avLst/>
+                </a:prstGeom>
+                <a:grpFill/>
+                <a:ln w="12700">
+                  <a:solidFill>
+                    <a:srgbClr val="C00000"/>
+                  </a:solidFill>
+                </a:ln>
+              </p:spPr>
+              <p:style>
+                <a:lnRef idx="2">
+                  <a:schemeClr val="accent1">
+                    <a:shade val="50000"/>
+                  </a:schemeClr>
+                </a:lnRef>
+                <a:fillRef idx="1">
+                  <a:schemeClr val="accent1"/>
+                </a:fillRef>
+                <a:effectRef idx="0">
+                  <a:schemeClr val="accent1"/>
+                </a:effectRef>
+                <a:fontRef idx="minor">
+                  <a:schemeClr val="lt1"/>
+                </a:fontRef>
+              </p:style>
+              <p:txBody>
+                <a:bodyPr rtlCol="0" anchor="ctr"/>
+                <a:lstStyle/>
+                <a:p>
+                  <a:pPr algn="ctr"/>
+                  <a:endParaRPr lang="fr-FR" dirty="0">
+                    <a:solidFill>
+                      <a:srgbClr val="C00000"/>
+                    </a:solidFill>
+                  </a:endParaRPr>
+                </a:p>
+              </p:txBody>
+            </p:sp>
+            <p:sp>
+              <p:nvSpPr>
+                <p:cNvPr id="199" name="Oval 198"/>
+                <p:cNvSpPr/>
+                <p:nvPr/>
+              </p:nvSpPr>
+              <p:spPr>
+                <a:xfrm>
+                  <a:off x="5240689" y="5180984"/>
+                  <a:ext cx="288000" cy="288000"/>
+                </a:xfrm>
+                <a:prstGeom prst="ellipse">
+                  <a:avLst/>
+                </a:prstGeom>
+                <a:grpFill/>
+                <a:ln w="12700">
+                  <a:solidFill>
+                    <a:srgbClr val="C00000"/>
+                  </a:solidFill>
+                </a:ln>
+              </p:spPr>
+              <p:style>
+                <a:lnRef idx="2">
+                  <a:schemeClr val="accent1">
+                    <a:shade val="50000"/>
+                  </a:schemeClr>
+                </a:lnRef>
+                <a:fillRef idx="1">
+                  <a:schemeClr val="accent1"/>
+                </a:fillRef>
+                <a:effectRef idx="0">
+                  <a:schemeClr val="accent1"/>
+                </a:effectRef>
+                <a:fontRef idx="minor">
+                  <a:schemeClr val="lt1"/>
+                </a:fontRef>
+              </p:style>
+              <p:txBody>
+                <a:bodyPr rtlCol="0" anchor="ctr"/>
+                <a:lstStyle/>
+                <a:p>
+                  <a:pPr algn="ctr"/>
+                  <a:endParaRPr lang="fr-FR" dirty="0">
+                    <a:solidFill>
+                      <a:srgbClr val="C00000"/>
+                    </a:solidFill>
+                  </a:endParaRPr>
+                </a:p>
+              </p:txBody>
+            </p:sp>
+            <p:sp>
+              <p:nvSpPr>
+                <p:cNvPr id="200" name="Oval 199"/>
+                <p:cNvSpPr/>
+                <p:nvPr/>
+              </p:nvSpPr>
+              <p:spPr>
+                <a:xfrm>
+                  <a:off x="5240689" y="5651247"/>
+                  <a:ext cx="288000" cy="288000"/>
+                </a:xfrm>
+                <a:prstGeom prst="ellipse">
+                  <a:avLst/>
+                </a:prstGeom>
+                <a:grpFill/>
+                <a:ln w="12700">
+                  <a:solidFill>
+                    <a:srgbClr val="C00000"/>
+                  </a:solidFill>
+                </a:ln>
+              </p:spPr>
+              <p:style>
+                <a:lnRef idx="2">
+                  <a:schemeClr val="accent1">
+                    <a:shade val="50000"/>
+                  </a:schemeClr>
+                </a:lnRef>
+                <a:fillRef idx="1">
+                  <a:schemeClr val="accent1"/>
+                </a:fillRef>
+                <a:effectRef idx="0">
+                  <a:schemeClr val="accent1"/>
+                </a:effectRef>
+                <a:fontRef idx="minor">
+                  <a:schemeClr val="lt1"/>
+                </a:fontRef>
+              </p:style>
+              <p:txBody>
+                <a:bodyPr rtlCol="0" anchor="ctr"/>
+                <a:lstStyle/>
+                <a:p>
+                  <a:pPr algn="ctr"/>
+                  <a:endParaRPr lang="fr-FR" dirty="0">
+                    <a:solidFill>
+                      <a:srgbClr val="C00000"/>
+                    </a:solidFill>
+                  </a:endParaRPr>
+                </a:p>
+              </p:txBody>
+            </p:sp>
+          </p:grpSp>
+          <p:grpSp>
+            <p:nvGrpSpPr>
+              <p:cNvPr id="169" name="Group 168"/>
+              <p:cNvGrpSpPr/>
+              <p:nvPr/>
+            </p:nvGrpSpPr>
+            <p:grpSpPr>
+              <a:xfrm>
+                <a:off x="6157570" y="4475590"/>
+                <a:ext cx="288000" cy="1228526"/>
+                <a:chOff x="6157570" y="4475590"/>
+                <a:chExt cx="288000" cy="1228526"/>
+              </a:xfrm>
+              <a:grpFill/>
+            </p:grpSpPr>
+            <p:sp>
+              <p:nvSpPr>
+                <p:cNvPr id="194" name="Oval 193"/>
+                <p:cNvSpPr/>
+                <p:nvPr/>
+              </p:nvSpPr>
+              <p:spPr>
+                <a:xfrm>
+                  <a:off x="6157570" y="4475590"/>
+                  <a:ext cx="288000" cy="288000"/>
+                </a:xfrm>
+                <a:prstGeom prst="ellipse">
+                  <a:avLst/>
+                </a:prstGeom>
+                <a:grpFill/>
+                <a:ln w="12700">
+                  <a:solidFill>
+                    <a:srgbClr val="C00000"/>
+                  </a:solidFill>
+                </a:ln>
+              </p:spPr>
+              <p:style>
+                <a:lnRef idx="2">
+                  <a:schemeClr val="accent1">
+                    <a:shade val="50000"/>
+                  </a:schemeClr>
+                </a:lnRef>
+                <a:fillRef idx="1">
+                  <a:schemeClr val="accent1"/>
+                </a:fillRef>
+                <a:effectRef idx="0">
+                  <a:schemeClr val="accent1"/>
+                </a:effectRef>
+                <a:fontRef idx="minor">
+                  <a:schemeClr val="lt1"/>
+                </a:fontRef>
+              </p:style>
+              <p:txBody>
+                <a:bodyPr rtlCol="0" anchor="ctr"/>
+                <a:lstStyle/>
+                <a:p>
+                  <a:pPr algn="ctr"/>
+                  <a:endParaRPr lang="fr-FR" dirty="0">
+                    <a:solidFill>
+                      <a:srgbClr val="C00000"/>
+                    </a:solidFill>
+                  </a:endParaRPr>
+                </a:p>
+              </p:txBody>
+            </p:sp>
+            <p:sp>
+              <p:nvSpPr>
+                <p:cNvPr id="195" name="Oval 194"/>
+                <p:cNvSpPr/>
+                <p:nvPr/>
+              </p:nvSpPr>
+              <p:spPr>
+                <a:xfrm>
+                  <a:off x="6157570" y="4945853"/>
+                  <a:ext cx="288000" cy="288000"/>
+                </a:xfrm>
+                <a:prstGeom prst="ellipse">
+                  <a:avLst/>
+                </a:prstGeom>
+                <a:grpFill/>
+                <a:ln w="12700">
+                  <a:solidFill>
+                    <a:srgbClr val="C00000"/>
+                  </a:solidFill>
+                </a:ln>
+              </p:spPr>
+              <p:style>
+                <a:lnRef idx="2">
+                  <a:schemeClr val="accent1">
+                    <a:shade val="50000"/>
+                  </a:schemeClr>
+                </a:lnRef>
+                <a:fillRef idx="1">
+                  <a:schemeClr val="accent1"/>
+                </a:fillRef>
+                <a:effectRef idx="0">
+                  <a:schemeClr val="accent1"/>
+                </a:effectRef>
+                <a:fontRef idx="minor">
+                  <a:schemeClr val="lt1"/>
+                </a:fontRef>
+              </p:style>
+              <p:txBody>
+                <a:bodyPr rtlCol="0" anchor="ctr"/>
+                <a:lstStyle/>
+                <a:p>
+                  <a:pPr algn="ctr"/>
+                  <a:endParaRPr lang="fr-FR" dirty="0">
+                    <a:solidFill>
+                      <a:srgbClr val="C00000"/>
+                    </a:solidFill>
+                  </a:endParaRPr>
+                </a:p>
+              </p:txBody>
+            </p:sp>
+            <p:sp>
+              <p:nvSpPr>
+                <p:cNvPr id="196" name="Oval 195"/>
+                <p:cNvSpPr/>
+                <p:nvPr/>
+              </p:nvSpPr>
+              <p:spPr>
+                <a:xfrm>
+                  <a:off x="6157570" y="5416116"/>
+                  <a:ext cx="288000" cy="288000"/>
+                </a:xfrm>
+                <a:prstGeom prst="ellipse">
+                  <a:avLst/>
+                </a:prstGeom>
+                <a:grpFill/>
+                <a:ln w="12700">
+                  <a:solidFill>
+                    <a:srgbClr val="C00000"/>
+                  </a:solidFill>
+                </a:ln>
+              </p:spPr>
+              <p:style>
+                <a:lnRef idx="2">
+                  <a:schemeClr val="accent1">
+                    <a:shade val="50000"/>
+                  </a:schemeClr>
+                </a:lnRef>
+                <a:fillRef idx="1">
+                  <a:schemeClr val="accent1"/>
+                </a:fillRef>
+                <a:effectRef idx="0">
+                  <a:schemeClr val="accent1"/>
+                </a:effectRef>
+                <a:fontRef idx="minor">
+                  <a:schemeClr val="lt1"/>
+                </a:fontRef>
+              </p:style>
+              <p:txBody>
+                <a:bodyPr rtlCol="0" anchor="ctr"/>
+                <a:lstStyle/>
+                <a:p>
+                  <a:pPr algn="ctr"/>
+                  <a:endParaRPr lang="fr-FR" dirty="0">
+                    <a:solidFill>
+                      <a:srgbClr val="C00000"/>
+                    </a:solidFill>
+                  </a:endParaRPr>
+                </a:p>
+              </p:txBody>
+            </p:sp>
+          </p:grpSp>
+          <p:grpSp>
+            <p:nvGrpSpPr>
+              <p:cNvPr id="170" name="Group 169"/>
+              <p:cNvGrpSpPr/>
+              <p:nvPr/>
+            </p:nvGrpSpPr>
+            <p:grpSpPr>
+              <a:xfrm>
+                <a:off x="4323808" y="4475590"/>
+                <a:ext cx="288000" cy="1228526"/>
+                <a:chOff x="6157570" y="4475590"/>
+                <a:chExt cx="288000" cy="1228526"/>
+              </a:xfrm>
+              <a:grpFill/>
+            </p:grpSpPr>
+            <p:sp>
+              <p:nvSpPr>
+                <p:cNvPr id="191" name="Oval 190"/>
+                <p:cNvSpPr/>
+                <p:nvPr/>
+              </p:nvSpPr>
+              <p:spPr>
+                <a:xfrm>
+                  <a:off x="6157570" y="4475590"/>
+                  <a:ext cx="288000" cy="288000"/>
+                </a:xfrm>
+                <a:prstGeom prst="ellipse">
+                  <a:avLst/>
+                </a:prstGeom>
+                <a:grpFill/>
+                <a:ln w="12700">
+                  <a:solidFill>
+                    <a:srgbClr val="C00000"/>
+                  </a:solidFill>
+                </a:ln>
+              </p:spPr>
+              <p:style>
+                <a:lnRef idx="2">
+                  <a:schemeClr val="accent1">
+                    <a:shade val="50000"/>
+                  </a:schemeClr>
+                </a:lnRef>
+                <a:fillRef idx="1">
+                  <a:schemeClr val="accent1"/>
+                </a:fillRef>
+                <a:effectRef idx="0">
+                  <a:schemeClr val="accent1"/>
+                </a:effectRef>
+                <a:fontRef idx="minor">
+                  <a:schemeClr val="lt1"/>
+                </a:fontRef>
+              </p:style>
+              <p:txBody>
+                <a:bodyPr rtlCol="0" anchor="ctr"/>
+                <a:lstStyle/>
+                <a:p>
+                  <a:pPr algn="ctr"/>
+                  <a:endParaRPr lang="fr-FR" dirty="0">
+                    <a:solidFill>
+                      <a:srgbClr val="C00000"/>
+                    </a:solidFill>
+                  </a:endParaRPr>
+                </a:p>
+              </p:txBody>
+            </p:sp>
+            <p:sp>
+              <p:nvSpPr>
+                <p:cNvPr id="192" name="Oval 191"/>
+                <p:cNvSpPr/>
+                <p:nvPr/>
+              </p:nvSpPr>
+              <p:spPr>
+                <a:xfrm>
+                  <a:off x="6157570" y="4945853"/>
+                  <a:ext cx="288000" cy="288000"/>
+                </a:xfrm>
+                <a:prstGeom prst="ellipse">
+                  <a:avLst/>
+                </a:prstGeom>
+                <a:grpFill/>
+                <a:ln w="12700">
+                  <a:solidFill>
+                    <a:srgbClr val="C00000"/>
+                  </a:solidFill>
+                </a:ln>
+              </p:spPr>
+              <p:style>
+                <a:lnRef idx="2">
+                  <a:schemeClr val="accent1">
+                    <a:shade val="50000"/>
+                  </a:schemeClr>
+                </a:lnRef>
+                <a:fillRef idx="1">
+                  <a:schemeClr val="accent1"/>
+                </a:fillRef>
+                <a:effectRef idx="0">
+                  <a:schemeClr val="accent1"/>
+                </a:effectRef>
+                <a:fontRef idx="minor">
+                  <a:schemeClr val="lt1"/>
+                </a:fontRef>
+              </p:style>
+              <p:txBody>
+                <a:bodyPr rtlCol="0" anchor="ctr"/>
+                <a:lstStyle/>
+                <a:p>
+                  <a:pPr algn="ctr"/>
+                  <a:endParaRPr lang="fr-FR" dirty="0">
+                    <a:solidFill>
+                      <a:srgbClr val="C00000"/>
+                    </a:solidFill>
+                  </a:endParaRPr>
+                </a:p>
+              </p:txBody>
+            </p:sp>
+            <p:sp>
+              <p:nvSpPr>
+                <p:cNvPr id="193" name="Oval 192"/>
+                <p:cNvSpPr/>
+                <p:nvPr/>
+              </p:nvSpPr>
+              <p:spPr>
+                <a:xfrm>
+                  <a:off x="6157570" y="5416116"/>
+                  <a:ext cx="288000" cy="288000"/>
+                </a:xfrm>
+                <a:prstGeom prst="ellipse">
+                  <a:avLst/>
+                </a:prstGeom>
+                <a:grpFill/>
+                <a:ln w="12700">
+                  <a:solidFill>
+                    <a:srgbClr val="C00000"/>
+                  </a:solidFill>
+                </a:ln>
+              </p:spPr>
+              <p:style>
+                <a:lnRef idx="2">
+                  <a:schemeClr val="accent1">
+                    <a:shade val="50000"/>
+                  </a:schemeClr>
+                </a:lnRef>
+                <a:fillRef idx="1">
+                  <a:schemeClr val="accent1"/>
+                </a:fillRef>
+                <a:effectRef idx="0">
+                  <a:schemeClr val="accent1"/>
+                </a:effectRef>
+                <a:fontRef idx="minor">
+                  <a:schemeClr val="lt1"/>
+                </a:fontRef>
+              </p:style>
+              <p:txBody>
+                <a:bodyPr rtlCol="0" anchor="ctr"/>
+                <a:lstStyle/>
+                <a:p>
+                  <a:pPr algn="ctr"/>
+                  <a:endParaRPr lang="fr-FR" dirty="0">
+                    <a:solidFill>
+                      <a:srgbClr val="C00000"/>
+                    </a:solidFill>
+                  </a:endParaRPr>
+                </a:p>
+              </p:txBody>
+            </p:sp>
+          </p:grpSp>
+          <p:cxnSp>
+            <p:nvCxnSpPr>
+              <p:cNvPr id="171" name="Straight Connector 170"/>
+              <p:cNvCxnSpPr/>
+              <p:nvPr/>
+            </p:nvCxnSpPr>
+            <p:spPr>
+              <a:xfrm flipV="1">
+                <a:off x="4467808" y="4384458"/>
+                <a:ext cx="916881" cy="235132"/>
+              </a:xfrm>
+              <a:prstGeom prst="line">
+                <a:avLst/>
+              </a:prstGeom>
+              <a:grpFill/>
+              <a:ln w="12700">
+                <a:solidFill>
+                  <a:srgbClr val="C00000"/>
+                </a:solidFill>
+              </a:ln>
+            </p:spPr>
+            <p:style>
+              <a:lnRef idx="1">
+                <a:schemeClr val="accent1"/>
+              </a:lnRef>
+              <a:fillRef idx="0">
+                <a:schemeClr val="accent1"/>
+              </a:fillRef>
+              <a:effectRef idx="0">
+                <a:schemeClr val="accent1"/>
+              </a:effectRef>
+              <a:fontRef idx="minor">
+                <a:schemeClr val="tx1"/>
+              </a:fontRef>
+            </p:style>
+          </p:cxnSp>
+          <p:cxnSp>
+            <p:nvCxnSpPr>
+              <p:cNvPr id="172" name="Straight Connector 171"/>
+              <p:cNvCxnSpPr/>
+              <p:nvPr/>
+            </p:nvCxnSpPr>
+            <p:spPr>
+              <a:xfrm flipV="1">
+                <a:off x="4467808" y="4852389"/>
+                <a:ext cx="916881" cy="235132"/>
+              </a:xfrm>
+              <a:prstGeom prst="line">
+                <a:avLst/>
+              </a:prstGeom>
+              <a:grpFill/>
+              <a:ln w="12700">
+                <a:solidFill>
+                  <a:srgbClr val="C00000"/>
+                </a:solidFill>
+              </a:ln>
+            </p:spPr>
+            <p:style>
+              <a:lnRef idx="1">
+                <a:schemeClr val="accent1"/>
+              </a:lnRef>
+              <a:fillRef idx="0">
+                <a:schemeClr val="accent1"/>
+              </a:fillRef>
+              <a:effectRef idx="0">
+                <a:schemeClr val="accent1"/>
+              </a:effectRef>
+              <a:fontRef idx="minor">
+                <a:schemeClr val="tx1"/>
+              </a:fontRef>
+            </p:style>
+          </p:cxnSp>
+          <p:cxnSp>
+            <p:nvCxnSpPr>
+              <p:cNvPr id="173" name="Straight Connector 172"/>
+              <p:cNvCxnSpPr/>
+              <p:nvPr/>
+            </p:nvCxnSpPr>
+            <p:spPr>
+              <a:xfrm flipV="1">
+                <a:off x="4467807" y="5329338"/>
+                <a:ext cx="916881" cy="235132"/>
+              </a:xfrm>
+              <a:prstGeom prst="line">
+                <a:avLst/>
+              </a:prstGeom>
+              <a:grpFill/>
+              <a:ln w="12700">
+                <a:solidFill>
+                  <a:srgbClr val="C00000"/>
+                </a:solidFill>
+              </a:ln>
+            </p:spPr>
+            <p:style>
+              <a:lnRef idx="1">
+                <a:schemeClr val="accent1"/>
+              </a:lnRef>
+              <a:fillRef idx="0">
+                <a:schemeClr val="accent1"/>
+              </a:fillRef>
+              <a:effectRef idx="0">
+                <a:schemeClr val="accent1"/>
+              </a:effectRef>
+              <a:fontRef idx="minor">
+                <a:schemeClr val="tx1"/>
+              </a:fontRef>
+            </p:style>
+          </p:cxnSp>
+          <p:cxnSp>
+            <p:nvCxnSpPr>
+              <p:cNvPr id="174" name="Straight Connector 173"/>
+              <p:cNvCxnSpPr/>
+              <p:nvPr/>
+            </p:nvCxnSpPr>
+            <p:spPr>
+              <a:xfrm flipV="1">
+                <a:off x="5382817" y="4613212"/>
+                <a:ext cx="916881" cy="235132"/>
+              </a:xfrm>
+              <a:prstGeom prst="line">
+                <a:avLst/>
+              </a:prstGeom>
+              <a:grpFill/>
+              <a:ln w="12700">
+                <a:solidFill>
+                  <a:srgbClr val="C00000"/>
+                </a:solidFill>
+              </a:ln>
+            </p:spPr>
+            <p:style>
+              <a:lnRef idx="1">
+                <a:schemeClr val="accent1"/>
+              </a:lnRef>
+              <a:fillRef idx="0">
+                <a:schemeClr val="accent1"/>
+              </a:fillRef>
+              <a:effectRef idx="0">
+                <a:schemeClr val="accent1"/>
+              </a:effectRef>
+              <a:fontRef idx="minor">
+                <a:schemeClr val="tx1"/>
+              </a:fontRef>
+            </p:style>
+          </p:cxnSp>
+          <p:cxnSp>
+            <p:nvCxnSpPr>
+              <p:cNvPr id="175" name="Straight Connector 174"/>
+              <p:cNvCxnSpPr/>
+              <p:nvPr/>
+            </p:nvCxnSpPr>
+            <p:spPr>
+              <a:xfrm flipV="1">
+                <a:off x="5312689" y="5114263"/>
+                <a:ext cx="916881" cy="235132"/>
+              </a:xfrm>
+              <a:prstGeom prst="line">
+                <a:avLst/>
+              </a:prstGeom>
+              <a:grpFill/>
+              <a:ln w="12700">
+                <a:solidFill>
+                  <a:srgbClr val="C00000"/>
+                </a:solidFill>
+              </a:ln>
+            </p:spPr>
+            <p:style>
+              <a:lnRef idx="1">
+                <a:schemeClr val="accent1"/>
+              </a:lnRef>
+              <a:fillRef idx="0">
+                <a:schemeClr val="accent1"/>
+              </a:fillRef>
+              <a:effectRef idx="0">
+                <a:schemeClr val="accent1"/>
+              </a:effectRef>
+              <a:fontRef idx="minor">
+                <a:schemeClr val="tx1"/>
+              </a:fontRef>
+            </p:style>
+          </p:cxnSp>
+          <p:cxnSp>
+            <p:nvCxnSpPr>
+              <p:cNvPr id="176" name="Straight Connector 175"/>
+              <p:cNvCxnSpPr/>
+              <p:nvPr/>
+            </p:nvCxnSpPr>
+            <p:spPr>
+              <a:xfrm flipV="1">
+                <a:off x="5353887" y="5582503"/>
+                <a:ext cx="916881" cy="235132"/>
+              </a:xfrm>
+              <a:prstGeom prst="line">
+                <a:avLst/>
+              </a:prstGeom>
+              <a:grpFill/>
+              <a:ln w="12700">
+                <a:solidFill>
+                  <a:srgbClr val="C00000"/>
+                </a:solidFill>
+              </a:ln>
+            </p:spPr>
+            <p:style>
+              <a:lnRef idx="1">
+                <a:schemeClr val="accent1"/>
+              </a:lnRef>
+              <a:fillRef idx="0">
+                <a:schemeClr val="accent1"/>
+              </a:fillRef>
+              <a:effectRef idx="0">
+                <a:schemeClr val="accent1"/>
+              </a:effectRef>
+              <a:fontRef idx="minor">
+                <a:schemeClr val="tx1"/>
+              </a:fontRef>
+            </p:style>
+          </p:cxnSp>
+          <p:cxnSp>
+            <p:nvCxnSpPr>
+              <p:cNvPr id="177" name="Straight Connector 176"/>
+              <p:cNvCxnSpPr/>
+              <p:nvPr/>
+            </p:nvCxnSpPr>
+            <p:spPr>
+              <a:xfrm>
+                <a:off x="5382817" y="4371704"/>
+                <a:ext cx="916881" cy="241508"/>
+              </a:xfrm>
+              <a:prstGeom prst="line">
+                <a:avLst/>
+              </a:prstGeom>
+              <a:grpFill/>
+              <a:ln w="12700">
+                <a:solidFill>
+                  <a:srgbClr val="C00000"/>
+                </a:solidFill>
+              </a:ln>
+            </p:spPr>
+            <p:style>
+              <a:lnRef idx="1">
+                <a:schemeClr val="accent1"/>
+              </a:lnRef>
+              <a:fillRef idx="0">
+                <a:schemeClr val="accent1"/>
+              </a:fillRef>
+              <a:effectRef idx="0">
+                <a:schemeClr val="accent1"/>
+              </a:effectRef>
+              <a:fontRef idx="minor">
+                <a:schemeClr val="tx1"/>
+              </a:fontRef>
+            </p:style>
+          </p:cxnSp>
+          <p:cxnSp>
+            <p:nvCxnSpPr>
+              <p:cNvPr id="178" name="Straight Connector 177"/>
+              <p:cNvCxnSpPr/>
+              <p:nvPr/>
+            </p:nvCxnSpPr>
+            <p:spPr>
+              <a:xfrm>
+                <a:off x="5439410" y="4871897"/>
+                <a:ext cx="916881" cy="241508"/>
+              </a:xfrm>
+              <a:prstGeom prst="line">
+                <a:avLst/>
+              </a:prstGeom>
+              <a:grpFill/>
+              <a:ln w="12700">
+                <a:solidFill>
+                  <a:srgbClr val="C00000"/>
+                </a:solidFill>
+              </a:ln>
+            </p:spPr>
+            <p:style>
+              <a:lnRef idx="1">
+                <a:schemeClr val="accent1"/>
+              </a:lnRef>
+              <a:fillRef idx="0">
+                <a:schemeClr val="accent1"/>
+              </a:fillRef>
+              <a:effectRef idx="0">
+                <a:schemeClr val="accent1"/>
+              </a:effectRef>
+              <a:fontRef idx="minor">
+                <a:schemeClr val="tx1"/>
+              </a:fontRef>
+            </p:style>
+          </p:cxnSp>
+          <p:cxnSp>
+            <p:nvCxnSpPr>
+              <p:cNvPr id="179" name="Straight Connector 178"/>
+              <p:cNvCxnSpPr/>
+              <p:nvPr/>
+            </p:nvCxnSpPr>
+            <p:spPr>
+              <a:xfrm>
+                <a:off x="5348888" y="5318607"/>
+                <a:ext cx="916881" cy="241508"/>
+              </a:xfrm>
+              <a:prstGeom prst="line">
+                <a:avLst/>
+              </a:prstGeom>
+              <a:grpFill/>
+              <a:ln w="12700">
+                <a:solidFill>
+                  <a:srgbClr val="C00000"/>
+                </a:solidFill>
+              </a:ln>
+            </p:spPr>
+            <p:style>
+              <a:lnRef idx="1">
+                <a:schemeClr val="accent1"/>
+              </a:lnRef>
+              <a:fillRef idx="0">
+                <a:schemeClr val="accent1"/>
+              </a:fillRef>
+              <a:effectRef idx="0">
+                <a:schemeClr val="accent1"/>
+              </a:effectRef>
+              <a:fontRef idx="minor">
+                <a:schemeClr val="tx1"/>
+              </a:fontRef>
+            </p:style>
+          </p:cxnSp>
+          <p:cxnSp>
+            <p:nvCxnSpPr>
+              <p:cNvPr id="180" name="Straight Connector 179"/>
+              <p:cNvCxnSpPr/>
+              <p:nvPr/>
+            </p:nvCxnSpPr>
+            <p:spPr>
+              <a:xfrm>
+                <a:off x="4467807" y="4620516"/>
+                <a:ext cx="916881" cy="241508"/>
+              </a:xfrm>
+              <a:prstGeom prst="line">
+                <a:avLst/>
+              </a:prstGeom>
+              <a:grpFill/>
+              <a:ln w="12700">
+                <a:solidFill>
+                  <a:srgbClr val="C00000"/>
+                </a:solidFill>
+              </a:ln>
+            </p:spPr>
+            <p:style>
+              <a:lnRef idx="1">
+                <a:schemeClr val="accent1"/>
+              </a:lnRef>
+              <a:fillRef idx="0">
+                <a:schemeClr val="accent1"/>
+              </a:fillRef>
+              <a:effectRef idx="0">
+                <a:schemeClr val="accent1"/>
+              </a:effectRef>
+              <a:fontRef idx="minor">
+                <a:schemeClr val="tx1"/>
+              </a:fontRef>
+            </p:style>
+          </p:cxnSp>
+          <p:cxnSp>
+            <p:nvCxnSpPr>
+              <p:cNvPr id="181" name="Straight Connector 180"/>
+              <p:cNvCxnSpPr/>
+              <p:nvPr/>
+            </p:nvCxnSpPr>
+            <p:spPr>
+              <a:xfrm>
+                <a:off x="4413087" y="5080217"/>
+                <a:ext cx="916881" cy="241508"/>
+              </a:xfrm>
+              <a:prstGeom prst="line">
+                <a:avLst/>
+              </a:prstGeom>
+              <a:grpFill/>
+              <a:ln w="12700">
+                <a:solidFill>
+                  <a:srgbClr val="C00000"/>
+                </a:solidFill>
+              </a:ln>
+            </p:spPr>
+            <p:style>
+              <a:lnRef idx="1">
+                <a:schemeClr val="accent1"/>
+              </a:lnRef>
+              <a:fillRef idx="0">
+                <a:schemeClr val="accent1"/>
+              </a:fillRef>
+              <a:effectRef idx="0">
+                <a:schemeClr val="accent1"/>
+              </a:effectRef>
+              <a:fontRef idx="minor">
+                <a:schemeClr val="tx1"/>
+              </a:fontRef>
+            </p:style>
+          </p:cxnSp>
+          <p:cxnSp>
+            <p:nvCxnSpPr>
+              <p:cNvPr id="182" name="Straight Connector 181"/>
+              <p:cNvCxnSpPr/>
+              <p:nvPr/>
+            </p:nvCxnSpPr>
+            <p:spPr>
+              <a:xfrm>
+                <a:off x="4432007" y="5560115"/>
+                <a:ext cx="916881" cy="241508"/>
+              </a:xfrm>
+              <a:prstGeom prst="line">
+                <a:avLst/>
+              </a:prstGeom>
+              <a:grpFill/>
+              <a:ln w="12700">
+                <a:solidFill>
+                  <a:srgbClr val="C00000"/>
+                </a:solidFill>
+              </a:ln>
+            </p:spPr>
+            <p:style>
+              <a:lnRef idx="1">
+                <a:schemeClr val="accent1"/>
+              </a:lnRef>
+              <a:fillRef idx="0">
+                <a:schemeClr val="accent1"/>
+              </a:fillRef>
+              <a:effectRef idx="0">
+                <a:schemeClr val="accent1"/>
+              </a:effectRef>
+              <a:fontRef idx="minor">
+                <a:schemeClr val="tx1"/>
+              </a:fontRef>
+            </p:style>
+          </p:cxnSp>
+          <p:cxnSp>
+            <p:nvCxnSpPr>
+              <p:cNvPr id="183" name="Straight Connector 182"/>
+              <p:cNvCxnSpPr/>
+              <p:nvPr/>
+            </p:nvCxnSpPr>
+            <p:spPr>
+              <a:xfrm flipV="1">
+                <a:off x="4467807" y="4384458"/>
+                <a:ext cx="915010" cy="705395"/>
+              </a:xfrm>
+              <a:prstGeom prst="line">
+                <a:avLst/>
+              </a:prstGeom>
+              <a:grpFill/>
+              <a:ln w="12700">
+                <a:solidFill>
+                  <a:srgbClr val="C00000"/>
+                </a:solidFill>
+              </a:ln>
+            </p:spPr>
+            <p:style>
+              <a:lnRef idx="1">
+                <a:schemeClr val="accent1"/>
+              </a:lnRef>
+              <a:fillRef idx="0">
+                <a:schemeClr val="accent1"/>
+              </a:fillRef>
+              <a:effectRef idx="0">
+                <a:schemeClr val="accent1"/>
+              </a:effectRef>
+              <a:fontRef idx="minor">
+                <a:schemeClr val="tx1"/>
+              </a:fontRef>
+            </p:style>
+          </p:cxnSp>
+          <p:cxnSp>
+            <p:nvCxnSpPr>
+              <p:cNvPr id="184" name="Straight Connector 183"/>
+              <p:cNvCxnSpPr/>
+              <p:nvPr/>
+            </p:nvCxnSpPr>
+            <p:spPr>
+              <a:xfrm flipV="1">
+                <a:off x="5369679" y="5128491"/>
+                <a:ext cx="915010" cy="705395"/>
+              </a:xfrm>
+              <a:prstGeom prst="line">
+                <a:avLst/>
+              </a:prstGeom>
+              <a:grpFill/>
+              <a:ln w="12700">
+                <a:solidFill>
+                  <a:srgbClr val="C00000"/>
+                </a:solidFill>
+              </a:ln>
+            </p:spPr>
+            <p:style>
+              <a:lnRef idx="1">
+                <a:schemeClr val="accent1"/>
+              </a:lnRef>
+              <a:fillRef idx="0">
+                <a:schemeClr val="accent1"/>
+              </a:fillRef>
+              <a:effectRef idx="0">
+                <a:schemeClr val="accent1"/>
+              </a:effectRef>
+              <a:fontRef idx="minor">
+                <a:schemeClr val="tx1"/>
+              </a:fontRef>
+            </p:style>
+          </p:cxnSp>
+          <p:cxnSp>
+            <p:nvCxnSpPr>
+              <p:cNvPr id="185" name="Straight Connector 184"/>
+              <p:cNvCxnSpPr/>
+              <p:nvPr/>
+            </p:nvCxnSpPr>
+            <p:spPr>
+              <a:xfrm>
+                <a:off x="4467807" y="5089853"/>
+                <a:ext cx="901872" cy="705394"/>
+              </a:xfrm>
+              <a:prstGeom prst="line">
+                <a:avLst/>
+              </a:prstGeom>
+              <a:grpFill/>
+              <a:ln w="12700">
+                <a:solidFill>
+                  <a:srgbClr val="C00000"/>
+                </a:solidFill>
+              </a:ln>
+            </p:spPr>
+            <p:style>
+              <a:lnRef idx="1">
+                <a:schemeClr val="accent1"/>
+              </a:lnRef>
+              <a:fillRef idx="0">
+                <a:schemeClr val="accent1"/>
+              </a:fillRef>
+              <a:effectRef idx="0">
+                <a:schemeClr val="accent1"/>
+              </a:effectRef>
+              <a:fontRef idx="minor">
+                <a:schemeClr val="tx1"/>
+              </a:fontRef>
+            </p:style>
+          </p:cxnSp>
+          <p:cxnSp>
+            <p:nvCxnSpPr>
+              <p:cNvPr id="186" name="Straight Connector 185"/>
+              <p:cNvCxnSpPr/>
+              <p:nvPr/>
+            </p:nvCxnSpPr>
+            <p:spPr>
+              <a:xfrm>
+                <a:off x="5406535" y="4394555"/>
+                <a:ext cx="857933" cy="640473"/>
+              </a:xfrm>
+              <a:prstGeom prst="line">
+                <a:avLst/>
+              </a:prstGeom>
+              <a:grpFill/>
+              <a:ln w="12700">
+                <a:solidFill>
+                  <a:srgbClr val="C00000"/>
+                </a:solidFill>
+              </a:ln>
+            </p:spPr>
+            <p:style>
+              <a:lnRef idx="1">
+                <a:schemeClr val="accent1"/>
+              </a:lnRef>
+              <a:fillRef idx="0">
+                <a:schemeClr val="accent1"/>
+              </a:fillRef>
+              <a:effectRef idx="0">
+                <a:schemeClr val="accent1"/>
+              </a:effectRef>
+              <a:fontRef idx="minor">
+                <a:schemeClr val="tx1"/>
+              </a:fontRef>
+            </p:style>
+          </p:cxnSp>
+          <p:cxnSp>
+            <p:nvCxnSpPr>
+              <p:cNvPr id="187" name="Straight Connector 186"/>
+              <p:cNvCxnSpPr/>
+              <p:nvPr/>
+            </p:nvCxnSpPr>
+            <p:spPr>
+              <a:xfrm flipV="1">
+                <a:off x="4467807" y="4861098"/>
+                <a:ext cx="901872" cy="699017"/>
+              </a:xfrm>
+              <a:prstGeom prst="line">
+                <a:avLst/>
+              </a:prstGeom>
+              <a:grpFill/>
+              <a:ln w="12700">
+                <a:solidFill>
+                  <a:srgbClr val="C00000"/>
+                </a:solidFill>
+              </a:ln>
+            </p:spPr>
+            <p:style>
+              <a:lnRef idx="1">
+                <a:schemeClr val="accent1"/>
+              </a:lnRef>
+              <a:fillRef idx="0">
+                <a:schemeClr val="accent1"/>
+              </a:fillRef>
+              <a:effectRef idx="0">
+                <a:schemeClr val="accent1"/>
+              </a:effectRef>
+              <a:fontRef idx="minor">
+                <a:schemeClr val="tx1"/>
+              </a:fontRef>
+            </p:style>
+          </p:cxnSp>
+          <p:cxnSp>
+            <p:nvCxnSpPr>
+              <p:cNvPr id="188" name="Straight Connector 187"/>
+              <p:cNvCxnSpPr/>
+              <p:nvPr/>
+            </p:nvCxnSpPr>
+            <p:spPr>
+              <a:xfrm flipV="1">
+                <a:off x="5385867" y="4629155"/>
+                <a:ext cx="901872" cy="699017"/>
+              </a:xfrm>
+              <a:prstGeom prst="line">
+                <a:avLst/>
+              </a:prstGeom>
+              <a:grpFill/>
+              <a:ln w="12700">
+                <a:solidFill>
+                  <a:srgbClr val="C00000"/>
+                </a:solidFill>
+              </a:ln>
+            </p:spPr>
+            <p:style>
+              <a:lnRef idx="1">
+                <a:schemeClr val="accent1"/>
+              </a:lnRef>
+              <a:fillRef idx="0">
+                <a:schemeClr val="accent1"/>
+              </a:fillRef>
+              <a:effectRef idx="0">
+                <a:schemeClr val="accent1"/>
+              </a:effectRef>
+              <a:fontRef idx="minor">
+                <a:schemeClr val="tx1"/>
+              </a:fontRef>
+            </p:style>
+          </p:cxnSp>
+          <p:cxnSp>
+            <p:nvCxnSpPr>
+              <p:cNvPr id="189" name="Straight Connector 188"/>
+              <p:cNvCxnSpPr/>
+              <p:nvPr/>
+            </p:nvCxnSpPr>
+            <p:spPr>
+              <a:xfrm>
+                <a:off x="4467807" y="4613212"/>
+                <a:ext cx="901872" cy="705395"/>
+              </a:xfrm>
+              <a:prstGeom prst="line">
+                <a:avLst/>
+              </a:prstGeom>
+              <a:grpFill/>
+              <a:ln w="12700">
+                <a:solidFill>
+                  <a:srgbClr val="C00000"/>
+                </a:solidFill>
+              </a:ln>
+            </p:spPr>
+            <p:style>
+              <a:lnRef idx="1">
+                <a:schemeClr val="accent1"/>
+              </a:lnRef>
+              <a:fillRef idx="0">
+                <a:schemeClr val="accent1"/>
+              </a:fillRef>
+              <a:effectRef idx="0">
+                <a:schemeClr val="accent1"/>
+              </a:effectRef>
+              <a:fontRef idx="minor">
+                <a:schemeClr val="tx1"/>
+              </a:fontRef>
+            </p:style>
+          </p:cxnSp>
+          <p:cxnSp>
+            <p:nvCxnSpPr>
+              <p:cNvPr id="190" name="Straight Connector 189"/>
+              <p:cNvCxnSpPr/>
+              <p:nvPr/>
+            </p:nvCxnSpPr>
+            <p:spPr>
+              <a:xfrm>
+                <a:off x="5350436" y="4815995"/>
+                <a:ext cx="901872" cy="705395"/>
+              </a:xfrm>
+              <a:prstGeom prst="line">
+                <a:avLst/>
+              </a:prstGeom>
+              <a:grpFill/>
+              <a:ln w="12700">
+                <a:solidFill>
+                  <a:srgbClr val="C00000"/>
+                </a:solidFill>
+              </a:ln>
+            </p:spPr>
+            <p:style>
+              <a:lnRef idx="1">
+                <a:schemeClr val="accent1"/>
+              </a:lnRef>
+              <a:fillRef idx="0">
+                <a:schemeClr val="accent1"/>
+              </a:fillRef>
+              <a:effectRef idx="0">
+                <a:schemeClr val="accent1"/>
+              </a:effectRef>
+              <a:fontRef idx="minor">
+                <a:schemeClr val="tx1"/>
+              </a:fontRef>
+            </p:style>
+          </p:cxnSp>
+        </p:grpSp>
+      </p:grpSp>
+      <p:sp>
+        <p:nvSpPr>
+          <p:cNvPr id="139" name="Right Arrow 238"/>
+          <p:cNvSpPr/>
+          <p:nvPr/>
+        </p:nvSpPr>
+        <p:spPr>
+          <a:xfrm rot="5400000">
+            <a:off x="8328826" y="1247997"/>
+            <a:ext cx="992631" cy="466863"/>
+          </a:xfrm>
+          <a:prstGeom prst="rightArrow">
+            <a:avLst/>
+          </a:prstGeom>
+          <a:solidFill>
+            <a:srgbClr val="C00000"/>
+          </a:solidFill>
+          <a:ln>
+            <a:noFill/>
+          </a:ln>
+        </p:spPr>
+        <p:style>
+          <a:lnRef idx="2">
+            <a:schemeClr val="accent1">
+              <a:shade val="50000"/>
+            </a:schemeClr>
+          </a:lnRef>
+          <a:fillRef idx="1">
+            <a:schemeClr val="accent1"/>
+          </a:fillRef>
+          <a:effectRef idx="0">
+            <a:schemeClr val="accent1"/>
+          </a:effectRef>
+          <a:fontRef idx="minor">
+            <a:schemeClr val="lt1"/>
+          </a:fontRef>
+        </p:style>
+        <p:txBody>
+          <a:bodyPr rtlCol="0" anchor="ctr"/>
+          <a:lstStyle/>
+          <a:p>
+            <a:pPr algn="ctr"/>
+            <a:endParaRPr lang="fr-FR" dirty="0"/>
+          </a:p>
+        </p:txBody>
+      </p:sp>
+      <p:sp>
+        <p:nvSpPr>
+          <p:cNvPr id="141" name="Triangle isocèle 140"/>
+          <p:cNvSpPr/>
+          <p:nvPr/>
+        </p:nvSpPr>
+        <p:spPr>
+          <a:xfrm rot="10800000">
+            <a:off x="8825500" y="1743917"/>
+            <a:ext cx="247989" cy="238095"/>
+          </a:xfrm>
+          <a:prstGeom prst="triangle">
+            <a:avLst>
+              <a:gd name="adj" fmla="val 97120"/>
+            </a:avLst>
+          </a:prstGeom>
+          <a:solidFill>
+            <a:schemeClr val="bg2">
+              <a:lumMod val="10000"/>
+            </a:schemeClr>
+          </a:solidFill>
+          <a:ln>
+            <a:noFill/>
+          </a:ln>
+        </p:spPr>
+        <p:style>
+          <a:lnRef idx="2">
+            <a:schemeClr val="accent1">
+              <a:shade val="50000"/>
+            </a:schemeClr>
+          </a:lnRef>
+          <a:fillRef idx="1">
+            <a:schemeClr val="accent1"/>
+          </a:fillRef>
+          <a:effectRef idx="0">
+            <a:schemeClr val="accent1"/>
+          </a:effectRef>
+          <a:fontRef idx="minor">
+            <a:schemeClr val="lt1"/>
+          </a:fontRef>
+        </p:style>
+        <p:txBody>
+          <a:bodyPr rtlCol="0" anchor="ctr"/>
+          <a:lstStyle/>
+          <a:p>
+            <a:pPr algn="ctr"/>
+            <a:endParaRPr lang="fr-FR" dirty="0"/>
+          </a:p>
+        </p:txBody>
+      </p:sp>
+      <p:sp>
+        <p:nvSpPr>
+          <p:cNvPr id="140" name="Rectangle 139"/>
+          <p:cNvSpPr/>
+          <p:nvPr/>
+        </p:nvSpPr>
+        <p:spPr>
+          <a:xfrm rot="16200000">
+            <a:off x="8527870" y="1362430"/>
+            <a:ext cx="720000" cy="125451"/>
+          </a:xfrm>
+          <a:prstGeom prst="rect">
+            <a:avLst/>
+          </a:prstGeom>
+          <a:solidFill>
+            <a:schemeClr val="bg2">
+              <a:lumMod val="10000"/>
+            </a:schemeClr>
+          </a:solidFill>
+          <a:ln>
+            <a:noFill/>
+          </a:ln>
+        </p:spPr>
+        <p:style>
+          <a:lnRef idx="2">
+            <a:schemeClr val="accent1">
+              <a:shade val="50000"/>
+            </a:schemeClr>
+          </a:lnRef>
+          <a:fillRef idx="1">
+            <a:schemeClr val="accent1"/>
+          </a:fillRef>
+          <a:effectRef idx="0">
+            <a:schemeClr val="accent1"/>
+          </a:effectRef>
+          <a:fontRef idx="minor">
+            <a:schemeClr val="lt1"/>
+          </a:fontRef>
+        </p:style>
+        <p:txBody>
+          <a:bodyPr rtlCol="0" anchor="ctr"/>
+          <a:lstStyle/>
+          <a:p>
+            <a:pPr algn="ctr"/>
+            <a:endParaRPr lang="fr-FR" dirty="0"/>
+          </a:p>
+        </p:txBody>
+      </p:sp>
+      <p:cxnSp>
+        <p:nvCxnSpPr>
+          <p:cNvPr id="206" name="Connecteur droit 205"/>
+          <p:cNvCxnSpPr/>
+          <p:nvPr/>
+        </p:nvCxnSpPr>
+        <p:spPr>
+          <a:xfrm flipV="1">
+            <a:off x="8954256" y="1188619"/>
+            <a:ext cx="2033109" cy="1558"/>
+          </a:xfrm>
+          <a:prstGeom prst="line">
+            <a:avLst/>
+          </a:prstGeom>
+          <a:ln w="19050">
+            <a:solidFill>
+              <a:schemeClr val="bg1"/>
+            </a:solidFill>
+          </a:ln>
+        </p:spPr>
+        <p:style>
+          <a:lnRef idx="1">
+            <a:schemeClr val="accent1"/>
+          </a:lnRef>
+          <a:fillRef idx="0">
+            <a:schemeClr val="accent1"/>
+          </a:fillRef>
+          <a:effectRef idx="0">
+            <a:schemeClr val="accent1"/>
+          </a:effectRef>
+          <a:fontRef idx="minor">
+            <a:schemeClr val="tx1"/>
+          </a:fontRef>
+        </p:style>
+      </p:cxnSp>
+      <p:cxnSp>
+        <p:nvCxnSpPr>
+          <p:cNvPr id="211" name="Connecteur droit 210"/>
+          <p:cNvCxnSpPr/>
+          <p:nvPr/>
+        </p:nvCxnSpPr>
+        <p:spPr>
+          <a:xfrm flipV="1">
+            <a:off x="8952186" y="1732710"/>
+            <a:ext cx="144000" cy="1558"/>
+          </a:xfrm>
+          <a:prstGeom prst="line">
+            <a:avLst/>
+          </a:prstGeom>
+          <a:ln w="19050">
+            <a:solidFill>
+              <a:schemeClr val="bg1"/>
+            </a:solidFill>
+          </a:ln>
+        </p:spPr>
+        <p:style>
+          <a:lnRef idx="1">
+            <a:schemeClr val="accent1"/>
+          </a:lnRef>
+          <a:fillRef idx="0">
+            <a:schemeClr val="accent1"/>
+          </a:fillRef>
+          <a:effectRef idx="0">
+            <a:schemeClr val="accent1"/>
+          </a:effectRef>
+          <a:fontRef idx="minor">
+            <a:schemeClr val="tx1"/>
+          </a:fontRef>
+        </p:style>
+      </p:cxnSp>
+      <p:sp>
+        <p:nvSpPr>
+          <p:cNvPr id="238" name="Rectangle 237"/>
+          <p:cNvSpPr/>
+          <p:nvPr/>
+        </p:nvSpPr>
+        <p:spPr>
+          <a:xfrm>
+            <a:off x="3526900" y="4076526"/>
+            <a:ext cx="2304000" cy="189733"/>
+          </a:xfrm>
+          <a:prstGeom prst="rect">
+            <a:avLst/>
+          </a:prstGeom>
+          <a:solidFill>
+            <a:srgbClr val="00FF00"/>
+          </a:solidFill>
+          <a:ln>
+            <a:noFill/>
+          </a:ln>
+        </p:spPr>
+        <p:style>
+          <a:lnRef idx="2">
+            <a:schemeClr val="accent1">
+              <a:shade val="50000"/>
+            </a:schemeClr>
+          </a:lnRef>
+          <a:fillRef idx="1">
+            <a:schemeClr val="accent1"/>
+          </a:fillRef>
+          <a:effectRef idx="0">
+            <a:schemeClr val="accent1"/>
+          </a:effectRef>
+          <a:fontRef idx="minor">
+            <a:schemeClr val="lt1"/>
+          </a:fontRef>
+        </p:style>
+        <p:txBody>
+          <a:bodyPr rtlCol="0" anchor="ctr"/>
+          <a:lstStyle/>
+          <a:p>
+            <a:pPr algn="ctr"/>
+            <a:endParaRPr lang="fr-FR" dirty="0"/>
+          </a:p>
+        </p:txBody>
+      </p:sp>
+      <p:sp>
+        <p:nvSpPr>
+          <p:cNvPr id="124" name="Rectangle 123"/>
+          <p:cNvSpPr/>
+          <p:nvPr/>
+        </p:nvSpPr>
+        <p:spPr>
+          <a:xfrm>
+            <a:off x="3526901" y="4174437"/>
+            <a:ext cx="2304000" cy="123838"/>
+          </a:xfrm>
+          <a:prstGeom prst="rect">
+            <a:avLst/>
+          </a:prstGeom>
+          <a:solidFill>
+            <a:schemeClr val="bg2">
+              <a:lumMod val="75000"/>
+            </a:schemeClr>
+          </a:solidFill>
+          <a:ln>
+            <a:noFill/>
+          </a:ln>
+        </p:spPr>
+        <p:style>
+          <a:lnRef idx="2">
+            <a:schemeClr val="accent1">
+              <a:shade val="50000"/>
+            </a:schemeClr>
+          </a:lnRef>
+          <a:fillRef idx="1">
+            <a:schemeClr val="accent1"/>
+          </a:fillRef>
+          <a:effectRef idx="0">
+            <a:schemeClr val="accent1"/>
+          </a:effectRef>
+          <a:fontRef idx="minor">
+            <a:schemeClr val="lt1"/>
+          </a:fontRef>
+        </p:style>
+        <p:txBody>
+          <a:bodyPr rtlCol="0" anchor="ctr"/>
+          <a:lstStyle/>
+          <a:p>
+            <a:pPr algn="ctr"/>
+            <a:endParaRPr lang="fr-FR" dirty="0"/>
+          </a:p>
+        </p:txBody>
+      </p:sp>
+      <p:sp>
+        <p:nvSpPr>
+          <p:cNvPr id="129" name="Rectangle 128"/>
+          <p:cNvSpPr/>
+          <p:nvPr/>
+        </p:nvSpPr>
+        <p:spPr>
+          <a:xfrm rot="5400000">
+            <a:off x="3170605" y="3812528"/>
+            <a:ext cx="831305" cy="128698"/>
+          </a:xfrm>
+          <a:prstGeom prst="rect">
+            <a:avLst/>
+          </a:prstGeom>
+          <a:solidFill>
+            <a:schemeClr val="bg2">
+              <a:lumMod val="75000"/>
+            </a:schemeClr>
+          </a:solidFill>
+          <a:ln>
+            <a:noFill/>
+          </a:ln>
+        </p:spPr>
+        <p:style>
+          <a:lnRef idx="2">
+            <a:schemeClr val="accent1">
+              <a:shade val="50000"/>
+            </a:schemeClr>
+          </a:lnRef>
+          <a:fillRef idx="1">
+            <a:schemeClr val="accent1"/>
+          </a:fillRef>
+          <a:effectRef idx="0">
+            <a:schemeClr val="accent1"/>
+          </a:effectRef>
+          <a:fontRef idx="minor">
+            <a:schemeClr val="lt1"/>
+          </a:fontRef>
+        </p:style>
+        <p:txBody>
+          <a:bodyPr rtlCol="0" anchor="ctr"/>
+          <a:lstStyle/>
+          <a:p>
+            <a:pPr algn="ctr"/>
+            <a:endParaRPr lang="fr-FR" dirty="0"/>
+          </a:p>
+        </p:txBody>
+      </p:sp>
+      <p:sp>
+        <p:nvSpPr>
+          <p:cNvPr id="255" name="TextBox 254"/>
+          <p:cNvSpPr txBox="1"/>
+          <p:nvPr/>
+        </p:nvSpPr>
+        <p:spPr>
+          <a:xfrm>
+            <a:off x="3521909" y="4012332"/>
+            <a:ext cx="2240481" cy="307777"/>
+          </a:xfrm>
+          <a:prstGeom prst="rect">
+            <a:avLst/>
+          </a:prstGeom>
+          <a:noFill/>
+        </p:spPr>
+        <p:txBody>
+          <a:bodyPr wrap="square" rtlCol="0">
+            <a:spAutoFit/>
+          </a:bodyPr>
+          <a:lstStyle/>
+          <a:p>
+            <a:r>
+              <a:rPr lang="fr-FR" sz="1400" i="1" dirty="0" smtClean="0">
+                <a:latin typeface="Bahnschrift Condensed" panose="020B0502040204020203" pitchFamily="34" charset="0"/>
+              </a:rPr>
+              <a:t>Content </a:t>
+            </a:r>
+            <a:r>
+              <a:rPr lang="fr-FR" sz="1400" i="1" dirty="0" err="1" smtClean="0">
+                <a:latin typeface="Bahnschrift Condensed" panose="020B0502040204020203" pitchFamily="34" charset="0"/>
+              </a:rPr>
+              <a:t>Loss</a:t>
+            </a:r>
+            <a:r>
+              <a:rPr lang="fr-FR" sz="1400" i="1" dirty="0" smtClean="0">
+                <a:latin typeface="Bahnschrift Condensed" panose="020B0502040204020203" pitchFamily="34" charset="0"/>
+              </a:rPr>
+              <a:t> = </a:t>
+            </a:r>
+            <a:r>
+              <a:rPr lang="fr-FR" sz="1400" dirty="0" smtClean="0">
+                <a:latin typeface="Bahnschrift Condensed" panose="020B0502040204020203" pitchFamily="34" charset="0"/>
+              </a:rPr>
+              <a:t>|| HD – </a:t>
+            </a:r>
+            <a:r>
+              <a:rPr lang="fr-FR" sz="1400" dirty="0" err="1" smtClean="0">
+                <a:latin typeface="Bahnschrift Condensed" panose="020B0502040204020203" pitchFamily="34" charset="0"/>
+              </a:rPr>
+              <a:t>Upscaled</a:t>
+            </a:r>
+            <a:r>
+              <a:rPr lang="fr-FR" sz="1400" dirty="0" smtClean="0">
+                <a:latin typeface="Bahnschrift Condensed" panose="020B0502040204020203" pitchFamily="34" charset="0"/>
+              </a:rPr>
+              <a:t>||</a:t>
+            </a:r>
+            <a:r>
+              <a:rPr lang="fr-FR" sz="1400" baseline="-25000" dirty="0" smtClean="0">
+                <a:latin typeface="Bahnschrift Condensed" panose="020B0502040204020203" pitchFamily="34" charset="0"/>
+              </a:rPr>
+              <a:t>1</a:t>
+            </a:r>
+            <a:endParaRPr lang="fr-FR" sz="1400" baseline="-25000" dirty="0">
+              <a:latin typeface="Bahnschrift Condensed" panose="020B0502040204020203" pitchFamily="34" charset="0"/>
+            </a:endParaRPr>
+          </a:p>
+        </p:txBody>
+      </p:sp>
+      <p:grpSp>
+        <p:nvGrpSpPr>
+          <p:cNvPr id="162" name="Group 226"/>
+          <p:cNvGrpSpPr/>
+          <p:nvPr/>
+        </p:nvGrpSpPr>
+        <p:grpSpPr>
+          <a:xfrm>
+            <a:off x="5805335" y="3784921"/>
+            <a:ext cx="640865" cy="621181"/>
+            <a:chOff x="5739400" y="3368369"/>
+            <a:chExt cx="640865" cy="621181"/>
           </a:xfrm>
           <a:noFill/>
         </p:grpSpPr>
         <p:sp>
           <p:nvSpPr>
-            <p:cNvPr id="155" name="Oval 214"/>
+            <p:cNvPr id="163" name="Oval 214"/>
             <p:cNvSpPr/>
             <p:nvPr/>
           </p:nvSpPr>
@@ -13446,10 +18585,10 @@
         </p:sp>
         <p:cxnSp>
           <p:nvCxnSpPr>
-            <p:cNvPr id="156" name="Straight Connector 217"/>
+            <p:cNvPr id="213" name="Straight Connector 217"/>
             <p:cNvCxnSpPr>
-              <a:stCxn id="155" idx="1"/>
-              <a:endCxn id="155" idx="5"/>
+              <a:stCxn id="163" idx="1"/>
+              <a:endCxn id="163" idx="5"/>
             </p:cNvCxnSpPr>
             <p:nvPr/>
           </p:nvCxnSpPr>
@@ -13485,10 +18624,10 @@
         </p:cxnSp>
         <p:cxnSp>
           <p:nvCxnSpPr>
-            <p:cNvPr id="157" name="Straight Connector 218"/>
+            <p:cNvPr id="215" name="Straight Connector 218"/>
             <p:cNvCxnSpPr>
-              <a:stCxn id="155" idx="7"/>
-              <a:endCxn id="155" idx="3"/>
+              <a:stCxn id="163" idx="7"/>
+              <a:endCxn id="163" idx="3"/>
             </p:cNvCxnSpPr>
             <p:nvPr/>
           </p:nvCxnSpPr>
@@ -13524,13 +18663,13 @@
         </p:cxnSp>
         <p:sp>
           <p:nvSpPr>
-            <p:cNvPr id="158" name="TextBox 221"/>
+            <p:cNvPr id="216" name="TextBox 221"/>
             <p:cNvSpPr txBox="1"/>
             <p:nvPr/>
           </p:nvSpPr>
           <p:spPr>
             <a:xfrm>
-              <a:off x="5909274" y="3456289"/>
+              <a:off x="5835663" y="3368369"/>
               <a:ext cx="544602" cy="461665"/>
             </a:xfrm>
             <a:prstGeom prst="rect">
@@ -13564,47 +18703,6 @@
           </p:txBody>
         </p:sp>
       </p:grpSp>
-      <p:sp>
-        <p:nvSpPr>
-          <p:cNvPr id="160" name="TextBox 221"/>
-          <p:cNvSpPr txBox="1"/>
-          <p:nvPr/>
-        </p:nvSpPr>
-        <p:spPr>
-          <a:xfrm>
-            <a:off x="5877624" y="4276327"/>
-            <a:ext cx="1134407" cy="369332"/>
-          </a:xfrm>
-          <a:prstGeom prst="rect">
-            <a:avLst/>
-          </a:prstGeom>
-          <a:noFill/>
-          <a:ln>
-            <a:noFill/>
-          </a:ln>
-        </p:spPr>
-        <p:txBody>
-          <a:bodyPr wrap="square" rtlCol="0">
-            <a:spAutoFit/>
-          </a:bodyPr>
-          <a:lstStyle/>
-          <a:p>
-            <a:r>
-              <a:rPr lang="fr-FR" dirty="0">
-                <a:solidFill>
-                  <a:schemeClr val="tx2"/>
-                </a:solidFill>
-              </a:rPr>
-              <a:t>+</a:t>
-            </a:r>
-            <a:endParaRPr lang="fr-FR" dirty="0">
-              <a:solidFill>
-                <a:schemeClr val="tx2"/>
-              </a:solidFill>
-            </a:endParaRPr>
-          </a:p>
-        </p:txBody>
-      </p:sp>
     </p:spTree>
     <p:extLst>
       <p:ext uri="{BB962C8B-B14F-4D97-AF65-F5344CB8AC3E}">
